--- a/g34-slides.pptx
+++ b/g34-slides.pptx
@@ -9854,8 +9854,8 @@
         </p:blipFill>
         <p:spPr>
           <a:xfrm>
-            <a:off x="3852375" y="270225"/>
-            <a:ext cx="4974825" cy="4522900"/>
+            <a:off x="3852375" y="1149725"/>
+            <a:ext cx="4974825" cy="3643400"/>
           </a:xfrm>
           <a:prstGeom prst="rect">
             <a:avLst/>
@@ -12784,7 +12784,7 @@
             </a:pPr>
             <a:r>
               <a:rPr lang="en"/>
-              <a:t>Feedback is welcomed :).</a:t>
+              <a:t>Feedback is welcome :).</a:t>
             </a:r>
             <a:endParaRPr/>
           </a:p>

--- a/g34-slides.pptx
+++ b/g34-slides.pptx
@@ -1,46 +1,53 @@
 
 <file path=ppt/presentation.xml><?xml version="1.0" encoding="utf-8"?>
-<p:presentation xmlns:a="http://schemas.openxmlformats.org/drawingml/2006/main" xmlns:r="http://schemas.openxmlformats.org/officeDocument/2006/relationships" xmlns:mc="http://schemas.openxmlformats.org/markup-compatibility/2006" xmlns:mv="urn:schemas-microsoft-com:mac:vml" xmlns:p="http://schemas.openxmlformats.org/presentationml/2006/main" xmlns:c="http://schemas.openxmlformats.org/drawingml/2006/chart" xmlns:dgm="http://schemas.openxmlformats.org/drawingml/2006/diagram" xmlns:o="urn:schemas-microsoft-com:office:office" xmlns:v="urn:schemas-microsoft-com:vml" xmlns:pvml="urn:schemas-microsoft-com:office:powerpoint" xmlns:com="http://schemas.openxmlformats.org/drawingml/2006/compatibility" xmlns:p14="http://schemas.microsoft.com/office/powerpoint/2010/main" xmlns:p15="http://schemas.microsoft.com/office/powerpoint/2012/main" xmlns:ahyp="http://schemas.microsoft.com/office/drawing/2018/hyperlinkcolor" autoCompressPictures="0" embedTrueTypeFonts="1" strictFirstAndLastChars="0" saveSubsetFonts="1">
+<p:presentation xmlns:a="http://schemas.openxmlformats.org/drawingml/2006/main" xmlns:r="http://schemas.openxmlformats.org/officeDocument/2006/relationships" xmlns:p="http://schemas.openxmlformats.org/presentationml/2006/main" strictFirstAndLastChars="0" embedTrueTypeFonts="1" saveSubsetFonts="1" autoCompressPictures="0">
   <p:sldMasterIdLst>
-    <p:sldMasterId id="2147483659" r:id="rId4"/>
+    <p:sldMasterId id="2147483659" r:id="rId1"/>
   </p:sldMasterIdLst>
   <p:notesMasterIdLst>
-    <p:notesMasterId r:id="rId5"/>
+    <p:notesMasterId r:id="rId21"/>
   </p:notesMasterIdLst>
   <p:sldIdLst>
-    <p:sldId id="256" r:id="rId6"/>
-    <p:sldId id="257" r:id="rId7"/>
-    <p:sldId id="258" r:id="rId8"/>
-    <p:sldId id="259" r:id="rId9"/>
-    <p:sldId id="260" r:id="rId10"/>
-    <p:sldId id="261" r:id="rId11"/>
-    <p:sldId id="262" r:id="rId12"/>
-    <p:sldId id="263" r:id="rId13"/>
-    <p:sldId id="264" r:id="rId14"/>
-    <p:sldId id="265" r:id="rId15"/>
-    <p:sldId id="266" r:id="rId16"/>
-    <p:sldId id="267" r:id="rId17"/>
-    <p:sldId id="268" r:id="rId18"/>
-    <p:sldId id="269" r:id="rId19"/>
-    <p:sldId id="270" r:id="rId20"/>
-    <p:sldId id="271" r:id="rId21"/>
-    <p:sldId id="272" r:id="rId22"/>
-    <p:sldId id="273" r:id="rId23"/>
-    <p:sldId id="274" r:id="rId24"/>
+    <p:sldId id="256" r:id="rId2"/>
+    <p:sldId id="257" r:id="rId3"/>
+    <p:sldId id="258" r:id="rId4"/>
+    <p:sldId id="259" r:id="rId5"/>
+    <p:sldId id="260" r:id="rId6"/>
+    <p:sldId id="261" r:id="rId7"/>
+    <p:sldId id="262" r:id="rId8"/>
+    <p:sldId id="263" r:id="rId9"/>
+    <p:sldId id="264" r:id="rId10"/>
+    <p:sldId id="265" r:id="rId11"/>
+    <p:sldId id="266" r:id="rId12"/>
+    <p:sldId id="267" r:id="rId13"/>
+    <p:sldId id="268" r:id="rId14"/>
+    <p:sldId id="269" r:id="rId15"/>
+    <p:sldId id="270" r:id="rId16"/>
+    <p:sldId id="271" r:id="rId17"/>
+    <p:sldId id="272" r:id="rId18"/>
+    <p:sldId id="273" r:id="rId19"/>
+    <p:sldId id="274" r:id="rId20"/>
   </p:sldIdLst>
-  <p:sldSz cy="5143500" cx="9144000"/>
+  <p:sldSz cx="9144000" cy="5143500" type="screen16x9"/>
   <p:notesSz cx="6858000" cy="9144000"/>
   <p:embeddedFontLst>
     <p:embeddedFont>
-      <p:font typeface="Roboto"/>
-      <p:regular r:id="rId25"/>
-      <p:bold r:id="rId26"/>
-      <p:italic r:id="rId27"/>
-      <p:boldItalic r:id="rId28"/>
+      <p:font typeface="Calibri" panose="020F0502020204030204" pitchFamily="34" charset="0"/>
+      <p:regular r:id="rId22"/>
+      <p:bold r:id="rId23"/>
+      <p:italic r:id="rId24"/>
+      <p:boldItalic r:id="rId25"/>
+    </p:embeddedFont>
+    <p:embeddedFont>
+      <p:font typeface="Roboto" panose="020B0604020202020204" pitchFamily="2" charset="0"/>
+      <p:regular r:id="rId26"/>
+      <p:bold r:id="rId27"/>
+      <p:italic r:id="rId28"/>
+      <p:boldItalic r:id="rId29"/>
     </p:embeddedFont>
   </p:embeddedFontLst>
   <p:defaultTextStyle>
-    <a:defPPr lvl="0" marR="0" rtl="0" algn="l">
+    <a:defPPr marR="0" lvl="0" algn="l" rtl="0">
       <a:lnSpc>
         <a:spcPct val="100000"/>
       </a:lnSpc>
@@ -51,7 +58,7 @@
         <a:spcPts val="0"/>
       </a:spcAft>
     </a:defPPr>
-    <a:lvl1pPr lvl="0" marR="0" rtl="0" algn="l">
+    <a:lvl1pPr marR="0" lvl="0" algn="l" rtl="0">
       <a:lnSpc>
         <a:spcPct val="100000"/>
       </a:lnSpc>
@@ -65,7 +72,7 @@
         <a:srgbClr val="000000"/>
       </a:buClr>
       <a:buFont typeface="Arial"/>
-      <a:defRPr b="0" i="0" sz="1400" u="none" cap="none" strike="noStrike">
+      <a:defRPr sz="1400" b="0" i="0" u="none" strike="noStrike" cap="none">
         <a:solidFill>
           <a:srgbClr val="000000"/>
         </a:solidFill>
@@ -75,7 +82,7 @@
         <a:sym typeface="Arial"/>
       </a:defRPr>
     </a:lvl1pPr>
-    <a:lvl2pPr lvl="1" marR="0" rtl="0" algn="l">
+    <a:lvl2pPr marR="0" lvl="1" algn="l" rtl="0">
       <a:lnSpc>
         <a:spcPct val="100000"/>
       </a:lnSpc>
@@ -89,7 +96,7 @@
         <a:srgbClr val="000000"/>
       </a:buClr>
       <a:buFont typeface="Arial"/>
-      <a:defRPr b="0" i="0" sz="1400" u="none" cap="none" strike="noStrike">
+      <a:defRPr sz="1400" b="0" i="0" u="none" strike="noStrike" cap="none">
         <a:solidFill>
           <a:srgbClr val="000000"/>
         </a:solidFill>
@@ -99,7 +106,7 @@
         <a:sym typeface="Arial"/>
       </a:defRPr>
     </a:lvl2pPr>
-    <a:lvl3pPr lvl="2" marR="0" rtl="0" algn="l">
+    <a:lvl3pPr marR="0" lvl="2" algn="l" rtl="0">
       <a:lnSpc>
         <a:spcPct val="100000"/>
       </a:lnSpc>
@@ -113,7 +120,7 @@
         <a:srgbClr val="000000"/>
       </a:buClr>
       <a:buFont typeface="Arial"/>
-      <a:defRPr b="0" i="0" sz="1400" u="none" cap="none" strike="noStrike">
+      <a:defRPr sz="1400" b="0" i="0" u="none" strike="noStrike" cap="none">
         <a:solidFill>
           <a:srgbClr val="000000"/>
         </a:solidFill>
@@ -123,7 +130,7 @@
         <a:sym typeface="Arial"/>
       </a:defRPr>
     </a:lvl3pPr>
-    <a:lvl4pPr lvl="3" marR="0" rtl="0" algn="l">
+    <a:lvl4pPr marR="0" lvl="3" algn="l" rtl="0">
       <a:lnSpc>
         <a:spcPct val="100000"/>
       </a:lnSpc>
@@ -137,7 +144,7 @@
         <a:srgbClr val="000000"/>
       </a:buClr>
       <a:buFont typeface="Arial"/>
-      <a:defRPr b="0" i="0" sz="1400" u="none" cap="none" strike="noStrike">
+      <a:defRPr sz="1400" b="0" i="0" u="none" strike="noStrike" cap="none">
         <a:solidFill>
           <a:srgbClr val="000000"/>
         </a:solidFill>
@@ -147,7 +154,7 @@
         <a:sym typeface="Arial"/>
       </a:defRPr>
     </a:lvl4pPr>
-    <a:lvl5pPr lvl="4" marR="0" rtl="0" algn="l">
+    <a:lvl5pPr marR="0" lvl="4" algn="l" rtl="0">
       <a:lnSpc>
         <a:spcPct val="100000"/>
       </a:lnSpc>
@@ -161,7 +168,7 @@
         <a:srgbClr val="000000"/>
       </a:buClr>
       <a:buFont typeface="Arial"/>
-      <a:defRPr b="0" i="0" sz="1400" u="none" cap="none" strike="noStrike">
+      <a:defRPr sz="1400" b="0" i="0" u="none" strike="noStrike" cap="none">
         <a:solidFill>
           <a:srgbClr val="000000"/>
         </a:solidFill>
@@ -171,7 +178,7 @@
         <a:sym typeface="Arial"/>
       </a:defRPr>
     </a:lvl5pPr>
-    <a:lvl6pPr lvl="5" marR="0" rtl="0" algn="l">
+    <a:lvl6pPr marR="0" lvl="5" algn="l" rtl="0">
       <a:lnSpc>
         <a:spcPct val="100000"/>
       </a:lnSpc>
@@ -185,7 +192,7 @@
         <a:srgbClr val="000000"/>
       </a:buClr>
       <a:buFont typeface="Arial"/>
-      <a:defRPr b="0" i="0" sz="1400" u="none" cap="none" strike="noStrike">
+      <a:defRPr sz="1400" b="0" i="0" u="none" strike="noStrike" cap="none">
         <a:solidFill>
           <a:srgbClr val="000000"/>
         </a:solidFill>
@@ -195,7 +202,7 @@
         <a:sym typeface="Arial"/>
       </a:defRPr>
     </a:lvl6pPr>
-    <a:lvl7pPr lvl="6" marR="0" rtl="0" algn="l">
+    <a:lvl7pPr marR="0" lvl="6" algn="l" rtl="0">
       <a:lnSpc>
         <a:spcPct val="100000"/>
       </a:lnSpc>
@@ -209,7 +216,7 @@
         <a:srgbClr val="000000"/>
       </a:buClr>
       <a:buFont typeface="Arial"/>
-      <a:defRPr b="0" i="0" sz="1400" u="none" cap="none" strike="noStrike">
+      <a:defRPr sz="1400" b="0" i="0" u="none" strike="noStrike" cap="none">
         <a:solidFill>
           <a:srgbClr val="000000"/>
         </a:solidFill>
@@ -219,7 +226,7 @@
         <a:sym typeface="Arial"/>
       </a:defRPr>
     </a:lvl7pPr>
-    <a:lvl8pPr lvl="7" marR="0" rtl="0" algn="l">
+    <a:lvl8pPr marR="0" lvl="7" algn="l" rtl="0">
       <a:lnSpc>
         <a:spcPct val="100000"/>
       </a:lnSpc>
@@ -233,7 +240,7 @@
         <a:srgbClr val="000000"/>
       </a:buClr>
       <a:buFont typeface="Arial"/>
-      <a:defRPr b="0" i="0" sz="1400" u="none" cap="none" strike="noStrike">
+      <a:defRPr sz="1400" b="0" i="0" u="none" strike="noStrike" cap="none">
         <a:solidFill>
           <a:srgbClr val="000000"/>
         </a:solidFill>
@@ -243,7 +250,7 @@
         <a:sym typeface="Arial"/>
       </a:defRPr>
     </a:lvl8pPr>
-    <a:lvl9pPr lvl="8" marR="0" rtl="0" algn="l">
+    <a:lvl9pPr marR="0" lvl="8" algn="l" rtl="0">
       <a:lnSpc>
         <a:spcPct val="100000"/>
       </a:lnSpc>
@@ -257,7 +264,7 @@
         <a:srgbClr val="000000"/>
       </a:buClr>
       <a:buFont typeface="Arial"/>
-      <a:defRPr b="0" i="0" sz="1400" u="none" cap="none" strike="noStrike">
+      <a:defRPr sz="1400" b="0" i="0" u="none" strike="noStrike" cap="none">
         <a:solidFill>
           <a:srgbClr val="000000"/>
         </a:solidFill>
@@ -270,7 +277,7 @@
   </p:defaultTextStyle>
   <p:extLst>
     <p:ext uri="{EFAFB233-063F-42B5-8137-9DF3F51BA10A}">
-      <p15:sldGuideLst>
+      <p15:sldGuideLst xmlns:p15="http://schemas.microsoft.com/office/powerpoint/2012/main">
         <p15:guide id="1" orient="horz" pos="1620">
           <p15:clr>
             <a:srgbClr val="A4A3A4"/>
@@ -287,12 +294,46 @@
 </p:presentation>
 </file>
 
+<file path=ppt/changesInfos/changesInfo1.xml><?xml version="1.0" encoding="utf-8"?>
+<pc:chgInfo xmlns:a="http://schemas.openxmlformats.org/drawingml/2006/main" xmlns:r="http://schemas.openxmlformats.org/officeDocument/2006/relationships" xmlns:ac="http://schemas.microsoft.com/office/drawing/2013/main/command" xmlns:pc="http://schemas.microsoft.com/office/powerpoint/2013/main/command">
+  <pc:docChgLst>
+    <pc:chgData name="Pranshu Sahijwani" userId="e5b83039-c57e-439a-bf3a-ad2b596553b7" providerId="ADAL" clId="{C0B6C33F-1FE0-4609-9950-B6F3DF40A764}"/>
+    <pc:docChg chg="modSld">
+      <pc:chgData name="Pranshu Sahijwani" userId="e5b83039-c57e-439a-bf3a-ad2b596553b7" providerId="ADAL" clId="{C0B6C33F-1FE0-4609-9950-B6F3DF40A764}" dt="2021-11-21T13:50:56.724" v="129" actId="20577"/>
+      <pc:docMkLst>
+        <pc:docMk/>
+      </pc:docMkLst>
+      <pc:sldChg chg="modSp mod">
+        <pc:chgData name="Pranshu Sahijwani" userId="e5b83039-c57e-439a-bf3a-ad2b596553b7" providerId="ADAL" clId="{C0B6C33F-1FE0-4609-9950-B6F3DF40A764}" dt="2021-11-21T13:50:56.724" v="129" actId="20577"/>
+        <pc:sldMkLst>
+          <pc:docMk/>
+          <pc:sldMk cId="0" sldId="256"/>
+        </pc:sldMkLst>
+        <pc:spChg chg="mod">
+          <ac:chgData name="Pranshu Sahijwani" userId="e5b83039-c57e-439a-bf3a-ad2b596553b7" providerId="ADAL" clId="{C0B6C33F-1FE0-4609-9950-B6F3DF40A764}" dt="2021-11-21T13:50:56.724" v="129" actId="20577"/>
+          <ac:spMkLst>
+            <pc:docMk/>
+            <pc:sldMk cId="0" sldId="256"/>
+            <ac:spMk id="87" creationId="{00000000-0000-0000-0000-000000000000}"/>
+          </ac:spMkLst>
+        </pc:spChg>
+      </pc:sldChg>
+    </pc:docChg>
+  </pc:docChgLst>
+</pc:chgInfo>
+</file>
+
 <file path=ppt/notesMasters/notesMaster1.xml><?xml version="1.0" encoding="utf-8"?>
-<p:notesMaster xmlns:a="http://schemas.openxmlformats.org/drawingml/2006/main" xmlns:r="http://schemas.openxmlformats.org/officeDocument/2006/relationships" xmlns:mc="http://schemas.openxmlformats.org/markup-compatibility/2006" xmlns:mv="urn:schemas-microsoft-com:mac:vml" xmlns:p="http://schemas.openxmlformats.org/presentationml/2006/main" xmlns:c="http://schemas.openxmlformats.org/drawingml/2006/chart" xmlns:dgm="http://schemas.openxmlformats.org/drawingml/2006/diagram" xmlns:o="urn:schemas-microsoft-com:office:office" xmlns:v="urn:schemas-microsoft-com:vml" xmlns:pvml="urn:schemas-microsoft-com:office:powerpoint" xmlns:com="http://schemas.openxmlformats.org/drawingml/2006/compatibility" xmlns:p14="http://schemas.microsoft.com/office/powerpoint/2010/main" xmlns:p15="http://schemas.microsoft.com/office/powerpoint/2012/main" xmlns:ahyp="http://schemas.microsoft.com/office/drawing/2018/hyperlinkcolor">
+<p:notesMaster xmlns:a="http://schemas.openxmlformats.org/drawingml/2006/main" xmlns:r="http://schemas.openxmlformats.org/officeDocument/2006/relationships" xmlns:p="http://schemas.openxmlformats.org/presentationml/2006/main">
   <p:cSld>
+    <p:bg>
+      <p:bgRef idx="1001">
+        <a:schemeClr val="bg1"/>
+      </p:bgRef>
+    </p:bg>
     <p:spTree>
       <p:nvGrpSpPr>
-        <p:cNvPr id="2" name="Shape 2"/>
+        <p:cNvPr id="1" name="Shape 2"/>
         <p:cNvGrpSpPr/>
         <p:nvPr/>
       </p:nvGrpSpPr>
@@ -307,9 +348,11 @@
       <p:sp>
         <p:nvSpPr>
           <p:cNvPr id="3" name="Google Shape;3;n"/>
-          <p:cNvSpPr/>
+          <p:cNvSpPr>
+            <a:spLocks noGrp="1" noRot="1" noChangeAspect="1"/>
+          </p:cNvSpPr>
           <p:nvPr>
-            <p:ph idx="2" type="sldImg"/>
+            <p:ph type="sldImg" idx="2"/>
           </p:nvPr>
         </p:nvSpPr>
         <p:spPr>
@@ -318,9 +361,13 @@
             <a:ext cx="6096075" cy="3429000"/>
           </a:xfrm>
           <a:custGeom>
-            <a:rect b="b" l="l" r="r" t="t"/>
+            <a:avLst/>
+            <a:gdLst/>
+            <a:ahLst/>
+            <a:cxnLst/>
+            <a:rect l="l" t="t" r="r" b="b"/>
             <a:pathLst>
-              <a:path extrusionOk="0" h="120000" w="120000">
+              <a:path w="120000" h="120000" extrusionOk="0">
                 <a:moveTo>
                   <a:pt x="0" y="0"/>
                 </a:moveTo>
@@ -338,23 +385,25 @@
             </a:pathLst>
           </a:custGeom>
           <a:noFill/>
-          <a:ln cap="flat" cmpd="sng" w="9525">
+          <a:ln w="9525" cap="flat" cmpd="sng">
             <a:solidFill>
               <a:srgbClr val="000000"/>
             </a:solidFill>
             <a:prstDash val="solid"/>
             <a:round/>
-            <a:headEnd len="sm" w="sm" type="none"/>
-            <a:tailEnd len="sm" w="sm" type="none"/>
+            <a:headEnd type="none" w="sm" len="sm"/>
+            <a:tailEnd type="none" w="sm" len="sm"/>
           </a:ln>
         </p:spPr>
       </p:sp>
       <p:sp>
         <p:nvSpPr>
           <p:cNvPr id="4" name="Google Shape;4;n"/>
-          <p:cNvSpPr txBox="1"/>
+          <p:cNvSpPr txBox="1">
+            <a:spLocks noGrp="1"/>
+          </p:cNvSpPr>
           <p:nvPr>
-            <p:ph idx="1" type="body"/>
+            <p:ph type="body" idx="1"/>
           </p:nvPr>
         </p:nvSpPr>
         <p:spPr>
@@ -371,11 +420,11 @@
           </a:ln>
         </p:spPr>
         <p:txBody>
-          <a:bodyPr anchorCtr="0" anchor="t" bIns="91425" lIns="91425" spcFirstLastPara="1" rIns="91425" wrap="square" tIns="91425">
+          <a:bodyPr spcFirstLastPara="1" wrap="square" lIns="91425" tIns="91425" rIns="91425" bIns="91425" anchor="t" anchorCtr="0">
             <a:noAutofit/>
           </a:bodyPr>
           <a:lstStyle>
-            <a:lvl1pPr indent="-317500" lvl="0" marL="457200">
+            <a:lvl1pPr marL="457200" lvl="0" indent="-317500">
               <a:spcBef>
                 <a:spcPts val="0"/>
               </a:spcBef>
@@ -386,7 +435,7 @@
               <a:buChar char="●"/>
               <a:defRPr sz="1100"/>
             </a:lvl1pPr>
-            <a:lvl2pPr indent="-317500" lvl="1" marL="914400">
+            <a:lvl2pPr marL="914400" lvl="1" indent="-317500">
               <a:spcBef>
                 <a:spcPts val="0"/>
               </a:spcBef>
@@ -397,7 +446,7 @@
               <a:buChar char="○"/>
               <a:defRPr sz="1100"/>
             </a:lvl2pPr>
-            <a:lvl3pPr indent="-317500" lvl="2" marL="1371600">
+            <a:lvl3pPr marL="1371600" lvl="2" indent="-317500">
               <a:spcBef>
                 <a:spcPts val="0"/>
               </a:spcBef>
@@ -408,7 +457,7 @@
               <a:buChar char="■"/>
               <a:defRPr sz="1100"/>
             </a:lvl3pPr>
-            <a:lvl4pPr indent="-317500" lvl="3" marL="1828800">
+            <a:lvl4pPr marL="1828800" lvl="3" indent="-317500">
               <a:spcBef>
                 <a:spcPts val="0"/>
               </a:spcBef>
@@ -419,7 +468,7 @@
               <a:buChar char="●"/>
               <a:defRPr sz="1100"/>
             </a:lvl4pPr>
-            <a:lvl5pPr indent="-317500" lvl="4" marL="2286000">
+            <a:lvl5pPr marL="2286000" lvl="4" indent="-317500">
               <a:spcBef>
                 <a:spcPts val="0"/>
               </a:spcBef>
@@ -430,7 +479,7 @@
               <a:buChar char="○"/>
               <a:defRPr sz="1100"/>
             </a:lvl5pPr>
-            <a:lvl6pPr indent="-317500" lvl="5" marL="2743200">
+            <a:lvl6pPr marL="2743200" lvl="5" indent="-317500">
               <a:spcBef>
                 <a:spcPts val="0"/>
               </a:spcBef>
@@ -441,7 +490,7 @@
               <a:buChar char="■"/>
               <a:defRPr sz="1100"/>
             </a:lvl6pPr>
-            <a:lvl7pPr indent="-317500" lvl="6" marL="3200400">
+            <a:lvl7pPr marL="3200400" lvl="6" indent="-317500">
               <a:spcBef>
                 <a:spcPts val="0"/>
               </a:spcBef>
@@ -452,7 +501,7 @@
               <a:buChar char="●"/>
               <a:defRPr sz="1100"/>
             </a:lvl7pPr>
-            <a:lvl8pPr indent="-317500" lvl="7" marL="3657600">
+            <a:lvl8pPr marL="3657600" lvl="7" indent="-317500">
               <a:spcBef>
                 <a:spcPts val="0"/>
               </a:spcBef>
@@ -463,7 +512,7 @@
               <a:buChar char="○"/>
               <a:defRPr sz="1100"/>
             </a:lvl8pPr>
-            <a:lvl9pPr indent="-317500" lvl="8" marL="4114800">
+            <a:lvl9pPr marL="4114800" lvl="8" indent="-317500">
               <a:spcBef>
                 <a:spcPts val="0"/>
               </a:spcBef>
@@ -475,14 +524,16 @@
               <a:defRPr sz="1100"/>
             </a:lvl9pPr>
           </a:lstStyle>
-          <a:p/>
+          <a:p>
+            <a:endParaRPr/>
+          </a:p>
         </p:txBody>
       </p:sp>
     </p:spTree>
   </p:cSld>
-  <p:clrMap accent1="accent1" accent2="accent2" accent3="accent3" accent4="accent4" accent5="accent5" accent6="accent6" bg1="lt1" bg2="dk2" tx1="dk1" tx2="lt2" folHlink="folHlink" hlink="hlink"/>
+  <p:clrMap bg1="lt1" tx1="dk1" bg2="dk2" tx2="lt2" accent1="accent1" accent2="accent2" accent3="accent3" accent4="accent4" accent5="accent5" accent6="accent6" hlink="hlink" folHlink="folHlink"/>
   <p:notesStyle>
-    <a:defPPr lvl="0" marR="0" rtl="0" algn="l">
+    <a:defPPr marR="0" lvl="0" algn="l" rtl="0">
       <a:lnSpc>
         <a:spcPct val="100000"/>
       </a:lnSpc>
@@ -493,7 +544,7 @@
         <a:spcPts val="0"/>
       </a:spcAft>
     </a:defPPr>
-    <a:lvl1pPr lvl="0" marR="0" rtl="0" algn="l">
+    <a:lvl1pPr marR="0" lvl="0" algn="l" rtl="0">
       <a:lnSpc>
         <a:spcPct val="100000"/>
       </a:lnSpc>
@@ -507,7 +558,7 @@
         <a:srgbClr val="000000"/>
       </a:buClr>
       <a:buFont typeface="Arial"/>
-      <a:defRPr b="0" i="0" sz="1400" u="none" cap="none" strike="noStrike">
+      <a:defRPr sz="1400" b="0" i="0" u="none" strike="noStrike" cap="none">
         <a:solidFill>
           <a:srgbClr val="000000"/>
         </a:solidFill>
@@ -517,7 +568,7 @@
         <a:sym typeface="Arial"/>
       </a:defRPr>
     </a:lvl1pPr>
-    <a:lvl2pPr lvl="1" marR="0" rtl="0" algn="l">
+    <a:lvl2pPr marR="0" lvl="1" algn="l" rtl="0">
       <a:lnSpc>
         <a:spcPct val="100000"/>
       </a:lnSpc>
@@ -531,7 +582,7 @@
         <a:srgbClr val="000000"/>
       </a:buClr>
       <a:buFont typeface="Arial"/>
-      <a:defRPr b="0" i="0" sz="1400" u="none" cap="none" strike="noStrike">
+      <a:defRPr sz="1400" b="0" i="0" u="none" strike="noStrike" cap="none">
         <a:solidFill>
           <a:srgbClr val="000000"/>
         </a:solidFill>
@@ -541,7 +592,7 @@
         <a:sym typeface="Arial"/>
       </a:defRPr>
     </a:lvl2pPr>
-    <a:lvl3pPr lvl="2" marR="0" rtl="0" algn="l">
+    <a:lvl3pPr marR="0" lvl="2" algn="l" rtl="0">
       <a:lnSpc>
         <a:spcPct val="100000"/>
       </a:lnSpc>
@@ -555,7 +606,7 @@
         <a:srgbClr val="000000"/>
       </a:buClr>
       <a:buFont typeface="Arial"/>
-      <a:defRPr b="0" i="0" sz="1400" u="none" cap="none" strike="noStrike">
+      <a:defRPr sz="1400" b="0" i="0" u="none" strike="noStrike" cap="none">
         <a:solidFill>
           <a:srgbClr val="000000"/>
         </a:solidFill>
@@ -565,7 +616,7 @@
         <a:sym typeface="Arial"/>
       </a:defRPr>
     </a:lvl3pPr>
-    <a:lvl4pPr lvl="3" marR="0" rtl="0" algn="l">
+    <a:lvl4pPr marR="0" lvl="3" algn="l" rtl="0">
       <a:lnSpc>
         <a:spcPct val="100000"/>
       </a:lnSpc>
@@ -579,7 +630,7 @@
         <a:srgbClr val="000000"/>
       </a:buClr>
       <a:buFont typeface="Arial"/>
-      <a:defRPr b="0" i="0" sz="1400" u="none" cap="none" strike="noStrike">
+      <a:defRPr sz="1400" b="0" i="0" u="none" strike="noStrike" cap="none">
         <a:solidFill>
           <a:srgbClr val="000000"/>
         </a:solidFill>
@@ -589,7 +640,7 @@
         <a:sym typeface="Arial"/>
       </a:defRPr>
     </a:lvl4pPr>
-    <a:lvl5pPr lvl="4" marR="0" rtl="0" algn="l">
+    <a:lvl5pPr marR="0" lvl="4" algn="l" rtl="0">
       <a:lnSpc>
         <a:spcPct val="100000"/>
       </a:lnSpc>
@@ -603,7 +654,7 @@
         <a:srgbClr val="000000"/>
       </a:buClr>
       <a:buFont typeface="Arial"/>
-      <a:defRPr b="0" i="0" sz="1400" u="none" cap="none" strike="noStrike">
+      <a:defRPr sz="1400" b="0" i="0" u="none" strike="noStrike" cap="none">
         <a:solidFill>
           <a:srgbClr val="000000"/>
         </a:solidFill>
@@ -613,7 +664,7 @@
         <a:sym typeface="Arial"/>
       </a:defRPr>
     </a:lvl5pPr>
-    <a:lvl6pPr lvl="5" marR="0" rtl="0" algn="l">
+    <a:lvl6pPr marR="0" lvl="5" algn="l" rtl="0">
       <a:lnSpc>
         <a:spcPct val="100000"/>
       </a:lnSpc>
@@ -627,7 +678,7 @@
         <a:srgbClr val="000000"/>
       </a:buClr>
       <a:buFont typeface="Arial"/>
-      <a:defRPr b="0" i="0" sz="1400" u="none" cap="none" strike="noStrike">
+      <a:defRPr sz="1400" b="0" i="0" u="none" strike="noStrike" cap="none">
         <a:solidFill>
           <a:srgbClr val="000000"/>
         </a:solidFill>
@@ -637,7 +688,7 @@
         <a:sym typeface="Arial"/>
       </a:defRPr>
     </a:lvl6pPr>
-    <a:lvl7pPr lvl="6" marR="0" rtl="0" algn="l">
+    <a:lvl7pPr marR="0" lvl="6" algn="l" rtl="0">
       <a:lnSpc>
         <a:spcPct val="100000"/>
       </a:lnSpc>
@@ -651,7 +702,7 @@
         <a:srgbClr val="000000"/>
       </a:buClr>
       <a:buFont typeface="Arial"/>
-      <a:defRPr b="0" i="0" sz="1400" u="none" cap="none" strike="noStrike">
+      <a:defRPr sz="1400" b="0" i="0" u="none" strike="noStrike" cap="none">
         <a:solidFill>
           <a:srgbClr val="000000"/>
         </a:solidFill>
@@ -661,7 +712,7 @@
         <a:sym typeface="Arial"/>
       </a:defRPr>
     </a:lvl7pPr>
-    <a:lvl8pPr lvl="7" marR="0" rtl="0" algn="l">
+    <a:lvl8pPr marR="0" lvl="7" algn="l" rtl="0">
       <a:lnSpc>
         <a:spcPct val="100000"/>
       </a:lnSpc>
@@ -675,7 +726,7 @@
         <a:srgbClr val="000000"/>
       </a:buClr>
       <a:buFont typeface="Arial"/>
-      <a:defRPr b="0" i="0" sz="1400" u="none" cap="none" strike="noStrike">
+      <a:defRPr sz="1400" b="0" i="0" u="none" strike="noStrike" cap="none">
         <a:solidFill>
           <a:srgbClr val="000000"/>
         </a:solidFill>
@@ -685,7 +736,7 @@
         <a:sym typeface="Arial"/>
       </a:defRPr>
     </a:lvl8pPr>
-    <a:lvl9pPr lvl="8" marR="0" rtl="0" algn="l">
+    <a:lvl9pPr marR="0" lvl="8" algn="l" rtl="0">
       <a:lnSpc>
         <a:spcPct val="100000"/>
       </a:lnSpc>
@@ -699,7 +750,7 @@
         <a:srgbClr val="000000"/>
       </a:buClr>
       <a:buFont typeface="Arial"/>
-      <a:defRPr b="0" i="0" sz="1400" u="none" cap="none" strike="noStrike">
+      <a:defRPr sz="1400" b="0" i="0" u="none" strike="noStrike" cap="none">
         <a:solidFill>
           <a:srgbClr val="000000"/>
         </a:solidFill>
@@ -714,11 +765,11 @@
 </file>
 
 <file path=ppt/notesSlides/notesSlide1.xml><?xml version="1.0" encoding="utf-8"?>
-<p:notes xmlns:a="http://schemas.openxmlformats.org/drawingml/2006/main" xmlns:r="http://schemas.openxmlformats.org/officeDocument/2006/relationships" xmlns:mc="http://schemas.openxmlformats.org/markup-compatibility/2006" xmlns:mv="urn:schemas-microsoft-com:mac:vml" xmlns:p="http://schemas.openxmlformats.org/presentationml/2006/main" xmlns:c="http://schemas.openxmlformats.org/drawingml/2006/chart" xmlns:dgm="http://schemas.openxmlformats.org/drawingml/2006/diagram" xmlns:o="urn:schemas-microsoft-com:office:office" xmlns:v="urn:schemas-microsoft-com:vml" xmlns:pvml="urn:schemas-microsoft-com:office:powerpoint" xmlns:com="http://schemas.openxmlformats.org/drawingml/2006/compatibility" xmlns:p14="http://schemas.microsoft.com/office/powerpoint/2010/main" xmlns:p15="http://schemas.microsoft.com/office/powerpoint/2012/main" xmlns:ahyp="http://schemas.microsoft.com/office/drawing/2018/hyperlinkcolor" showMasterPhAnim="0" showMasterSp="0">
+<p:notes xmlns:a="http://schemas.openxmlformats.org/drawingml/2006/main" xmlns:r="http://schemas.openxmlformats.org/officeDocument/2006/relationships" xmlns:p="http://schemas.openxmlformats.org/presentationml/2006/main" showMasterSp="0" showMasterPhAnim="0">
   <p:cSld>
     <p:spTree>
       <p:nvGrpSpPr>
-        <p:cNvPr id="81" name="Shape 81"/>
+        <p:cNvPr id="1" name="Shape 81"/>
         <p:cNvGrpSpPr/>
         <p:nvPr/>
       </p:nvGrpSpPr>
@@ -733,20 +784,26 @@
       <p:sp>
         <p:nvSpPr>
           <p:cNvPr id="82" name="Google Shape;82;gc6f9e470d_0_0:notes"/>
-          <p:cNvSpPr/>
+          <p:cNvSpPr>
+            <a:spLocks noGrp="1" noRot="1" noChangeAspect="1"/>
+          </p:cNvSpPr>
           <p:nvPr>
-            <p:ph idx="2" type="sldImg"/>
+            <p:ph type="sldImg" idx="2"/>
           </p:nvPr>
         </p:nvSpPr>
         <p:spPr>
           <a:xfrm>
-            <a:off x="381188" y="685800"/>
-            <a:ext cx="6096300" cy="3429000"/>
+            <a:off x="381000" y="685800"/>
+            <a:ext cx="6096000" cy="3429000"/>
           </a:xfrm>
           <a:custGeom>
-            <a:rect b="b" l="l" r="r" t="t"/>
+            <a:avLst/>
+            <a:gdLst/>
+            <a:ahLst/>
+            <a:cxnLst/>
+            <a:rect l="l" t="t" r="r" b="b"/>
             <a:pathLst>
-              <a:path extrusionOk="0" h="120000" w="120000">
+              <a:path w="120000" h="120000" extrusionOk="0">
                 <a:moveTo>
                   <a:pt x="0" y="0"/>
                 </a:moveTo>
@@ -768,9 +825,11 @@
       <p:sp>
         <p:nvSpPr>
           <p:cNvPr id="83" name="Google Shape;83;gc6f9e470d_0_0:notes"/>
-          <p:cNvSpPr txBox="1"/>
+          <p:cNvSpPr txBox="1">
+            <a:spLocks noGrp="1"/>
+          </p:cNvSpPr>
           <p:nvPr>
-            <p:ph idx="1" type="body"/>
+            <p:ph type="body" idx="1"/>
           </p:nvPr>
         </p:nvSpPr>
         <p:spPr>
@@ -783,12 +842,12 @@
           </a:prstGeom>
         </p:spPr>
         <p:txBody>
-          <a:bodyPr anchorCtr="0" anchor="t" bIns="91425" lIns="91425" spcFirstLastPara="1" rIns="91425" wrap="square" tIns="91425">
+          <a:bodyPr spcFirstLastPara="1" wrap="square" lIns="91425" tIns="91425" rIns="91425" bIns="91425" anchor="t" anchorCtr="0">
             <a:noAutofit/>
           </a:bodyPr>
           <a:lstStyle/>
           <a:p>
-            <a:pPr indent="0" lvl="0" marL="0" rtl="0" algn="l">
+            <a:pPr marL="0" lvl="0" indent="0" algn="l" rtl="0">
               <a:spcBef>
                 <a:spcPts val="0"/>
               </a:spcBef>
@@ -797,9 +856,6 @@
               </a:spcAft>
               <a:buNone/>
             </a:pPr>
-            <a:r>
-              <a:t/>
-            </a:r>
             <a:endParaRPr/>
           </a:p>
         </p:txBody>
@@ -813,11 +869,11 @@
 </file>
 
 <file path=ppt/notesSlides/notesSlide10.xml><?xml version="1.0" encoding="utf-8"?>
-<p:notes xmlns:a="http://schemas.openxmlformats.org/drawingml/2006/main" xmlns:r="http://schemas.openxmlformats.org/officeDocument/2006/relationships" xmlns:mc="http://schemas.openxmlformats.org/markup-compatibility/2006" xmlns:mv="urn:schemas-microsoft-com:mac:vml" xmlns:p="http://schemas.openxmlformats.org/presentationml/2006/main" xmlns:c="http://schemas.openxmlformats.org/drawingml/2006/chart" xmlns:dgm="http://schemas.openxmlformats.org/drawingml/2006/diagram" xmlns:o="urn:schemas-microsoft-com:office:office" xmlns:v="urn:schemas-microsoft-com:vml" xmlns:pvml="urn:schemas-microsoft-com:office:powerpoint" xmlns:com="http://schemas.openxmlformats.org/drawingml/2006/compatibility" xmlns:p14="http://schemas.microsoft.com/office/powerpoint/2010/main" xmlns:p15="http://schemas.microsoft.com/office/powerpoint/2012/main" xmlns:ahyp="http://schemas.microsoft.com/office/drawing/2018/hyperlinkcolor" showMasterPhAnim="0" showMasterSp="0">
+<p:notes xmlns:a="http://schemas.openxmlformats.org/drawingml/2006/main" xmlns:r="http://schemas.openxmlformats.org/officeDocument/2006/relationships" xmlns:p="http://schemas.openxmlformats.org/presentationml/2006/main" showMasterSp="0" showMasterPhAnim="0">
   <p:cSld>
     <p:spTree>
       <p:nvGrpSpPr>
-        <p:cNvPr id="144" name="Shape 144"/>
+        <p:cNvPr id="1" name="Shape 144"/>
         <p:cNvGrpSpPr/>
         <p:nvPr/>
       </p:nvGrpSpPr>
@@ -832,9 +888,11 @@
       <p:sp>
         <p:nvSpPr>
           <p:cNvPr id="145" name="Google Shape;145;gc6f9e470d_0_5:notes"/>
-          <p:cNvSpPr/>
+          <p:cNvSpPr>
+            <a:spLocks noGrp="1" noRot="1" noChangeAspect="1"/>
+          </p:cNvSpPr>
           <p:nvPr>
-            <p:ph idx="2" type="sldImg"/>
+            <p:ph type="sldImg" idx="2"/>
           </p:nvPr>
         </p:nvSpPr>
         <p:spPr>
@@ -843,9 +901,13 @@
             <a:ext cx="6096300" cy="3429000"/>
           </a:xfrm>
           <a:custGeom>
-            <a:rect b="b" l="l" r="r" t="t"/>
+            <a:avLst/>
+            <a:gdLst/>
+            <a:ahLst/>
+            <a:cxnLst/>
+            <a:rect l="l" t="t" r="r" b="b"/>
             <a:pathLst>
-              <a:path extrusionOk="0" h="120000" w="120000">
+              <a:path w="120000" h="120000" extrusionOk="0">
                 <a:moveTo>
                   <a:pt x="0" y="0"/>
                 </a:moveTo>
@@ -867,9 +929,11 @@
       <p:sp>
         <p:nvSpPr>
           <p:cNvPr id="146" name="Google Shape;146;gc6f9e470d_0_5:notes"/>
-          <p:cNvSpPr txBox="1"/>
+          <p:cNvSpPr txBox="1">
+            <a:spLocks noGrp="1"/>
+          </p:cNvSpPr>
           <p:nvPr>
-            <p:ph idx="1" type="body"/>
+            <p:ph type="body" idx="1"/>
           </p:nvPr>
         </p:nvSpPr>
         <p:spPr>
@@ -882,12 +946,12 @@
           </a:prstGeom>
         </p:spPr>
         <p:txBody>
-          <a:bodyPr anchorCtr="0" anchor="t" bIns="91425" lIns="91425" spcFirstLastPara="1" rIns="91425" wrap="square" tIns="91425">
+          <a:bodyPr spcFirstLastPara="1" wrap="square" lIns="91425" tIns="91425" rIns="91425" bIns="91425" anchor="t" anchorCtr="0">
             <a:noAutofit/>
           </a:bodyPr>
           <a:lstStyle/>
           <a:p>
-            <a:pPr indent="0" lvl="0" marL="0" rtl="0" algn="l">
+            <a:pPr marL="0" lvl="0" indent="0" algn="l" rtl="0">
               <a:spcBef>
                 <a:spcPts val="0"/>
               </a:spcBef>
@@ -896,9 +960,6 @@
               </a:spcAft>
               <a:buNone/>
             </a:pPr>
-            <a:r>
-              <a:t/>
-            </a:r>
             <a:endParaRPr/>
           </a:p>
         </p:txBody>
@@ -912,11 +973,11 @@
 </file>
 
 <file path=ppt/notesSlides/notesSlide11.xml><?xml version="1.0" encoding="utf-8"?>
-<p:notes xmlns:a="http://schemas.openxmlformats.org/drawingml/2006/main" xmlns:r="http://schemas.openxmlformats.org/officeDocument/2006/relationships" xmlns:mc="http://schemas.openxmlformats.org/markup-compatibility/2006" xmlns:mv="urn:schemas-microsoft-com:mac:vml" xmlns:p="http://schemas.openxmlformats.org/presentationml/2006/main" xmlns:c="http://schemas.openxmlformats.org/drawingml/2006/chart" xmlns:dgm="http://schemas.openxmlformats.org/drawingml/2006/diagram" xmlns:o="urn:schemas-microsoft-com:office:office" xmlns:v="urn:schemas-microsoft-com:vml" xmlns:pvml="urn:schemas-microsoft-com:office:powerpoint" xmlns:com="http://schemas.openxmlformats.org/drawingml/2006/compatibility" xmlns:p14="http://schemas.microsoft.com/office/powerpoint/2010/main" xmlns:p15="http://schemas.microsoft.com/office/powerpoint/2012/main" xmlns:ahyp="http://schemas.microsoft.com/office/drawing/2018/hyperlinkcolor" showMasterPhAnim="0" showMasterSp="0">
+<p:notes xmlns:a="http://schemas.openxmlformats.org/drawingml/2006/main" xmlns:r="http://schemas.openxmlformats.org/officeDocument/2006/relationships" xmlns:p="http://schemas.openxmlformats.org/presentationml/2006/main" showMasterSp="0" showMasterPhAnim="0">
   <p:cSld>
     <p:spTree>
       <p:nvGrpSpPr>
-        <p:cNvPr id="150" name="Shape 150"/>
+        <p:cNvPr id="1" name="Shape 150"/>
         <p:cNvGrpSpPr/>
         <p:nvPr/>
       </p:nvGrpSpPr>
@@ -931,9 +992,11 @@
       <p:sp>
         <p:nvSpPr>
           <p:cNvPr id="151" name="Google Shape;151;g1033603ac77_1_20:notes"/>
-          <p:cNvSpPr/>
+          <p:cNvSpPr>
+            <a:spLocks noGrp="1" noRot="1" noChangeAspect="1"/>
+          </p:cNvSpPr>
           <p:nvPr>
-            <p:ph idx="2" type="sldImg"/>
+            <p:ph type="sldImg" idx="2"/>
           </p:nvPr>
         </p:nvSpPr>
         <p:spPr>
@@ -942,9 +1005,13 @@
             <a:ext cx="6096000" cy="3429000"/>
           </a:xfrm>
           <a:custGeom>
-            <a:rect b="b" l="l" r="r" t="t"/>
+            <a:avLst/>
+            <a:gdLst/>
+            <a:ahLst/>
+            <a:cxnLst/>
+            <a:rect l="l" t="t" r="r" b="b"/>
             <a:pathLst>
-              <a:path extrusionOk="0" h="120000" w="120000">
+              <a:path w="120000" h="120000" extrusionOk="0">
                 <a:moveTo>
                   <a:pt x="0" y="0"/>
                 </a:moveTo>
@@ -966,9 +1033,11 @@
       <p:sp>
         <p:nvSpPr>
           <p:cNvPr id="152" name="Google Shape;152;g1033603ac77_1_20:notes"/>
-          <p:cNvSpPr txBox="1"/>
+          <p:cNvSpPr txBox="1">
+            <a:spLocks noGrp="1"/>
+          </p:cNvSpPr>
           <p:nvPr>
-            <p:ph idx="1" type="body"/>
+            <p:ph type="body" idx="1"/>
           </p:nvPr>
         </p:nvSpPr>
         <p:spPr>
@@ -981,12 +1050,12 @@
           </a:prstGeom>
         </p:spPr>
         <p:txBody>
-          <a:bodyPr anchorCtr="0" anchor="t" bIns="91425" lIns="91425" spcFirstLastPara="1" rIns="91425" wrap="square" tIns="91425">
+          <a:bodyPr spcFirstLastPara="1" wrap="square" lIns="91425" tIns="91425" rIns="91425" bIns="91425" anchor="t" anchorCtr="0">
             <a:noAutofit/>
           </a:bodyPr>
           <a:lstStyle/>
           <a:p>
-            <a:pPr indent="0" lvl="0" marL="0" rtl="0" algn="l">
+            <a:pPr marL="0" lvl="0" indent="0" algn="l" rtl="0">
               <a:spcBef>
                 <a:spcPts val="0"/>
               </a:spcBef>
@@ -995,9 +1064,6 @@
               </a:spcAft>
               <a:buNone/>
             </a:pPr>
-            <a:r>
-              <a:t/>
-            </a:r>
             <a:endParaRPr/>
           </a:p>
         </p:txBody>
@@ -1011,11 +1077,11 @@
 </file>
 
 <file path=ppt/notesSlides/notesSlide12.xml><?xml version="1.0" encoding="utf-8"?>
-<p:notes xmlns:a="http://schemas.openxmlformats.org/drawingml/2006/main" xmlns:r="http://schemas.openxmlformats.org/officeDocument/2006/relationships" xmlns:mc="http://schemas.openxmlformats.org/markup-compatibility/2006" xmlns:mv="urn:schemas-microsoft-com:mac:vml" xmlns:p="http://schemas.openxmlformats.org/presentationml/2006/main" xmlns:c="http://schemas.openxmlformats.org/drawingml/2006/chart" xmlns:dgm="http://schemas.openxmlformats.org/drawingml/2006/diagram" xmlns:o="urn:schemas-microsoft-com:office:office" xmlns:v="urn:schemas-microsoft-com:vml" xmlns:pvml="urn:schemas-microsoft-com:office:powerpoint" xmlns:com="http://schemas.openxmlformats.org/drawingml/2006/compatibility" xmlns:p14="http://schemas.microsoft.com/office/powerpoint/2010/main" xmlns:p15="http://schemas.microsoft.com/office/powerpoint/2012/main" xmlns:ahyp="http://schemas.microsoft.com/office/drawing/2018/hyperlinkcolor" showMasterPhAnim="0" showMasterSp="0">
+<p:notes xmlns:a="http://schemas.openxmlformats.org/drawingml/2006/main" xmlns:r="http://schemas.openxmlformats.org/officeDocument/2006/relationships" xmlns:p="http://schemas.openxmlformats.org/presentationml/2006/main" showMasterSp="0" showMasterPhAnim="0">
   <p:cSld>
     <p:spTree>
       <p:nvGrpSpPr>
-        <p:cNvPr id="161" name="Shape 161"/>
+        <p:cNvPr id="1" name="Shape 161"/>
         <p:cNvGrpSpPr/>
         <p:nvPr/>
       </p:nvGrpSpPr>
@@ -1030,9 +1096,11 @@
       <p:sp>
         <p:nvSpPr>
           <p:cNvPr id="162" name="Google Shape;162;g1033603ac77_1_24:notes"/>
-          <p:cNvSpPr/>
+          <p:cNvSpPr>
+            <a:spLocks noGrp="1" noRot="1" noChangeAspect="1"/>
+          </p:cNvSpPr>
           <p:nvPr>
-            <p:ph idx="2" type="sldImg"/>
+            <p:ph type="sldImg" idx="2"/>
           </p:nvPr>
         </p:nvSpPr>
         <p:spPr>
@@ -1041,9 +1109,13 @@
             <a:ext cx="6096000" cy="3429000"/>
           </a:xfrm>
           <a:custGeom>
-            <a:rect b="b" l="l" r="r" t="t"/>
+            <a:avLst/>
+            <a:gdLst/>
+            <a:ahLst/>
+            <a:cxnLst/>
+            <a:rect l="l" t="t" r="r" b="b"/>
             <a:pathLst>
-              <a:path extrusionOk="0" h="120000" w="120000">
+              <a:path w="120000" h="120000" extrusionOk="0">
                 <a:moveTo>
                   <a:pt x="0" y="0"/>
                 </a:moveTo>
@@ -1065,9 +1137,11 @@
       <p:sp>
         <p:nvSpPr>
           <p:cNvPr id="163" name="Google Shape;163;g1033603ac77_1_24:notes"/>
-          <p:cNvSpPr txBox="1"/>
+          <p:cNvSpPr txBox="1">
+            <a:spLocks noGrp="1"/>
+          </p:cNvSpPr>
           <p:nvPr>
-            <p:ph idx="1" type="body"/>
+            <p:ph type="body" idx="1"/>
           </p:nvPr>
         </p:nvSpPr>
         <p:spPr>
@@ -1080,12 +1154,12 @@
           </a:prstGeom>
         </p:spPr>
         <p:txBody>
-          <a:bodyPr anchorCtr="0" anchor="t" bIns="91425" lIns="91425" spcFirstLastPara="1" rIns="91425" wrap="square" tIns="91425">
+          <a:bodyPr spcFirstLastPara="1" wrap="square" lIns="91425" tIns="91425" rIns="91425" bIns="91425" anchor="t" anchorCtr="0">
             <a:noAutofit/>
           </a:bodyPr>
           <a:lstStyle/>
           <a:p>
-            <a:pPr indent="0" lvl="0" marL="0" rtl="0" algn="l">
+            <a:pPr marL="0" lvl="0" indent="0" algn="l" rtl="0">
               <a:spcBef>
                 <a:spcPts val="0"/>
               </a:spcBef>
@@ -1094,9 +1168,6 @@
               </a:spcAft>
               <a:buNone/>
             </a:pPr>
-            <a:r>
-              <a:t/>
-            </a:r>
             <a:endParaRPr/>
           </a:p>
         </p:txBody>
@@ -1110,11 +1181,11 @@
 </file>
 
 <file path=ppt/notesSlides/notesSlide13.xml><?xml version="1.0" encoding="utf-8"?>
-<p:notes xmlns:a="http://schemas.openxmlformats.org/drawingml/2006/main" xmlns:r="http://schemas.openxmlformats.org/officeDocument/2006/relationships" xmlns:mc="http://schemas.openxmlformats.org/markup-compatibility/2006" xmlns:mv="urn:schemas-microsoft-com:mac:vml" xmlns:p="http://schemas.openxmlformats.org/presentationml/2006/main" xmlns:c="http://schemas.openxmlformats.org/drawingml/2006/chart" xmlns:dgm="http://schemas.openxmlformats.org/drawingml/2006/diagram" xmlns:o="urn:schemas-microsoft-com:office:office" xmlns:v="urn:schemas-microsoft-com:vml" xmlns:pvml="urn:schemas-microsoft-com:office:powerpoint" xmlns:com="http://schemas.openxmlformats.org/drawingml/2006/compatibility" xmlns:p14="http://schemas.microsoft.com/office/powerpoint/2010/main" xmlns:p15="http://schemas.microsoft.com/office/powerpoint/2012/main" xmlns:ahyp="http://schemas.microsoft.com/office/drawing/2018/hyperlinkcolor" showMasterPhAnim="0" showMasterSp="0">
+<p:notes xmlns:a="http://schemas.openxmlformats.org/drawingml/2006/main" xmlns:r="http://schemas.openxmlformats.org/officeDocument/2006/relationships" xmlns:p="http://schemas.openxmlformats.org/presentationml/2006/main" showMasterSp="0" showMasterPhAnim="0">
   <p:cSld>
     <p:spTree>
       <p:nvGrpSpPr>
-        <p:cNvPr id="168" name="Shape 168"/>
+        <p:cNvPr id="1" name="Shape 168"/>
         <p:cNvGrpSpPr/>
         <p:nvPr/>
       </p:nvGrpSpPr>
@@ -1129,9 +1200,11 @@
       <p:sp>
         <p:nvSpPr>
           <p:cNvPr id="169" name="Google Shape;169;g1033603ac77_1_28:notes"/>
-          <p:cNvSpPr/>
+          <p:cNvSpPr>
+            <a:spLocks noGrp="1" noRot="1" noChangeAspect="1"/>
+          </p:cNvSpPr>
           <p:nvPr>
-            <p:ph idx="2" type="sldImg"/>
+            <p:ph type="sldImg" idx="2"/>
           </p:nvPr>
         </p:nvSpPr>
         <p:spPr>
@@ -1140,9 +1213,13 @@
             <a:ext cx="6096000" cy="3429000"/>
           </a:xfrm>
           <a:custGeom>
-            <a:rect b="b" l="l" r="r" t="t"/>
+            <a:avLst/>
+            <a:gdLst/>
+            <a:ahLst/>
+            <a:cxnLst/>
+            <a:rect l="l" t="t" r="r" b="b"/>
             <a:pathLst>
-              <a:path extrusionOk="0" h="120000" w="120000">
+              <a:path w="120000" h="120000" extrusionOk="0">
                 <a:moveTo>
                   <a:pt x="0" y="0"/>
                 </a:moveTo>
@@ -1164,9 +1241,11 @@
       <p:sp>
         <p:nvSpPr>
           <p:cNvPr id="170" name="Google Shape;170;g1033603ac77_1_28:notes"/>
-          <p:cNvSpPr txBox="1"/>
+          <p:cNvSpPr txBox="1">
+            <a:spLocks noGrp="1"/>
+          </p:cNvSpPr>
           <p:nvPr>
-            <p:ph idx="1" type="body"/>
+            <p:ph type="body" idx="1"/>
           </p:nvPr>
         </p:nvSpPr>
         <p:spPr>
@@ -1179,12 +1258,12 @@
           </a:prstGeom>
         </p:spPr>
         <p:txBody>
-          <a:bodyPr anchorCtr="0" anchor="t" bIns="91425" lIns="91425" spcFirstLastPara="1" rIns="91425" wrap="square" tIns="91425">
+          <a:bodyPr spcFirstLastPara="1" wrap="square" lIns="91425" tIns="91425" rIns="91425" bIns="91425" anchor="t" anchorCtr="0">
             <a:noAutofit/>
           </a:bodyPr>
           <a:lstStyle/>
           <a:p>
-            <a:pPr indent="0" lvl="0" marL="0" rtl="0" algn="l">
+            <a:pPr marL="0" lvl="0" indent="0" algn="l" rtl="0">
               <a:spcBef>
                 <a:spcPts val="0"/>
               </a:spcBef>
@@ -1193,9 +1272,6 @@
               </a:spcAft>
               <a:buNone/>
             </a:pPr>
-            <a:r>
-              <a:t/>
-            </a:r>
             <a:endParaRPr/>
           </a:p>
         </p:txBody>
@@ -1209,11 +1285,11 @@
 </file>
 
 <file path=ppt/notesSlides/notesSlide14.xml><?xml version="1.0" encoding="utf-8"?>
-<p:notes xmlns:a="http://schemas.openxmlformats.org/drawingml/2006/main" xmlns:r="http://schemas.openxmlformats.org/officeDocument/2006/relationships" xmlns:mc="http://schemas.openxmlformats.org/markup-compatibility/2006" xmlns:mv="urn:schemas-microsoft-com:mac:vml" xmlns:p="http://schemas.openxmlformats.org/presentationml/2006/main" xmlns:c="http://schemas.openxmlformats.org/drawingml/2006/chart" xmlns:dgm="http://schemas.openxmlformats.org/drawingml/2006/diagram" xmlns:o="urn:schemas-microsoft-com:office:office" xmlns:v="urn:schemas-microsoft-com:vml" xmlns:pvml="urn:schemas-microsoft-com:office:powerpoint" xmlns:com="http://schemas.openxmlformats.org/drawingml/2006/compatibility" xmlns:p14="http://schemas.microsoft.com/office/powerpoint/2010/main" xmlns:p15="http://schemas.microsoft.com/office/powerpoint/2012/main" xmlns:ahyp="http://schemas.microsoft.com/office/drawing/2018/hyperlinkcolor" showMasterPhAnim="0" showMasterSp="0">
+<p:notes xmlns:a="http://schemas.openxmlformats.org/drawingml/2006/main" xmlns:r="http://schemas.openxmlformats.org/officeDocument/2006/relationships" xmlns:p="http://schemas.openxmlformats.org/presentationml/2006/main" showMasterSp="0" showMasterPhAnim="0">
   <p:cSld>
     <p:spTree>
       <p:nvGrpSpPr>
-        <p:cNvPr id="175" name="Shape 175"/>
+        <p:cNvPr id="1" name="Shape 175"/>
         <p:cNvGrpSpPr/>
         <p:nvPr/>
       </p:nvGrpSpPr>
@@ -1228,9 +1304,11 @@
       <p:sp>
         <p:nvSpPr>
           <p:cNvPr id="176" name="Google Shape;176;g1033603ac77_1_32:notes"/>
-          <p:cNvSpPr/>
+          <p:cNvSpPr>
+            <a:spLocks noGrp="1" noRot="1" noChangeAspect="1"/>
+          </p:cNvSpPr>
           <p:nvPr>
-            <p:ph idx="2" type="sldImg"/>
+            <p:ph type="sldImg" idx="2"/>
           </p:nvPr>
         </p:nvSpPr>
         <p:spPr>
@@ -1239,9 +1317,13 @@
             <a:ext cx="6096000" cy="3429000"/>
           </a:xfrm>
           <a:custGeom>
-            <a:rect b="b" l="l" r="r" t="t"/>
+            <a:avLst/>
+            <a:gdLst/>
+            <a:ahLst/>
+            <a:cxnLst/>
+            <a:rect l="l" t="t" r="r" b="b"/>
             <a:pathLst>
-              <a:path extrusionOk="0" h="120000" w="120000">
+              <a:path w="120000" h="120000" extrusionOk="0">
                 <a:moveTo>
                   <a:pt x="0" y="0"/>
                 </a:moveTo>
@@ -1263,9 +1345,11 @@
       <p:sp>
         <p:nvSpPr>
           <p:cNvPr id="177" name="Google Shape;177;g1033603ac77_1_32:notes"/>
-          <p:cNvSpPr txBox="1"/>
+          <p:cNvSpPr txBox="1">
+            <a:spLocks noGrp="1"/>
+          </p:cNvSpPr>
           <p:nvPr>
-            <p:ph idx="1" type="body"/>
+            <p:ph type="body" idx="1"/>
           </p:nvPr>
         </p:nvSpPr>
         <p:spPr>
@@ -1278,12 +1362,12 @@
           </a:prstGeom>
         </p:spPr>
         <p:txBody>
-          <a:bodyPr anchorCtr="0" anchor="t" bIns="91425" lIns="91425" spcFirstLastPara="1" rIns="91425" wrap="square" tIns="91425">
+          <a:bodyPr spcFirstLastPara="1" wrap="square" lIns="91425" tIns="91425" rIns="91425" bIns="91425" anchor="t" anchorCtr="0">
             <a:noAutofit/>
           </a:bodyPr>
           <a:lstStyle/>
           <a:p>
-            <a:pPr indent="0" lvl="0" marL="0" rtl="0" algn="l">
+            <a:pPr marL="0" lvl="0" indent="0" algn="l" rtl="0">
               <a:spcBef>
                 <a:spcPts val="0"/>
               </a:spcBef>
@@ -1292,9 +1376,6 @@
               </a:spcAft>
               <a:buNone/>
             </a:pPr>
-            <a:r>
-              <a:t/>
-            </a:r>
             <a:endParaRPr/>
           </a:p>
         </p:txBody>
@@ -1308,11 +1389,11 @@
 </file>
 
 <file path=ppt/notesSlides/notesSlide15.xml><?xml version="1.0" encoding="utf-8"?>
-<p:notes xmlns:a="http://schemas.openxmlformats.org/drawingml/2006/main" xmlns:r="http://schemas.openxmlformats.org/officeDocument/2006/relationships" xmlns:mc="http://schemas.openxmlformats.org/markup-compatibility/2006" xmlns:mv="urn:schemas-microsoft-com:mac:vml" xmlns:p="http://schemas.openxmlformats.org/presentationml/2006/main" xmlns:c="http://schemas.openxmlformats.org/drawingml/2006/chart" xmlns:dgm="http://schemas.openxmlformats.org/drawingml/2006/diagram" xmlns:o="urn:schemas-microsoft-com:office:office" xmlns:v="urn:schemas-microsoft-com:vml" xmlns:pvml="urn:schemas-microsoft-com:office:powerpoint" xmlns:com="http://schemas.openxmlformats.org/drawingml/2006/compatibility" xmlns:p14="http://schemas.microsoft.com/office/powerpoint/2010/main" xmlns:p15="http://schemas.microsoft.com/office/powerpoint/2012/main" xmlns:ahyp="http://schemas.microsoft.com/office/drawing/2018/hyperlinkcolor" showMasterPhAnim="0" showMasterSp="0">
+<p:notes xmlns:a="http://schemas.openxmlformats.org/drawingml/2006/main" xmlns:r="http://schemas.openxmlformats.org/officeDocument/2006/relationships" xmlns:p="http://schemas.openxmlformats.org/presentationml/2006/main" showMasterSp="0" showMasterPhAnim="0">
   <p:cSld>
     <p:spTree>
       <p:nvGrpSpPr>
-        <p:cNvPr id="186" name="Shape 186"/>
+        <p:cNvPr id="1" name="Shape 186"/>
         <p:cNvGrpSpPr/>
         <p:nvPr/>
       </p:nvGrpSpPr>
@@ -1327,9 +1408,11 @@
       <p:sp>
         <p:nvSpPr>
           <p:cNvPr id="187" name="Google Shape;187;g1033603ac77_1_36:notes"/>
-          <p:cNvSpPr/>
+          <p:cNvSpPr>
+            <a:spLocks noGrp="1" noRot="1" noChangeAspect="1"/>
+          </p:cNvSpPr>
           <p:nvPr>
-            <p:ph idx="2" type="sldImg"/>
+            <p:ph type="sldImg" idx="2"/>
           </p:nvPr>
         </p:nvSpPr>
         <p:spPr>
@@ -1338,9 +1421,13 @@
             <a:ext cx="6096000" cy="3429000"/>
           </a:xfrm>
           <a:custGeom>
-            <a:rect b="b" l="l" r="r" t="t"/>
+            <a:avLst/>
+            <a:gdLst/>
+            <a:ahLst/>
+            <a:cxnLst/>
+            <a:rect l="l" t="t" r="r" b="b"/>
             <a:pathLst>
-              <a:path extrusionOk="0" h="120000" w="120000">
+              <a:path w="120000" h="120000" extrusionOk="0">
                 <a:moveTo>
                   <a:pt x="0" y="0"/>
                 </a:moveTo>
@@ -1362,9 +1449,11 @@
       <p:sp>
         <p:nvSpPr>
           <p:cNvPr id="188" name="Google Shape;188;g1033603ac77_1_36:notes"/>
-          <p:cNvSpPr txBox="1"/>
+          <p:cNvSpPr txBox="1">
+            <a:spLocks noGrp="1"/>
+          </p:cNvSpPr>
           <p:nvPr>
-            <p:ph idx="1" type="body"/>
+            <p:ph type="body" idx="1"/>
           </p:nvPr>
         </p:nvSpPr>
         <p:spPr>
@@ -1377,12 +1466,12 @@
           </a:prstGeom>
         </p:spPr>
         <p:txBody>
-          <a:bodyPr anchorCtr="0" anchor="t" bIns="91425" lIns="91425" spcFirstLastPara="1" rIns="91425" wrap="square" tIns="91425">
+          <a:bodyPr spcFirstLastPara="1" wrap="square" lIns="91425" tIns="91425" rIns="91425" bIns="91425" anchor="t" anchorCtr="0">
             <a:noAutofit/>
           </a:bodyPr>
           <a:lstStyle/>
           <a:p>
-            <a:pPr indent="0" lvl="0" marL="0" rtl="0" algn="l">
+            <a:pPr marL="0" lvl="0" indent="0" algn="l" rtl="0">
               <a:spcBef>
                 <a:spcPts val="0"/>
               </a:spcBef>
@@ -1391,9 +1480,6 @@
               </a:spcAft>
               <a:buNone/>
             </a:pPr>
-            <a:r>
-              <a:t/>
-            </a:r>
             <a:endParaRPr/>
           </a:p>
         </p:txBody>
@@ -1407,11 +1493,11 @@
 </file>
 
 <file path=ppt/notesSlides/notesSlide16.xml><?xml version="1.0" encoding="utf-8"?>
-<p:notes xmlns:a="http://schemas.openxmlformats.org/drawingml/2006/main" xmlns:r="http://schemas.openxmlformats.org/officeDocument/2006/relationships" xmlns:mc="http://schemas.openxmlformats.org/markup-compatibility/2006" xmlns:mv="urn:schemas-microsoft-com:mac:vml" xmlns:p="http://schemas.openxmlformats.org/presentationml/2006/main" xmlns:c="http://schemas.openxmlformats.org/drawingml/2006/chart" xmlns:dgm="http://schemas.openxmlformats.org/drawingml/2006/diagram" xmlns:o="urn:schemas-microsoft-com:office:office" xmlns:v="urn:schemas-microsoft-com:vml" xmlns:pvml="urn:schemas-microsoft-com:office:powerpoint" xmlns:com="http://schemas.openxmlformats.org/drawingml/2006/compatibility" xmlns:p14="http://schemas.microsoft.com/office/powerpoint/2010/main" xmlns:p15="http://schemas.microsoft.com/office/powerpoint/2012/main" xmlns:ahyp="http://schemas.microsoft.com/office/drawing/2018/hyperlinkcolor" showMasterPhAnim="0" showMasterSp="0">
+<p:notes xmlns:a="http://schemas.openxmlformats.org/drawingml/2006/main" xmlns:r="http://schemas.openxmlformats.org/officeDocument/2006/relationships" xmlns:p="http://schemas.openxmlformats.org/presentationml/2006/main" showMasterSp="0" showMasterPhAnim="0">
   <p:cSld>
     <p:spTree>
       <p:nvGrpSpPr>
-        <p:cNvPr id="192" name="Shape 192"/>
+        <p:cNvPr id="1" name="Shape 192"/>
         <p:cNvGrpSpPr/>
         <p:nvPr/>
       </p:nvGrpSpPr>
@@ -1426,9 +1512,11 @@
       <p:sp>
         <p:nvSpPr>
           <p:cNvPr id="193" name="Google Shape;193;g1033603ac77_1_40:notes"/>
-          <p:cNvSpPr/>
+          <p:cNvSpPr>
+            <a:spLocks noGrp="1" noRot="1" noChangeAspect="1"/>
+          </p:cNvSpPr>
           <p:nvPr>
-            <p:ph idx="2" type="sldImg"/>
+            <p:ph type="sldImg" idx="2"/>
           </p:nvPr>
         </p:nvSpPr>
         <p:spPr>
@@ -1437,9 +1525,13 @@
             <a:ext cx="6096000" cy="3429000"/>
           </a:xfrm>
           <a:custGeom>
-            <a:rect b="b" l="l" r="r" t="t"/>
+            <a:avLst/>
+            <a:gdLst/>
+            <a:ahLst/>
+            <a:cxnLst/>
+            <a:rect l="l" t="t" r="r" b="b"/>
             <a:pathLst>
-              <a:path extrusionOk="0" h="120000" w="120000">
+              <a:path w="120000" h="120000" extrusionOk="0">
                 <a:moveTo>
                   <a:pt x="0" y="0"/>
                 </a:moveTo>
@@ -1461,9 +1553,11 @@
       <p:sp>
         <p:nvSpPr>
           <p:cNvPr id="194" name="Google Shape;194;g1033603ac77_1_40:notes"/>
-          <p:cNvSpPr txBox="1"/>
+          <p:cNvSpPr txBox="1">
+            <a:spLocks noGrp="1"/>
+          </p:cNvSpPr>
           <p:nvPr>
-            <p:ph idx="1" type="body"/>
+            <p:ph type="body" idx="1"/>
           </p:nvPr>
         </p:nvSpPr>
         <p:spPr>
@@ -1476,12 +1570,12 @@
           </a:prstGeom>
         </p:spPr>
         <p:txBody>
-          <a:bodyPr anchorCtr="0" anchor="t" bIns="91425" lIns="91425" spcFirstLastPara="1" rIns="91425" wrap="square" tIns="91425">
+          <a:bodyPr spcFirstLastPara="1" wrap="square" lIns="91425" tIns="91425" rIns="91425" bIns="91425" anchor="t" anchorCtr="0">
             <a:noAutofit/>
           </a:bodyPr>
           <a:lstStyle/>
           <a:p>
-            <a:pPr indent="0" lvl="0" marL="0" rtl="0" algn="l">
+            <a:pPr marL="0" lvl="0" indent="0" algn="l" rtl="0">
               <a:spcBef>
                 <a:spcPts val="0"/>
               </a:spcBef>
@@ -1490,9 +1584,6 @@
               </a:spcAft>
               <a:buNone/>
             </a:pPr>
-            <a:r>
-              <a:t/>
-            </a:r>
             <a:endParaRPr/>
           </a:p>
         </p:txBody>
@@ -1506,11 +1597,11 @@
 </file>
 
 <file path=ppt/notesSlides/notesSlide17.xml><?xml version="1.0" encoding="utf-8"?>
-<p:notes xmlns:a="http://schemas.openxmlformats.org/drawingml/2006/main" xmlns:r="http://schemas.openxmlformats.org/officeDocument/2006/relationships" xmlns:mc="http://schemas.openxmlformats.org/markup-compatibility/2006" xmlns:mv="urn:schemas-microsoft-com:mac:vml" xmlns:p="http://schemas.openxmlformats.org/presentationml/2006/main" xmlns:c="http://schemas.openxmlformats.org/drawingml/2006/chart" xmlns:dgm="http://schemas.openxmlformats.org/drawingml/2006/diagram" xmlns:o="urn:schemas-microsoft-com:office:office" xmlns:v="urn:schemas-microsoft-com:vml" xmlns:pvml="urn:schemas-microsoft-com:office:powerpoint" xmlns:com="http://schemas.openxmlformats.org/drawingml/2006/compatibility" xmlns:p14="http://schemas.microsoft.com/office/powerpoint/2010/main" xmlns:p15="http://schemas.microsoft.com/office/powerpoint/2012/main" xmlns:ahyp="http://schemas.microsoft.com/office/drawing/2018/hyperlinkcolor" showMasterPhAnim="0" showMasterSp="0">
+<p:notes xmlns:a="http://schemas.openxmlformats.org/drawingml/2006/main" xmlns:r="http://schemas.openxmlformats.org/officeDocument/2006/relationships" xmlns:p="http://schemas.openxmlformats.org/presentationml/2006/main" showMasterSp="0" showMasterPhAnim="0">
   <p:cSld>
     <p:spTree>
       <p:nvGrpSpPr>
-        <p:cNvPr id="199" name="Shape 199"/>
+        <p:cNvPr id="1" name="Shape 199"/>
         <p:cNvGrpSpPr/>
         <p:nvPr/>
       </p:nvGrpSpPr>
@@ -1525,9 +1616,11 @@
       <p:sp>
         <p:nvSpPr>
           <p:cNvPr id="200" name="Google Shape;200;g1033603ac77_1_44:notes"/>
-          <p:cNvSpPr/>
+          <p:cNvSpPr>
+            <a:spLocks noGrp="1" noRot="1" noChangeAspect="1"/>
+          </p:cNvSpPr>
           <p:nvPr>
-            <p:ph idx="2" type="sldImg"/>
+            <p:ph type="sldImg" idx="2"/>
           </p:nvPr>
         </p:nvSpPr>
         <p:spPr>
@@ -1536,9 +1629,13 @@
             <a:ext cx="6096000" cy="3429000"/>
           </a:xfrm>
           <a:custGeom>
-            <a:rect b="b" l="l" r="r" t="t"/>
+            <a:avLst/>
+            <a:gdLst/>
+            <a:ahLst/>
+            <a:cxnLst/>
+            <a:rect l="l" t="t" r="r" b="b"/>
             <a:pathLst>
-              <a:path extrusionOk="0" h="120000" w="120000">
+              <a:path w="120000" h="120000" extrusionOk="0">
                 <a:moveTo>
                   <a:pt x="0" y="0"/>
                 </a:moveTo>
@@ -1560,9 +1657,11 @@
       <p:sp>
         <p:nvSpPr>
           <p:cNvPr id="201" name="Google Shape;201;g1033603ac77_1_44:notes"/>
-          <p:cNvSpPr txBox="1"/>
+          <p:cNvSpPr txBox="1">
+            <a:spLocks noGrp="1"/>
+          </p:cNvSpPr>
           <p:nvPr>
-            <p:ph idx="1" type="body"/>
+            <p:ph type="body" idx="1"/>
           </p:nvPr>
         </p:nvSpPr>
         <p:spPr>
@@ -1575,12 +1674,12 @@
           </a:prstGeom>
         </p:spPr>
         <p:txBody>
-          <a:bodyPr anchorCtr="0" anchor="t" bIns="91425" lIns="91425" spcFirstLastPara="1" rIns="91425" wrap="square" tIns="91425">
+          <a:bodyPr spcFirstLastPara="1" wrap="square" lIns="91425" tIns="91425" rIns="91425" bIns="91425" anchor="t" anchorCtr="0">
             <a:noAutofit/>
           </a:bodyPr>
           <a:lstStyle/>
           <a:p>
-            <a:pPr indent="0" lvl="0" marL="0" rtl="0" algn="l">
+            <a:pPr marL="0" lvl="0" indent="0" algn="l" rtl="0">
               <a:spcBef>
                 <a:spcPts val="0"/>
               </a:spcBef>
@@ -1589,9 +1688,6 @@
               </a:spcAft>
               <a:buNone/>
             </a:pPr>
-            <a:r>
-              <a:t/>
-            </a:r>
             <a:endParaRPr/>
           </a:p>
         </p:txBody>
@@ -1605,11 +1701,11 @@
 </file>
 
 <file path=ppt/notesSlides/notesSlide18.xml><?xml version="1.0" encoding="utf-8"?>
-<p:notes xmlns:a="http://schemas.openxmlformats.org/drawingml/2006/main" xmlns:r="http://schemas.openxmlformats.org/officeDocument/2006/relationships" xmlns:mc="http://schemas.openxmlformats.org/markup-compatibility/2006" xmlns:mv="urn:schemas-microsoft-com:mac:vml" xmlns:p="http://schemas.openxmlformats.org/presentationml/2006/main" xmlns:c="http://schemas.openxmlformats.org/drawingml/2006/chart" xmlns:dgm="http://schemas.openxmlformats.org/drawingml/2006/diagram" xmlns:o="urn:schemas-microsoft-com:office:office" xmlns:v="urn:schemas-microsoft-com:vml" xmlns:pvml="urn:schemas-microsoft-com:office:powerpoint" xmlns:com="http://schemas.openxmlformats.org/drawingml/2006/compatibility" xmlns:p14="http://schemas.microsoft.com/office/powerpoint/2010/main" xmlns:p15="http://schemas.microsoft.com/office/powerpoint/2012/main" xmlns:ahyp="http://schemas.microsoft.com/office/drawing/2018/hyperlinkcolor" showMasterPhAnim="0" showMasterSp="0">
+<p:notes xmlns:a="http://schemas.openxmlformats.org/drawingml/2006/main" xmlns:r="http://schemas.openxmlformats.org/officeDocument/2006/relationships" xmlns:p="http://schemas.openxmlformats.org/presentationml/2006/main" showMasterSp="0" showMasterPhAnim="0">
   <p:cSld>
     <p:spTree>
       <p:nvGrpSpPr>
-        <p:cNvPr id="207" name="Shape 207"/>
+        <p:cNvPr id="1" name="Shape 207"/>
         <p:cNvGrpSpPr/>
         <p:nvPr/>
       </p:nvGrpSpPr>
@@ -1624,9 +1720,11 @@
       <p:sp>
         <p:nvSpPr>
           <p:cNvPr id="208" name="Google Shape;208;gc6f9e470d_0_47:notes"/>
-          <p:cNvSpPr/>
+          <p:cNvSpPr>
+            <a:spLocks noGrp="1" noRot="1" noChangeAspect="1"/>
+          </p:cNvSpPr>
           <p:nvPr>
-            <p:ph idx="2" type="sldImg"/>
+            <p:ph type="sldImg" idx="2"/>
           </p:nvPr>
         </p:nvSpPr>
         <p:spPr>
@@ -1635,9 +1733,13 @@
             <a:ext cx="6096300" cy="3429000"/>
           </a:xfrm>
           <a:custGeom>
-            <a:rect b="b" l="l" r="r" t="t"/>
+            <a:avLst/>
+            <a:gdLst/>
+            <a:ahLst/>
+            <a:cxnLst/>
+            <a:rect l="l" t="t" r="r" b="b"/>
             <a:pathLst>
-              <a:path extrusionOk="0" h="120000" w="120000">
+              <a:path w="120000" h="120000" extrusionOk="0">
                 <a:moveTo>
                   <a:pt x="0" y="0"/>
                 </a:moveTo>
@@ -1659,9 +1761,11 @@
       <p:sp>
         <p:nvSpPr>
           <p:cNvPr id="209" name="Google Shape;209;gc6f9e470d_0_47:notes"/>
-          <p:cNvSpPr txBox="1"/>
+          <p:cNvSpPr txBox="1">
+            <a:spLocks noGrp="1"/>
+          </p:cNvSpPr>
           <p:nvPr>
-            <p:ph idx="1" type="body"/>
+            <p:ph type="body" idx="1"/>
           </p:nvPr>
         </p:nvSpPr>
         <p:spPr>
@@ -1674,12 +1778,12 @@
           </a:prstGeom>
         </p:spPr>
         <p:txBody>
-          <a:bodyPr anchorCtr="0" anchor="t" bIns="91425" lIns="91425" spcFirstLastPara="1" rIns="91425" wrap="square" tIns="91425">
+          <a:bodyPr spcFirstLastPara="1" wrap="square" lIns="91425" tIns="91425" rIns="91425" bIns="91425" anchor="t" anchorCtr="0">
             <a:noAutofit/>
           </a:bodyPr>
           <a:lstStyle/>
           <a:p>
-            <a:pPr indent="0" lvl="0" marL="0" rtl="0" algn="l">
+            <a:pPr marL="0" lvl="0" indent="0" algn="l" rtl="0">
               <a:spcBef>
                 <a:spcPts val="0"/>
               </a:spcBef>
@@ -1688,9 +1792,6 @@
               </a:spcAft>
               <a:buNone/>
             </a:pPr>
-            <a:r>
-              <a:t/>
-            </a:r>
             <a:endParaRPr/>
           </a:p>
         </p:txBody>
@@ -1704,11 +1805,11 @@
 </file>
 
 <file path=ppt/notesSlides/notesSlide19.xml><?xml version="1.0" encoding="utf-8"?>
-<p:notes xmlns:a="http://schemas.openxmlformats.org/drawingml/2006/main" xmlns:r="http://schemas.openxmlformats.org/officeDocument/2006/relationships" xmlns:mc="http://schemas.openxmlformats.org/markup-compatibility/2006" xmlns:mv="urn:schemas-microsoft-com:mac:vml" xmlns:p="http://schemas.openxmlformats.org/presentationml/2006/main" xmlns:c="http://schemas.openxmlformats.org/drawingml/2006/chart" xmlns:dgm="http://schemas.openxmlformats.org/drawingml/2006/diagram" xmlns:o="urn:schemas-microsoft-com:office:office" xmlns:v="urn:schemas-microsoft-com:vml" xmlns:pvml="urn:schemas-microsoft-com:office:powerpoint" xmlns:com="http://schemas.openxmlformats.org/drawingml/2006/compatibility" xmlns:p14="http://schemas.microsoft.com/office/powerpoint/2010/main" xmlns:p15="http://schemas.microsoft.com/office/powerpoint/2012/main" xmlns:ahyp="http://schemas.microsoft.com/office/drawing/2018/hyperlinkcolor" showMasterPhAnim="0" showMasterSp="0">
+<p:notes xmlns:a="http://schemas.openxmlformats.org/drawingml/2006/main" xmlns:r="http://schemas.openxmlformats.org/officeDocument/2006/relationships" xmlns:p="http://schemas.openxmlformats.org/presentationml/2006/main" showMasterSp="0" showMasterPhAnim="0">
   <p:cSld>
     <p:spTree>
       <p:nvGrpSpPr>
-        <p:cNvPr id="242" name="Shape 242"/>
+        <p:cNvPr id="1" name="Shape 242"/>
         <p:cNvGrpSpPr/>
         <p:nvPr/>
       </p:nvGrpSpPr>
@@ -1723,9 +1824,11 @@
       <p:sp>
         <p:nvSpPr>
           <p:cNvPr id="243" name="Google Shape;243;gc6f9e470d_0_126:notes"/>
-          <p:cNvSpPr/>
+          <p:cNvSpPr>
+            <a:spLocks noGrp="1" noRot="1" noChangeAspect="1"/>
+          </p:cNvSpPr>
           <p:nvPr>
-            <p:ph idx="2" type="sldImg"/>
+            <p:ph type="sldImg" idx="2"/>
           </p:nvPr>
         </p:nvSpPr>
         <p:spPr>
@@ -1734,9 +1837,13 @@
             <a:ext cx="6096300" cy="3429000"/>
           </a:xfrm>
           <a:custGeom>
-            <a:rect b="b" l="l" r="r" t="t"/>
+            <a:avLst/>
+            <a:gdLst/>
+            <a:ahLst/>
+            <a:cxnLst/>
+            <a:rect l="l" t="t" r="r" b="b"/>
             <a:pathLst>
-              <a:path extrusionOk="0" h="120000" w="120000">
+              <a:path w="120000" h="120000" extrusionOk="0">
                 <a:moveTo>
                   <a:pt x="0" y="0"/>
                 </a:moveTo>
@@ -1758,9 +1865,11 @@
       <p:sp>
         <p:nvSpPr>
           <p:cNvPr id="244" name="Google Shape;244;gc6f9e470d_0_126:notes"/>
-          <p:cNvSpPr txBox="1"/>
+          <p:cNvSpPr txBox="1">
+            <a:spLocks noGrp="1"/>
+          </p:cNvSpPr>
           <p:nvPr>
-            <p:ph idx="1" type="body"/>
+            <p:ph type="body" idx="1"/>
           </p:nvPr>
         </p:nvSpPr>
         <p:spPr>
@@ -1773,12 +1882,12 @@
           </a:prstGeom>
         </p:spPr>
         <p:txBody>
-          <a:bodyPr anchorCtr="0" anchor="t" bIns="91425" lIns="91425" spcFirstLastPara="1" rIns="91425" wrap="square" tIns="91425">
+          <a:bodyPr spcFirstLastPara="1" wrap="square" lIns="91425" tIns="91425" rIns="91425" bIns="91425" anchor="t" anchorCtr="0">
             <a:noAutofit/>
           </a:bodyPr>
           <a:lstStyle/>
           <a:p>
-            <a:pPr indent="0" lvl="0" marL="0" rtl="0" algn="l">
+            <a:pPr marL="0" lvl="0" indent="0" algn="l" rtl="0">
               <a:spcBef>
                 <a:spcPts val="0"/>
               </a:spcBef>
@@ -1787,9 +1896,6 @@
               </a:spcAft>
               <a:buNone/>
             </a:pPr>
-            <a:r>
-              <a:t/>
-            </a:r>
             <a:endParaRPr/>
           </a:p>
         </p:txBody>
@@ -1803,11 +1909,11 @@
 </file>
 
 <file path=ppt/notesSlides/notesSlide2.xml><?xml version="1.0" encoding="utf-8"?>
-<p:notes xmlns:a="http://schemas.openxmlformats.org/drawingml/2006/main" xmlns:r="http://schemas.openxmlformats.org/officeDocument/2006/relationships" xmlns:mc="http://schemas.openxmlformats.org/markup-compatibility/2006" xmlns:mv="urn:schemas-microsoft-com:mac:vml" xmlns:p="http://schemas.openxmlformats.org/presentationml/2006/main" xmlns:c="http://schemas.openxmlformats.org/drawingml/2006/chart" xmlns:dgm="http://schemas.openxmlformats.org/drawingml/2006/diagram" xmlns:o="urn:schemas-microsoft-com:office:office" xmlns:v="urn:schemas-microsoft-com:vml" xmlns:pvml="urn:schemas-microsoft-com:office:powerpoint" xmlns:com="http://schemas.openxmlformats.org/drawingml/2006/compatibility" xmlns:p14="http://schemas.microsoft.com/office/powerpoint/2010/main" xmlns:p15="http://schemas.microsoft.com/office/powerpoint/2012/main" xmlns:ahyp="http://schemas.microsoft.com/office/drawing/2018/hyperlinkcolor" showMasterPhAnim="0" showMasterSp="0">
+<p:notes xmlns:a="http://schemas.openxmlformats.org/drawingml/2006/main" xmlns:r="http://schemas.openxmlformats.org/officeDocument/2006/relationships" xmlns:p="http://schemas.openxmlformats.org/presentationml/2006/main" showMasterSp="0" showMasterPhAnim="0">
   <p:cSld>
     <p:spTree>
       <p:nvGrpSpPr>
-        <p:cNvPr id="88" name="Shape 88"/>
+        <p:cNvPr id="1" name="Shape 88"/>
         <p:cNvGrpSpPr/>
         <p:nvPr/>
       </p:nvGrpSpPr>
@@ -1822,9 +1928,11 @@
       <p:sp>
         <p:nvSpPr>
           <p:cNvPr id="89" name="Google Shape;89;g1033603ac77_2_5:notes"/>
-          <p:cNvSpPr/>
+          <p:cNvSpPr>
+            <a:spLocks noGrp="1" noRot="1" noChangeAspect="1"/>
+          </p:cNvSpPr>
           <p:nvPr>
-            <p:ph idx="2" type="sldImg"/>
+            <p:ph type="sldImg" idx="2"/>
           </p:nvPr>
         </p:nvSpPr>
         <p:spPr>
@@ -1833,9 +1941,13 @@
             <a:ext cx="6096000" cy="3429000"/>
           </a:xfrm>
           <a:custGeom>
-            <a:rect b="b" l="l" r="r" t="t"/>
+            <a:avLst/>
+            <a:gdLst/>
+            <a:ahLst/>
+            <a:cxnLst/>
+            <a:rect l="l" t="t" r="r" b="b"/>
             <a:pathLst>
-              <a:path extrusionOk="0" h="120000" w="120000">
+              <a:path w="120000" h="120000" extrusionOk="0">
                 <a:moveTo>
                   <a:pt x="0" y="0"/>
                 </a:moveTo>
@@ -1857,9 +1969,11 @@
       <p:sp>
         <p:nvSpPr>
           <p:cNvPr id="90" name="Google Shape;90;g1033603ac77_2_5:notes"/>
-          <p:cNvSpPr txBox="1"/>
+          <p:cNvSpPr txBox="1">
+            <a:spLocks noGrp="1"/>
+          </p:cNvSpPr>
           <p:nvPr>
-            <p:ph idx="1" type="body"/>
+            <p:ph type="body" idx="1"/>
           </p:nvPr>
         </p:nvSpPr>
         <p:spPr>
@@ -1872,12 +1986,12 @@
           </a:prstGeom>
         </p:spPr>
         <p:txBody>
-          <a:bodyPr anchorCtr="0" anchor="t" bIns="91425" lIns="91425" spcFirstLastPara="1" rIns="91425" wrap="square" tIns="91425">
+          <a:bodyPr spcFirstLastPara="1" wrap="square" lIns="91425" tIns="91425" rIns="91425" bIns="91425" anchor="t" anchorCtr="0">
             <a:noAutofit/>
           </a:bodyPr>
           <a:lstStyle/>
           <a:p>
-            <a:pPr indent="0" lvl="0" marL="0" rtl="0" algn="l">
+            <a:pPr marL="0" lvl="0" indent="0" algn="l" rtl="0">
               <a:spcBef>
                 <a:spcPts val="0"/>
               </a:spcBef>
@@ -1886,9 +2000,6 @@
               </a:spcAft>
               <a:buNone/>
             </a:pPr>
-            <a:r>
-              <a:t/>
-            </a:r>
             <a:endParaRPr/>
           </a:p>
         </p:txBody>
@@ -1902,11 +2013,11 @@
 </file>
 
 <file path=ppt/notesSlides/notesSlide3.xml><?xml version="1.0" encoding="utf-8"?>
-<p:notes xmlns:a="http://schemas.openxmlformats.org/drawingml/2006/main" xmlns:r="http://schemas.openxmlformats.org/officeDocument/2006/relationships" xmlns:mc="http://schemas.openxmlformats.org/markup-compatibility/2006" xmlns:mv="urn:schemas-microsoft-com:mac:vml" xmlns:p="http://schemas.openxmlformats.org/presentationml/2006/main" xmlns:c="http://schemas.openxmlformats.org/drawingml/2006/chart" xmlns:dgm="http://schemas.openxmlformats.org/drawingml/2006/diagram" xmlns:o="urn:schemas-microsoft-com:office:office" xmlns:v="urn:schemas-microsoft-com:vml" xmlns:pvml="urn:schemas-microsoft-com:office:powerpoint" xmlns:com="http://schemas.openxmlformats.org/drawingml/2006/compatibility" xmlns:p14="http://schemas.microsoft.com/office/powerpoint/2010/main" xmlns:p15="http://schemas.microsoft.com/office/powerpoint/2012/main" xmlns:ahyp="http://schemas.microsoft.com/office/drawing/2018/hyperlinkcolor" showMasterPhAnim="0" showMasterSp="0">
+<p:notes xmlns:a="http://schemas.openxmlformats.org/drawingml/2006/main" xmlns:r="http://schemas.openxmlformats.org/officeDocument/2006/relationships" xmlns:p="http://schemas.openxmlformats.org/presentationml/2006/main" showMasterSp="0" showMasterPhAnim="0">
   <p:cSld>
     <p:spTree>
       <p:nvGrpSpPr>
-        <p:cNvPr id="94" name="Shape 94"/>
+        <p:cNvPr id="1" name="Shape 94"/>
         <p:cNvGrpSpPr/>
         <p:nvPr/>
       </p:nvGrpSpPr>
@@ -1921,9 +2032,11 @@
       <p:sp>
         <p:nvSpPr>
           <p:cNvPr id="95" name="Google Shape;95;g1033603ac77_4_0:notes"/>
-          <p:cNvSpPr/>
+          <p:cNvSpPr>
+            <a:spLocks noGrp="1" noRot="1" noChangeAspect="1"/>
+          </p:cNvSpPr>
           <p:nvPr>
-            <p:ph idx="2" type="sldImg"/>
+            <p:ph type="sldImg" idx="2"/>
           </p:nvPr>
         </p:nvSpPr>
         <p:spPr>
@@ -1932,9 +2045,13 @@
             <a:ext cx="6096000" cy="3429000"/>
           </a:xfrm>
           <a:custGeom>
-            <a:rect b="b" l="l" r="r" t="t"/>
+            <a:avLst/>
+            <a:gdLst/>
+            <a:ahLst/>
+            <a:cxnLst/>
+            <a:rect l="l" t="t" r="r" b="b"/>
             <a:pathLst>
-              <a:path extrusionOk="0" h="120000" w="120000">
+              <a:path w="120000" h="120000" extrusionOk="0">
                 <a:moveTo>
                   <a:pt x="0" y="0"/>
                 </a:moveTo>
@@ -1956,9 +2073,11 @@
       <p:sp>
         <p:nvSpPr>
           <p:cNvPr id="96" name="Google Shape;96;g1033603ac77_4_0:notes"/>
-          <p:cNvSpPr txBox="1"/>
+          <p:cNvSpPr txBox="1">
+            <a:spLocks noGrp="1"/>
+          </p:cNvSpPr>
           <p:nvPr>
-            <p:ph idx="1" type="body"/>
+            <p:ph type="body" idx="1"/>
           </p:nvPr>
         </p:nvSpPr>
         <p:spPr>
@@ -1971,12 +2090,12 @@
           </a:prstGeom>
         </p:spPr>
         <p:txBody>
-          <a:bodyPr anchorCtr="0" anchor="t" bIns="91425" lIns="91425" spcFirstLastPara="1" rIns="91425" wrap="square" tIns="91425">
+          <a:bodyPr spcFirstLastPara="1" wrap="square" lIns="91425" tIns="91425" rIns="91425" bIns="91425" anchor="t" anchorCtr="0">
             <a:noAutofit/>
           </a:bodyPr>
           <a:lstStyle/>
           <a:p>
-            <a:pPr indent="0" lvl="0" marL="0" rtl="0" algn="l">
+            <a:pPr marL="0" lvl="0" indent="0" algn="l" rtl="0">
               <a:spcBef>
                 <a:spcPts val="0"/>
               </a:spcBef>
@@ -1985,9 +2104,6 @@
               </a:spcAft>
               <a:buNone/>
             </a:pPr>
-            <a:r>
-              <a:t/>
-            </a:r>
             <a:endParaRPr/>
           </a:p>
         </p:txBody>
@@ -2001,11 +2117,11 @@
 </file>
 
 <file path=ppt/notesSlides/notesSlide4.xml><?xml version="1.0" encoding="utf-8"?>
-<p:notes xmlns:a="http://schemas.openxmlformats.org/drawingml/2006/main" xmlns:r="http://schemas.openxmlformats.org/officeDocument/2006/relationships" xmlns:mc="http://schemas.openxmlformats.org/markup-compatibility/2006" xmlns:mv="urn:schemas-microsoft-com:mac:vml" xmlns:p="http://schemas.openxmlformats.org/presentationml/2006/main" xmlns:c="http://schemas.openxmlformats.org/drawingml/2006/chart" xmlns:dgm="http://schemas.openxmlformats.org/drawingml/2006/diagram" xmlns:o="urn:schemas-microsoft-com:office:office" xmlns:v="urn:schemas-microsoft-com:vml" xmlns:pvml="urn:schemas-microsoft-com:office:powerpoint" xmlns:com="http://schemas.openxmlformats.org/drawingml/2006/compatibility" xmlns:p14="http://schemas.microsoft.com/office/powerpoint/2010/main" xmlns:p15="http://schemas.microsoft.com/office/powerpoint/2012/main" xmlns:ahyp="http://schemas.microsoft.com/office/drawing/2018/hyperlinkcolor" showMasterPhAnim="0" showMasterSp="0">
+<p:notes xmlns:a="http://schemas.openxmlformats.org/drawingml/2006/main" xmlns:r="http://schemas.openxmlformats.org/officeDocument/2006/relationships" xmlns:p="http://schemas.openxmlformats.org/presentationml/2006/main" showMasterSp="0" showMasterPhAnim="0">
   <p:cSld>
     <p:spTree>
       <p:nvGrpSpPr>
-        <p:cNvPr id="100" name="Shape 100"/>
+        <p:cNvPr id="1" name="Shape 100"/>
         <p:cNvGrpSpPr/>
         <p:nvPr/>
       </p:nvGrpSpPr>
@@ -2020,9 +2136,11 @@
       <p:sp>
         <p:nvSpPr>
           <p:cNvPr id="101" name="Google Shape;101;g1033603ac77_2_13:notes"/>
-          <p:cNvSpPr/>
+          <p:cNvSpPr>
+            <a:spLocks noGrp="1" noRot="1" noChangeAspect="1"/>
+          </p:cNvSpPr>
           <p:nvPr>
-            <p:ph idx="2" type="sldImg"/>
+            <p:ph type="sldImg" idx="2"/>
           </p:nvPr>
         </p:nvSpPr>
         <p:spPr>
@@ -2031,9 +2149,13 @@
             <a:ext cx="6096000" cy="3429000"/>
           </a:xfrm>
           <a:custGeom>
-            <a:rect b="b" l="l" r="r" t="t"/>
+            <a:avLst/>
+            <a:gdLst/>
+            <a:ahLst/>
+            <a:cxnLst/>
+            <a:rect l="l" t="t" r="r" b="b"/>
             <a:pathLst>
-              <a:path extrusionOk="0" h="120000" w="120000">
+              <a:path w="120000" h="120000" extrusionOk="0">
                 <a:moveTo>
                   <a:pt x="0" y="0"/>
                 </a:moveTo>
@@ -2055,9 +2177,11 @@
       <p:sp>
         <p:nvSpPr>
           <p:cNvPr id="102" name="Google Shape;102;g1033603ac77_2_13:notes"/>
-          <p:cNvSpPr txBox="1"/>
+          <p:cNvSpPr txBox="1">
+            <a:spLocks noGrp="1"/>
+          </p:cNvSpPr>
           <p:nvPr>
-            <p:ph idx="1" type="body"/>
+            <p:ph type="body" idx="1"/>
           </p:nvPr>
         </p:nvSpPr>
         <p:spPr>
@@ -2070,12 +2194,12 @@
           </a:prstGeom>
         </p:spPr>
         <p:txBody>
-          <a:bodyPr anchorCtr="0" anchor="t" bIns="91425" lIns="91425" spcFirstLastPara="1" rIns="91425" wrap="square" tIns="91425">
+          <a:bodyPr spcFirstLastPara="1" wrap="square" lIns="91425" tIns="91425" rIns="91425" bIns="91425" anchor="t" anchorCtr="0">
             <a:noAutofit/>
           </a:bodyPr>
           <a:lstStyle/>
           <a:p>
-            <a:pPr indent="0" lvl="0" marL="0" rtl="0" algn="l">
+            <a:pPr marL="0" lvl="0" indent="0" algn="l" rtl="0">
               <a:spcBef>
                 <a:spcPts val="0"/>
               </a:spcBef>
@@ -2084,9 +2208,6 @@
               </a:spcAft>
               <a:buNone/>
             </a:pPr>
-            <a:r>
-              <a:t/>
-            </a:r>
             <a:endParaRPr/>
           </a:p>
         </p:txBody>
@@ -2100,11 +2221,11 @@
 </file>
 
 <file path=ppt/notesSlides/notesSlide5.xml><?xml version="1.0" encoding="utf-8"?>
-<p:notes xmlns:a="http://schemas.openxmlformats.org/drawingml/2006/main" xmlns:r="http://schemas.openxmlformats.org/officeDocument/2006/relationships" xmlns:mc="http://schemas.openxmlformats.org/markup-compatibility/2006" xmlns:mv="urn:schemas-microsoft-com:mac:vml" xmlns:p="http://schemas.openxmlformats.org/presentationml/2006/main" xmlns:c="http://schemas.openxmlformats.org/drawingml/2006/chart" xmlns:dgm="http://schemas.openxmlformats.org/drawingml/2006/diagram" xmlns:o="urn:schemas-microsoft-com:office:office" xmlns:v="urn:schemas-microsoft-com:vml" xmlns:pvml="urn:schemas-microsoft-com:office:powerpoint" xmlns:com="http://schemas.openxmlformats.org/drawingml/2006/compatibility" xmlns:p14="http://schemas.microsoft.com/office/powerpoint/2010/main" xmlns:p15="http://schemas.microsoft.com/office/powerpoint/2012/main" xmlns:ahyp="http://schemas.microsoft.com/office/drawing/2018/hyperlinkcolor" showMasterPhAnim="0" showMasterSp="0">
+<p:notes xmlns:a="http://schemas.openxmlformats.org/drawingml/2006/main" xmlns:r="http://schemas.openxmlformats.org/officeDocument/2006/relationships" xmlns:p="http://schemas.openxmlformats.org/presentationml/2006/main" showMasterSp="0" showMasterPhAnim="0">
   <p:cSld>
     <p:spTree>
       <p:nvGrpSpPr>
-        <p:cNvPr id="108" name="Shape 108"/>
+        <p:cNvPr id="1" name="Shape 108"/>
         <p:cNvGrpSpPr/>
         <p:nvPr/>
       </p:nvGrpSpPr>
@@ -2119,9 +2240,11 @@
       <p:sp>
         <p:nvSpPr>
           <p:cNvPr id="109" name="Google Shape;109;g1033603ac77_4_11:notes"/>
-          <p:cNvSpPr/>
+          <p:cNvSpPr>
+            <a:spLocks noGrp="1" noRot="1" noChangeAspect="1"/>
+          </p:cNvSpPr>
           <p:nvPr>
-            <p:ph idx="2" type="sldImg"/>
+            <p:ph type="sldImg" idx="2"/>
           </p:nvPr>
         </p:nvSpPr>
         <p:spPr>
@@ -2130,9 +2253,13 @@
             <a:ext cx="6096000" cy="3429000"/>
           </a:xfrm>
           <a:custGeom>
-            <a:rect b="b" l="l" r="r" t="t"/>
+            <a:avLst/>
+            <a:gdLst/>
+            <a:ahLst/>
+            <a:cxnLst/>
+            <a:rect l="l" t="t" r="r" b="b"/>
             <a:pathLst>
-              <a:path extrusionOk="0" h="120000" w="120000">
+              <a:path w="120000" h="120000" extrusionOk="0">
                 <a:moveTo>
                   <a:pt x="0" y="0"/>
                 </a:moveTo>
@@ -2154,9 +2281,11 @@
       <p:sp>
         <p:nvSpPr>
           <p:cNvPr id="110" name="Google Shape;110;g1033603ac77_4_11:notes"/>
-          <p:cNvSpPr txBox="1"/>
+          <p:cNvSpPr txBox="1">
+            <a:spLocks noGrp="1"/>
+          </p:cNvSpPr>
           <p:nvPr>
-            <p:ph idx="1" type="body"/>
+            <p:ph type="body" idx="1"/>
           </p:nvPr>
         </p:nvSpPr>
         <p:spPr>
@@ -2169,12 +2298,12 @@
           </a:prstGeom>
         </p:spPr>
         <p:txBody>
-          <a:bodyPr anchorCtr="0" anchor="t" bIns="91425" lIns="91425" spcFirstLastPara="1" rIns="91425" wrap="square" tIns="91425">
+          <a:bodyPr spcFirstLastPara="1" wrap="square" lIns="91425" tIns="91425" rIns="91425" bIns="91425" anchor="t" anchorCtr="0">
             <a:noAutofit/>
           </a:bodyPr>
           <a:lstStyle/>
           <a:p>
-            <a:pPr indent="0" lvl="0" marL="0" rtl="0" algn="l">
+            <a:pPr marL="0" lvl="0" indent="0" algn="l" rtl="0">
               <a:spcBef>
                 <a:spcPts val="0"/>
               </a:spcBef>
@@ -2183,9 +2312,6 @@
               </a:spcAft>
               <a:buNone/>
             </a:pPr>
-            <a:r>
-              <a:t/>
-            </a:r>
             <a:endParaRPr/>
           </a:p>
         </p:txBody>
@@ -2199,11 +2325,11 @@
 </file>
 
 <file path=ppt/notesSlides/notesSlide6.xml><?xml version="1.0" encoding="utf-8"?>
-<p:notes xmlns:a="http://schemas.openxmlformats.org/drawingml/2006/main" xmlns:r="http://schemas.openxmlformats.org/officeDocument/2006/relationships" xmlns:mc="http://schemas.openxmlformats.org/markup-compatibility/2006" xmlns:mv="urn:schemas-microsoft-com:mac:vml" xmlns:p="http://schemas.openxmlformats.org/presentationml/2006/main" xmlns:c="http://schemas.openxmlformats.org/drawingml/2006/chart" xmlns:dgm="http://schemas.openxmlformats.org/drawingml/2006/diagram" xmlns:o="urn:schemas-microsoft-com:office:office" xmlns:v="urn:schemas-microsoft-com:vml" xmlns:pvml="urn:schemas-microsoft-com:office:powerpoint" xmlns:com="http://schemas.openxmlformats.org/drawingml/2006/compatibility" xmlns:p14="http://schemas.microsoft.com/office/powerpoint/2010/main" xmlns:p15="http://schemas.microsoft.com/office/powerpoint/2012/main" xmlns:ahyp="http://schemas.microsoft.com/office/drawing/2018/hyperlinkcolor" showMasterPhAnim="0" showMasterSp="0">
+<p:notes xmlns:a="http://schemas.openxmlformats.org/drawingml/2006/main" xmlns:r="http://schemas.openxmlformats.org/officeDocument/2006/relationships" xmlns:p="http://schemas.openxmlformats.org/presentationml/2006/main" showMasterSp="0" showMasterPhAnim="0">
   <p:cSld>
     <p:spTree>
       <p:nvGrpSpPr>
-        <p:cNvPr id="114" name="Shape 114"/>
+        <p:cNvPr id="1" name="Shape 114"/>
         <p:cNvGrpSpPr/>
         <p:nvPr/>
       </p:nvGrpSpPr>
@@ -2218,9 +2344,11 @@
       <p:sp>
         <p:nvSpPr>
           <p:cNvPr id="115" name="Google Shape;115;g1033603ac77_4_16:notes"/>
-          <p:cNvSpPr/>
+          <p:cNvSpPr>
+            <a:spLocks noGrp="1" noRot="1" noChangeAspect="1"/>
+          </p:cNvSpPr>
           <p:nvPr>
-            <p:ph idx="2" type="sldImg"/>
+            <p:ph type="sldImg" idx="2"/>
           </p:nvPr>
         </p:nvSpPr>
         <p:spPr>
@@ -2229,9 +2357,13 @@
             <a:ext cx="6096000" cy="3429000"/>
           </a:xfrm>
           <a:custGeom>
-            <a:rect b="b" l="l" r="r" t="t"/>
+            <a:avLst/>
+            <a:gdLst/>
+            <a:ahLst/>
+            <a:cxnLst/>
+            <a:rect l="l" t="t" r="r" b="b"/>
             <a:pathLst>
-              <a:path extrusionOk="0" h="120000" w="120000">
+              <a:path w="120000" h="120000" extrusionOk="0">
                 <a:moveTo>
                   <a:pt x="0" y="0"/>
                 </a:moveTo>
@@ -2253,9 +2385,11 @@
       <p:sp>
         <p:nvSpPr>
           <p:cNvPr id="116" name="Google Shape;116;g1033603ac77_4_16:notes"/>
-          <p:cNvSpPr txBox="1"/>
+          <p:cNvSpPr txBox="1">
+            <a:spLocks noGrp="1"/>
+          </p:cNvSpPr>
           <p:nvPr>
-            <p:ph idx="1" type="body"/>
+            <p:ph type="body" idx="1"/>
           </p:nvPr>
         </p:nvSpPr>
         <p:spPr>
@@ -2268,12 +2402,12 @@
           </a:prstGeom>
         </p:spPr>
         <p:txBody>
-          <a:bodyPr anchorCtr="0" anchor="t" bIns="91425" lIns="91425" spcFirstLastPara="1" rIns="91425" wrap="square" tIns="91425">
+          <a:bodyPr spcFirstLastPara="1" wrap="square" lIns="91425" tIns="91425" rIns="91425" bIns="91425" anchor="t" anchorCtr="0">
             <a:noAutofit/>
           </a:bodyPr>
           <a:lstStyle/>
           <a:p>
-            <a:pPr indent="0" lvl="0" marL="0" rtl="0" algn="l">
+            <a:pPr marL="0" lvl="0" indent="0" algn="l" rtl="0">
               <a:spcBef>
                 <a:spcPts val="0"/>
               </a:spcBef>
@@ -2282,9 +2416,6 @@
               </a:spcAft>
               <a:buNone/>
             </a:pPr>
-            <a:r>
-              <a:t/>
-            </a:r>
             <a:endParaRPr/>
           </a:p>
         </p:txBody>
@@ -2298,11 +2429,11 @@
 </file>
 
 <file path=ppt/notesSlides/notesSlide7.xml><?xml version="1.0" encoding="utf-8"?>
-<p:notes xmlns:a="http://schemas.openxmlformats.org/drawingml/2006/main" xmlns:r="http://schemas.openxmlformats.org/officeDocument/2006/relationships" xmlns:mc="http://schemas.openxmlformats.org/markup-compatibility/2006" xmlns:mv="urn:schemas-microsoft-com:mac:vml" xmlns:p="http://schemas.openxmlformats.org/presentationml/2006/main" xmlns:c="http://schemas.openxmlformats.org/drawingml/2006/chart" xmlns:dgm="http://schemas.openxmlformats.org/drawingml/2006/diagram" xmlns:o="urn:schemas-microsoft-com:office:office" xmlns:v="urn:schemas-microsoft-com:vml" xmlns:pvml="urn:schemas-microsoft-com:office:powerpoint" xmlns:com="http://schemas.openxmlformats.org/drawingml/2006/compatibility" xmlns:p14="http://schemas.microsoft.com/office/powerpoint/2010/main" xmlns:p15="http://schemas.microsoft.com/office/powerpoint/2012/main" xmlns:ahyp="http://schemas.microsoft.com/office/drawing/2018/hyperlinkcolor" showMasterPhAnim="0" showMasterSp="0">
+<p:notes xmlns:a="http://schemas.openxmlformats.org/drawingml/2006/main" xmlns:r="http://schemas.openxmlformats.org/officeDocument/2006/relationships" xmlns:p="http://schemas.openxmlformats.org/presentationml/2006/main" showMasterSp="0" showMasterPhAnim="0">
   <p:cSld>
     <p:spTree>
       <p:nvGrpSpPr>
-        <p:cNvPr id="120" name="Shape 120"/>
+        <p:cNvPr id="1" name="Shape 120"/>
         <p:cNvGrpSpPr/>
         <p:nvPr/>
       </p:nvGrpSpPr>
@@ -2317,9 +2448,11 @@
       <p:sp>
         <p:nvSpPr>
           <p:cNvPr id="121" name="Google Shape;121;g10344637265_5_8:notes"/>
-          <p:cNvSpPr/>
+          <p:cNvSpPr>
+            <a:spLocks noGrp="1" noRot="1" noChangeAspect="1"/>
+          </p:cNvSpPr>
           <p:nvPr>
-            <p:ph idx="2" type="sldImg"/>
+            <p:ph type="sldImg" idx="2"/>
           </p:nvPr>
         </p:nvSpPr>
         <p:spPr>
@@ -2328,9 +2461,13 @@
             <a:ext cx="6096000" cy="3429000"/>
           </a:xfrm>
           <a:custGeom>
-            <a:rect b="b" l="l" r="r" t="t"/>
+            <a:avLst/>
+            <a:gdLst/>
+            <a:ahLst/>
+            <a:cxnLst/>
+            <a:rect l="l" t="t" r="r" b="b"/>
             <a:pathLst>
-              <a:path extrusionOk="0" h="120000" w="120000">
+              <a:path w="120000" h="120000" extrusionOk="0">
                 <a:moveTo>
                   <a:pt x="0" y="0"/>
                 </a:moveTo>
@@ -2352,9 +2489,11 @@
       <p:sp>
         <p:nvSpPr>
           <p:cNvPr id="122" name="Google Shape;122;g10344637265_5_8:notes"/>
-          <p:cNvSpPr txBox="1"/>
+          <p:cNvSpPr txBox="1">
+            <a:spLocks noGrp="1"/>
+          </p:cNvSpPr>
           <p:nvPr>
-            <p:ph idx="1" type="body"/>
+            <p:ph type="body" idx="1"/>
           </p:nvPr>
         </p:nvSpPr>
         <p:spPr>
@@ -2367,12 +2506,12 @@
           </a:prstGeom>
         </p:spPr>
         <p:txBody>
-          <a:bodyPr anchorCtr="0" anchor="t" bIns="91425" lIns="91425" spcFirstLastPara="1" rIns="91425" wrap="square" tIns="91425">
+          <a:bodyPr spcFirstLastPara="1" wrap="square" lIns="91425" tIns="91425" rIns="91425" bIns="91425" anchor="t" anchorCtr="0">
             <a:noAutofit/>
           </a:bodyPr>
           <a:lstStyle/>
           <a:p>
-            <a:pPr indent="0" lvl="0" marL="0" rtl="0" algn="l">
+            <a:pPr marL="0" lvl="0" indent="0" algn="l" rtl="0">
               <a:spcBef>
                 <a:spcPts val="0"/>
               </a:spcBef>
@@ -2381,9 +2520,6 @@
               </a:spcAft>
               <a:buNone/>
             </a:pPr>
-            <a:r>
-              <a:t/>
-            </a:r>
             <a:endParaRPr/>
           </a:p>
         </p:txBody>
@@ -2397,11 +2533,11 @@
 </file>
 
 <file path=ppt/notesSlides/notesSlide8.xml><?xml version="1.0" encoding="utf-8"?>
-<p:notes xmlns:a="http://schemas.openxmlformats.org/drawingml/2006/main" xmlns:r="http://schemas.openxmlformats.org/officeDocument/2006/relationships" xmlns:mc="http://schemas.openxmlformats.org/markup-compatibility/2006" xmlns:mv="urn:schemas-microsoft-com:mac:vml" xmlns:p="http://schemas.openxmlformats.org/presentationml/2006/main" xmlns:c="http://schemas.openxmlformats.org/drawingml/2006/chart" xmlns:dgm="http://schemas.openxmlformats.org/drawingml/2006/diagram" xmlns:o="urn:schemas-microsoft-com:office:office" xmlns:v="urn:schemas-microsoft-com:vml" xmlns:pvml="urn:schemas-microsoft-com:office:powerpoint" xmlns:com="http://schemas.openxmlformats.org/drawingml/2006/compatibility" xmlns:p14="http://schemas.microsoft.com/office/powerpoint/2010/main" xmlns:p15="http://schemas.microsoft.com/office/powerpoint/2012/main" xmlns:ahyp="http://schemas.microsoft.com/office/drawing/2018/hyperlinkcolor" showMasterPhAnim="0" showMasterSp="0">
+<p:notes xmlns:a="http://schemas.openxmlformats.org/drawingml/2006/main" xmlns:r="http://schemas.openxmlformats.org/officeDocument/2006/relationships" xmlns:p="http://schemas.openxmlformats.org/presentationml/2006/main" showMasterSp="0" showMasterPhAnim="0">
   <p:cSld>
     <p:spTree>
       <p:nvGrpSpPr>
-        <p:cNvPr id="128" name="Shape 128"/>
+        <p:cNvPr id="1" name="Shape 128"/>
         <p:cNvGrpSpPr/>
         <p:nvPr/>
       </p:nvGrpSpPr>
@@ -2416,9 +2552,11 @@
       <p:sp>
         <p:nvSpPr>
           <p:cNvPr id="129" name="Google Shape;129;g10344637265_5_16:notes"/>
-          <p:cNvSpPr/>
+          <p:cNvSpPr>
+            <a:spLocks noGrp="1" noRot="1" noChangeAspect="1"/>
+          </p:cNvSpPr>
           <p:nvPr>
-            <p:ph idx="2" type="sldImg"/>
+            <p:ph type="sldImg" idx="2"/>
           </p:nvPr>
         </p:nvSpPr>
         <p:spPr>
@@ -2427,9 +2565,13 @@
             <a:ext cx="6096000" cy="3429000"/>
           </a:xfrm>
           <a:custGeom>
-            <a:rect b="b" l="l" r="r" t="t"/>
+            <a:avLst/>
+            <a:gdLst/>
+            <a:ahLst/>
+            <a:cxnLst/>
+            <a:rect l="l" t="t" r="r" b="b"/>
             <a:pathLst>
-              <a:path extrusionOk="0" h="120000" w="120000">
+              <a:path w="120000" h="120000" extrusionOk="0">
                 <a:moveTo>
                   <a:pt x="0" y="0"/>
                 </a:moveTo>
@@ -2451,9 +2593,11 @@
       <p:sp>
         <p:nvSpPr>
           <p:cNvPr id="130" name="Google Shape;130;g10344637265_5_16:notes"/>
-          <p:cNvSpPr txBox="1"/>
+          <p:cNvSpPr txBox="1">
+            <a:spLocks noGrp="1"/>
+          </p:cNvSpPr>
           <p:nvPr>
-            <p:ph idx="1" type="body"/>
+            <p:ph type="body" idx="1"/>
           </p:nvPr>
         </p:nvSpPr>
         <p:spPr>
@@ -2466,12 +2610,12 @@
           </a:prstGeom>
         </p:spPr>
         <p:txBody>
-          <a:bodyPr anchorCtr="0" anchor="t" bIns="91425" lIns="91425" spcFirstLastPara="1" rIns="91425" wrap="square" tIns="91425">
+          <a:bodyPr spcFirstLastPara="1" wrap="square" lIns="91425" tIns="91425" rIns="91425" bIns="91425" anchor="t" anchorCtr="0">
             <a:noAutofit/>
           </a:bodyPr>
           <a:lstStyle/>
           <a:p>
-            <a:pPr indent="0" lvl="0" marL="0" rtl="0" algn="l">
+            <a:pPr marL="0" lvl="0" indent="0" algn="l" rtl="0">
               <a:spcBef>
                 <a:spcPts val="0"/>
               </a:spcBef>
@@ -2480,9 +2624,6 @@
               </a:spcAft>
               <a:buNone/>
             </a:pPr>
-            <a:r>
-              <a:t/>
-            </a:r>
             <a:endParaRPr/>
           </a:p>
         </p:txBody>
@@ -2496,11 +2637,11 @@
 </file>
 
 <file path=ppt/notesSlides/notesSlide9.xml><?xml version="1.0" encoding="utf-8"?>
-<p:notes xmlns:a="http://schemas.openxmlformats.org/drawingml/2006/main" xmlns:r="http://schemas.openxmlformats.org/officeDocument/2006/relationships" xmlns:mc="http://schemas.openxmlformats.org/markup-compatibility/2006" xmlns:mv="urn:schemas-microsoft-com:mac:vml" xmlns:p="http://schemas.openxmlformats.org/presentationml/2006/main" xmlns:c="http://schemas.openxmlformats.org/drawingml/2006/chart" xmlns:dgm="http://schemas.openxmlformats.org/drawingml/2006/diagram" xmlns:o="urn:schemas-microsoft-com:office:office" xmlns:v="urn:schemas-microsoft-com:vml" xmlns:pvml="urn:schemas-microsoft-com:office:powerpoint" xmlns:com="http://schemas.openxmlformats.org/drawingml/2006/compatibility" xmlns:p14="http://schemas.microsoft.com/office/powerpoint/2010/main" xmlns:p15="http://schemas.microsoft.com/office/powerpoint/2012/main" xmlns:ahyp="http://schemas.microsoft.com/office/drawing/2018/hyperlinkcolor" showMasterPhAnim="0" showMasterSp="0">
+<p:notes xmlns:a="http://schemas.openxmlformats.org/drawingml/2006/main" xmlns:r="http://schemas.openxmlformats.org/officeDocument/2006/relationships" xmlns:p="http://schemas.openxmlformats.org/presentationml/2006/main" showMasterSp="0" showMasterPhAnim="0">
   <p:cSld>
     <p:spTree>
       <p:nvGrpSpPr>
-        <p:cNvPr id="136" name="Shape 136"/>
+        <p:cNvPr id="1" name="Shape 136"/>
         <p:cNvGrpSpPr/>
         <p:nvPr/>
       </p:nvGrpSpPr>
@@ -2515,9 +2656,11 @@
       <p:sp>
         <p:nvSpPr>
           <p:cNvPr id="137" name="Google Shape;137;g10344637265_5_24:notes"/>
-          <p:cNvSpPr/>
+          <p:cNvSpPr>
+            <a:spLocks noGrp="1" noRot="1" noChangeAspect="1"/>
+          </p:cNvSpPr>
           <p:nvPr>
-            <p:ph idx="2" type="sldImg"/>
+            <p:ph type="sldImg" idx="2"/>
           </p:nvPr>
         </p:nvSpPr>
         <p:spPr>
@@ -2526,9 +2669,13 @@
             <a:ext cx="6096000" cy="3429000"/>
           </a:xfrm>
           <a:custGeom>
-            <a:rect b="b" l="l" r="r" t="t"/>
+            <a:avLst/>
+            <a:gdLst/>
+            <a:ahLst/>
+            <a:cxnLst/>
+            <a:rect l="l" t="t" r="r" b="b"/>
             <a:pathLst>
-              <a:path extrusionOk="0" h="120000" w="120000">
+              <a:path w="120000" h="120000" extrusionOk="0">
                 <a:moveTo>
                   <a:pt x="0" y="0"/>
                 </a:moveTo>
@@ -2550,9 +2697,11 @@
       <p:sp>
         <p:nvSpPr>
           <p:cNvPr id="138" name="Google Shape;138;g10344637265_5_24:notes"/>
-          <p:cNvSpPr txBox="1"/>
+          <p:cNvSpPr txBox="1">
+            <a:spLocks noGrp="1"/>
+          </p:cNvSpPr>
           <p:nvPr>
-            <p:ph idx="1" type="body"/>
+            <p:ph type="body" idx="1"/>
           </p:nvPr>
         </p:nvSpPr>
         <p:spPr>
@@ -2565,12 +2714,12 @@
           </a:prstGeom>
         </p:spPr>
         <p:txBody>
-          <a:bodyPr anchorCtr="0" anchor="t" bIns="91425" lIns="91425" spcFirstLastPara="1" rIns="91425" wrap="square" tIns="91425">
+          <a:bodyPr spcFirstLastPara="1" wrap="square" lIns="91425" tIns="91425" rIns="91425" bIns="91425" anchor="t" anchorCtr="0">
             <a:noAutofit/>
           </a:bodyPr>
           <a:lstStyle/>
           <a:p>
-            <a:pPr indent="0" lvl="0" marL="0" rtl="0" algn="l">
+            <a:pPr marL="0" lvl="0" indent="0" algn="l" rtl="0">
               <a:spcBef>
                 <a:spcPts val="0"/>
               </a:spcBef>
@@ -2579,9 +2728,6 @@
               </a:spcAft>
               <a:buNone/>
             </a:pPr>
-            <a:r>
-              <a:t/>
-            </a:r>
             <a:endParaRPr/>
           </a:p>
         </p:txBody>
@@ -2595,18 +2741,19 @@
 </file>
 
 <file path=ppt/slideLayouts/slideLayout1.xml><?xml version="1.0" encoding="utf-8"?>
-<p:sldLayout xmlns:a="http://schemas.openxmlformats.org/drawingml/2006/main" xmlns:r="http://schemas.openxmlformats.org/officeDocument/2006/relationships" xmlns:mc="http://schemas.openxmlformats.org/markup-compatibility/2006" xmlns:mv="urn:schemas-microsoft-com:mac:vml" xmlns:p="http://schemas.openxmlformats.org/presentationml/2006/main" xmlns:c="http://schemas.openxmlformats.org/drawingml/2006/chart" xmlns:dgm="http://schemas.openxmlformats.org/drawingml/2006/diagram" xmlns:o="urn:schemas-microsoft-com:office:office" xmlns:v="urn:schemas-microsoft-com:vml" xmlns:pvml="urn:schemas-microsoft-com:office:powerpoint" xmlns:com="http://schemas.openxmlformats.org/drawingml/2006/compatibility" xmlns:p14="http://schemas.microsoft.com/office/powerpoint/2010/main" xmlns:p15="http://schemas.microsoft.com/office/powerpoint/2012/main" xmlns:ahyp="http://schemas.microsoft.com/office/drawing/2018/hyperlinkcolor" matchingName="Title slide" type="title">
+<p:sldLayout xmlns:a="http://schemas.openxmlformats.org/drawingml/2006/main" xmlns:r="http://schemas.openxmlformats.org/officeDocument/2006/relationships" xmlns:p="http://schemas.openxmlformats.org/presentationml/2006/main" matchingName="Title slide" type="title">
   <p:cSld name="TITLE">
     <p:bg>
       <p:bgPr>
         <a:solidFill>
           <a:schemeClr val="dk1"/>
         </a:solidFill>
+        <a:effectLst/>
       </p:bgPr>
     </p:bg>
     <p:spTree>
       <p:nvGrpSpPr>
-        <p:cNvPr id="9" name="Shape 9"/>
+        <p:cNvPr id="1" name="Shape 9"/>
         <p:cNvGrpSpPr/>
         <p:nvPr/>
       </p:nvGrpSpPr>
@@ -2654,12 +2801,12 @@
             </a:ln>
           </p:spPr>
           <p:txBody>
-            <a:bodyPr anchorCtr="0" anchor="ctr" bIns="91425" lIns="91425" spcFirstLastPara="1" rIns="91425" wrap="square" tIns="91425">
+            <a:bodyPr spcFirstLastPara="1" wrap="square" lIns="91425" tIns="91425" rIns="91425" bIns="91425" anchor="ctr" anchorCtr="0">
               <a:noAutofit/>
             </a:bodyPr>
             <a:lstStyle/>
             <a:p>
-              <a:pPr indent="0" lvl="0" marL="0" rtl="0" algn="l">
+              <a:pPr marL="0" lvl="0" indent="0" algn="l" rtl="0">
                 <a:spcBef>
                   <a:spcPts val="0"/>
                 </a:spcBef>
@@ -2668,9 +2815,6 @@
                 </a:spcAft>
                 <a:buNone/>
               </a:pPr>
-              <a:r>
-                <a:t/>
-              </a:r>
               <a:endParaRPr/>
             </a:p>
           </p:txBody>
@@ -2697,12 +2841,12 @@
             </a:ln>
           </p:spPr>
           <p:txBody>
-            <a:bodyPr anchorCtr="0" anchor="ctr" bIns="91425" lIns="91425" spcFirstLastPara="1" rIns="91425" wrap="square" tIns="91425">
+            <a:bodyPr spcFirstLastPara="1" wrap="square" lIns="91425" tIns="91425" rIns="91425" bIns="91425" anchor="ctr" anchorCtr="0">
               <a:noAutofit/>
             </a:bodyPr>
             <a:lstStyle/>
             <a:p>
-              <a:pPr indent="0" lvl="0" marL="0" rtl="0" algn="l">
+              <a:pPr marL="0" lvl="0" indent="0" algn="l" rtl="0">
                 <a:spcBef>
                   <a:spcPts val="0"/>
                 </a:spcBef>
@@ -2711,9 +2855,6 @@
                 </a:spcAft>
                 <a:buNone/>
               </a:pPr>
-              <a:r>
-                <a:t/>
-              </a:r>
               <a:endParaRPr/>
             </a:p>
           </p:txBody>
@@ -2725,7 +2866,7 @@
             <p:nvPr/>
           </p:nvSpPr>
           <p:spPr>
-            <a:xfrm flipH="1" rot="10800000">
+            <a:xfrm rot="10800000" flipH="1">
               <a:off x="7113588" y="107"/>
               <a:ext cx="1015200" cy="1015200"/>
             </a:xfrm>
@@ -2740,12 +2881,12 @@
             </a:ln>
           </p:spPr>
           <p:txBody>
-            <a:bodyPr anchorCtr="0" anchor="ctr" bIns="91425" lIns="91425" spcFirstLastPara="1" rIns="91425" wrap="square" tIns="91425">
+            <a:bodyPr spcFirstLastPara="1" wrap="square" lIns="91425" tIns="91425" rIns="91425" bIns="91425" anchor="ctr" anchorCtr="0">
               <a:noAutofit/>
             </a:bodyPr>
             <a:lstStyle/>
             <a:p>
-              <a:pPr indent="0" lvl="0" marL="0" rtl="0" algn="l">
+              <a:pPr marL="0" lvl="0" indent="0" algn="l" rtl="0">
                 <a:spcBef>
                   <a:spcPts val="0"/>
                 </a:spcBef>
@@ -2754,9 +2895,6 @@
                 </a:spcAft>
                 <a:buNone/>
               </a:pPr>
-              <a:r>
-                <a:t/>
-              </a:r>
               <a:endParaRPr/>
             </a:p>
           </p:txBody>
@@ -2783,12 +2921,12 @@
             </a:ln>
           </p:spPr>
           <p:txBody>
-            <a:bodyPr anchorCtr="0" anchor="ctr" bIns="91425" lIns="91425" spcFirstLastPara="1" rIns="91425" wrap="square" tIns="91425">
+            <a:bodyPr spcFirstLastPara="1" wrap="square" lIns="91425" tIns="91425" rIns="91425" bIns="91425" anchor="ctr" anchorCtr="0">
               <a:noAutofit/>
             </a:bodyPr>
             <a:lstStyle/>
             <a:p>
-              <a:pPr indent="0" lvl="0" marL="0" rtl="0" algn="l">
+              <a:pPr marL="0" lvl="0" indent="0" algn="l" rtl="0">
                 <a:spcBef>
                   <a:spcPts val="0"/>
                 </a:spcBef>
@@ -2797,9 +2935,6 @@
                 </a:spcAft>
                 <a:buNone/>
               </a:pPr>
-              <a:r>
-                <a:t/>
-              </a:r>
               <a:endParaRPr/>
             </a:p>
           </p:txBody>
@@ -2826,12 +2961,12 @@
             </a:ln>
           </p:spPr>
           <p:txBody>
-            <a:bodyPr anchorCtr="0" anchor="ctr" bIns="91425" lIns="91425" spcFirstLastPara="1" rIns="91425" wrap="square" tIns="91425">
+            <a:bodyPr spcFirstLastPara="1" wrap="square" lIns="91425" tIns="91425" rIns="91425" bIns="91425" anchor="ctr" anchorCtr="0">
               <a:noAutofit/>
             </a:bodyPr>
             <a:lstStyle/>
             <a:p>
-              <a:pPr indent="0" lvl="0" marL="0" rtl="0" algn="l">
+              <a:pPr marL="0" lvl="0" indent="0" algn="l" rtl="0">
                 <a:spcBef>
                   <a:spcPts val="0"/>
                 </a:spcBef>
@@ -2840,9 +2975,6 @@
                 </a:spcAft>
                 <a:buNone/>
               </a:pPr>
-              <a:r>
-                <a:t/>
-              </a:r>
               <a:endParaRPr/>
             </a:p>
           </p:txBody>
@@ -2851,7 +2983,9 @@
       <p:sp>
         <p:nvSpPr>
           <p:cNvPr id="16" name="Google Shape;16;p2"/>
-          <p:cNvSpPr txBox="1"/>
+          <p:cNvSpPr txBox="1">
+            <a:spLocks noGrp="1"/>
+          </p:cNvSpPr>
           <p:nvPr>
             <p:ph type="ctrTitle"/>
           </p:nvPr>
@@ -2866,7 +3000,7 @@
           </a:prstGeom>
         </p:spPr>
         <p:txBody>
-          <a:bodyPr anchorCtr="0" anchor="b" bIns="91425" lIns="91425" spcFirstLastPara="1" rIns="91425" wrap="square" tIns="91425">
+          <a:bodyPr spcFirstLastPara="1" wrap="square" lIns="91425" tIns="91425" rIns="91425" bIns="91425" anchor="b" anchorCtr="0">
             <a:noAutofit/>
           </a:bodyPr>
           <a:lstStyle>
@@ -3033,15 +3167,19 @@
               </a:defRPr>
             </a:lvl9pPr>
           </a:lstStyle>
-          <a:p/>
+          <a:p>
+            <a:endParaRPr/>
+          </a:p>
         </p:txBody>
       </p:sp>
       <p:sp>
         <p:nvSpPr>
           <p:cNvPr id="17" name="Google Shape;17;p2"/>
-          <p:cNvSpPr txBox="1"/>
+          <p:cNvSpPr txBox="1">
+            <a:spLocks noGrp="1"/>
+          </p:cNvSpPr>
           <p:nvPr>
-            <p:ph idx="1" type="subTitle"/>
+            <p:ph type="subTitle" idx="1"/>
           </p:nvPr>
         </p:nvSpPr>
         <p:spPr>
@@ -3054,7 +3192,7 @@
           </a:prstGeom>
         </p:spPr>
         <p:txBody>
-          <a:bodyPr anchorCtr="0" anchor="t" bIns="91425" lIns="91425" spcFirstLastPara="1" rIns="91425" wrap="square" tIns="91425">
+          <a:bodyPr spcFirstLastPara="1" wrap="square" lIns="91425" tIns="91425" rIns="91425" bIns="91425" anchor="t" anchorCtr="0">
             <a:noAutofit/>
           </a:bodyPr>
           <a:lstStyle>
@@ -3248,15 +3386,19 @@
               </a:defRPr>
             </a:lvl9pPr>
           </a:lstStyle>
-          <a:p/>
+          <a:p>
+            <a:endParaRPr/>
+          </a:p>
         </p:txBody>
       </p:sp>
       <p:sp>
         <p:nvSpPr>
           <p:cNvPr id="18" name="Google Shape;18;p2"/>
-          <p:cNvSpPr txBox="1"/>
+          <p:cNvSpPr txBox="1">
+            <a:spLocks noGrp="1"/>
+          </p:cNvSpPr>
           <p:nvPr>
-            <p:ph idx="12" type="sldNum"/>
+            <p:ph type="sldNum" idx="12"/>
           </p:nvPr>
         </p:nvSpPr>
         <p:spPr>
@@ -3269,7 +3411,7 @@
           </a:prstGeom>
         </p:spPr>
         <p:txBody>
-          <a:bodyPr anchorCtr="0" anchor="ctr" bIns="91425" lIns="91425" spcFirstLastPara="1" rIns="91425" wrap="square" tIns="91425">
+          <a:bodyPr spcFirstLastPara="1" wrap="square" lIns="91425" tIns="91425" rIns="91425" bIns="91425" anchor="ctr" anchorCtr="0">
             <a:noAutofit/>
           </a:bodyPr>
           <a:lstStyle>
@@ -3311,7 +3453,7 @@
             </a:lvl9pPr>
           </a:lstStyle>
           <a:p>
-            <a:pPr indent="0" lvl="0" marL="0" rtl="0" algn="r">
+            <a:pPr marL="0" lvl="0" indent="0" algn="r" rtl="0">
               <a:spcBef>
                 <a:spcPts val="0"/>
               </a:spcBef>
@@ -3337,18 +3479,19 @@
 </file>
 
 <file path=ppt/slideLayouts/slideLayout10.xml><?xml version="1.0" encoding="utf-8"?>
-<p:sldLayout xmlns:a="http://schemas.openxmlformats.org/drawingml/2006/main" xmlns:r="http://schemas.openxmlformats.org/officeDocument/2006/relationships" xmlns:mc="http://schemas.openxmlformats.org/markup-compatibility/2006" xmlns:mv="urn:schemas-microsoft-com:mac:vml" xmlns:p="http://schemas.openxmlformats.org/presentationml/2006/main" xmlns:c="http://schemas.openxmlformats.org/drawingml/2006/chart" xmlns:dgm="http://schemas.openxmlformats.org/drawingml/2006/diagram" xmlns:o="urn:schemas-microsoft-com:office:office" xmlns:v="urn:schemas-microsoft-com:vml" xmlns:pvml="urn:schemas-microsoft-com:office:powerpoint" xmlns:com="http://schemas.openxmlformats.org/drawingml/2006/compatibility" xmlns:p14="http://schemas.microsoft.com/office/powerpoint/2010/main" xmlns:p15="http://schemas.microsoft.com/office/powerpoint/2012/main" xmlns:ahyp="http://schemas.microsoft.com/office/drawing/2018/hyperlinkcolor" matchingName="Big number">
+<p:sldLayout xmlns:a="http://schemas.openxmlformats.org/drawingml/2006/main" xmlns:r="http://schemas.openxmlformats.org/officeDocument/2006/relationships" xmlns:p="http://schemas.openxmlformats.org/presentationml/2006/main" matchingName="Big number">
   <p:cSld name="BIG_NUMBER">
     <p:bg>
       <p:bgPr>
         <a:solidFill>
           <a:schemeClr val="dk1"/>
         </a:solidFill>
+        <a:effectLst/>
       </p:bgPr>
     </p:bg>
     <p:spTree>
       <p:nvGrpSpPr>
-        <p:cNvPr id="69" name="Shape 69"/>
+        <p:cNvPr id="1" name="Shape 69"/>
         <p:cNvGrpSpPr/>
         <p:nvPr/>
       </p:nvGrpSpPr>
@@ -3396,12 +3539,12 @@
             </a:ln>
           </p:spPr>
           <p:txBody>
-            <a:bodyPr anchorCtr="0" anchor="ctr" bIns="91425" lIns="91425" spcFirstLastPara="1" rIns="91425" wrap="square" tIns="91425">
+            <a:bodyPr spcFirstLastPara="1" wrap="square" lIns="91425" tIns="91425" rIns="91425" bIns="91425" anchor="ctr" anchorCtr="0">
               <a:noAutofit/>
             </a:bodyPr>
             <a:lstStyle/>
             <a:p>
-              <a:pPr indent="0" lvl="0" marL="0" rtl="0" algn="l">
+              <a:pPr marL="0" lvl="0" indent="0" algn="l" rtl="0">
                 <a:spcBef>
                   <a:spcPts val="0"/>
                 </a:spcBef>
@@ -3410,9 +3553,6 @@
                 </a:spcAft>
                 <a:buNone/>
               </a:pPr>
-              <a:r>
-                <a:t/>
-              </a:r>
               <a:endParaRPr/>
             </a:p>
           </p:txBody>
@@ -3439,12 +3579,12 @@
             </a:ln>
           </p:spPr>
           <p:txBody>
-            <a:bodyPr anchorCtr="0" anchor="ctr" bIns="91425" lIns="91425" spcFirstLastPara="1" rIns="91425" wrap="square" tIns="91425">
+            <a:bodyPr spcFirstLastPara="1" wrap="square" lIns="91425" tIns="91425" rIns="91425" bIns="91425" anchor="ctr" anchorCtr="0">
               <a:noAutofit/>
             </a:bodyPr>
             <a:lstStyle/>
             <a:p>
-              <a:pPr indent="0" lvl="0" marL="0" rtl="0" algn="l">
+              <a:pPr marL="0" lvl="0" indent="0" algn="l" rtl="0">
                 <a:spcBef>
                   <a:spcPts val="0"/>
                 </a:spcBef>
@@ -3453,9 +3593,6 @@
                 </a:spcAft>
                 <a:buNone/>
               </a:pPr>
-              <a:r>
-                <a:t/>
-              </a:r>
               <a:endParaRPr/>
             </a:p>
           </p:txBody>
@@ -3467,7 +3604,7 @@
             <p:nvPr/>
           </p:nvSpPr>
           <p:spPr>
-            <a:xfrm flipH="1" rot="10800000">
+            <a:xfrm rot="10800000" flipH="1">
               <a:off x="7113588" y="107"/>
               <a:ext cx="1015200" cy="1015200"/>
             </a:xfrm>
@@ -3482,12 +3619,12 @@
             </a:ln>
           </p:spPr>
           <p:txBody>
-            <a:bodyPr anchorCtr="0" anchor="ctr" bIns="91425" lIns="91425" spcFirstLastPara="1" rIns="91425" wrap="square" tIns="91425">
+            <a:bodyPr spcFirstLastPara="1" wrap="square" lIns="91425" tIns="91425" rIns="91425" bIns="91425" anchor="ctr" anchorCtr="0">
               <a:noAutofit/>
             </a:bodyPr>
             <a:lstStyle/>
             <a:p>
-              <a:pPr indent="0" lvl="0" marL="0" rtl="0" algn="l">
+              <a:pPr marL="0" lvl="0" indent="0" algn="l" rtl="0">
                 <a:spcBef>
                   <a:spcPts val="0"/>
                 </a:spcBef>
@@ -3496,9 +3633,6 @@
                 </a:spcAft>
                 <a:buNone/>
               </a:pPr>
-              <a:r>
-                <a:t/>
-              </a:r>
               <a:endParaRPr/>
             </a:p>
           </p:txBody>
@@ -3525,12 +3659,12 @@
             </a:ln>
           </p:spPr>
           <p:txBody>
-            <a:bodyPr anchorCtr="0" anchor="ctr" bIns="91425" lIns="91425" spcFirstLastPara="1" rIns="91425" wrap="square" tIns="91425">
+            <a:bodyPr spcFirstLastPara="1" wrap="square" lIns="91425" tIns="91425" rIns="91425" bIns="91425" anchor="ctr" anchorCtr="0">
               <a:noAutofit/>
             </a:bodyPr>
             <a:lstStyle/>
             <a:p>
-              <a:pPr indent="0" lvl="0" marL="0" rtl="0" algn="l">
+              <a:pPr marL="0" lvl="0" indent="0" algn="l" rtl="0">
                 <a:spcBef>
                   <a:spcPts val="0"/>
                 </a:spcBef>
@@ -3539,9 +3673,6 @@
                 </a:spcAft>
                 <a:buNone/>
               </a:pPr>
-              <a:r>
-                <a:t/>
-              </a:r>
               <a:endParaRPr/>
             </a:p>
           </p:txBody>
@@ -3568,12 +3699,12 @@
             </a:ln>
           </p:spPr>
           <p:txBody>
-            <a:bodyPr anchorCtr="0" anchor="ctr" bIns="91425" lIns="91425" spcFirstLastPara="1" rIns="91425" wrap="square" tIns="91425">
+            <a:bodyPr spcFirstLastPara="1" wrap="square" lIns="91425" tIns="91425" rIns="91425" bIns="91425" anchor="ctr" anchorCtr="0">
               <a:noAutofit/>
             </a:bodyPr>
             <a:lstStyle/>
             <a:p>
-              <a:pPr indent="0" lvl="0" marL="0" rtl="0" algn="l">
+              <a:pPr marL="0" lvl="0" indent="0" algn="l" rtl="0">
                 <a:spcBef>
                   <a:spcPts val="0"/>
                 </a:spcBef>
@@ -3582,9 +3713,6 @@
                 </a:spcAft>
                 <a:buNone/>
               </a:pPr>
-              <a:r>
-                <a:t/>
-              </a:r>
               <a:endParaRPr/>
             </a:p>
           </p:txBody>
@@ -3593,9 +3721,11 @@
       <p:sp>
         <p:nvSpPr>
           <p:cNvPr id="76" name="Google Shape;76;p11"/>
-          <p:cNvSpPr txBox="1"/>
+          <p:cNvSpPr txBox="1">
+            <a:spLocks noGrp="1"/>
+          </p:cNvSpPr>
           <p:nvPr>
-            <p:ph hasCustomPrompt="1" type="title"/>
+            <p:ph type="title" hasCustomPrompt="1"/>
           </p:nvPr>
         </p:nvSpPr>
         <p:spPr>
@@ -3608,7 +3738,7 @@
           </a:prstGeom>
         </p:spPr>
         <p:txBody>
-          <a:bodyPr anchorCtr="0" anchor="b" bIns="91425" lIns="91425" spcFirstLastPara="1" rIns="91425" wrap="square" tIns="91425">
+          <a:bodyPr spcFirstLastPara="1" wrap="square" lIns="91425" tIns="91425" rIns="91425" bIns="91425" anchor="b" anchorCtr="0">
             <a:noAutofit/>
           </a:bodyPr>
           <a:lstStyle>
@@ -3785,9 +3915,11 @@
       <p:sp>
         <p:nvSpPr>
           <p:cNvPr id="77" name="Google Shape;77;p11"/>
-          <p:cNvSpPr txBox="1"/>
+          <p:cNvSpPr txBox="1">
+            <a:spLocks noGrp="1"/>
+          </p:cNvSpPr>
           <p:nvPr>
-            <p:ph idx="1" type="body"/>
+            <p:ph type="body" idx="1"/>
           </p:nvPr>
         </p:nvSpPr>
         <p:spPr>
@@ -3800,11 +3932,11 @@
           </a:prstGeom>
         </p:spPr>
         <p:txBody>
-          <a:bodyPr anchorCtr="0" anchor="t" bIns="91425" lIns="91425" spcFirstLastPara="1" rIns="91425" wrap="square" tIns="91425">
+          <a:bodyPr spcFirstLastPara="1" wrap="square" lIns="91425" tIns="91425" rIns="91425" bIns="91425" anchor="t" anchorCtr="0">
             <a:noAutofit/>
           </a:bodyPr>
           <a:lstStyle>
-            <a:lvl1pPr indent="-342900" lvl="0" marL="457200" algn="ctr">
+            <a:lvl1pPr marL="457200" lvl="0" indent="-342900" algn="ctr">
               <a:spcBef>
                 <a:spcPts val="0"/>
               </a:spcBef>
@@ -3822,7 +3954,7 @@
                 </a:solidFill>
               </a:defRPr>
             </a:lvl1pPr>
-            <a:lvl2pPr indent="-317500" lvl="1" marL="914400" algn="ctr">
+            <a:lvl2pPr marL="914400" lvl="1" indent="-317500" algn="ctr">
               <a:spcBef>
                 <a:spcPts val="1600"/>
               </a:spcBef>
@@ -3840,7 +3972,7 @@
                 </a:solidFill>
               </a:defRPr>
             </a:lvl2pPr>
-            <a:lvl3pPr indent="-317500" lvl="2" marL="1371600" algn="ctr">
+            <a:lvl3pPr marL="1371600" lvl="2" indent="-317500" algn="ctr">
               <a:spcBef>
                 <a:spcPts val="1600"/>
               </a:spcBef>
@@ -3858,7 +3990,7 @@
                 </a:solidFill>
               </a:defRPr>
             </a:lvl3pPr>
-            <a:lvl4pPr indent="-317500" lvl="3" marL="1828800" algn="ctr">
+            <a:lvl4pPr marL="1828800" lvl="3" indent="-317500" algn="ctr">
               <a:spcBef>
                 <a:spcPts val="1600"/>
               </a:spcBef>
@@ -3876,7 +4008,7 @@
                 </a:solidFill>
               </a:defRPr>
             </a:lvl4pPr>
-            <a:lvl5pPr indent="-317500" lvl="4" marL="2286000" algn="ctr">
+            <a:lvl5pPr marL="2286000" lvl="4" indent="-317500" algn="ctr">
               <a:spcBef>
                 <a:spcPts val="1600"/>
               </a:spcBef>
@@ -3894,7 +4026,7 @@
                 </a:solidFill>
               </a:defRPr>
             </a:lvl5pPr>
-            <a:lvl6pPr indent="-317500" lvl="5" marL="2743200" algn="ctr">
+            <a:lvl6pPr marL="2743200" lvl="5" indent="-317500" algn="ctr">
               <a:spcBef>
                 <a:spcPts val="1600"/>
               </a:spcBef>
@@ -3912,7 +4044,7 @@
                 </a:solidFill>
               </a:defRPr>
             </a:lvl6pPr>
-            <a:lvl7pPr indent="-317500" lvl="6" marL="3200400" algn="ctr">
+            <a:lvl7pPr marL="3200400" lvl="6" indent="-317500" algn="ctr">
               <a:spcBef>
                 <a:spcPts val="1600"/>
               </a:spcBef>
@@ -3930,7 +4062,7 @@
                 </a:solidFill>
               </a:defRPr>
             </a:lvl7pPr>
-            <a:lvl8pPr indent="-317500" lvl="7" marL="3657600" algn="ctr">
+            <a:lvl8pPr marL="3657600" lvl="7" indent="-317500" algn="ctr">
               <a:spcBef>
                 <a:spcPts val="1600"/>
               </a:spcBef>
@@ -3948,7 +4080,7 @@
                 </a:solidFill>
               </a:defRPr>
             </a:lvl8pPr>
-            <a:lvl9pPr indent="-317500" lvl="8" marL="4114800" algn="ctr">
+            <a:lvl9pPr marL="4114800" lvl="8" indent="-317500" algn="ctr">
               <a:spcBef>
                 <a:spcPts val="1600"/>
               </a:spcBef>
@@ -3967,15 +4099,19 @@
               </a:defRPr>
             </a:lvl9pPr>
           </a:lstStyle>
-          <a:p/>
+          <a:p>
+            <a:endParaRPr/>
+          </a:p>
         </p:txBody>
       </p:sp>
       <p:sp>
         <p:nvSpPr>
           <p:cNvPr id="78" name="Google Shape;78;p11"/>
-          <p:cNvSpPr txBox="1"/>
+          <p:cNvSpPr txBox="1">
+            <a:spLocks noGrp="1"/>
+          </p:cNvSpPr>
           <p:nvPr>
-            <p:ph idx="12" type="sldNum"/>
+            <p:ph type="sldNum" idx="12"/>
           </p:nvPr>
         </p:nvSpPr>
         <p:spPr>
@@ -3988,7 +4124,7 @@
           </a:prstGeom>
         </p:spPr>
         <p:txBody>
-          <a:bodyPr anchorCtr="0" anchor="ctr" bIns="91425" lIns="91425" spcFirstLastPara="1" rIns="91425" wrap="square" tIns="91425">
+          <a:bodyPr spcFirstLastPara="1" wrap="square" lIns="91425" tIns="91425" rIns="91425" bIns="91425" anchor="ctr" anchorCtr="0">
             <a:noAutofit/>
           </a:bodyPr>
           <a:lstStyle>
@@ -4030,7 +4166,7 @@
             </a:lvl9pPr>
           </a:lstStyle>
           <a:p>
-            <a:pPr indent="0" lvl="0" marL="0" rtl="0" algn="r">
+            <a:pPr marL="0" lvl="0" indent="0" algn="r" rtl="0">
               <a:spcBef>
                 <a:spcPts val="0"/>
               </a:spcBef>
@@ -4056,11 +4192,11 @@
 </file>
 
 <file path=ppt/slideLayouts/slideLayout11.xml><?xml version="1.0" encoding="utf-8"?>
-<p:sldLayout xmlns:a="http://schemas.openxmlformats.org/drawingml/2006/main" xmlns:r="http://schemas.openxmlformats.org/officeDocument/2006/relationships" xmlns:mc="http://schemas.openxmlformats.org/markup-compatibility/2006" xmlns:mv="urn:schemas-microsoft-com:mac:vml" xmlns:p="http://schemas.openxmlformats.org/presentationml/2006/main" xmlns:c="http://schemas.openxmlformats.org/drawingml/2006/chart" xmlns:dgm="http://schemas.openxmlformats.org/drawingml/2006/diagram" xmlns:o="urn:schemas-microsoft-com:office:office" xmlns:v="urn:schemas-microsoft-com:vml" xmlns:pvml="urn:schemas-microsoft-com:office:powerpoint" xmlns:com="http://schemas.openxmlformats.org/drawingml/2006/compatibility" xmlns:p14="http://schemas.microsoft.com/office/powerpoint/2010/main" xmlns:p15="http://schemas.microsoft.com/office/powerpoint/2012/main" xmlns:ahyp="http://schemas.microsoft.com/office/drawing/2018/hyperlinkcolor" matchingName="Blank" type="blank">
+<p:sldLayout xmlns:a="http://schemas.openxmlformats.org/drawingml/2006/main" xmlns:r="http://schemas.openxmlformats.org/officeDocument/2006/relationships" xmlns:p="http://schemas.openxmlformats.org/presentationml/2006/main" matchingName="Blank" type="blank">
   <p:cSld name="BLANK">
     <p:spTree>
       <p:nvGrpSpPr>
-        <p:cNvPr id="79" name="Shape 79"/>
+        <p:cNvPr id="1" name="Shape 79"/>
         <p:cNvGrpSpPr/>
         <p:nvPr/>
       </p:nvGrpSpPr>
@@ -4075,9 +4211,11 @@
       <p:sp>
         <p:nvSpPr>
           <p:cNvPr id="80" name="Google Shape;80;p12"/>
-          <p:cNvSpPr txBox="1"/>
+          <p:cNvSpPr txBox="1">
+            <a:spLocks noGrp="1"/>
+          </p:cNvSpPr>
           <p:nvPr>
-            <p:ph idx="12" type="sldNum"/>
+            <p:ph type="sldNum" idx="12"/>
           </p:nvPr>
         </p:nvSpPr>
         <p:spPr>
@@ -4090,7 +4228,7 @@
           </a:prstGeom>
         </p:spPr>
         <p:txBody>
-          <a:bodyPr anchorCtr="0" anchor="ctr" bIns="91425" lIns="91425" spcFirstLastPara="1" rIns="91425" wrap="square" tIns="91425">
+          <a:bodyPr spcFirstLastPara="1" wrap="square" lIns="91425" tIns="91425" rIns="91425" bIns="91425" anchor="ctr" anchorCtr="0">
             <a:noAutofit/>
           </a:bodyPr>
           <a:lstStyle>
@@ -4168,7 +4306,7 @@
             </a:lvl9pPr>
           </a:lstStyle>
           <a:p>
-            <a:pPr indent="0" lvl="0" marL="0" rtl="0" algn="r">
+            <a:pPr marL="0" lvl="0" indent="0" algn="r" rtl="0">
               <a:spcBef>
                 <a:spcPts val="0"/>
               </a:spcBef>
@@ -4194,18 +4332,19 @@
 </file>
 
 <file path=ppt/slideLayouts/slideLayout2.xml><?xml version="1.0" encoding="utf-8"?>
-<p:sldLayout xmlns:a="http://schemas.openxmlformats.org/drawingml/2006/main" xmlns:r="http://schemas.openxmlformats.org/officeDocument/2006/relationships" xmlns:mc="http://schemas.openxmlformats.org/markup-compatibility/2006" xmlns:mv="urn:schemas-microsoft-com:mac:vml" xmlns:p="http://schemas.openxmlformats.org/presentationml/2006/main" xmlns:c="http://schemas.openxmlformats.org/drawingml/2006/chart" xmlns:dgm="http://schemas.openxmlformats.org/drawingml/2006/diagram" xmlns:o="urn:schemas-microsoft-com:office:office" xmlns:v="urn:schemas-microsoft-com:vml" xmlns:pvml="urn:schemas-microsoft-com:office:powerpoint" xmlns:com="http://schemas.openxmlformats.org/drawingml/2006/compatibility" xmlns:p14="http://schemas.microsoft.com/office/powerpoint/2010/main" xmlns:p15="http://schemas.microsoft.com/office/powerpoint/2012/main" xmlns:ahyp="http://schemas.microsoft.com/office/drawing/2018/hyperlinkcolor" matchingName="Section header" type="secHead">
+<p:sldLayout xmlns:a="http://schemas.openxmlformats.org/drawingml/2006/main" xmlns:r="http://schemas.openxmlformats.org/officeDocument/2006/relationships" xmlns:p="http://schemas.openxmlformats.org/presentationml/2006/main" matchingName="Section header" type="secHead">
   <p:cSld name="SECTION_HEADER">
     <p:bg>
       <p:bgPr>
         <a:solidFill>
           <a:schemeClr val="dk1"/>
         </a:solidFill>
+        <a:effectLst/>
       </p:bgPr>
     </p:bg>
     <p:spTree>
       <p:nvGrpSpPr>
-        <p:cNvPr id="19" name="Shape 19"/>
+        <p:cNvPr id="1" name="Shape 19"/>
         <p:cNvGrpSpPr/>
         <p:nvPr/>
       </p:nvGrpSpPr>
@@ -4253,12 +4392,12 @@
             </a:ln>
           </p:spPr>
           <p:txBody>
-            <a:bodyPr anchorCtr="0" anchor="ctr" bIns="91425" lIns="91425" spcFirstLastPara="1" rIns="91425" wrap="square" tIns="91425">
+            <a:bodyPr spcFirstLastPara="1" wrap="square" lIns="91425" tIns="91425" rIns="91425" bIns="91425" anchor="ctr" anchorCtr="0">
               <a:noAutofit/>
             </a:bodyPr>
             <a:lstStyle/>
             <a:p>
-              <a:pPr indent="0" lvl="0" marL="0" rtl="0" algn="l">
+              <a:pPr marL="0" lvl="0" indent="0" algn="l" rtl="0">
                 <a:spcBef>
                   <a:spcPts val="0"/>
                 </a:spcBef>
@@ -4267,9 +4406,6 @@
                 </a:spcAft>
                 <a:buNone/>
               </a:pPr>
-              <a:r>
-                <a:t/>
-              </a:r>
               <a:endParaRPr/>
             </a:p>
           </p:txBody>
@@ -4296,12 +4432,12 @@
             </a:ln>
           </p:spPr>
           <p:txBody>
-            <a:bodyPr anchorCtr="0" anchor="ctr" bIns="91425" lIns="91425" spcFirstLastPara="1" rIns="91425" wrap="square" tIns="91425">
+            <a:bodyPr spcFirstLastPara="1" wrap="square" lIns="91425" tIns="91425" rIns="91425" bIns="91425" anchor="ctr" anchorCtr="0">
               <a:noAutofit/>
             </a:bodyPr>
             <a:lstStyle/>
             <a:p>
-              <a:pPr indent="0" lvl="0" marL="0" rtl="0" algn="l">
+              <a:pPr marL="0" lvl="0" indent="0" algn="l" rtl="0">
                 <a:spcBef>
                   <a:spcPts val="0"/>
                 </a:spcBef>
@@ -4310,9 +4446,6 @@
                 </a:spcAft>
                 <a:buNone/>
               </a:pPr>
-              <a:r>
-                <a:t/>
-              </a:r>
               <a:endParaRPr/>
             </a:p>
           </p:txBody>
@@ -4324,7 +4457,7 @@
             <p:nvPr/>
           </p:nvSpPr>
           <p:spPr>
-            <a:xfrm flipH="1" rot="10800000">
+            <a:xfrm rot="10800000" flipH="1">
               <a:off x="7113588" y="107"/>
               <a:ext cx="1015200" cy="1015200"/>
             </a:xfrm>
@@ -4339,12 +4472,12 @@
             </a:ln>
           </p:spPr>
           <p:txBody>
-            <a:bodyPr anchorCtr="0" anchor="ctr" bIns="91425" lIns="91425" spcFirstLastPara="1" rIns="91425" wrap="square" tIns="91425">
+            <a:bodyPr spcFirstLastPara="1" wrap="square" lIns="91425" tIns="91425" rIns="91425" bIns="91425" anchor="ctr" anchorCtr="0">
               <a:noAutofit/>
             </a:bodyPr>
             <a:lstStyle/>
             <a:p>
-              <a:pPr indent="0" lvl="0" marL="0" rtl="0" algn="l">
+              <a:pPr marL="0" lvl="0" indent="0" algn="l" rtl="0">
                 <a:spcBef>
                   <a:spcPts val="0"/>
                 </a:spcBef>
@@ -4353,9 +4486,6 @@
                 </a:spcAft>
                 <a:buNone/>
               </a:pPr>
-              <a:r>
-                <a:t/>
-              </a:r>
               <a:endParaRPr/>
             </a:p>
           </p:txBody>
@@ -4382,12 +4512,12 @@
             </a:ln>
           </p:spPr>
           <p:txBody>
-            <a:bodyPr anchorCtr="0" anchor="ctr" bIns="91425" lIns="91425" spcFirstLastPara="1" rIns="91425" wrap="square" tIns="91425">
+            <a:bodyPr spcFirstLastPara="1" wrap="square" lIns="91425" tIns="91425" rIns="91425" bIns="91425" anchor="ctr" anchorCtr="0">
               <a:noAutofit/>
             </a:bodyPr>
             <a:lstStyle/>
             <a:p>
-              <a:pPr indent="0" lvl="0" marL="0" rtl="0" algn="l">
+              <a:pPr marL="0" lvl="0" indent="0" algn="l" rtl="0">
                 <a:spcBef>
                   <a:spcPts val="0"/>
                 </a:spcBef>
@@ -4396,9 +4526,6 @@
                 </a:spcAft>
                 <a:buNone/>
               </a:pPr>
-              <a:r>
-                <a:t/>
-              </a:r>
               <a:endParaRPr/>
             </a:p>
           </p:txBody>
@@ -4425,12 +4552,12 @@
             </a:ln>
           </p:spPr>
           <p:txBody>
-            <a:bodyPr anchorCtr="0" anchor="ctr" bIns="91425" lIns="91425" spcFirstLastPara="1" rIns="91425" wrap="square" tIns="91425">
+            <a:bodyPr spcFirstLastPara="1" wrap="square" lIns="91425" tIns="91425" rIns="91425" bIns="91425" anchor="ctr" anchorCtr="0">
               <a:noAutofit/>
             </a:bodyPr>
             <a:lstStyle/>
             <a:p>
-              <a:pPr indent="0" lvl="0" marL="0" rtl="0" algn="l">
+              <a:pPr marL="0" lvl="0" indent="0" algn="l" rtl="0">
                 <a:spcBef>
                   <a:spcPts val="0"/>
                 </a:spcBef>
@@ -4439,9 +4566,6 @@
                 </a:spcAft>
                 <a:buNone/>
               </a:pPr>
-              <a:r>
-                <a:t/>
-              </a:r>
               <a:endParaRPr/>
             </a:p>
           </p:txBody>
@@ -4450,7 +4574,9 @@
       <p:sp>
         <p:nvSpPr>
           <p:cNvPr id="26" name="Google Shape;26;p3"/>
-          <p:cNvSpPr txBox="1"/>
+          <p:cNvSpPr txBox="1">
+            <a:spLocks noGrp="1"/>
+          </p:cNvSpPr>
           <p:nvPr>
             <p:ph type="title"/>
           </p:nvPr>
@@ -4465,7 +4591,7 @@
           </a:prstGeom>
         </p:spPr>
         <p:txBody>
-          <a:bodyPr anchorCtr="0" anchor="ctr" bIns="91425" lIns="91425" spcFirstLastPara="1" rIns="91425" wrap="square" tIns="91425">
+          <a:bodyPr spcFirstLastPara="1" wrap="square" lIns="91425" tIns="91425" rIns="91425" bIns="91425" anchor="ctr" anchorCtr="0">
             <a:noAutofit/>
           </a:bodyPr>
           <a:lstStyle>
@@ -4632,15 +4758,19 @@
               </a:defRPr>
             </a:lvl9pPr>
           </a:lstStyle>
-          <a:p/>
+          <a:p>
+            <a:endParaRPr/>
+          </a:p>
         </p:txBody>
       </p:sp>
       <p:sp>
         <p:nvSpPr>
           <p:cNvPr id="27" name="Google Shape;27;p3"/>
-          <p:cNvSpPr txBox="1"/>
+          <p:cNvSpPr txBox="1">
+            <a:spLocks noGrp="1"/>
+          </p:cNvSpPr>
           <p:nvPr>
-            <p:ph idx="12" type="sldNum"/>
+            <p:ph type="sldNum" idx="12"/>
           </p:nvPr>
         </p:nvSpPr>
         <p:spPr>
@@ -4653,7 +4783,7 @@
           </a:prstGeom>
         </p:spPr>
         <p:txBody>
-          <a:bodyPr anchorCtr="0" anchor="ctr" bIns="91425" lIns="91425" spcFirstLastPara="1" rIns="91425" wrap="square" tIns="91425">
+          <a:bodyPr spcFirstLastPara="1" wrap="square" lIns="91425" tIns="91425" rIns="91425" bIns="91425" anchor="ctr" anchorCtr="0">
             <a:noAutofit/>
           </a:bodyPr>
           <a:lstStyle>
@@ -4695,7 +4825,7 @@
             </a:lvl9pPr>
           </a:lstStyle>
           <a:p>
-            <a:pPr indent="0" lvl="0" marL="0" rtl="0" algn="r">
+            <a:pPr marL="0" lvl="0" indent="0" algn="r" rtl="0">
               <a:spcBef>
                 <a:spcPts val="0"/>
               </a:spcBef>
@@ -4721,11 +4851,11 @@
 </file>
 
 <file path=ppt/slideLayouts/slideLayout3.xml><?xml version="1.0" encoding="utf-8"?>
-<p:sldLayout xmlns:a="http://schemas.openxmlformats.org/drawingml/2006/main" xmlns:r="http://schemas.openxmlformats.org/officeDocument/2006/relationships" xmlns:mc="http://schemas.openxmlformats.org/markup-compatibility/2006" xmlns:mv="urn:schemas-microsoft-com:mac:vml" xmlns:p="http://schemas.openxmlformats.org/presentationml/2006/main" xmlns:c="http://schemas.openxmlformats.org/drawingml/2006/chart" xmlns:dgm="http://schemas.openxmlformats.org/drawingml/2006/diagram" xmlns:o="urn:schemas-microsoft-com:office:office" xmlns:v="urn:schemas-microsoft-com:vml" xmlns:pvml="urn:schemas-microsoft-com:office:powerpoint" xmlns:com="http://schemas.openxmlformats.org/drawingml/2006/compatibility" xmlns:p14="http://schemas.microsoft.com/office/powerpoint/2010/main" xmlns:p15="http://schemas.microsoft.com/office/powerpoint/2012/main" xmlns:ahyp="http://schemas.microsoft.com/office/drawing/2018/hyperlinkcolor" matchingName="Title and body" type="tx">
+<p:sldLayout xmlns:a="http://schemas.openxmlformats.org/drawingml/2006/main" xmlns:r="http://schemas.openxmlformats.org/officeDocument/2006/relationships" xmlns:p="http://schemas.openxmlformats.org/presentationml/2006/main" matchingName="Title and body" type="tx">
   <p:cSld name="TITLE_AND_BODY">
     <p:spTree>
       <p:nvGrpSpPr>
-        <p:cNvPr id="28" name="Shape 28"/>
+        <p:cNvPr id="1" name="Shape 28"/>
         <p:cNvGrpSpPr/>
         <p:nvPr/>
       </p:nvGrpSpPr>
@@ -4773,12 +4903,12 @@
             </a:ln>
           </p:spPr>
           <p:txBody>
-            <a:bodyPr anchorCtr="0" anchor="ctr" bIns="91425" lIns="91425" spcFirstLastPara="1" rIns="91425" wrap="square" tIns="91425">
+            <a:bodyPr spcFirstLastPara="1" wrap="square" lIns="91425" tIns="91425" rIns="91425" bIns="91425" anchor="ctr" anchorCtr="0">
               <a:noAutofit/>
             </a:bodyPr>
             <a:lstStyle/>
             <a:p>
-              <a:pPr indent="0" lvl="0" marL="0" rtl="0" algn="l">
+              <a:pPr marL="0" lvl="0" indent="0" algn="l" rtl="0">
                 <a:spcBef>
                   <a:spcPts val="0"/>
                 </a:spcBef>
@@ -4787,9 +4917,6 @@
                 </a:spcAft>
                 <a:buNone/>
               </a:pPr>
-              <a:r>
-                <a:t/>
-              </a:r>
               <a:endParaRPr/>
             </a:p>
           </p:txBody>
@@ -4816,12 +4943,12 @@
             </a:ln>
           </p:spPr>
           <p:txBody>
-            <a:bodyPr anchorCtr="0" anchor="ctr" bIns="91425" lIns="91425" spcFirstLastPara="1" rIns="91425" wrap="square" tIns="91425">
+            <a:bodyPr spcFirstLastPara="1" wrap="square" lIns="91425" tIns="91425" rIns="91425" bIns="91425" anchor="ctr" anchorCtr="0">
               <a:noAutofit/>
             </a:bodyPr>
             <a:lstStyle/>
             <a:p>
-              <a:pPr indent="0" lvl="0" marL="0" rtl="0" algn="l">
+              <a:pPr marL="0" lvl="0" indent="0" algn="l" rtl="0">
                 <a:spcBef>
                   <a:spcPts val="0"/>
                 </a:spcBef>
@@ -4830,9 +4957,6 @@
                 </a:spcAft>
                 <a:buNone/>
               </a:pPr>
-              <a:r>
-                <a:t/>
-              </a:r>
               <a:endParaRPr/>
             </a:p>
           </p:txBody>
@@ -4859,12 +4983,12 @@
             </a:ln>
           </p:spPr>
           <p:txBody>
-            <a:bodyPr anchorCtr="0" anchor="ctr" bIns="91425" lIns="91425" spcFirstLastPara="1" rIns="91425" wrap="square" tIns="91425">
+            <a:bodyPr spcFirstLastPara="1" wrap="square" lIns="91425" tIns="91425" rIns="91425" bIns="91425" anchor="ctr" anchorCtr="0">
               <a:noAutofit/>
             </a:bodyPr>
             <a:lstStyle/>
             <a:p>
-              <a:pPr indent="0" lvl="0" marL="0" rtl="0" algn="l">
+              <a:pPr marL="0" lvl="0" indent="0" algn="l" rtl="0">
                 <a:spcBef>
                   <a:spcPts val="0"/>
                 </a:spcBef>
@@ -4873,9 +4997,6 @@
                 </a:spcAft>
                 <a:buNone/>
               </a:pPr>
-              <a:r>
-                <a:t/>
-              </a:r>
               <a:endParaRPr/>
             </a:p>
           </p:txBody>
@@ -4902,12 +5023,12 @@
             </a:ln>
           </p:spPr>
           <p:txBody>
-            <a:bodyPr anchorCtr="0" anchor="ctr" bIns="91425" lIns="91425" spcFirstLastPara="1" rIns="91425" wrap="square" tIns="91425">
+            <a:bodyPr spcFirstLastPara="1" wrap="square" lIns="91425" tIns="91425" rIns="91425" bIns="91425" anchor="ctr" anchorCtr="0">
               <a:noAutofit/>
             </a:bodyPr>
             <a:lstStyle/>
             <a:p>
-              <a:pPr indent="0" lvl="0" marL="0" rtl="0" algn="l">
+              <a:pPr marL="0" lvl="0" indent="0" algn="l" rtl="0">
                 <a:spcBef>
                   <a:spcPts val="0"/>
                 </a:spcBef>
@@ -4916,9 +5037,6 @@
                 </a:spcAft>
                 <a:buNone/>
               </a:pPr>
-              <a:r>
-                <a:t/>
-              </a:r>
               <a:endParaRPr/>
             </a:p>
           </p:txBody>
@@ -4945,12 +5063,12 @@
             </a:ln>
           </p:spPr>
           <p:txBody>
-            <a:bodyPr anchorCtr="0" anchor="ctr" bIns="91425" lIns="91425" spcFirstLastPara="1" rIns="91425" wrap="square" tIns="91425">
+            <a:bodyPr spcFirstLastPara="1" wrap="square" lIns="91425" tIns="91425" rIns="91425" bIns="91425" anchor="ctr" anchorCtr="0">
               <a:noAutofit/>
             </a:bodyPr>
             <a:lstStyle/>
             <a:p>
-              <a:pPr indent="0" lvl="0" marL="0" rtl="0" algn="l">
+              <a:pPr marL="0" lvl="0" indent="0" algn="l" rtl="0">
                 <a:spcBef>
                   <a:spcPts val="0"/>
                 </a:spcBef>
@@ -4959,9 +5077,6 @@
                 </a:spcAft>
                 <a:buNone/>
               </a:pPr>
-              <a:r>
-                <a:t/>
-              </a:r>
               <a:endParaRPr/>
             </a:p>
           </p:txBody>
@@ -4970,7 +5085,9 @@
       <p:sp>
         <p:nvSpPr>
           <p:cNvPr id="35" name="Google Shape;35;p4"/>
-          <p:cNvSpPr txBox="1"/>
+          <p:cNvSpPr txBox="1">
+            <a:spLocks noGrp="1"/>
+          </p:cNvSpPr>
           <p:nvPr>
             <p:ph type="title"/>
           </p:nvPr>
@@ -4985,7 +5102,7 @@
           </a:prstGeom>
         </p:spPr>
         <p:txBody>
-          <a:bodyPr anchorCtr="0" anchor="t" bIns="91425" lIns="91425" spcFirstLastPara="1" rIns="91425" wrap="square" tIns="91425">
+          <a:bodyPr spcFirstLastPara="1" wrap="square" lIns="91425" tIns="91425" rIns="91425" bIns="91425" anchor="t" anchorCtr="0">
             <a:noAutofit/>
           </a:bodyPr>
           <a:lstStyle>
@@ -5089,15 +5206,19 @@
               <a:defRPr/>
             </a:lvl9pPr>
           </a:lstStyle>
-          <a:p/>
+          <a:p>
+            <a:endParaRPr/>
+          </a:p>
         </p:txBody>
       </p:sp>
       <p:sp>
         <p:nvSpPr>
           <p:cNvPr id="36" name="Google Shape;36;p4"/>
-          <p:cNvSpPr txBox="1"/>
+          <p:cNvSpPr txBox="1">
+            <a:spLocks noGrp="1"/>
+          </p:cNvSpPr>
           <p:nvPr>
-            <p:ph idx="1" type="body"/>
+            <p:ph type="body" idx="1"/>
           </p:nvPr>
         </p:nvSpPr>
         <p:spPr>
@@ -5110,11 +5231,11 @@
           </a:prstGeom>
         </p:spPr>
         <p:txBody>
-          <a:bodyPr anchorCtr="0" anchor="t" bIns="91425" lIns="91425" spcFirstLastPara="1" rIns="91425" wrap="square" tIns="91425">
+          <a:bodyPr spcFirstLastPara="1" wrap="square" lIns="91425" tIns="91425" rIns="91425" bIns="91425" anchor="t" anchorCtr="0">
             <a:noAutofit/>
           </a:bodyPr>
           <a:lstStyle>
-            <a:lvl1pPr indent="-342900" lvl="0" marL="457200">
+            <a:lvl1pPr marL="457200" lvl="0" indent="-342900">
               <a:spcBef>
                 <a:spcPts val="0"/>
               </a:spcBef>
@@ -5125,7 +5246,7 @@
               <a:buChar char="●"/>
               <a:defRPr/>
             </a:lvl1pPr>
-            <a:lvl2pPr indent="-317500" lvl="1" marL="914400">
+            <a:lvl2pPr marL="914400" lvl="1" indent="-317500">
               <a:spcBef>
                 <a:spcPts val="1600"/>
               </a:spcBef>
@@ -5136,7 +5257,7 @@
               <a:buChar char="○"/>
               <a:defRPr/>
             </a:lvl2pPr>
-            <a:lvl3pPr indent="-317500" lvl="2" marL="1371600">
+            <a:lvl3pPr marL="1371600" lvl="2" indent="-317500">
               <a:spcBef>
                 <a:spcPts val="1600"/>
               </a:spcBef>
@@ -5147,7 +5268,7 @@
               <a:buChar char="■"/>
               <a:defRPr/>
             </a:lvl3pPr>
-            <a:lvl4pPr indent="-317500" lvl="3" marL="1828800">
+            <a:lvl4pPr marL="1828800" lvl="3" indent="-317500">
               <a:spcBef>
                 <a:spcPts val="1600"/>
               </a:spcBef>
@@ -5158,7 +5279,7 @@
               <a:buChar char="●"/>
               <a:defRPr/>
             </a:lvl4pPr>
-            <a:lvl5pPr indent="-317500" lvl="4" marL="2286000">
+            <a:lvl5pPr marL="2286000" lvl="4" indent="-317500">
               <a:spcBef>
                 <a:spcPts val="1600"/>
               </a:spcBef>
@@ -5169,7 +5290,7 @@
               <a:buChar char="○"/>
               <a:defRPr/>
             </a:lvl5pPr>
-            <a:lvl6pPr indent="-317500" lvl="5" marL="2743200">
+            <a:lvl6pPr marL="2743200" lvl="5" indent="-317500">
               <a:spcBef>
                 <a:spcPts val="1600"/>
               </a:spcBef>
@@ -5180,7 +5301,7 @@
               <a:buChar char="■"/>
               <a:defRPr/>
             </a:lvl6pPr>
-            <a:lvl7pPr indent="-317500" lvl="6" marL="3200400">
+            <a:lvl7pPr marL="3200400" lvl="6" indent="-317500">
               <a:spcBef>
                 <a:spcPts val="1600"/>
               </a:spcBef>
@@ -5191,7 +5312,7 @@
               <a:buChar char="●"/>
               <a:defRPr/>
             </a:lvl7pPr>
-            <a:lvl8pPr indent="-317500" lvl="7" marL="3657600">
+            <a:lvl8pPr marL="3657600" lvl="7" indent="-317500">
               <a:spcBef>
                 <a:spcPts val="1600"/>
               </a:spcBef>
@@ -5202,7 +5323,7 @@
               <a:buChar char="○"/>
               <a:defRPr/>
             </a:lvl8pPr>
-            <a:lvl9pPr indent="-317500" lvl="8" marL="4114800">
+            <a:lvl9pPr marL="4114800" lvl="8" indent="-317500">
               <a:spcBef>
                 <a:spcPts val="1600"/>
               </a:spcBef>
@@ -5214,15 +5335,19 @@
               <a:defRPr/>
             </a:lvl9pPr>
           </a:lstStyle>
-          <a:p/>
+          <a:p>
+            <a:endParaRPr/>
+          </a:p>
         </p:txBody>
       </p:sp>
       <p:sp>
         <p:nvSpPr>
           <p:cNvPr id="37" name="Google Shape;37;p4"/>
-          <p:cNvSpPr txBox="1"/>
+          <p:cNvSpPr txBox="1">
+            <a:spLocks noGrp="1"/>
+          </p:cNvSpPr>
           <p:nvPr>
-            <p:ph idx="12" type="sldNum"/>
+            <p:ph type="sldNum" idx="12"/>
           </p:nvPr>
         </p:nvSpPr>
         <p:spPr>
@@ -5235,7 +5360,7 @@
           </a:prstGeom>
         </p:spPr>
         <p:txBody>
-          <a:bodyPr anchorCtr="0" anchor="ctr" bIns="91425" lIns="91425" spcFirstLastPara="1" rIns="91425" wrap="square" tIns="91425">
+          <a:bodyPr spcFirstLastPara="1" wrap="square" lIns="91425" tIns="91425" rIns="91425" bIns="91425" anchor="ctr" anchorCtr="0">
             <a:noAutofit/>
           </a:bodyPr>
           <a:lstStyle>
@@ -5277,7 +5402,7 @@
             </a:lvl9pPr>
           </a:lstStyle>
           <a:p>
-            <a:pPr indent="0" lvl="0" marL="0" rtl="0" algn="r">
+            <a:pPr marL="0" lvl="0" indent="0" algn="r" rtl="0">
               <a:spcBef>
                 <a:spcPts val="0"/>
               </a:spcBef>
@@ -5303,11 +5428,11 @@
 </file>
 
 <file path=ppt/slideLayouts/slideLayout4.xml><?xml version="1.0" encoding="utf-8"?>
-<p:sldLayout xmlns:a="http://schemas.openxmlformats.org/drawingml/2006/main" xmlns:r="http://schemas.openxmlformats.org/officeDocument/2006/relationships" xmlns:mc="http://schemas.openxmlformats.org/markup-compatibility/2006" xmlns:mv="urn:schemas-microsoft-com:mac:vml" xmlns:p="http://schemas.openxmlformats.org/presentationml/2006/main" xmlns:c="http://schemas.openxmlformats.org/drawingml/2006/chart" xmlns:dgm="http://schemas.openxmlformats.org/drawingml/2006/diagram" xmlns:o="urn:schemas-microsoft-com:office:office" xmlns:v="urn:schemas-microsoft-com:vml" xmlns:pvml="urn:schemas-microsoft-com:office:powerpoint" xmlns:com="http://schemas.openxmlformats.org/drawingml/2006/compatibility" xmlns:p14="http://schemas.microsoft.com/office/powerpoint/2010/main" xmlns:p15="http://schemas.microsoft.com/office/powerpoint/2012/main" xmlns:ahyp="http://schemas.microsoft.com/office/drawing/2018/hyperlinkcolor" matchingName="Title and two columns" type="twoColTx">
+<p:sldLayout xmlns:a="http://schemas.openxmlformats.org/drawingml/2006/main" xmlns:r="http://schemas.openxmlformats.org/officeDocument/2006/relationships" xmlns:p="http://schemas.openxmlformats.org/presentationml/2006/main" matchingName="Title and two columns" type="twoColTx">
   <p:cSld name="TITLE_AND_TWO_COLUMNS">
     <p:spTree>
       <p:nvGrpSpPr>
-        <p:cNvPr id="38" name="Shape 38"/>
+        <p:cNvPr id="1" name="Shape 38"/>
         <p:cNvGrpSpPr/>
         <p:nvPr/>
       </p:nvGrpSpPr>
@@ -5322,7 +5447,9 @@
       <p:sp>
         <p:nvSpPr>
           <p:cNvPr id="39" name="Google Shape;39;p5"/>
-          <p:cNvSpPr txBox="1"/>
+          <p:cNvSpPr txBox="1">
+            <a:spLocks noGrp="1"/>
+          </p:cNvSpPr>
           <p:nvPr>
             <p:ph type="title"/>
           </p:nvPr>
@@ -5337,7 +5464,7 @@
           </a:prstGeom>
         </p:spPr>
         <p:txBody>
-          <a:bodyPr anchorCtr="0" anchor="t" bIns="91425" lIns="91425" spcFirstLastPara="1" rIns="91425" wrap="square" tIns="91425">
+          <a:bodyPr spcFirstLastPara="1" wrap="square" lIns="91425" tIns="91425" rIns="91425" bIns="91425" anchor="t" anchorCtr="0">
             <a:noAutofit/>
           </a:bodyPr>
           <a:lstStyle>
@@ -5441,15 +5568,19 @@
               <a:defRPr/>
             </a:lvl9pPr>
           </a:lstStyle>
-          <a:p/>
+          <a:p>
+            <a:endParaRPr/>
+          </a:p>
         </p:txBody>
       </p:sp>
       <p:sp>
         <p:nvSpPr>
           <p:cNvPr id="40" name="Google Shape;40;p5"/>
-          <p:cNvSpPr txBox="1"/>
+          <p:cNvSpPr txBox="1">
+            <a:spLocks noGrp="1"/>
+          </p:cNvSpPr>
           <p:nvPr>
-            <p:ph idx="1" type="body"/>
+            <p:ph type="body" idx="1"/>
           </p:nvPr>
         </p:nvSpPr>
         <p:spPr>
@@ -5462,11 +5593,11 @@
           </a:prstGeom>
         </p:spPr>
         <p:txBody>
-          <a:bodyPr anchorCtr="0" anchor="t" bIns="91425" lIns="91425" spcFirstLastPara="1" rIns="91425" wrap="square" tIns="91425">
+          <a:bodyPr spcFirstLastPara="1" wrap="square" lIns="91425" tIns="91425" rIns="91425" bIns="91425" anchor="t" anchorCtr="0">
             <a:noAutofit/>
           </a:bodyPr>
           <a:lstStyle>
-            <a:lvl1pPr indent="-317500" lvl="0" marL="457200">
+            <a:lvl1pPr marL="457200" lvl="0" indent="-317500">
               <a:spcBef>
                 <a:spcPts val="0"/>
               </a:spcBef>
@@ -5477,7 +5608,7 @@
               <a:buChar char="●"/>
               <a:defRPr sz="1400"/>
             </a:lvl1pPr>
-            <a:lvl2pPr indent="-304800" lvl="1" marL="914400">
+            <a:lvl2pPr marL="914400" lvl="1" indent="-304800">
               <a:spcBef>
                 <a:spcPts val="1600"/>
               </a:spcBef>
@@ -5488,7 +5619,7 @@
               <a:buChar char="○"/>
               <a:defRPr sz="1200"/>
             </a:lvl2pPr>
-            <a:lvl3pPr indent="-304800" lvl="2" marL="1371600">
+            <a:lvl3pPr marL="1371600" lvl="2" indent="-304800">
               <a:spcBef>
                 <a:spcPts val="1600"/>
               </a:spcBef>
@@ -5499,7 +5630,7 @@
               <a:buChar char="■"/>
               <a:defRPr sz="1200"/>
             </a:lvl3pPr>
-            <a:lvl4pPr indent="-304800" lvl="3" marL="1828800">
+            <a:lvl4pPr marL="1828800" lvl="3" indent="-304800">
               <a:spcBef>
                 <a:spcPts val="1600"/>
               </a:spcBef>
@@ -5510,7 +5641,7 @@
               <a:buChar char="●"/>
               <a:defRPr sz="1200"/>
             </a:lvl4pPr>
-            <a:lvl5pPr indent="-304800" lvl="4" marL="2286000">
+            <a:lvl5pPr marL="2286000" lvl="4" indent="-304800">
               <a:spcBef>
                 <a:spcPts val="1600"/>
               </a:spcBef>
@@ -5521,7 +5652,7 @@
               <a:buChar char="○"/>
               <a:defRPr sz="1200"/>
             </a:lvl5pPr>
-            <a:lvl6pPr indent="-304800" lvl="5" marL="2743200">
+            <a:lvl6pPr marL="2743200" lvl="5" indent="-304800">
               <a:spcBef>
                 <a:spcPts val="1600"/>
               </a:spcBef>
@@ -5532,7 +5663,7 @@
               <a:buChar char="■"/>
               <a:defRPr sz="1200"/>
             </a:lvl6pPr>
-            <a:lvl7pPr indent="-304800" lvl="6" marL="3200400">
+            <a:lvl7pPr marL="3200400" lvl="6" indent="-304800">
               <a:spcBef>
                 <a:spcPts val="1600"/>
               </a:spcBef>
@@ -5543,7 +5674,7 @@
               <a:buChar char="●"/>
               <a:defRPr sz="1200"/>
             </a:lvl7pPr>
-            <a:lvl8pPr indent="-304800" lvl="7" marL="3657600">
+            <a:lvl8pPr marL="3657600" lvl="7" indent="-304800">
               <a:spcBef>
                 <a:spcPts val="1600"/>
               </a:spcBef>
@@ -5554,7 +5685,7 @@
               <a:buChar char="○"/>
               <a:defRPr sz="1200"/>
             </a:lvl8pPr>
-            <a:lvl9pPr indent="-304800" lvl="8" marL="4114800">
+            <a:lvl9pPr marL="4114800" lvl="8" indent="-304800">
               <a:spcBef>
                 <a:spcPts val="1600"/>
               </a:spcBef>
@@ -5566,15 +5697,19 @@
               <a:defRPr sz="1200"/>
             </a:lvl9pPr>
           </a:lstStyle>
-          <a:p/>
+          <a:p>
+            <a:endParaRPr/>
+          </a:p>
         </p:txBody>
       </p:sp>
       <p:sp>
         <p:nvSpPr>
           <p:cNvPr id="41" name="Google Shape;41;p5"/>
-          <p:cNvSpPr txBox="1"/>
+          <p:cNvSpPr txBox="1">
+            <a:spLocks noGrp="1"/>
+          </p:cNvSpPr>
           <p:nvPr>
-            <p:ph idx="2" type="body"/>
+            <p:ph type="body" idx="2"/>
           </p:nvPr>
         </p:nvSpPr>
         <p:spPr>
@@ -5587,11 +5722,11 @@
           </a:prstGeom>
         </p:spPr>
         <p:txBody>
-          <a:bodyPr anchorCtr="0" anchor="t" bIns="91425" lIns="91425" spcFirstLastPara="1" rIns="91425" wrap="square" tIns="91425">
+          <a:bodyPr spcFirstLastPara="1" wrap="square" lIns="91425" tIns="91425" rIns="91425" bIns="91425" anchor="t" anchorCtr="0">
             <a:noAutofit/>
           </a:bodyPr>
           <a:lstStyle>
-            <a:lvl1pPr indent="-317500" lvl="0" marL="457200">
+            <a:lvl1pPr marL="457200" lvl="0" indent="-317500">
               <a:spcBef>
                 <a:spcPts val="0"/>
               </a:spcBef>
@@ -5602,7 +5737,7 @@
               <a:buChar char="●"/>
               <a:defRPr sz="1400"/>
             </a:lvl1pPr>
-            <a:lvl2pPr indent="-304800" lvl="1" marL="914400">
+            <a:lvl2pPr marL="914400" lvl="1" indent="-304800">
               <a:spcBef>
                 <a:spcPts val="1600"/>
               </a:spcBef>
@@ -5613,7 +5748,7 @@
               <a:buChar char="○"/>
               <a:defRPr sz="1200"/>
             </a:lvl2pPr>
-            <a:lvl3pPr indent="-304800" lvl="2" marL="1371600">
+            <a:lvl3pPr marL="1371600" lvl="2" indent="-304800">
               <a:spcBef>
                 <a:spcPts val="1600"/>
               </a:spcBef>
@@ -5624,7 +5759,7 @@
               <a:buChar char="■"/>
               <a:defRPr sz="1200"/>
             </a:lvl3pPr>
-            <a:lvl4pPr indent="-304800" lvl="3" marL="1828800">
+            <a:lvl4pPr marL="1828800" lvl="3" indent="-304800">
               <a:spcBef>
                 <a:spcPts val="1600"/>
               </a:spcBef>
@@ -5635,7 +5770,7 @@
               <a:buChar char="●"/>
               <a:defRPr sz="1200"/>
             </a:lvl4pPr>
-            <a:lvl5pPr indent="-304800" lvl="4" marL="2286000">
+            <a:lvl5pPr marL="2286000" lvl="4" indent="-304800">
               <a:spcBef>
                 <a:spcPts val="1600"/>
               </a:spcBef>
@@ -5646,7 +5781,7 @@
               <a:buChar char="○"/>
               <a:defRPr sz="1200"/>
             </a:lvl5pPr>
-            <a:lvl6pPr indent="-304800" lvl="5" marL="2743200">
+            <a:lvl6pPr marL="2743200" lvl="5" indent="-304800">
               <a:spcBef>
                 <a:spcPts val="1600"/>
               </a:spcBef>
@@ -5657,7 +5792,7 @@
               <a:buChar char="■"/>
               <a:defRPr sz="1200"/>
             </a:lvl6pPr>
-            <a:lvl7pPr indent="-304800" lvl="6" marL="3200400">
+            <a:lvl7pPr marL="3200400" lvl="6" indent="-304800">
               <a:spcBef>
                 <a:spcPts val="1600"/>
               </a:spcBef>
@@ -5668,7 +5803,7 @@
               <a:buChar char="●"/>
               <a:defRPr sz="1200"/>
             </a:lvl7pPr>
-            <a:lvl8pPr indent="-304800" lvl="7" marL="3657600">
+            <a:lvl8pPr marL="3657600" lvl="7" indent="-304800">
               <a:spcBef>
                 <a:spcPts val="1600"/>
               </a:spcBef>
@@ -5679,7 +5814,7 @@
               <a:buChar char="○"/>
               <a:defRPr sz="1200"/>
             </a:lvl8pPr>
-            <a:lvl9pPr indent="-304800" lvl="8" marL="4114800">
+            <a:lvl9pPr marL="4114800" lvl="8" indent="-304800">
               <a:spcBef>
                 <a:spcPts val="1600"/>
               </a:spcBef>
@@ -5691,15 +5826,19 @@
               <a:defRPr sz="1200"/>
             </a:lvl9pPr>
           </a:lstStyle>
-          <a:p/>
+          <a:p>
+            <a:endParaRPr/>
+          </a:p>
         </p:txBody>
       </p:sp>
       <p:sp>
         <p:nvSpPr>
           <p:cNvPr id="42" name="Google Shape;42;p5"/>
-          <p:cNvSpPr txBox="1"/>
+          <p:cNvSpPr txBox="1">
+            <a:spLocks noGrp="1"/>
+          </p:cNvSpPr>
           <p:nvPr>
-            <p:ph idx="12" type="sldNum"/>
+            <p:ph type="sldNum" idx="12"/>
           </p:nvPr>
         </p:nvSpPr>
         <p:spPr>
@@ -5712,7 +5851,7 @@
           </a:prstGeom>
         </p:spPr>
         <p:txBody>
-          <a:bodyPr anchorCtr="0" anchor="ctr" bIns="91425" lIns="91425" spcFirstLastPara="1" rIns="91425" wrap="square" tIns="91425">
+          <a:bodyPr spcFirstLastPara="1" wrap="square" lIns="91425" tIns="91425" rIns="91425" bIns="91425" anchor="ctr" anchorCtr="0">
             <a:noAutofit/>
           </a:bodyPr>
           <a:lstStyle>
@@ -5790,7 +5929,7 @@
             </a:lvl9pPr>
           </a:lstStyle>
           <a:p>
-            <a:pPr indent="0" lvl="0" marL="0" rtl="0" algn="r">
+            <a:pPr marL="0" lvl="0" indent="0" algn="r" rtl="0">
               <a:spcBef>
                 <a:spcPts val="0"/>
               </a:spcBef>
@@ -5816,11 +5955,11 @@
 </file>
 
 <file path=ppt/slideLayouts/slideLayout5.xml><?xml version="1.0" encoding="utf-8"?>
-<p:sldLayout xmlns:a="http://schemas.openxmlformats.org/drawingml/2006/main" xmlns:r="http://schemas.openxmlformats.org/officeDocument/2006/relationships" xmlns:mc="http://schemas.openxmlformats.org/markup-compatibility/2006" xmlns:mv="urn:schemas-microsoft-com:mac:vml" xmlns:p="http://schemas.openxmlformats.org/presentationml/2006/main" xmlns:c="http://schemas.openxmlformats.org/drawingml/2006/chart" xmlns:dgm="http://schemas.openxmlformats.org/drawingml/2006/diagram" xmlns:o="urn:schemas-microsoft-com:office:office" xmlns:v="urn:schemas-microsoft-com:vml" xmlns:pvml="urn:schemas-microsoft-com:office:powerpoint" xmlns:com="http://schemas.openxmlformats.org/drawingml/2006/compatibility" xmlns:p14="http://schemas.microsoft.com/office/powerpoint/2010/main" xmlns:p15="http://schemas.microsoft.com/office/powerpoint/2012/main" xmlns:ahyp="http://schemas.microsoft.com/office/drawing/2018/hyperlinkcolor" matchingName="Title only" type="titleOnly">
+<p:sldLayout xmlns:a="http://schemas.openxmlformats.org/drawingml/2006/main" xmlns:r="http://schemas.openxmlformats.org/officeDocument/2006/relationships" xmlns:p="http://schemas.openxmlformats.org/presentationml/2006/main" matchingName="Title only" type="titleOnly">
   <p:cSld name="TITLE_ONLY">
     <p:spTree>
       <p:nvGrpSpPr>
-        <p:cNvPr id="43" name="Shape 43"/>
+        <p:cNvPr id="1" name="Shape 43"/>
         <p:cNvGrpSpPr/>
         <p:nvPr/>
       </p:nvGrpSpPr>
@@ -5835,7 +5974,9 @@
       <p:sp>
         <p:nvSpPr>
           <p:cNvPr id="44" name="Google Shape;44;p6"/>
-          <p:cNvSpPr txBox="1"/>
+          <p:cNvSpPr txBox="1">
+            <a:spLocks noGrp="1"/>
+          </p:cNvSpPr>
           <p:nvPr>
             <p:ph type="title"/>
           </p:nvPr>
@@ -5850,7 +5991,7 @@
           </a:prstGeom>
         </p:spPr>
         <p:txBody>
-          <a:bodyPr anchorCtr="0" anchor="t" bIns="91425" lIns="91425" spcFirstLastPara="1" rIns="91425" wrap="square" tIns="91425">
+          <a:bodyPr spcFirstLastPara="1" wrap="square" lIns="91425" tIns="91425" rIns="91425" bIns="91425" anchor="t" anchorCtr="0">
             <a:noAutofit/>
           </a:bodyPr>
           <a:lstStyle>
@@ -5954,15 +6095,19 @@
               <a:defRPr/>
             </a:lvl9pPr>
           </a:lstStyle>
-          <a:p/>
+          <a:p>
+            <a:endParaRPr/>
+          </a:p>
         </p:txBody>
       </p:sp>
       <p:sp>
         <p:nvSpPr>
           <p:cNvPr id="45" name="Google Shape;45;p6"/>
-          <p:cNvSpPr txBox="1"/>
+          <p:cNvSpPr txBox="1">
+            <a:spLocks noGrp="1"/>
+          </p:cNvSpPr>
           <p:nvPr>
-            <p:ph idx="12" type="sldNum"/>
+            <p:ph type="sldNum" idx="12"/>
           </p:nvPr>
         </p:nvSpPr>
         <p:spPr>
@@ -5975,7 +6120,7 @@
           </a:prstGeom>
         </p:spPr>
         <p:txBody>
-          <a:bodyPr anchorCtr="0" anchor="ctr" bIns="91425" lIns="91425" spcFirstLastPara="1" rIns="91425" wrap="square" tIns="91425">
+          <a:bodyPr spcFirstLastPara="1" wrap="square" lIns="91425" tIns="91425" rIns="91425" bIns="91425" anchor="ctr" anchorCtr="0">
             <a:noAutofit/>
           </a:bodyPr>
           <a:lstStyle>
@@ -6053,7 +6198,7 @@
             </a:lvl9pPr>
           </a:lstStyle>
           <a:p>
-            <a:pPr indent="0" lvl="0" marL="0" rtl="0" algn="r">
+            <a:pPr marL="0" lvl="0" indent="0" algn="r" rtl="0">
               <a:spcBef>
                 <a:spcPts val="0"/>
               </a:spcBef>
@@ -6079,11 +6224,11 @@
 </file>
 
 <file path=ppt/slideLayouts/slideLayout6.xml><?xml version="1.0" encoding="utf-8"?>
-<p:sldLayout xmlns:a="http://schemas.openxmlformats.org/drawingml/2006/main" xmlns:r="http://schemas.openxmlformats.org/officeDocument/2006/relationships" xmlns:mc="http://schemas.openxmlformats.org/markup-compatibility/2006" xmlns:mv="urn:schemas-microsoft-com:mac:vml" xmlns:p="http://schemas.openxmlformats.org/presentationml/2006/main" xmlns:c="http://schemas.openxmlformats.org/drawingml/2006/chart" xmlns:dgm="http://schemas.openxmlformats.org/drawingml/2006/diagram" xmlns:o="urn:schemas-microsoft-com:office:office" xmlns:v="urn:schemas-microsoft-com:vml" xmlns:pvml="urn:schemas-microsoft-com:office:powerpoint" xmlns:com="http://schemas.openxmlformats.org/drawingml/2006/compatibility" xmlns:p14="http://schemas.microsoft.com/office/powerpoint/2010/main" xmlns:p15="http://schemas.microsoft.com/office/powerpoint/2012/main" xmlns:ahyp="http://schemas.microsoft.com/office/drawing/2018/hyperlinkcolor" matchingName="One column text">
+<p:sldLayout xmlns:a="http://schemas.openxmlformats.org/drawingml/2006/main" xmlns:r="http://schemas.openxmlformats.org/officeDocument/2006/relationships" xmlns:p="http://schemas.openxmlformats.org/presentationml/2006/main" matchingName="One column text">
   <p:cSld name="ONE_COLUMN_TEXT">
     <p:spTree>
       <p:nvGrpSpPr>
-        <p:cNvPr id="46" name="Shape 46"/>
+        <p:cNvPr id="1" name="Shape 46"/>
         <p:cNvGrpSpPr/>
         <p:nvPr/>
       </p:nvGrpSpPr>
@@ -6098,7 +6243,9 @@
       <p:sp>
         <p:nvSpPr>
           <p:cNvPr id="47" name="Google Shape;47;p7"/>
-          <p:cNvSpPr txBox="1"/>
+          <p:cNvSpPr txBox="1">
+            <a:spLocks noGrp="1"/>
+          </p:cNvSpPr>
           <p:nvPr>
             <p:ph type="title"/>
           </p:nvPr>
@@ -6113,7 +6260,7 @@
           </a:prstGeom>
         </p:spPr>
         <p:txBody>
-          <a:bodyPr anchorCtr="0" anchor="b" bIns="91425" lIns="91425" spcFirstLastPara="1" rIns="91425" wrap="square" tIns="91425">
+          <a:bodyPr spcFirstLastPara="1" wrap="square" lIns="91425" tIns="91425" rIns="91425" bIns="91425" anchor="b" anchorCtr="0">
             <a:noAutofit/>
           </a:bodyPr>
           <a:lstStyle>
@@ -6217,15 +6364,19 @@
               <a:defRPr sz="2400"/>
             </a:lvl9pPr>
           </a:lstStyle>
-          <a:p/>
+          <a:p>
+            <a:endParaRPr/>
+          </a:p>
         </p:txBody>
       </p:sp>
       <p:sp>
         <p:nvSpPr>
           <p:cNvPr id="48" name="Google Shape;48;p7"/>
-          <p:cNvSpPr txBox="1"/>
+          <p:cNvSpPr txBox="1">
+            <a:spLocks noGrp="1"/>
+          </p:cNvSpPr>
           <p:nvPr>
-            <p:ph idx="1" type="body"/>
+            <p:ph type="body" idx="1"/>
           </p:nvPr>
         </p:nvSpPr>
         <p:spPr>
@@ -6238,11 +6389,11 @@
           </a:prstGeom>
         </p:spPr>
         <p:txBody>
-          <a:bodyPr anchorCtr="0" anchor="t" bIns="91425" lIns="91425" spcFirstLastPara="1" rIns="91425" wrap="square" tIns="91425">
+          <a:bodyPr spcFirstLastPara="1" wrap="square" lIns="91425" tIns="91425" rIns="91425" bIns="91425" anchor="t" anchorCtr="0">
             <a:noAutofit/>
           </a:bodyPr>
           <a:lstStyle>
-            <a:lvl1pPr indent="-304800" lvl="0" marL="457200">
+            <a:lvl1pPr marL="457200" lvl="0" indent="-304800">
               <a:spcBef>
                 <a:spcPts val="0"/>
               </a:spcBef>
@@ -6253,7 +6404,7 @@
               <a:buChar char="●"/>
               <a:defRPr sz="1200"/>
             </a:lvl1pPr>
-            <a:lvl2pPr indent="-304800" lvl="1" marL="914400">
+            <a:lvl2pPr marL="914400" lvl="1" indent="-304800">
               <a:spcBef>
                 <a:spcPts val="1600"/>
               </a:spcBef>
@@ -6264,7 +6415,7 @@
               <a:buChar char="○"/>
               <a:defRPr sz="1200"/>
             </a:lvl2pPr>
-            <a:lvl3pPr indent="-304800" lvl="2" marL="1371600">
+            <a:lvl3pPr marL="1371600" lvl="2" indent="-304800">
               <a:spcBef>
                 <a:spcPts val="1600"/>
               </a:spcBef>
@@ -6275,7 +6426,7 @@
               <a:buChar char="■"/>
               <a:defRPr sz="1200"/>
             </a:lvl3pPr>
-            <a:lvl4pPr indent="-304800" lvl="3" marL="1828800">
+            <a:lvl4pPr marL="1828800" lvl="3" indent="-304800">
               <a:spcBef>
                 <a:spcPts val="1600"/>
               </a:spcBef>
@@ -6286,7 +6437,7 @@
               <a:buChar char="●"/>
               <a:defRPr sz="1200"/>
             </a:lvl4pPr>
-            <a:lvl5pPr indent="-304800" lvl="4" marL="2286000">
+            <a:lvl5pPr marL="2286000" lvl="4" indent="-304800">
               <a:spcBef>
                 <a:spcPts val="1600"/>
               </a:spcBef>
@@ -6297,7 +6448,7 @@
               <a:buChar char="○"/>
               <a:defRPr sz="1200"/>
             </a:lvl5pPr>
-            <a:lvl6pPr indent="-304800" lvl="5" marL="2743200">
+            <a:lvl6pPr marL="2743200" lvl="5" indent="-304800">
               <a:spcBef>
                 <a:spcPts val="1600"/>
               </a:spcBef>
@@ -6308,7 +6459,7 @@
               <a:buChar char="■"/>
               <a:defRPr sz="1200"/>
             </a:lvl6pPr>
-            <a:lvl7pPr indent="-304800" lvl="6" marL="3200400">
+            <a:lvl7pPr marL="3200400" lvl="6" indent="-304800">
               <a:spcBef>
                 <a:spcPts val="1600"/>
               </a:spcBef>
@@ -6319,7 +6470,7 @@
               <a:buChar char="●"/>
               <a:defRPr sz="1200"/>
             </a:lvl7pPr>
-            <a:lvl8pPr indent="-304800" lvl="7" marL="3657600">
+            <a:lvl8pPr marL="3657600" lvl="7" indent="-304800">
               <a:spcBef>
                 <a:spcPts val="1600"/>
               </a:spcBef>
@@ -6330,7 +6481,7 @@
               <a:buChar char="○"/>
               <a:defRPr sz="1200"/>
             </a:lvl8pPr>
-            <a:lvl9pPr indent="-304800" lvl="8" marL="4114800">
+            <a:lvl9pPr marL="4114800" lvl="8" indent="-304800">
               <a:spcBef>
                 <a:spcPts val="1600"/>
               </a:spcBef>
@@ -6342,15 +6493,19 @@
               <a:defRPr sz="1200"/>
             </a:lvl9pPr>
           </a:lstStyle>
-          <a:p/>
+          <a:p>
+            <a:endParaRPr/>
+          </a:p>
         </p:txBody>
       </p:sp>
       <p:sp>
         <p:nvSpPr>
           <p:cNvPr id="49" name="Google Shape;49;p7"/>
-          <p:cNvSpPr txBox="1"/>
+          <p:cNvSpPr txBox="1">
+            <a:spLocks noGrp="1"/>
+          </p:cNvSpPr>
           <p:nvPr>
-            <p:ph idx="12" type="sldNum"/>
+            <p:ph type="sldNum" idx="12"/>
           </p:nvPr>
         </p:nvSpPr>
         <p:spPr>
@@ -6363,7 +6518,7 @@
           </a:prstGeom>
         </p:spPr>
         <p:txBody>
-          <a:bodyPr anchorCtr="0" anchor="ctr" bIns="91425" lIns="91425" spcFirstLastPara="1" rIns="91425" wrap="square" tIns="91425">
+          <a:bodyPr spcFirstLastPara="1" wrap="square" lIns="91425" tIns="91425" rIns="91425" bIns="91425" anchor="ctr" anchorCtr="0">
             <a:noAutofit/>
           </a:bodyPr>
           <a:lstStyle>
@@ -6441,7 +6596,7 @@
             </a:lvl9pPr>
           </a:lstStyle>
           <a:p>
-            <a:pPr indent="0" lvl="0" marL="0" rtl="0" algn="r">
+            <a:pPr marL="0" lvl="0" indent="0" algn="r" rtl="0">
               <a:spcBef>
                 <a:spcPts val="0"/>
               </a:spcBef>
@@ -6467,18 +6622,19 @@
 </file>
 
 <file path=ppt/slideLayouts/slideLayout7.xml><?xml version="1.0" encoding="utf-8"?>
-<p:sldLayout xmlns:a="http://schemas.openxmlformats.org/drawingml/2006/main" xmlns:r="http://schemas.openxmlformats.org/officeDocument/2006/relationships" xmlns:mc="http://schemas.openxmlformats.org/markup-compatibility/2006" xmlns:mv="urn:schemas-microsoft-com:mac:vml" xmlns:p="http://schemas.openxmlformats.org/presentationml/2006/main" xmlns:c="http://schemas.openxmlformats.org/drawingml/2006/chart" xmlns:dgm="http://schemas.openxmlformats.org/drawingml/2006/diagram" xmlns:o="urn:schemas-microsoft-com:office:office" xmlns:v="urn:schemas-microsoft-com:vml" xmlns:pvml="urn:schemas-microsoft-com:office:powerpoint" xmlns:com="http://schemas.openxmlformats.org/drawingml/2006/compatibility" xmlns:p14="http://schemas.microsoft.com/office/powerpoint/2010/main" xmlns:p15="http://schemas.microsoft.com/office/powerpoint/2012/main" xmlns:ahyp="http://schemas.microsoft.com/office/drawing/2018/hyperlinkcolor" matchingName="Main point">
+<p:sldLayout xmlns:a="http://schemas.openxmlformats.org/drawingml/2006/main" xmlns:r="http://schemas.openxmlformats.org/officeDocument/2006/relationships" xmlns:p="http://schemas.openxmlformats.org/presentationml/2006/main" matchingName="Main point">
   <p:cSld name="MAIN_POINT">
     <p:bg>
       <p:bgPr>
         <a:solidFill>
           <a:schemeClr val="accent4"/>
         </a:solidFill>
+        <a:effectLst/>
       </p:bgPr>
     </p:bg>
     <p:spTree>
       <p:nvGrpSpPr>
-        <p:cNvPr id="50" name="Shape 50"/>
+        <p:cNvPr id="1" name="Shape 50"/>
         <p:cNvGrpSpPr/>
         <p:nvPr/>
       </p:nvGrpSpPr>
@@ -6526,12 +6682,12 @@
             </a:ln>
           </p:spPr>
           <p:txBody>
-            <a:bodyPr anchorCtr="0" anchor="ctr" bIns="91425" lIns="91425" spcFirstLastPara="1" rIns="91425" wrap="square" tIns="91425">
+            <a:bodyPr spcFirstLastPara="1" wrap="square" lIns="91425" tIns="91425" rIns="91425" bIns="91425" anchor="ctr" anchorCtr="0">
               <a:noAutofit/>
             </a:bodyPr>
             <a:lstStyle/>
             <a:p>
-              <a:pPr indent="0" lvl="0" marL="0" rtl="0" algn="l">
+              <a:pPr marL="0" lvl="0" indent="0" algn="l" rtl="0">
                 <a:spcBef>
                   <a:spcPts val="0"/>
                 </a:spcBef>
@@ -6540,9 +6696,6 @@
                 </a:spcAft>
                 <a:buNone/>
               </a:pPr>
-              <a:r>
-                <a:t/>
-              </a:r>
               <a:endParaRPr/>
             </a:p>
           </p:txBody>
@@ -6569,12 +6722,12 @@
             </a:ln>
           </p:spPr>
           <p:txBody>
-            <a:bodyPr anchorCtr="0" anchor="ctr" bIns="91425" lIns="91425" spcFirstLastPara="1" rIns="91425" wrap="square" tIns="91425">
+            <a:bodyPr spcFirstLastPara="1" wrap="square" lIns="91425" tIns="91425" rIns="91425" bIns="91425" anchor="ctr" anchorCtr="0">
               <a:noAutofit/>
             </a:bodyPr>
             <a:lstStyle/>
             <a:p>
-              <a:pPr indent="0" lvl="0" marL="0" rtl="0" algn="l">
+              <a:pPr marL="0" lvl="0" indent="0" algn="l" rtl="0">
                 <a:spcBef>
                   <a:spcPts val="0"/>
                 </a:spcBef>
@@ -6583,9 +6736,6 @@
                 </a:spcAft>
                 <a:buNone/>
               </a:pPr>
-              <a:r>
-                <a:t/>
-              </a:r>
               <a:endParaRPr/>
             </a:p>
           </p:txBody>
@@ -6597,7 +6747,7 @@
             <p:nvPr/>
           </p:nvSpPr>
           <p:spPr>
-            <a:xfrm flipH="1" rot="10800000">
+            <a:xfrm rot="10800000" flipH="1">
               <a:off x="7113588" y="107"/>
               <a:ext cx="1015200" cy="1015200"/>
             </a:xfrm>
@@ -6612,12 +6762,12 @@
             </a:ln>
           </p:spPr>
           <p:txBody>
-            <a:bodyPr anchorCtr="0" anchor="ctr" bIns="91425" lIns="91425" spcFirstLastPara="1" rIns="91425" wrap="square" tIns="91425">
+            <a:bodyPr spcFirstLastPara="1" wrap="square" lIns="91425" tIns="91425" rIns="91425" bIns="91425" anchor="ctr" anchorCtr="0">
               <a:noAutofit/>
             </a:bodyPr>
             <a:lstStyle/>
             <a:p>
-              <a:pPr indent="0" lvl="0" marL="0" rtl="0" algn="l">
+              <a:pPr marL="0" lvl="0" indent="0" algn="l" rtl="0">
                 <a:spcBef>
                   <a:spcPts val="0"/>
                 </a:spcBef>
@@ -6626,9 +6776,6 @@
                 </a:spcAft>
                 <a:buNone/>
               </a:pPr>
-              <a:r>
-                <a:t/>
-              </a:r>
               <a:endParaRPr/>
             </a:p>
           </p:txBody>
@@ -6655,12 +6802,12 @@
             </a:ln>
           </p:spPr>
           <p:txBody>
-            <a:bodyPr anchorCtr="0" anchor="ctr" bIns="91425" lIns="91425" spcFirstLastPara="1" rIns="91425" wrap="square" tIns="91425">
+            <a:bodyPr spcFirstLastPara="1" wrap="square" lIns="91425" tIns="91425" rIns="91425" bIns="91425" anchor="ctr" anchorCtr="0">
               <a:noAutofit/>
             </a:bodyPr>
             <a:lstStyle/>
             <a:p>
-              <a:pPr indent="0" lvl="0" marL="0" rtl="0" algn="l">
+              <a:pPr marL="0" lvl="0" indent="0" algn="l" rtl="0">
                 <a:spcBef>
                   <a:spcPts val="0"/>
                 </a:spcBef>
@@ -6669,9 +6816,6 @@
                 </a:spcAft>
                 <a:buNone/>
               </a:pPr>
-              <a:r>
-                <a:t/>
-              </a:r>
               <a:endParaRPr/>
             </a:p>
           </p:txBody>
@@ -6698,12 +6842,12 @@
             </a:ln>
           </p:spPr>
           <p:txBody>
-            <a:bodyPr anchorCtr="0" anchor="ctr" bIns="91425" lIns="91425" spcFirstLastPara="1" rIns="91425" wrap="square" tIns="91425">
+            <a:bodyPr spcFirstLastPara="1" wrap="square" lIns="91425" tIns="91425" rIns="91425" bIns="91425" anchor="ctr" anchorCtr="0">
               <a:noAutofit/>
             </a:bodyPr>
             <a:lstStyle/>
             <a:p>
-              <a:pPr indent="0" lvl="0" marL="0" rtl="0" algn="l">
+              <a:pPr marL="0" lvl="0" indent="0" algn="l" rtl="0">
                 <a:spcBef>
                   <a:spcPts val="0"/>
                 </a:spcBef>
@@ -6712,9 +6856,6 @@
                 </a:spcAft>
                 <a:buNone/>
               </a:pPr>
-              <a:r>
-                <a:t/>
-              </a:r>
               <a:endParaRPr/>
             </a:p>
           </p:txBody>
@@ -6723,7 +6864,9 @@
       <p:sp>
         <p:nvSpPr>
           <p:cNvPr id="57" name="Google Shape;57;p8"/>
-          <p:cNvSpPr txBox="1"/>
+          <p:cNvSpPr txBox="1">
+            <a:spLocks noGrp="1"/>
+          </p:cNvSpPr>
           <p:nvPr>
             <p:ph type="title"/>
           </p:nvPr>
@@ -6738,7 +6881,7 @@
           </a:prstGeom>
         </p:spPr>
         <p:txBody>
-          <a:bodyPr anchorCtr="0" anchor="ctr" bIns="91425" lIns="91425" spcFirstLastPara="1" rIns="91425" wrap="square" tIns="91425">
+          <a:bodyPr spcFirstLastPara="1" wrap="square" lIns="91425" tIns="91425" rIns="91425" bIns="91425" anchor="ctr" anchorCtr="0">
             <a:noAutofit/>
           </a:bodyPr>
           <a:lstStyle>
@@ -6905,15 +7048,19 @@
               </a:defRPr>
             </a:lvl9pPr>
           </a:lstStyle>
-          <a:p/>
+          <a:p>
+            <a:endParaRPr/>
+          </a:p>
         </p:txBody>
       </p:sp>
       <p:sp>
         <p:nvSpPr>
           <p:cNvPr id="58" name="Google Shape;58;p8"/>
-          <p:cNvSpPr txBox="1"/>
+          <p:cNvSpPr txBox="1">
+            <a:spLocks noGrp="1"/>
+          </p:cNvSpPr>
           <p:nvPr>
-            <p:ph idx="12" type="sldNum"/>
+            <p:ph type="sldNum" idx="12"/>
           </p:nvPr>
         </p:nvSpPr>
         <p:spPr>
@@ -6926,7 +7073,7 @@
           </a:prstGeom>
         </p:spPr>
         <p:txBody>
-          <a:bodyPr anchorCtr="0" anchor="ctr" bIns="91425" lIns="91425" spcFirstLastPara="1" rIns="91425" wrap="square" tIns="91425">
+          <a:bodyPr spcFirstLastPara="1" wrap="square" lIns="91425" tIns="91425" rIns="91425" bIns="91425" anchor="ctr" anchorCtr="0">
             <a:noAutofit/>
           </a:bodyPr>
           <a:lstStyle>
@@ -6968,7 +7115,7 @@
             </a:lvl9pPr>
           </a:lstStyle>
           <a:p>
-            <a:pPr indent="0" lvl="0" marL="0" rtl="0" algn="r">
+            <a:pPr marL="0" lvl="0" indent="0" algn="r" rtl="0">
               <a:spcBef>
                 <a:spcPts val="0"/>
               </a:spcBef>
@@ -6994,11 +7141,11 @@
 </file>
 
 <file path=ppt/slideLayouts/slideLayout8.xml><?xml version="1.0" encoding="utf-8"?>
-<p:sldLayout xmlns:a="http://schemas.openxmlformats.org/drawingml/2006/main" xmlns:r="http://schemas.openxmlformats.org/officeDocument/2006/relationships" xmlns:mc="http://schemas.openxmlformats.org/markup-compatibility/2006" xmlns:mv="urn:schemas-microsoft-com:mac:vml" xmlns:p="http://schemas.openxmlformats.org/presentationml/2006/main" xmlns:c="http://schemas.openxmlformats.org/drawingml/2006/chart" xmlns:dgm="http://schemas.openxmlformats.org/drawingml/2006/diagram" xmlns:o="urn:schemas-microsoft-com:office:office" xmlns:v="urn:schemas-microsoft-com:vml" xmlns:pvml="urn:schemas-microsoft-com:office:powerpoint" xmlns:com="http://schemas.openxmlformats.org/drawingml/2006/compatibility" xmlns:p14="http://schemas.microsoft.com/office/powerpoint/2010/main" xmlns:p15="http://schemas.microsoft.com/office/powerpoint/2012/main" xmlns:ahyp="http://schemas.microsoft.com/office/drawing/2018/hyperlinkcolor" matchingName="Section title and description">
+<p:sldLayout xmlns:a="http://schemas.openxmlformats.org/drawingml/2006/main" xmlns:r="http://schemas.openxmlformats.org/officeDocument/2006/relationships" xmlns:p="http://schemas.openxmlformats.org/presentationml/2006/main" matchingName="Section title and description">
   <p:cSld name="SECTION_TITLE_AND_DESCRIPTION">
     <p:spTree>
       <p:nvGrpSpPr>
-        <p:cNvPr id="59" name="Shape 59"/>
+        <p:cNvPr id="1" name="Shape 59"/>
         <p:cNvGrpSpPr/>
         <p:nvPr/>
       </p:nvGrpSpPr>
@@ -7032,12 +7179,12 @@
           </a:ln>
         </p:spPr>
         <p:txBody>
-          <a:bodyPr anchorCtr="0" anchor="ctr" bIns="91425" lIns="91425" spcFirstLastPara="1" rIns="91425" wrap="square" tIns="91425">
+          <a:bodyPr spcFirstLastPara="1" wrap="square" lIns="91425" tIns="91425" rIns="91425" bIns="91425" anchor="ctr" anchorCtr="0">
             <a:noAutofit/>
           </a:bodyPr>
           <a:lstStyle/>
           <a:p>
-            <a:pPr indent="0" lvl="0" marL="0" rtl="0" algn="l">
+            <a:pPr marL="0" lvl="0" indent="0" algn="l" rtl="0">
               <a:spcBef>
                 <a:spcPts val="0"/>
               </a:spcBef>
@@ -7046,9 +7193,6 @@
               </a:spcAft>
               <a:buNone/>
             </a:pPr>
-            <a:r>
-              <a:t/>
-            </a:r>
             <a:endParaRPr/>
           </a:p>
         </p:txBody>
@@ -7068,21 +7212,23 @@
             <a:avLst/>
           </a:prstGeom>
           <a:noFill/>
-          <a:ln cap="flat" cmpd="sng" w="19050">
+          <a:ln w="19050" cap="flat" cmpd="sng">
             <a:solidFill>
               <a:schemeClr val="lt1"/>
             </a:solidFill>
             <a:prstDash val="solid"/>
             <a:round/>
-            <a:headEnd len="sm" w="sm" type="none"/>
-            <a:tailEnd len="sm" w="sm" type="none"/>
+            <a:headEnd type="none" w="sm" len="sm"/>
+            <a:tailEnd type="none" w="sm" len="sm"/>
           </a:ln>
         </p:spPr>
       </p:cxnSp>
       <p:sp>
         <p:nvSpPr>
           <p:cNvPr id="62" name="Google Shape;62;p9"/>
-          <p:cNvSpPr txBox="1"/>
+          <p:cNvSpPr txBox="1">
+            <a:spLocks noGrp="1"/>
+          </p:cNvSpPr>
           <p:nvPr>
             <p:ph type="title"/>
           </p:nvPr>
@@ -7097,7 +7243,7 @@
           </a:prstGeom>
         </p:spPr>
         <p:txBody>
-          <a:bodyPr anchorCtr="0" anchor="b" bIns="91425" lIns="91425" spcFirstLastPara="1" rIns="91425" wrap="square" tIns="91425">
+          <a:bodyPr spcFirstLastPara="1" wrap="square" lIns="91425" tIns="91425" rIns="91425" bIns="91425" anchor="b" anchorCtr="0">
             <a:noAutofit/>
           </a:bodyPr>
           <a:lstStyle>
@@ -7201,15 +7347,19 @@
               <a:defRPr sz="4200"/>
             </a:lvl9pPr>
           </a:lstStyle>
-          <a:p/>
+          <a:p>
+            <a:endParaRPr/>
+          </a:p>
         </p:txBody>
       </p:sp>
       <p:sp>
         <p:nvSpPr>
           <p:cNvPr id="63" name="Google Shape;63;p9"/>
-          <p:cNvSpPr txBox="1"/>
+          <p:cNvSpPr txBox="1">
+            <a:spLocks noGrp="1"/>
+          </p:cNvSpPr>
           <p:nvPr>
-            <p:ph idx="1" type="subTitle"/>
+            <p:ph type="subTitle" idx="1"/>
           </p:nvPr>
         </p:nvSpPr>
         <p:spPr>
@@ -7222,7 +7372,7 @@
           </a:prstGeom>
         </p:spPr>
         <p:txBody>
-          <a:bodyPr anchorCtr="0" anchor="t" bIns="91425" lIns="91425" spcFirstLastPara="1" rIns="91425" wrap="square" tIns="91425">
+          <a:bodyPr spcFirstLastPara="1" wrap="square" lIns="91425" tIns="91425" rIns="91425" bIns="91425" anchor="t" anchorCtr="0">
             <a:noAutofit/>
           </a:bodyPr>
           <a:lstStyle>
@@ -7353,15 +7503,19 @@
               <a:defRPr sz="2100"/>
             </a:lvl9pPr>
           </a:lstStyle>
-          <a:p/>
+          <a:p>
+            <a:endParaRPr/>
+          </a:p>
         </p:txBody>
       </p:sp>
       <p:sp>
         <p:nvSpPr>
           <p:cNvPr id="64" name="Google Shape;64;p9"/>
-          <p:cNvSpPr txBox="1"/>
+          <p:cNvSpPr txBox="1">
+            <a:spLocks noGrp="1"/>
+          </p:cNvSpPr>
           <p:nvPr>
-            <p:ph idx="2" type="body"/>
+            <p:ph type="body" idx="2"/>
           </p:nvPr>
         </p:nvSpPr>
         <p:spPr>
@@ -7374,11 +7528,11 @@
           </a:prstGeom>
         </p:spPr>
         <p:txBody>
-          <a:bodyPr anchorCtr="0" anchor="ctr" bIns="91425" lIns="91425" spcFirstLastPara="1" rIns="91425" wrap="square" tIns="91425">
+          <a:bodyPr spcFirstLastPara="1" wrap="square" lIns="91425" tIns="91425" rIns="91425" bIns="91425" anchor="ctr" anchorCtr="0">
             <a:noAutofit/>
           </a:bodyPr>
           <a:lstStyle>
-            <a:lvl1pPr indent="-342900" lvl="0" marL="457200">
+            <a:lvl1pPr marL="457200" lvl="0" indent="-342900">
               <a:spcBef>
                 <a:spcPts val="0"/>
               </a:spcBef>
@@ -7396,7 +7550,7 @@
                 </a:solidFill>
               </a:defRPr>
             </a:lvl1pPr>
-            <a:lvl2pPr indent="-317500" lvl="1" marL="914400">
+            <a:lvl2pPr marL="914400" lvl="1" indent="-317500">
               <a:spcBef>
                 <a:spcPts val="1600"/>
               </a:spcBef>
@@ -7414,7 +7568,7 @@
                 </a:solidFill>
               </a:defRPr>
             </a:lvl2pPr>
-            <a:lvl3pPr indent="-317500" lvl="2" marL="1371600">
+            <a:lvl3pPr marL="1371600" lvl="2" indent="-317500">
               <a:spcBef>
                 <a:spcPts val="1600"/>
               </a:spcBef>
@@ -7432,7 +7586,7 @@
                 </a:solidFill>
               </a:defRPr>
             </a:lvl3pPr>
-            <a:lvl4pPr indent="-317500" lvl="3" marL="1828800">
+            <a:lvl4pPr marL="1828800" lvl="3" indent="-317500">
               <a:spcBef>
                 <a:spcPts val="1600"/>
               </a:spcBef>
@@ -7450,7 +7604,7 @@
                 </a:solidFill>
               </a:defRPr>
             </a:lvl4pPr>
-            <a:lvl5pPr indent="-317500" lvl="4" marL="2286000">
+            <a:lvl5pPr marL="2286000" lvl="4" indent="-317500">
               <a:spcBef>
                 <a:spcPts val="1600"/>
               </a:spcBef>
@@ -7468,7 +7622,7 @@
                 </a:solidFill>
               </a:defRPr>
             </a:lvl5pPr>
-            <a:lvl6pPr indent="-317500" lvl="5" marL="2743200">
+            <a:lvl6pPr marL="2743200" lvl="5" indent="-317500">
               <a:spcBef>
                 <a:spcPts val="1600"/>
               </a:spcBef>
@@ -7486,7 +7640,7 @@
                 </a:solidFill>
               </a:defRPr>
             </a:lvl6pPr>
-            <a:lvl7pPr indent="-317500" lvl="6" marL="3200400">
+            <a:lvl7pPr marL="3200400" lvl="6" indent="-317500">
               <a:spcBef>
                 <a:spcPts val="1600"/>
               </a:spcBef>
@@ -7504,7 +7658,7 @@
                 </a:solidFill>
               </a:defRPr>
             </a:lvl7pPr>
-            <a:lvl8pPr indent="-317500" lvl="7" marL="3657600">
+            <a:lvl8pPr marL="3657600" lvl="7" indent="-317500">
               <a:spcBef>
                 <a:spcPts val="1600"/>
               </a:spcBef>
@@ -7522,7 +7676,7 @@
                 </a:solidFill>
               </a:defRPr>
             </a:lvl8pPr>
-            <a:lvl9pPr indent="-317500" lvl="8" marL="4114800">
+            <a:lvl9pPr marL="4114800" lvl="8" indent="-317500">
               <a:spcBef>
                 <a:spcPts val="1600"/>
               </a:spcBef>
@@ -7541,15 +7695,19 @@
               </a:defRPr>
             </a:lvl9pPr>
           </a:lstStyle>
-          <a:p/>
+          <a:p>
+            <a:endParaRPr/>
+          </a:p>
         </p:txBody>
       </p:sp>
       <p:sp>
         <p:nvSpPr>
           <p:cNvPr id="65" name="Google Shape;65;p9"/>
-          <p:cNvSpPr txBox="1"/>
+          <p:cNvSpPr txBox="1">
+            <a:spLocks noGrp="1"/>
+          </p:cNvSpPr>
           <p:nvPr>
-            <p:ph idx="12" type="sldNum"/>
+            <p:ph type="sldNum" idx="12"/>
           </p:nvPr>
         </p:nvSpPr>
         <p:spPr>
@@ -7562,7 +7720,7 @@
           </a:prstGeom>
         </p:spPr>
         <p:txBody>
-          <a:bodyPr anchorCtr="0" anchor="ctr" bIns="91425" lIns="91425" spcFirstLastPara="1" rIns="91425" wrap="square" tIns="91425">
+          <a:bodyPr spcFirstLastPara="1" wrap="square" lIns="91425" tIns="91425" rIns="91425" bIns="91425" anchor="ctr" anchorCtr="0">
             <a:noAutofit/>
           </a:bodyPr>
           <a:lstStyle>
@@ -7604,7 +7762,7 @@
             </a:lvl9pPr>
           </a:lstStyle>
           <a:p>
-            <a:pPr indent="0" lvl="0" marL="0" rtl="0" algn="r">
+            <a:pPr marL="0" lvl="0" indent="0" algn="r" rtl="0">
               <a:spcBef>
                 <a:spcPts val="0"/>
               </a:spcBef>
@@ -7630,11 +7788,11 @@
 </file>
 
 <file path=ppt/slideLayouts/slideLayout9.xml><?xml version="1.0" encoding="utf-8"?>
-<p:sldLayout xmlns:a="http://schemas.openxmlformats.org/drawingml/2006/main" xmlns:r="http://schemas.openxmlformats.org/officeDocument/2006/relationships" xmlns:mc="http://schemas.openxmlformats.org/markup-compatibility/2006" xmlns:mv="urn:schemas-microsoft-com:mac:vml" xmlns:p="http://schemas.openxmlformats.org/presentationml/2006/main" xmlns:c="http://schemas.openxmlformats.org/drawingml/2006/chart" xmlns:dgm="http://schemas.openxmlformats.org/drawingml/2006/diagram" xmlns:o="urn:schemas-microsoft-com:office:office" xmlns:v="urn:schemas-microsoft-com:vml" xmlns:pvml="urn:schemas-microsoft-com:office:powerpoint" xmlns:com="http://schemas.openxmlformats.org/drawingml/2006/compatibility" xmlns:p14="http://schemas.microsoft.com/office/powerpoint/2010/main" xmlns:p15="http://schemas.microsoft.com/office/powerpoint/2012/main" xmlns:ahyp="http://schemas.microsoft.com/office/drawing/2018/hyperlinkcolor" matchingName="Caption">
+<p:sldLayout xmlns:a="http://schemas.openxmlformats.org/drawingml/2006/main" xmlns:r="http://schemas.openxmlformats.org/officeDocument/2006/relationships" xmlns:p="http://schemas.openxmlformats.org/presentationml/2006/main" matchingName="Caption">
   <p:cSld name="CAPTION_ONLY">
     <p:spTree>
       <p:nvGrpSpPr>
-        <p:cNvPr id="66" name="Shape 66"/>
+        <p:cNvPr id="1" name="Shape 66"/>
         <p:cNvGrpSpPr/>
         <p:nvPr/>
       </p:nvGrpSpPr>
@@ -7649,9 +7807,11 @@
       <p:sp>
         <p:nvSpPr>
           <p:cNvPr id="67" name="Google Shape;67;p10"/>
-          <p:cNvSpPr txBox="1"/>
+          <p:cNvSpPr txBox="1">
+            <a:spLocks noGrp="1"/>
+          </p:cNvSpPr>
           <p:nvPr>
-            <p:ph idx="1" type="body"/>
+            <p:ph type="body" idx="1"/>
           </p:nvPr>
         </p:nvSpPr>
         <p:spPr>
@@ -7664,11 +7824,11 @@
           </a:prstGeom>
         </p:spPr>
         <p:txBody>
-          <a:bodyPr anchorCtr="0" anchor="ctr" bIns="91425" lIns="91425" spcFirstLastPara="1" rIns="91425" wrap="square" tIns="91425">
+          <a:bodyPr spcFirstLastPara="1" wrap="square" lIns="91425" tIns="91425" rIns="91425" bIns="91425" anchor="ctr" anchorCtr="0">
             <a:noAutofit/>
           </a:bodyPr>
           <a:lstStyle>
-            <a:lvl1pPr indent="-228600" lvl="0" marL="457200">
+            <a:lvl1pPr marL="457200" lvl="0" indent="-228600">
               <a:lnSpc>
                 <a:spcPct val="100000"/>
               </a:lnSpc>
@@ -7683,15 +7843,19 @@
               <a:defRPr/>
             </a:lvl1pPr>
           </a:lstStyle>
-          <a:p/>
+          <a:p>
+            <a:endParaRPr/>
+          </a:p>
         </p:txBody>
       </p:sp>
       <p:sp>
         <p:nvSpPr>
           <p:cNvPr id="68" name="Google Shape;68;p10"/>
-          <p:cNvSpPr txBox="1"/>
+          <p:cNvSpPr txBox="1">
+            <a:spLocks noGrp="1"/>
+          </p:cNvSpPr>
           <p:nvPr>
-            <p:ph idx="12" type="sldNum"/>
+            <p:ph type="sldNum" idx="12"/>
           </p:nvPr>
         </p:nvSpPr>
         <p:spPr>
@@ -7704,7 +7868,7 @@
           </a:prstGeom>
         </p:spPr>
         <p:txBody>
-          <a:bodyPr anchorCtr="0" anchor="ctr" bIns="91425" lIns="91425" spcFirstLastPara="1" rIns="91425" wrap="square" tIns="91425">
+          <a:bodyPr spcFirstLastPara="1" wrap="square" lIns="91425" tIns="91425" rIns="91425" bIns="91425" anchor="ctr" anchorCtr="0">
             <a:noAutofit/>
           </a:bodyPr>
           <a:lstStyle>
@@ -7782,7 +7946,7 @@
             </a:lvl9pPr>
           </a:lstStyle>
           <a:p>
-            <a:pPr indent="0" lvl="0" marL="0" rtl="0" algn="r">
+            <a:pPr marL="0" lvl="0" indent="0" algn="r" rtl="0">
               <a:spcBef>
                 <a:spcPts val="0"/>
               </a:spcBef>
@@ -7808,18 +7972,19 @@
 </file>
 
 <file path=ppt/slideMasters/slideMaster1.xml><?xml version="1.0" encoding="utf-8"?>
-<p:sldMaster xmlns:a="http://schemas.openxmlformats.org/drawingml/2006/main" xmlns:r="http://schemas.openxmlformats.org/officeDocument/2006/relationships" xmlns:mc="http://schemas.openxmlformats.org/markup-compatibility/2006" xmlns:mv="urn:schemas-microsoft-com:mac:vml" xmlns:p="http://schemas.openxmlformats.org/presentationml/2006/main" xmlns:c="http://schemas.openxmlformats.org/drawingml/2006/chart" xmlns:dgm="http://schemas.openxmlformats.org/drawingml/2006/diagram" xmlns:o="urn:schemas-microsoft-com:office:office" xmlns:v="urn:schemas-microsoft-com:vml" xmlns:pvml="urn:schemas-microsoft-com:office:powerpoint" xmlns:com="http://schemas.openxmlformats.org/drawingml/2006/compatibility" xmlns:p14="http://schemas.microsoft.com/office/powerpoint/2010/main" xmlns:p15="http://schemas.microsoft.com/office/powerpoint/2012/main" xmlns:ahyp="http://schemas.microsoft.com/office/drawing/2018/hyperlinkcolor">
+<p:sldMaster xmlns:a="http://schemas.openxmlformats.org/drawingml/2006/main" xmlns:r="http://schemas.openxmlformats.org/officeDocument/2006/relationships" xmlns:p="http://schemas.openxmlformats.org/presentationml/2006/main">
   <p:cSld name="geometric">
     <p:bg>
       <p:bgPr>
         <a:solidFill>
           <a:schemeClr val="lt1"/>
         </a:solidFill>
+        <a:effectLst/>
       </p:bgPr>
     </p:bg>
     <p:spTree>
       <p:nvGrpSpPr>
-        <p:cNvPr id="5" name="Shape 5"/>
+        <p:cNvPr id="1" name="Shape 5"/>
         <p:cNvGrpSpPr/>
         <p:nvPr/>
       </p:nvGrpSpPr>
@@ -7834,7 +7999,9 @@
       <p:sp>
         <p:nvSpPr>
           <p:cNvPr id="6" name="Google Shape;6;p1"/>
-          <p:cNvSpPr txBox="1"/>
+          <p:cNvSpPr txBox="1">
+            <a:spLocks noGrp="1"/>
+          </p:cNvSpPr>
           <p:nvPr>
             <p:ph type="title"/>
           </p:nvPr>
@@ -7853,7 +8020,7 @@
           </a:ln>
         </p:spPr>
         <p:txBody>
-          <a:bodyPr anchorCtr="0" anchor="t" bIns="91425" lIns="91425" spcFirstLastPara="1" rIns="91425" wrap="square" tIns="91425">
+          <a:bodyPr spcFirstLastPara="1" wrap="square" lIns="91425" tIns="91425" rIns="91425" bIns="91425" anchor="t" anchorCtr="0">
             <a:noAutofit/>
           </a:bodyPr>
           <a:lstStyle>
@@ -8065,15 +8232,19 @@
               </a:defRPr>
             </a:lvl9pPr>
           </a:lstStyle>
-          <a:p/>
+          <a:p>
+            <a:endParaRPr/>
+          </a:p>
         </p:txBody>
       </p:sp>
       <p:sp>
         <p:nvSpPr>
           <p:cNvPr id="7" name="Google Shape;7;p1"/>
-          <p:cNvSpPr txBox="1"/>
+          <p:cNvSpPr txBox="1">
+            <a:spLocks noGrp="1"/>
+          </p:cNvSpPr>
           <p:nvPr>
-            <p:ph idx="1" type="body"/>
+            <p:ph type="body" idx="1"/>
           </p:nvPr>
         </p:nvSpPr>
         <p:spPr>
@@ -8090,11 +8261,11 @@
           </a:ln>
         </p:spPr>
         <p:txBody>
-          <a:bodyPr anchorCtr="0" anchor="t" bIns="91425" lIns="91425" spcFirstLastPara="1" rIns="91425" wrap="square" tIns="91425">
+          <a:bodyPr spcFirstLastPara="1" wrap="square" lIns="91425" tIns="91425" rIns="91425" bIns="91425" anchor="t" anchorCtr="0">
             <a:noAutofit/>
           </a:bodyPr>
           <a:lstStyle>
-            <a:lvl1pPr indent="-342900" lvl="0" marL="457200">
+            <a:lvl1pPr marL="457200" lvl="0" indent="-342900">
               <a:lnSpc>
                 <a:spcPct val="115000"/>
               </a:lnSpc>
@@ -8120,7 +8291,7 @@
                 <a:sym typeface="Roboto"/>
               </a:defRPr>
             </a:lvl1pPr>
-            <a:lvl2pPr indent="-317500" lvl="1" marL="914400">
+            <a:lvl2pPr marL="914400" lvl="1" indent="-317500">
               <a:lnSpc>
                 <a:spcPct val="115000"/>
               </a:lnSpc>
@@ -8146,7 +8317,7 @@
                 <a:sym typeface="Roboto"/>
               </a:defRPr>
             </a:lvl2pPr>
-            <a:lvl3pPr indent="-317500" lvl="2" marL="1371600">
+            <a:lvl3pPr marL="1371600" lvl="2" indent="-317500">
               <a:lnSpc>
                 <a:spcPct val="115000"/>
               </a:lnSpc>
@@ -8172,7 +8343,7 @@
                 <a:sym typeface="Roboto"/>
               </a:defRPr>
             </a:lvl3pPr>
-            <a:lvl4pPr indent="-317500" lvl="3" marL="1828800">
+            <a:lvl4pPr marL="1828800" lvl="3" indent="-317500">
               <a:lnSpc>
                 <a:spcPct val="115000"/>
               </a:lnSpc>
@@ -8198,7 +8369,7 @@
                 <a:sym typeface="Roboto"/>
               </a:defRPr>
             </a:lvl4pPr>
-            <a:lvl5pPr indent="-317500" lvl="4" marL="2286000">
+            <a:lvl5pPr marL="2286000" lvl="4" indent="-317500">
               <a:lnSpc>
                 <a:spcPct val="115000"/>
               </a:lnSpc>
@@ -8224,7 +8395,7 @@
                 <a:sym typeface="Roboto"/>
               </a:defRPr>
             </a:lvl5pPr>
-            <a:lvl6pPr indent="-317500" lvl="5" marL="2743200">
+            <a:lvl6pPr marL="2743200" lvl="5" indent="-317500">
               <a:lnSpc>
                 <a:spcPct val="115000"/>
               </a:lnSpc>
@@ -8250,7 +8421,7 @@
                 <a:sym typeface="Roboto"/>
               </a:defRPr>
             </a:lvl6pPr>
-            <a:lvl7pPr indent="-317500" lvl="6" marL="3200400">
+            <a:lvl7pPr marL="3200400" lvl="6" indent="-317500">
               <a:lnSpc>
                 <a:spcPct val="115000"/>
               </a:lnSpc>
@@ -8276,7 +8447,7 @@
                 <a:sym typeface="Roboto"/>
               </a:defRPr>
             </a:lvl7pPr>
-            <a:lvl8pPr indent="-317500" lvl="7" marL="3657600">
+            <a:lvl8pPr marL="3657600" lvl="7" indent="-317500">
               <a:lnSpc>
                 <a:spcPct val="115000"/>
               </a:lnSpc>
@@ -8302,7 +8473,7 @@
                 <a:sym typeface="Roboto"/>
               </a:defRPr>
             </a:lvl8pPr>
-            <a:lvl9pPr indent="-317500" lvl="8" marL="4114800">
+            <a:lvl9pPr marL="4114800" lvl="8" indent="-317500">
               <a:lnSpc>
                 <a:spcPct val="115000"/>
               </a:lnSpc>
@@ -8329,15 +8500,19 @@
               </a:defRPr>
             </a:lvl9pPr>
           </a:lstStyle>
-          <a:p/>
+          <a:p>
+            <a:endParaRPr/>
+          </a:p>
         </p:txBody>
       </p:sp>
       <p:sp>
         <p:nvSpPr>
           <p:cNvPr id="8" name="Google Shape;8;p1"/>
-          <p:cNvSpPr txBox="1"/>
+          <p:cNvSpPr txBox="1">
+            <a:spLocks noGrp="1"/>
+          </p:cNvSpPr>
           <p:nvPr>
-            <p:ph idx="12" type="sldNum"/>
+            <p:ph type="sldNum" idx="12"/>
           </p:nvPr>
         </p:nvSpPr>
         <p:spPr>
@@ -8354,7 +8529,7 @@
           </a:ln>
         </p:spPr>
         <p:txBody>
-          <a:bodyPr anchorCtr="0" anchor="ctr" bIns="91425" lIns="91425" spcFirstLastPara="1" rIns="91425" wrap="square" tIns="91425">
+          <a:bodyPr spcFirstLastPara="1" wrap="square" lIns="91425" tIns="91425" rIns="91425" bIns="91425" anchor="ctr" anchorCtr="0">
             <a:noAutofit/>
           </a:bodyPr>
           <a:lstStyle>
@@ -8468,7 +8643,7 @@
             </a:lvl9pPr>
           </a:lstStyle>
           <a:p>
-            <a:pPr indent="0" lvl="0" marL="0" rtl="0" algn="r">
+            <a:pPr marL="0" lvl="0" indent="0" algn="r" rtl="0">
               <a:spcBef>
                 <a:spcPts val="0"/>
               </a:spcBef>
@@ -8487,7 +8662,7 @@
       </p:sp>
     </p:spTree>
   </p:cSld>
-  <p:clrMap accent1="accent1" accent2="accent2" accent3="accent3" accent4="accent4" accent5="accent5" accent6="accent6" bg1="lt1" bg2="dk2" tx1="dk1" tx2="lt2" folHlink="folHlink" hlink="hlink"/>
+  <p:clrMap bg1="lt1" tx1="dk1" bg2="dk2" tx2="lt2" accent1="accent1" accent2="accent2" accent3="accent3" accent4="accent4" accent5="accent5" accent6="accent6" hlink="hlink" folHlink="folHlink"/>
   <p:sldLayoutIdLst>
     <p:sldLayoutId id="2147483648" r:id="rId1"/>
     <p:sldLayoutId id="2147483649" r:id="rId2"/>
@@ -8501,10 +8676,10 @@
     <p:sldLayoutId id="2147483657" r:id="rId10"/>
     <p:sldLayoutId id="2147483658" r:id="rId11"/>
   </p:sldLayoutIdLst>
-  <p:hf dt="0" ftr="0" hdr="0" sldNum="0"/>
+  <p:hf sldNum="0" hdr="0" ftr="0" dt="0"/>
   <p:txStyles>
     <p:titleStyle>
-      <a:defPPr lvl="0" marR="0" rtl="0" algn="l">
+      <a:defPPr marR="0" lvl="0" algn="l" rtl="0">
         <a:lnSpc>
           <a:spcPct val="100000"/>
         </a:lnSpc>
@@ -8515,7 +8690,7 @@
           <a:spcPts val="0"/>
         </a:spcAft>
       </a:defPPr>
-      <a:lvl1pPr lvl="0" marR="0" rtl="0" algn="l">
+      <a:lvl1pPr marR="0" lvl="0" algn="l" rtl="0">
         <a:lnSpc>
           <a:spcPct val="100000"/>
         </a:lnSpc>
@@ -8529,7 +8704,7 @@
           <a:srgbClr val="000000"/>
         </a:buClr>
         <a:buFont typeface="Arial"/>
-        <a:defRPr b="0" i="0" sz="1400" u="none" cap="none" strike="noStrike">
+        <a:defRPr sz="1400" b="0" i="0" u="none" strike="noStrike" cap="none">
           <a:solidFill>
             <a:srgbClr val="000000"/>
           </a:solidFill>
@@ -8539,7 +8714,7 @@
           <a:sym typeface="Arial"/>
         </a:defRPr>
       </a:lvl1pPr>
-      <a:lvl2pPr lvl="1" marR="0" rtl="0" algn="l">
+      <a:lvl2pPr marR="0" lvl="1" algn="l" rtl="0">
         <a:lnSpc>
           <a:spcPct val="100000"/>
         </a:lnSpc>
@@ -8553,7 +8728,7 @@
           <a:srgbClr val="000000"/>
         </a:buClr>
         <a:buFont typeface="Arial"/>
-        <a:defRPr b="0" i="0" sz="1400" u="none" cap="none" strike="noStrike">
+        <a:defRPr sz="1400" b="0" i="0" u="none" strike="noStrike" cap="none">
           <a:solidFill>
             <a:srgbClr val="000000"/>
           </a:solidFill>
@@ -8563,7 +8738,7 @@
           <a:sym typeface="Arial"/>
         </a:defRPr>
       </a:lvl2pPr>
-      <a:lvl3pPr lvl="2" marR="0" rtl="0" algn="l">
+      <a:lvl3pPr marR="0" lvl="2" algn="l" rtl="0">
         <a:lnSpc>
           <a:spcPct val="100000"/>
         </a:lnSpc>
@@ -8577,7 +8752,7 @@
           <a:srgbClr val="000000"/>
         </a:buClr>
         <a:buFont typeface="Arial"/>
-        <a:defRPr b="0" i="0" sz="1400" u="none" cap="none" strike="noStrike">
+        <a:defRPr sz="1400" b="0" i="0" u="none" strike="noStrike" cap="none">
           <a:solidFill>
             <a:srgbClr val="000000"/>
           </a:solidFill>
@@ -8587,7 +8762,7 @@
           <a:sym typeface="Arial"/>
         </a:defRPr>
       </a:lvl3pPr>
-      <a:lvl4pPr lvl="3" marR="0" rtl="0" algn="l">
+      <a:lvl4pPr marR="0" lvl="3" algn="l" rtl="0">
         <a:lnSpc>
           <a:spcPct val="100000"/>
         </a:lnSpc>
@@ -8601,7 +8776,7 @@
           <a:srgbClr val="000000"/>
         </a:buClr>
         <a:buFont typeface="Arial"/>
-        <a:defRPr b="0" i="0" sz="1400" u="none" cap="none" strike="noStrike">
+        <a:defRPr sz="1400" b="0" i="0" u="none" strike="noStrike" cap="none">
           <a:solidFill>
             <a:srgbClr val="000000"/>
           </a:solidFill>
@@ -8611,7 +8786,7 @@
           <a:sym typeface="Arial"/>
         </a:defRPr>
       </a:lvl4pPr>
-      <a:lvl5pPr lvl="4" marR="0" rtl="0" algn="l">
+      <a:lvl5pPr marR="0" lvl="4" algn="l" rtl="0">
         <a:lnSpc>
           <a:spcPct val="100000"/>
         </a:lnSpc>
@@ -8625,7 +8800,7 @@
           <a:srgbClr val="000000"/>
         </a:buClr>
         <a:buFont typeface="Arial"/>
-        <a:defRPr b="0" i="0" sz="1400" u="none" cap="none" strike="noStrike">
+        <a:defRPr sz="1400" b="0" i="0" u="none" strike="noStrike" cap="none">
           <a:solidFill>
             <a:srgbClr val="000000"/>
           </a:solidFill>
@@ -8635,7 +8810,7 @@
           <a:sym typeface="Arial"/>
         </a:defRPr>
       </a:lvl5pPr>
-      <a:lvl6pPr lvl="5" marR="0" rtl="0" algn="l">
+      <a:lvl6pPr marR="0" lvl="5" algn="l" rtl="0">
         <a:lnSpc>
           <a:spcPct val="100000"/>
         </a:lnSpc>
@@ -8649,7 +8824,7 @@
           <a:srgbClr val="000000"/>
         </a:buClr>
         <a:buFont typeface="Arial"/>
-        <a:defRPr b="0" i="0" sz="1400" u="none" cap="none" strike="noStrike">
+        <a:defRPr sz="1400" b="0" i="0" u="none" strike="noStrike" cap="none">
           <a:solidFill>
             <a:srgbClr val="000000"/>
           </a:solidFill>
@@ -8659,7 +8834,7 @@
           <a:sym typeface="Arial"/>
         </a:defRPr>
       </a:lvl6pPr>
-      <a:lvl7pPr lvl="6" marR="0" rtl="0" algn="l">
+      <a:lvl7pPr marR="0" lvl="6" algn="l" rtl="0">
         <a:lnSpc>
           <a:spcPct val="100000"/>
         </a:lnSpc>
@@ -8673,7 +8848,7 @@
           <a:srgbClr val="000000"/>
         </a:buClr>
         <a:buFont typeface="Arial"/>
-        <a:defRPr b="0" i="0" sz="1400" u="none" cap="none" strike="noStrike">
+        <a:defRPr sz="1400" b="0" i="0" u="none" strike="noStrike" cap="none">
           <a:solidFill>
             <a:srgbClr val="000000"/>
           </a:solidFill>
@@ -8683,7 +8858,7 @@
           <a:sym typeface="Arial"/>
         </a:defRPr>
       </a:lvl7pPr>
-      <a:lvl8pPr lvl="7" marR="0" rtl="0" algn="l">
+      <a:lvl8pPr marR="0" lvl="7" algn="l" rtl="0">
         <a:lnSpc>
           <a:spcPct val="100000"/>
         </a:lnSpc>
@@ -8697,7 +8872,7 @@
           <a:srgbClr val="000000"/>
         </a:buClr>
         <a:buFont typeface="Arial"/>
-        <a:defRPr b="0" i="0" sz="1400" u="none" cap="none" strike="noStrike">
+        <a:defRPr sz="1400" b="0" i="0" u="none" strike="noStrike" cap="none">
           <a:solidFill>
             <a:srgbClr val="000000"/>
           </a:solidFill>
@@ -8707,7 +8882,7 @@
           <a:sym typeface="Arial"/>
         </a:defRPr>
       </a:lvl8pPr>
-      <a:lvl9pPr lvl="8" marR="0" rtl="0" algn="l">
+      <a:lvl9pPr marR="0" lvl="8" algn="l" rtl="0">
         <a:lnSpc>
           <a:spcPct val="100000"/>
         </a:lnSpc>
@@ -8721,7 +8896,7 @@
           <a:srgbClr val="000000"/>
         </a:buClr>
         <a:buFont typeface="Arial"/>
-        <a:defRPr b="0" i="0" sz="1400" u="none" cap="none" strike="noStrike">
+        <a:defRPr sz="1400" b="0" i="0" u="none" strike="noStrike" cap="none">
           <a:solidFill>
             <a:srgbClr val="000000"/>
           </a:solidFill>
@@ -8733,7 +8908,7 @@
       </a:lvl9pPr>
     </p:titleStyle>
     <p:bodyStyle>
-      <a:defPPr lvl="0" marR="0" rtl="0" algn="l">
+      <a:defPPr marR="0" lvl="0" algn="l" rtl="0">
         <a:lnSpc>
           <a:spcPct val="100000"/>
         </a:lnSpc>
@@ -8744,7 +8919,7 @@
           <a:spcPts val="0"/>
         </a:spcAft>
       </a:defPPr>
-      <a:lvl1pPr lvl="0" marR="0" rtl="0" algn="l">
+      <a:lvl1pPr marR="0" lvl="0" algn="l" rtl="0">
         <a:lnSpc>
           <a:spcPct val="100000"/>
         </a:lnSpc>
@@ -8758,7 +8933,7 @@
           <a:srgbClr val="000000"/>
         </a:buClr>
         <a:buFont typeface="Arial"/>
-        <a:defRPr b="0" i="0" sz="1400" u="none" cap="none" strike="noStrike">
+        <a:defRPr sz="1400" b="0" i="0" u="none" strike="noStrike" cap="none">
           <a:solidFill>
             <a:srgbClr val="000000"/>
           </a:solidFill>
@@ -8768,7 +8943,7 @@
           <a:sym typeface="Arial"/>
         </a:defRPr>
       </a:lvl1pPr>
-      <a:lvl2pPr lvl="1" marR="0" rtl="0" algn="l">
+      <a:lvl2pPr marR="0" lvl="1" algn="l" rtl="0">
         <a:lnSpc>
           <a:spcPct val="100000"/>
         </a:lnSpc>
@@ -8782,7 +8957,7 @@
           <a:srgbClr val="000000"/>
         </a:buClr>
         <a:buFont typeface="Arial"/>
-        <a:defRPr b="0" i="0" sz="1400" u="none" cap="none" strike="noStrike">
+        <a:defRPr sz="1400" b="0" i="0" u="none" strike="noStrike" cap="none">
           <a:solidFill>
             <a:srgbClr val="000000"/>
           </a:solidFill>
@@ -8792,7 +8967,7 @@
           <a:sym typeface="Arial"/>
         </a:defRPr>
       </a:lvl2pPr>
-      <a:lvl3pPr lvl="2" marR="0" rtl="0" algn="l">
+      <a:lvl3pPr marR="0" lvl="2" algn="l" rtl="0">
         <a:lnSpc>
           <a:spcPct val="100000"/>
         </a:lnSpc>
@@ -8806,7 +8981,7 @@
           <a:srgbClr val="000000"/>
         </a:buClr>
         <a:buFont typeface="Arial"/>
-        <a:defRPr b="0" i="0" sz="1400" u="none" cap="none" strike="noStrike">
+        <a:defRPr sz="1400" b="0" i="0" u="none" strike="noStrike" cap="none">
           <a:solidFill>
             <a:srgbClr val="000000"/>
           </a:solidFill>
@@ -8816,7 +8991,7 @@
           <a:sym typeface="Arial"/>
         </a:defRPr>
       </a:lvl3pPr>
-      <a:lvl4pPr lvl="3" marR="0" rtl="0" algn="l">
+      <a:lvl4pPr marR="0" lvl="3" algn="l" rtl="0">
         <a:lnSpc>
           <a:spcPct val="100000"/>
         </a:lnSpc>
@@ -8830,7 +9005,7 @@
           <a:srgbClr val="000000"/>
         </a:buClr>
         <a:buFont typeface="Arial"/>
-        <a:defRPr b="0" i="0" sz="1400" u="none" cap="none" strike="noStrike">
+        <a:defRPr sz="1400" b="0" i="0" u="none" strike="noStrike" cap="none">
           <a:solidFill>
             <a:srgbClr val="000000"/>
           </a:solidFill>
@@ -8840,7 +9015,7 @@
           <a:sym typeface="Arial"/>
         </a:defRPr>
       </a:lvl4pPr>
-      <a:lvl5pPr lvl="4" marR="0" rtl="0" algn="l">
+      <a:lvl5pPr marR="0" lvl="4" algn="l" rtl="0">
         <a:lnSpc>
           <a:spcPct val="100000"/>
         </a:lnSpc>
@@ -8854,7 +9029,7 @@
           <a:srgbClr val="000000"/>
         </a:buClr>
         <a:buFont typeface="Arial"/>
-        <a:defRPr b="0" i="0" sz="1400" u="none" cap="none" strike="noStrike">
+        <a:defRPr sz="1400" b="0" i="0" u="none" strike="noStrike" cap="none">
           <a:solidFill>
             <a:srgbClr val="000000"/>
           </a:solidFill>
@@ -8864,7 +9039,7 @@
           <a:sym typeface="Arial"/>
         </a:defRPr>
       </a:lvl5pPr>
-      <a:lvl6pPr lvl="5" marR="0" rtl="0" algn="l">
+      <a:lvl6pPr marR="0" lvl="5" algn="l" rtl="0">
         <a:lnSpc>
           <a:spcPct val="100000"/>
         </a:lnSpc>
@@ -8878,7 +9053,7 @@
           <a:srgbClr val="000000"/>
         </a:buClr>
         <a:buFont typeface="Arial"/>
-        <a:defRPr b="0" i="0" sz="1400" u="none" cap="none" strike="noStrike">
+        <a:defRPr sz="1400" b="0" i="0" u="none" strike="noStrike" cap="none">
           <a:solidFill>
             <a:srgbClr val="000000"/>
           </a:solidFill>
@@ -8888,7 +9063,7 @@
           <a:sym typeface="Arial"/>
         </a:defRPr>
       </a:lvl6pPr>
-      <a:lvl7pPr lvl="6" marR="0" rtl="0" algn="l">
+      <a:lvl7pPr marR="0" lvl="6" algn="l" rtl="0">
         <a:lnSpc>
           <a:spcPct val="100000"/>
         </a:lnSpc>
@@ -8902,7 +9077,7 @@
           <a:srgbClr val="000000"/>
         </a:buClr>
         <a:buFont typeface="Arial"/>
-        <a:defRPr b="0" i="0" sz="1400" u="none" cap="none" strike="noStrike">
+        <a:defRPr sz="1400" b="0" i="0" u="none" strike="noStrike" cap="none">
           <a:solidFill>
             <a:srgbClr val="000000"/>
           </a:solidFill>
@@ -8912,7 +9087,7 @@
           <a:sym typeface="Arial"/>
         </a:defRPr>
       </a:lvl7pPr>
-      <a:lvl8pPr lvl="7" marR="0" rtl="0" algn="l">
+      <a:lvl8pPr marR="0" lvl="7" algn="l" rtl="0">
         <a:lnSpc>
           <a:spcPct val="100000"/>
         </a:lnSpc>
@@ -8926,7 +9101,7 @@
           <a:srgbClr val="000000"/>
         </a:buClr>
         <a:buFont typeface="Arial"/>
-        <a:defRPr b="0" i="0" sz="1400" u="none" cap="none" strike="noStrike">
+        <a:defRPr sz="1400" b="0" i="0" u="none" strike="noStrike" cap="none">
           <a:solidFill>
             <a:srgbClr val="000000"/>
           </a:solidFill>
@@ -8936,7 +9111,7 @@
           <a:sym typeface="Arial"/>
         </a:defRPr>
       </a:lvl8pPr>
-      <a:lvl9pPr lvl="8" marR="0" rtl="0" algn="l">
+      <a:lvl9pPr marR="0" lvl="8" algn="l" rtl="0">
         <a:lnSpc>
           <a:spcPct val="100000"/>
         </a:lnSpc>
@@ -8950,7 +9125,7 @@
           <a:srgbClr val="000000"/>
         </a:buClr>
         <a:buFont typeface="Arial"/>
-        <a:defRPr b="0" i="0" sz="1400" u="none" cap="none" strike="noStrike">
+        <a:defRPr sz="1400" b="0" i="0" u="none" strike="noStrike" cap="none">
           <a:solidFill>
             <a:srgbClr val="000000"/>
           </a:solidFill>
@@ -8962,7 +9137,7 @@
       </a:lvl9pPr>
     </p:bodyStyle>
     <p:otherStyle>
-      <a:defPPr lvl="0" marR="0" rtl="0" algn="l">
+      <a:defPPr marR="0" lvl="0" algn="l" rtl="0">
         <a:lnSpc>
           <a:spcPct val="100000"/>
         </a:lnSpc>
@@ -8973,7 +9148,7 @@
           <a:spcPts val="0"/>
         </a:spcAft>
       </a:defPPr>
-      <a:lvl1pPr lvl="0" marR="0" rtl="0" algn="l">
+      <a:lvl1pPr marR="0" lvl="0" algn="l" rtl="0">
         <a:lnSpc>
           <a:spcPct val="100000"/>
         </a:lnSpc>
@@ -8987,7 +9162,7 @@
           <a:srgbClr val="000000"/>
         </a:buClr>
         <a:buFont typeface="Arial"/>
-        <a:defRPr b="0" i="0" sz="1400" u="none" cap="none" strike="noStrike">
+        <a:defRPr sz="1400" b="0" i="0" u="none" strike="noStrike" cap="none">
           <a:solidFill>
             <a:srgbClr val="000000"/>
           </a:solidFill>
@@ -8997,7 +9172,7 @@
           <a:sym typeface="Arial"/>
         </a:defRPr>
       </a:lvl1pPr>
-      <a:lvl2pPr lvl="1" marR="0" rtl="0" algn="l">
+      <a:lvl2pPr marR="0" lvl="1" algn="l" rtl="0">
         <a:lnSpc>
           <a:spcPct val="100000"/>
         </a:lnSpc>
@@ -9011,7 +9186,7 @@
           <a:srgbClr val="000000"/>
         </a:buClr>
         <a:buFont typeface="Arial"/>
-        <a:defRPr b="0" i="0" sz="1400" u="none" cap="none" strike="noStrike">
+        <a:defRPr sz="1400" b="0" i="0" u="none" strike="noStrike" cap="none">
           <a:solidFill>
             <a:srgbClr val="000000"/>
           </a:solidFill>
@@ -9021,7 +9196,7 @@
           <a:sym typeface="Arial"/>
         </a:defRPr>
       </a:lvl2pPr>
-      <a:lvl3pPr lvl="2" marR="0" rtl="0" algn="l">
+      <a:lvl3pPr marR="0" lvl="2" algn="l" rtl="0">
         <a:lnSpc>
           <a:spcPct val="100000"/>
         </a:lnSpc>
@@ -9035,7 +9210,7 @@
           <a:srgbClr val="000000"/>
         </a:buClr>
         <a:buFont typeface="Arial"/>
-        <a:defRPr b="0" i="0" sz="1400" u="none" cap="none" strike="noStrike">
+        <a:defRPr sz="1400" b="0" i="0" u="none" strike="noStrike" cap="none">
           <a:solidFill>
             <a:srgbClr val="000000"/>
           </a:solidFill>
@@ -9045,7 +9220,7 @@
           <a:sym typeface="Arial"/>
         </a:defRPr>
       </a:lvl3pPr>
-      <a:lvl4pPr lvl="3" marR="0" rtl="0" algn="l">
+      <a:lvl4pPr marR="0" lvl="3" algn="l" rtl="0">
         <a:lnSpc>
           <a:spcPct val="100000"/>
         </a:lnSpc>
@@ -9059,7 +9234,7 @@
           <a:srgbClr val="000000"/>
         </a:buClr>
         <a:buFont typeface="Arial"/>
-        <a:defRPr b="0" i="0" sz="1400" u="none" cap="none" strike="noStrike">
+        <a:defRPr sz="1400" b="0" i="0" u="none" strike="noStrike" cap="none">
           <a:solidFill>
             <a:srgbClr val="000000"/>
           </a:solidFill>
@@ -9069,7 +9244,7 @@
           <a:sym typeface="Arial"/>
         </a:defRPr>
       </a:lvl4pPr>
-      <a:lvl5pPr lvl="4" marR="0" rtl="0" algn="l">
+      <a:lvl5pPr marR="0" lvl="4" algn="l" rtl="0">
         <a:lnSpc>
           <a:spcPct val="100000"/>
         </a:lnSpc>
@@ -9083,7 +9258,7 @@
           <a:srgbClr val="000000"/>
         </a:buClr>
         <a:buFont typeface="Arial"/>
-        <a:defRPr b="0" i="0" sz="1400" u="none" cap="none" strike="noStrike">
+        <a:defRPr sz="1400" b="0" i="0" u="none" strike="noStrike" cap="none">
           <a:solidFill>
             <a:srgbClr val="000000"/>
           </a:solidFill>
@@ -9093,7 +9268,7 @@
           <a:sym typeface="Arial"/>
         </a:defRPr>
       </a:lvl5pPr>
-      <a:lvl6pPr lvl="5" marR="0" rtl="0" algn="l">
+      <a:lvl6pPr marR="0" lvl="5" algn="l" rtl="0">
         <a:lnSpc>
           <a:spcPct val="100000"/>
         </a:lnSpc>
@@ -9107,7 +9282,7 @@
           <a:srgbClr val="000000"/>
         </a:buClr>
         <a:buFont typeface="Arial"/>
-        <a:defRPr b="0" i="0" sz="1400" u="none" cap="none" strike="noStrike">
+        <a:defRPr sz="1400" b="0" i="0" u="none" strike="noStrike" cap="none">
           <a:solidFill>
             <a:srgbClr val="000000"/>
           </a:solidFill>
@@ -9117,7 +9292,7 @@
           <a:sym typeface="Arial"/>
         </a:defRPr>
       </a:lvl6pPr>
-      <a:lvl7pPr lvl="6" marR="0" rtl="0" algn="l">
+      <a:lvl7pPr marR="0" lvl="6" algn="l" rtl="0">
         <a:lnSpc>
           <a:spcPct val="100000"/>
         </a:lnSpc>
@@ -9131,7 +9306,7 @@
           <a:srgbClr val="000000"/>
         </a:buClr>
         <a:buFont typeface="Arial"/>
-        <a:defRPr b="0" i="0" sz="1400" u="none" cap="none" strike="noStrike">
+        <a:defRPr sz="1400" b="0" i="0" u="none" strike="noStrike" cap="none">
           <a:solidFill>
             <a:srgbClr val="000000"/>
           </a:solidFill>
@@ -9141,7 +9316,7 @@
           <a:sym typeface="Arial"/>
         </a:defRPr>
       </a:lvl7pPr>
-      <a:lvl8pPr lvl="7" marR="0" rtl="0" algn="l">
+      <a:lvl8pPr marR="0" lvl="7" algn="l" rtl="0">
         <a:lnSpc>
           <a:spcPct val="100000"/>
         </a:lnSpc>
@@ -9155,7 +9330,7 @@
           <a:srgbClr val="000000"/>
         </a:buClr>
         <a:buFont typeface="Arial"/>
-        <a:defRPr b="0" i="0" sz="1400" u="none" cap="none" strike="noStrike">
+        <a:defRPr sz="1400" b="0" i="0" u="none" strike="noStrike" cap="none">
           <a:solidFill>
             <a:srgbClr val="000000"/>
           </a:solidFill>
@@ -9165,7 +9340,7 @@
           <a:sym typeface="Arial"/>
         </a:defRPr>
       </a:lvl8pPr>
-      <a:lvl9pPr lvl="8" marR="0" rtl="0" algn="l">
+      <a:lvl9pPr marR="0" lvl="8" algn="l" rtl="0">
         <a:lnSpc>
           <a:spcPct val="100000"/>
         </a:lnSpc>
@@ -9179,7 +9354,7 @@
           <a:srgbClr val="000000"/>
         </a:buClr>
         <a:buFont typeface="Arial"/>
-        <a:defRPr b="0" i="0" sz="1400" u="none" cap="none" strike="noStrike">
+        <a:defRPr sz="1400" b="0" i="0" u="none" strike="noStrike" cap="none">
           <a:solidFill>
             <a:srgbClr val="000000"/>
           </a:solidFill>
@@ -9195,11 +9370,11 @@
 </file>
 
 <file path=ppt/slides/slide1.xml><?xml version="1.0" encoding="utf-8"?>
-<p:sld xmlns:a="http://schemas.openxmlformats.org/drawingml/2006/main" xmlns:r="http://schemas.openxmlformats.org/officeDocument/2006/relationships" xmlns:mc="http://schemas.openxmlformats.org/markup-compatibility/2006" xmlns:mv="urn:schemas-microsoft-com:mac:vml" xmlns:p="http://schemas.openxmlformats.org/presentationml/2006/main" xmlns:c="http://schemas.openxmlformats.org/drawingml/2006/chart" xmlns:dgm="http://schemas.openxmlformats.org/drawingml/2006/diagram" xmlns:o="urn:schemas-microsoft-com:office:office" xmlns:v="urn:schemas-microsoft-com:vml" xmlns:pvml="urn:schemas-microsoft-com:office:powerpoint" xmlns:com="http://schemas.openxmlformats.org/drawingml/2006/compatibility" xmlns:p14="http://schemas.microsoft.com/office/powerpoint/2010/main" xmlns:p15="http://schemas.microsoft.com/office/powerpoint/2012/main" xmlns:ahyp="http://schemas.microsoft.com/office/drawing/2018/hyperlinkcolor">
+<p:sld xmlns:a="http://schemas.openxmlformats.org/drawingml/2006/main" xmlns:r="http://schemas.openxmlformats.org/officeDocument/2006/relationships" xmlns:p="http://schemas.openxmlformats.org/presentationml/2006/main">
   <p:cSld>
     <p:spTree>
       <p:nvGrpSpPr>
-        <p:cNvPr id="84" name="Shape 84"/>
+        <p:cNvPr id="1" name="Shape 84"/>
         <p:cNvGrpSpPr/>
         <p:nvPr/>
       </p:nvGrpSpPr>
@@ -9214,7 +9389,9 @@
       <p:sp>
         <p:nvSpPr>
           <p:cNvPr id="85" name="Google Shape;85;p13"/>
-          <p:cNvSpPr txBox="1"/>
+          <p:cNvSpPr txBox="1">
+            <a:spLocks noGrp="1"/>
+          </p:cNvSpPr>
           <p:nvPr>
             <p:ph type="ctrTitle"/>
           </p:nvPr>
@@ -9229,12 +9406,12 @@
           </a:prstGeom>
         </p:spPr>
         <p:txBody>
-          <a:bodyPr anchorCtr="0" anchor="b" bIns="91425" lIns="91425" spcFirstLastPara="1" rIns="91425" wrap="square" tIns="91425">
+          <a:bodyPr spcFirstLastPara="1" wrap="square" lIns="91425" tIns="91425" rIns="91425" bIns="91425" anchor="b" anchorCtr="0">
             <a:noAutofit/>
           </a:bodyPr>
           <a:lstStyle/>
           <a:p>
-            <a:pPr indent="0" lvl="0" marL="0" rtl="0" algn="l">
+            <a:pPr marL="0" lvl="0" indent="0" algn="l" rtl="0">
               <a:spcBef>
                 <a:spcPts val="0"/>
               </a:spcBef>
@@ -9244,7 +9421,7 @@
               <a:buNone/>
             </a:pPr>
             <a:r>
-              <a:rPr b="1" lang="en" sz="4300">
+              <a:rPr lang="en" sz="4300" b="1">
                 <a:latin typeface="Calibri"/>
                 <a:ea typeface="Calibri"/>
                 <a:cs typeface="Calibri"/>
@@ -9252,7 +9429,7 @@
               </a:rPr>
               <a:t>Extraction and Analysis of National Institutional Ranking Framework Data</a:t>
             </a:r>
-            <a:endParaRPr b="1" sz="4300">
+            <a:endParaRPr sz="4300" b="1">
               <a:latin typeface="Calibri"/>
               <a:ea typeface="Calibri"/>
               <a:cs typeface="Calibri"/>
@@ -9264,9 +9441,11 @@
       <p:sp>
         <p:nvSpPr>
           <p:cNvPr id="86" name="Google Shape;86;p13"/>
-          <p:cNvSpPr txBox="1"/>
+          <p:cNvSpPr txBox="1">
+            <a:spLocks noGrp="1"/>
+          </p:cNvSpPr>
           <p:nvPr>
-            <p:ph idx="1" type="subTitle"/>
+            <p:ph type="subTitle" idx="1"/>
           </p:nvPr>
         </p:nvSpPr>
         <p:spPr>
@@ -9279,12 +9458,12 @@
           </a:prstGeom>
         </p:spPr>
         <p:txBody>
-          <a:bodyPr anchorCtr="0" anchor="t" bIns="91425" lIns="91425" spcFirstLastPara="1" rIns="91425" wrap="square" tIns="91425">
+          <a:bodyPr spcFirstLastPara="1" wrap="square" lIns="91425" tIns="91425" rIns="91425" bIns="91425" anchor="t" anchorCtr="0">
             <a:noAutofit/>
           </a:bodyPr>
           <a:lstStyle/>
           <a:p>
-            <a:pPr indent="0" lvl="0" marL="0" rtl="0" algn="l">
+            <a:pPr marL="0" lvl="0" indent="0" algn="l" rtl="0">
               <a:spcBef>
                 <a:spcPts val="0"/>
               </a:spcBef>
@@ -9294,10 +9473,10 @@
               <a:buNone/>
             </a:pPr>
             <a:r>
-              <a:rPr b="1" lang="en" sz="2400"/>
+              <a:rPr lang="en" sz="2400" b="1"/>
               <a:t>Group - 34</a:t>
             </a:r>
-            <a:endParaRPr b="1" sz="2400"/>
+            <a:endParaRPr sz="2400" b="1"/>
           </a:p>
         </p:txBody>
       </p:sp>
@@ -9309,8 +9488,8 @@
         </p:nvSpPr>
         <p:spPr>
           <a:xfrm>
-            <a:off x="244475" y="2918675"/>
-            <a:ext cx="3966900" cy="2047200"/>
+            <a:off x="206374" y="3413975"/>
+            <a:ext cx="6240146" cy="1477297"/>
           </a:xfrm>
           <a:prstGeom prst="rect">
             <a:avLst/>
@@ -9321,12 +9500,12 @@
           </a:ln>
         </p:spPr>
         <p:txBody>
-          <a:bodyPr anchorCtr="0" anchor="t" bIns="91425" lIns="91425" spcFirstLastPara="1" rIns="91425" wrap="square" tIns="91425">
+          <a:bodyPr spcFirstLastPara="1" wrap="square" lIns="91425" tIns="91425" rIns="91425" bIns="91425" anchor="t" anchorCtr="0">
             <a:spAutoFit/>
           </a:bodyPr>
           <a:lstStyle/>
           <a:p>
-            <a:pPr indent="0" lvl="0" marL="0" rtl="0" algn="l">
+            <a:pPr marL="0" lvl="0" indent="0" algn="l" rtl="0">
               <a:spcBef>
                 <a:spcPts val="0"/>
               </a:spcBef>
@@ -9336,21 +9515,21 @@
               <a:buNone/>
             </a:pPr>
             <a:r>
-              <a:rPr b="1" lang="en" sz="1900" u="sng">
+              <a:rPr lang="en" sz="1200" b="1" u="sng" dirty="0">
                 <a:solidFill>
                   <a:schemeClr val="lt1"/>
                 </a:solidFill>
               </a:rPr>
               <a:t>Team members:</a:t>
             </a:r>
-            <a:endParaRPr b="1" sz="1900" u="sng">
+            <a:endParaRPr sz="1200" b="1" u="sng" dirty="0">
               <a:solidFill>
                 <a:schemeClr val="lt1"/>
               </a:solidFill>
             </a:endParaRPr>
           </a:p>
           <a:p>
-            <a:pPr indent="0" lvl="0" marL="0" rtl="0" algn="l">
+            <a:pPr marL="0" lvl="0" indent="0" algn="l" rtl="0">
               <a:spcBef>
                 <a:spcPts val="0"/>
               </a:spcBef>
@@ -9359,17 +9538,14 @@
               </a:spcAft>
               <a:buNone/>
             </a:pPr>
-            <a:r>
-              <a:t/>
-            </a:r>
-            <a:endParaRPr b="1" sz="700" u="sng">
+            <a:endParaRPr sz="1200" b="1" u="sng" dirty="0">
               <a:solidFill>
                 <a:schemeClr val="lt1"/>
               </a:solidFill>
             </a:endParaRPr>
           </a:p>
           <a:p>
-            <a:pPr indent="0" lvl="0" marL="0" rtl="0" algn="l">
+            <a:pPr marL="0" lvl="0" indent="0" algn="l" rtl="0">
               <a:spcBef>
                 <a:spcPts val="0"/>
               </a:spcBef>
@@ -9379,21 +9555,21 @@
               <a:buNone/>
             </a:pPr>
             <a:r>
-              <a:rPr b="1" lang="en" sz="1900">
+              <a:rPr lang="en" sz="1200" b="1" dirty="0">
                 <a:solidFill>
                   <a:schemeClr val="lt1"/>
                 </a:solidFill>
               </a:rPr>
-              <a:t>Chabil Kansal		21111022</a:t>
+              <a:t>Chabil Kansal(chabilk21@iitk.ac.in)		21111022</a:t>
             </a:r>
-            <a:endParaRPr b="1" sz="1900">
+            <a:endParaRPr sz="1200" b="1" dirty="0">
               <a:solidFill>
                 <a:schemeClr val="lt1"/>
               </a:solidFill>
             </a:endParaRPr>
           </a:p>
           <a:p>
-            <a:pPr indent="0" lvl="0" marL="0" rtl="0" algn="l">
+            <a:pPr marL="0" lvl="0" indent="0" algn="l" rtl="0">
               <a:spcBef>
                 <a:spcPts val="0"/>
               </a:spcBef>
@@ -9403,21 +9579,21 @@
               <a:buNone/>
             </a:pPr>
             <a:r>
-              <a:rPr b="1" lang="en" sz="1900">
+              <a:rPr lang="en" sz="1200" b="1" dirty="0">
                 <a:solidFill>
                   <a:schemeClr val="lt1"/>
                 </a:solidFill>
               </a:rPr>
-              <a:t>Kajal Sethi			21111033</a:t>
+              <a:t>Kajal Sethi(kajals21@iitk.ac.in)		21111033</a:t>
             </a:r>
-            <a:endParaRPr b="1" sz="1900">
+            <a:endParaRPr sz="1200" b="1" dirty="0">
               <a:solidFill>
                 <a:schemeClr val="lt1"/>
               </a:solidFill>
             </a:endParaRPr>
           </a:p>
           <a:p>
-            <a:pPr indent="0" lvl="0" marL="0" rtl="0" algn="l">
+            <a:pPr marL="0" lvl="0" indent="0" algn="l" rtl="0">
               <a:spcBef>
                 <a:spcPts val="0"/>
               </a:spcBef>
@@ -9427,21 +9603,21 @@
               <a:buNone/>
             </a:pPr>
             <a:r>
-              <a:rPr b="1" lang="en" sz="1900">
+              <a:rPr lang="en" sz="1200" b="1" dirty="0">
                 <a:solidFill>
                   <a:schemeClr val="lt1"/>
                 </a:solidFill>
               </a:rPr>
-              <a:t>Pranshu Sahijwani	21111048</a:t>
+              <a:t>Pranshu Sahijwani(pranshus21@iitk.ac.in)	21111048</a:t>
             </a:r>
-            <a:endParaRPr b="1" sz="1900">
+            <a:endParaRPr sz="1200" b="1" dirty="0">
               <a:solidFill>
                 <a:schemeClr val="lt1"/>
               </a:solidFill>
             </a:endParaRPr>
           </a:p>
           <a:p>
-            <a:pPr indent="0" lvl="0" marL="0" rtl="0" algn="l">
+            <a:pPr marL="0" lvl="0" indent="0" algn="l" rtl="0">
               <a:spcBef>
                 <a:spcPts val="0"/>
               </a:spcBef>
@@ -9451,21 +9627,37 @@
               <a:buNone/>
             </a:pPr>
             <a:r>
-              <a:rPr b="1" lang="en" sz="1900">
+              <a:rPr lang="en" sz="1200" b="1" dirty="0">
                 <a:solidFill>
                   <a:schemeClr val="lt1"/>
                 </a:solidFill>
               </a:rPr>
-              <a:t>Sharanya Saha		21111056</a:t>
+              <a:t>Sharanya Saha(sharanya21@iitk.ac.</a:t>
             </a:r>
-            <a:endParaRPr b="1" sz="1900">
+            <a:r>
+              <a:rPr lang="en" sz="1200" b="1">
+                <a:solidFill>
+                  <a:schemeClr val="lt1"/>
+                </a:solidFill>
+              </a:rPr>
+              <a:t>in)</a:t>
+            </a:r>
+            <a:r>
+              <a:rPr lang="en" sz="1200" b="1" dirty="0">
+                <a:solidFill>
+                  <a:schemeClr val="lt1"/>
+                </a:solidFill>
+              </a:rPr>
+              <a:t>	21111056</a:t>
+            </a:r>
+            <a:endParaRPr sz="1200" b="1" dirty="0">
               <a:solidFill>
                 <a:schemeClr val="lt1"/>
               </a:solidFill>
             </a:endParaRPr>
           </a:p>
           <a:p>
-            <a:pPr indent="0" lvl="0" marL="0" rtl="0" algn="l">
+            <a:pPr marL="0" lvl="0" indent="0" algn="l" rtl="0">
               <a:spcBef>
                 <a:spcPts val="0"/>
               </a:spcBef>
@@ -9475,14 +9667,14 @@
               <a:buNone/>
             </a:pPr>
             <a:r>
-              <a:rPr b="1" lang="en" sz="1900">
+              <a:rPr lang="en" sz="1200" b="1" dirty="0">
                 <a:solidFill>
                   <a:schemeClr val="lt1"/>
                 </a:solidFill>
               </a:rPr>
-              <a:t>Utkarsh Srivastava	21111063</a:t>
+              <a:t>Utkarsh Srivastava(utkarshs21@iitk.ac.in)	21111063</a:t>
             </a:r>
-            <a:endParaRPr b="1" sz="1200">
+            <a:endParaRPr sz="1200" b="1" dirty="0">
               <a:solidFill>
                 <a:schemeClr val="lt1"/>
               </a:solidFill>
@@ -9499,11 +9691,11 @@
 </file>
 
 <file path=ppt/slides/slide10.xml><?xml version="1.0" encoding="utf-8"?>
-<p:sld xmlns:a="http://schemas.openxmlformats.org/drawingml/2006/main" xmlns:r="http://schemas.openxmlformats.org/officeDocument/2006/relationships" xmlns:mc="http://schemas.openxmlformats.org/markup-compatibility/2006" xmlns:mv="urn:schemas-microsoft-com:mac:vml" xmlns:p="http://schemas.openxmlformats.org/presentationml/2006/main" xmlns:c="http://schemas.openxmlformats.org/drawingml/2006/chart" xmlns:dgm="http://schemas.openxmlformats.org/drawingml/2006/diagram" xmlns:o="urn:schemas-microsoft-com:office:office" xmlns:v="urn:schemas-microsoft-com:vml" xmlns:pvml="urn:schemas-microsoft-com:office:powerpoint" xmlns:com="http://schemas.openxmlformats.org/drawingml/2006/compatibility" xmlns:p14="http://schemas.microsoft.com/office/powerpoint/2010/main" xmlns:p15="http://schemas.microsoft.com/office/powerpoint/2012/main" xmlns:ahyp="http://schemas.microsoft.com/office/drawing/2018/hyperlinkcolor">
+<p:sld xmlns:a="http://schemas.openxmlformats.org/drawingml/2006/main" xmlns:r="http://schemas.openxmlformats.org/officeDocument/2006/relationships" xmlns:p="http://schemas.openxmlformats.org/presentationml/2006/main">
   <p:cSld>
     <p:spTree>
       <p:nvGrpSpPr>
-        <p:cNvPr id="147" name="Shape 147"/>
+        <p:cNvPr id="1" name="Shape 147"/>
         <p:cNvGrpSpPr/>
         <p:nvPr/>
       </p:nvGrpSpPr>
@@ -9518,7 +9710,9 @@
       <p:sp>
         <p:nvSpPr>
           <p:cNvPr id="148" name="Google Shape;148;p22"/>
-          <p:cNvSpPr txBox="1"/>
+          <p:cNvSpPr txBox="1">
+            <a:spLocks noGrp="1"/>
+          </p:cNvSpPr>
           <p:nvPr>
             <p:ph type="title"/>
           </p:nvPr>
@@ -9533,12 +9727,12 @@
           </a:prstGeom>
         </p:spPr>
         <p:txBody>
-          <a:bodyPr anchorCtr="0" anchor="t" bIns="91425" lIns="91425" spcFirstLastPara="1" rIns="91425" wrap="square" tIns="91425">
+          <a:bodyPr spcFirstLastPara="1" wrap="square" lIns="91425" tIns="91425" rIns="91425" bIns="91425" anchor="t" anchorCtr="0">
             <a:noAutofit/>
           </a:bodyPr>
           <a:lstStyle/>
           <a:p>
-            <a:pPr indent="0" lvl="0" marL="0" rtl="0" algn="l">
+            <a:pPr marL="0" lvl="0" indent="0" algn="l" rtl="0">
               <a:spcBef>
                 <a:spcPts val="0"/>
               </a:spcBef>
@@ -9575,12 +9769,12 @@
           </a:ln>
         </p:spPr>
         <p:txBody>
-          <a:bodyPr anchorCtr="0" anchor="t" bIns="91425" lIns="91425" spcFirstLastPara="1" rIns="91425" wrap="square" tIns="91425">
+          <a:bodyPr spcFirstLastPara="1" wrap="square" lIns="91425" tIns="91425" rIns="91425" bIns="91425" anchor="t" anchorCtr="0">
             <a:spAutoFit/>
           </a:bodyPr>
           <a:lstStyle/>
           <a:p>
-            <a:pPr indent="-317500" lvl="0" marL="457200" rtl="0" algn="l">
+            <a:pPr marL="457200" lvl="0" indent="-317500" algn="l" rtl="0">
               <a:spcBef>
                 <a:spcPts val="0"/>
               </a:spcBef>
@@ -9592,22 +9786,13 @@
               <a:buChar char="●"/>
             </a:pPr>
             <a:r>
-              <a:rPr b="1" lang="en">
+              <a:rPr lang="en" b="1">
                 <a:latin typeface="Roboto"/>
                 <a:ea typeface="Roboto"/>
                 <a:cs typeface="Roboto"/>
                 <a:sym typeface="Roboto"/>
               </a:rPr>
-              <a:t>Colleges not consistent were dropped from </a:t>
-            </a:r>
-            <a:r>
-              <a:rPr b="1" lang="en">
-                <a:latin typeface="Roboto"/>
-                <a:ea typeface="Roboto"/>
-                <a:cs typeface="Roboto"/>
-                <a:sym typeface="Roboto"/>
-              </a:rPr>
-              <a:t>analysis</a:t>
+              <a:t>Colleges not consistent were dropped from analysis</a:t>
             </a:r>
             <a:endParaRPr b="1">
               <a:latin typeface="Roboto"/>
@@ -9617,7 +9802,7 @@
             </a:endParaRPr>
           </a:p>
           <a:p>
-            <a:pPr indent="0" lvl="0" marL="457200" rtl="0" algn="l">
+            <a:pPr marL="457200" lvl="0" indent="0" algn="l" rtl="0">
               <a:spcBef>
                 <a:spcPts val="0"/>
               </a:spcBef>
@@ -9626,9 +9811,6 @@
               </a:spcAft>
               <a:buNone/>
             </a:pPr>
-            <a:r>
-              <a:t/>
-            </a:r>
             <a:endParaRPr b="1">
               <a:latin typeface="Roboto"/>
               <a:ea typeface="Roboto"/>
@@ -9637,7 +9819,7 @@
             </a:endParaRPr>
           </a:p>
           <a:p>
-            <a:pPr indent="-317500" lvl="0" marL="457200" rtl="0" algn="l">
+            <a:pPr marL="457200" lvl="0" indent="-317500" algn="l" rtl="0">
               <a:spcBef>
                 <a:spcPts val="0"/>
               </a:spcBef>
@@ -9649,7 +9831,7 @@
               <a:buChar char="●"/>
             </a:pPr>
             <a:r>
-              <a:rPr b="1" lang="en">
+              <a:rPr lang="en" b="1">
                 <a:latin typeface="Roboto"/>
                 <a:ea typeface="Roboto"/>
                 <a:cs typeface="Roboto"/>
@@ -9674,7 +9856,7 @@
             </a:endParaRPr>
           </a:p>
           <a:p>
-            <a:pPr indent="0" lvl="0" marL="457200" rtl="0" algn="l">
+            <a:pPr marL="457200" lvl="0" indent="0" algn="l" rtl="0">
               <a:spcBef>
                 <a:spcPts val="0"/>
               </a:spcBef>
@@ -9683,9 +9865,6 @@
               </a:spcAft>
               <a:buNone/>
             </a:pPr>
-            <a:r>
-              <a:t/>
-            </a:r>
             <a:endParaRPr>
               <a:latin typeface="Roboto"/>
               <a:ea typeface="Roboto"/>
@@ -9694,7 +9873,7 @@
             </a:endParaRPr>
           </a:p>
           <a:p>
-            <a:pPr indent="-317500" lvl="0" marL="457200" rtl="0" algn="l">
+            <a:pPr marL="457200" lvl="0" indent="-317500" algn="l" rtl="0">
               <a:spcBef>
                 <a:spcPts val="0"/>
               </a:spcBef>
@@ -9722,7 +9901,7 @@
             </a:endParaRPr>
           </a:p>
           <a:p>
-            <a:pPr indent="0" lvl="0" marL="0" rtl="0" algn="l">
+            <a:pPr marL="0" lvl="0" indent="0" algn="l" rtl="0">
               <a:spcBef>
                 <a:spcPts val="0"/>
               </a:spcBef>
@@ -9731,9 +9910,6 @@
               </a:spcAft>
               <a:buNone/>
             </a:pPr>
-            <a:r>
-              <a:t/>
-            </a:r>
             <a:endParaRPr>
               <a:latin typeface="Roboto"/>
               <a:ea typeface="Roboto"/>
@@ -9752,11 +9928,11 @@
 </file>
 
 <file path=ppt/slides/slide11.xml><?xml version="1.0" encoding="utf-8"?>
-<p:sld xmlns:a="http://schemas.openxmlformats.org/drawingml/2006/main" xmlns:r="http://schemas.openxmlformats.org/officeDocument/2006/relationships" xmlns:mc="http://schemas.openxmlformats.org/markup-compatibility/2006" xmlns:mv="urn:schemas-microsoft-com:mac:vml" xmlns:p="http://schemas.openxmlformats.org/presentationml/2006/main" xmlns:c="http://schemas.openxmlformats.org/drawingml/2006/chart" xmlns:dgm="http://schemas.openxmlformats.org/drawingml/2006/diagram" xmlns:o="urn:schemas-microsoft-com:office:office" xmlns:v="urn:schemas-microsoft-com:vml" xmlns:pvml="urn:schemas-microsoft-com:office:powerpoint" xmlns:com="http://schemas.openxmlformats.org/drawingml/2006/compatibility" xmlns:p14="http://schemas.microsoft.com/office/powerpoint/2010/main" xmlns:p15="http://schemas.microsoft.com/office/powerpoint/2012/main" xmlns:ahyp="http://schemas.microsoft.com/office/drawing/2018/hyperlinkcolor">
+<p:sld xmlns:a="http://schemas.openxmlformats.org/drawingml/2006/main" xmlns:r="http://schemas.openxmlformats.org/officeDocument/2006/relationships" xmlns:p="http://schemas.openxmlformats.org/presentationml/2006/main">
   <p:cSld>
     <p:spTree>
       <p:nvGrpSpPr>
-        <p:cNvPr id="153" name="Shape 153"/>
+        <p:cNvPr id="1" name="Shape 153"/>
         <p:cNvGrpSpPr/>
         <p:nvPr/>
       </p:nvGrpSpPr>
@@ -9771,9 +9947,11 @@
       <p:sp>
         <p:nvSpPr>
           <p:cNvPr id="154" name="Google Shape;154;p23"/>
-          <p:cNvSpPr txBox="1"/>
+          <p:cNvSpPr txBox="1">
+            <a:spLocks noGrp="1"/>
+          </p:cNvSpPr>
           <p:nvPr>
-            <p:ph idx="4294967295" type="title"/>
+            <p:ph type="title" idx="4294967295"/>
           </p:nvPr>
         </p:nvSpPr>
         <p:spPr>
@@ -9786,12 +9964,12 @@
           </a:prstGeom>
         </p:spPr>
         <p:txBody>
-          <a:bodyPr anchorCtr="0" anchor="t" bIns="91425" lIns="91425" spcFirstLastPara="1" rIns="91425" wrap="square" tIns="91425">
+          <a:bodyPr spcFirstLastPara="1" wrap="square" lIns="91425" tIns="91425" rIns="91425" bIns="91425" anchor="t" anchorCtr="0">
             <a:noAutofit/>
           </a:bodyPr>
           <a:lstStyle/>
           <a:p>
-            <a:pPr indent="0" lvl="0" marL="0" rtl="0" algn="l">
+            <a:pPr marL="0" lvl="0" indent="0" algn="l" rtl="0">
               <a:spcBef>
                 <a:spcPts val="0"/>
               </a:spcBef>
@@ -9801,13 +9979,13 @@
               <a:buNone/>
             </a:pPr>
             <a:r>
-              <a:rPr b="1" lang="en" sz="2700"/>
+              <a:rPr lang="en" sz="2700" b="1"/>
               <a:t>Analysis of consistency of Institutes in NIRF Rankings</a:t>
             </a:r>
-            <a:endParaRPr b="1" sz="2700"/>
+            <a:endParaRPr sz="2700" b="1"/>
           </a:p>
           <a:p>
-            <a:pPr indent="0" lvl="0" marL="0" rtl="0" algn="l">
+            <a:pPr marL="0" lvl="0" indent="0" algn="l" rtl="0">
               <a:spcBef>
                 <a:spcPts val="0"/>
               </a:spcBef>
@@ -9816,13 +9994,10 @@
               </a:spcAft>
               <a:buNone/>
             </a:pPr>
-            <a:r>
-              <a:t/>
-            </a:r>
-            <a:endParaRPr b="1" sz="2700"/>
+            <a:endParaRPr sz="2700" b="1"/>
           </a:p>
           <a:p>
-            <a:pPr indent="0" lvl="0" marL="0" rtl="0" algn="l">
+            <a:pPr marL="0" lvl="0" indent="0" algn="l" rtl="0">
               <a:spcBef>
                 <a:spcPts val="0"/>
               </a:spcBef>
@@ -9831,10 +10006,7 @@
               </a:spcAft>
               <a:buNone/>
             </a:pPr>
-            <a:r>
-              <a:t/>
-            </a:r>
-            <a:endParaRPr b="1" sz="2700"/>
+            <a:endParaRPr sz="2700" b="1"/>
           </a:p>
         </p:txBody>
       </p:sp>
@@ -9886,12 +10058,12 @@
           </a:ln>
         </p:spPr>
         <p:txBody>
-          <a:bodyPr anchorCtr="0" anchor="t" bIns="91425" lIns="91425" spcFirstLastPara="1" rIns="91425" wrap="square" tIns="91425">
+          <a:bodyPr spcFirstLastPara="1" wrap="square" lIns="91425" tIns="91425" rIns="91425" bIns="91425" anchor="t" anchorCtr="0">
             <a:spAutoFit/>
           </a:bodyPr>
           <a:lstStyle/>
           <a:p>
-            <a:pPr indent="0" lvl="0" marL="0" rtl="0" algn="l">
+            <a:pPr marL="0" lvl="0" indent="0" algn="l" rtl="0">
               <a:spcBef>
                 <a:spcPts val="0"/>
               </a:spcBef>
@@ -9937,23 +10109,23 @@
           <a:solidFill>
             <a:srgbClr val="FFFF00"/>
           </a:solidFill>
-          <a:ln cap="flat" cmpd="sng" w="9525">
+          <a:ln w="9525" cap="flat" cmpd="sng">
             <a:solidFill>
               <a:schemeClr val="dk2"/>
             </a:solidFill>
             <a:prstDash val="solid"/>
             <a:round/>
-            <a:headEnd len="sm" w="sm" type="none"/>
-            <a:tailEnd len="sm" w="sm" type="none"/>
+            <a:headEnd type="none" w="sm" len="sm"/>
+            <a:tailEnd type="none" w="sm" len="sm"/>
           </a:ln>
         </p:spPr>
         <p:txBody>
-          <a:bodyPr anchorCtr="0" anchor="ctr" bIns="91425" lIns="91425" spcFirstLastPara="1" rIns="91425" wrap="square" tIns="91425">
+          <a:bodyPr spcFirstLastPara="1" wrap="square" lIns="91425" tIns="91425" rIns="91425" bIns="91425" anchor="ctr" anchorCtr="0">
             <a:noAutofit/>
           </a:bodyPr>
           <a:lstStyle/>
           <a:p>
-            <a:pPr indent="0" lvl="0" marL="0" rtl="0" algn="l">
+            <a:pPr marL="0" lvl="0" indent="0" algn="l" rtl="0">
               <a:spcBef>
                 <a:spcPts val="0"/>
               </a:spcBef>
@@ -9962,9 +10134,6 @@
               </a:spcAft>
               <a:buNone/>
             </a:pPr>
-            <a:r>
-              <a:t/>
-            </a:r>
             <a:endParaRPr/>
           </a:p>
         </p:txBody>
@@ -9989,12 +10158,12 @@
           </a:ln>
         </p:spPr>
         <p:txBody>
-          <a:bodyPr anchorCtr="0" anchor="t" bIns="91425" lIns="91425" spcFirstLastPara="1" rIns="91425" wrap="square" tIns="91425">
+          <a:bodyPr spcFirstLastPara="1" wrap="square" lIns="91425" tIns="91425" rIns="91425" bIns="91425" anchor="t" anchorCtr="0">
             <a:spAutoFit/>
           </a:bodyPr>
           <a:lstStyle/>
           <a:p>
-            <a:pPr indent="0" lvl="0" marL="0" rtl="0" algn="l">
+            <a:pPr marL="0" lvl="0" indent="0" algn="l" rtl="0">
               <a:spcBef>
                 <a:spcPts val="0"/>
               </a:spcBef>
@@ -10038,23 +10207,23 @@
           <a:solidFill>
             <a:srgbClr val="D9D2E9"/>
           </a:solidFill>
-          <a:ln cap="flat" cmpd="sng" w="9525">
+          <a:ln w="9525" cap="flat" cmpd="sng">
             <a:solidFill>
               <a:schemeClr val="dk2"/>
             </a:solidFill>
             <a:prstDash val="solid"/>
             <a:round/>
-            <a:headEnd len="sm" w="sm" type="none"/>
-            <a:tailEnd len="sm" w="sm" type="none"/>
+            <a:headEnd type="none" w="sm" len="sm"/>
+            <a:tailEnd type="none" w="sm" len="sm"/>
           </a:ln>
         </p:spPr>
         <p:txBody>
-          <a:bodyPr anchorCtr="0" anchor="ctr" bIns="91425" lIns="91425" spcFirstLastPara="1" rIns="91425" wrap="square" tIns="91425">
+          <a:bodyPr spcFirstLastPara="1" wrap="square" lIns="91425" tIns="91425" rIns="91425" bIns="91425" anchor="ctr" anchorCtr="0">
             <a:noAutofit/>
           </a:bodyPr>
           <a:lstStyle/>
           <a:p>
-            <a:pPr indent="0" lvl="0" marL="0" rtl="0" algn="l">
+            <a:pPr marL="0" lvl="0" indent="0" algn="l" rtl="0">
               <a:spcBef>
                 <a:spcPts val="0"/>
               </a:spcBef>
@@ -10063,9 +10232,6 @@
               </a:spcAft>
               <a:buNone/>
             </a:pPr>
-            <a:r>
-              <a:t/>
-            </a:r>
             <a:endParaRPr/>
           </a:p>
         </p:txBody>
@@ -10090,12 +10256,12 @@
           </a:ln>
         </p:spPr>
         <p:txBody>
-          <a:bodyPr anchorCtr="0" anchor="t" bIns="91425" lIns="91425" spcFirstLastPara="1" rIns="91425" wrap="square" tIns="91425">
+          <a:bodyPr spcFirstLastPara="1" wrap="square" lIns="91425" tIns="91425" rIns="91425" bIns="91425" anchor="t" anchorCtr="0">
             <a:spAutoFit/>
           </a:bodyPr>
           <a:lstStyle/>
           <a:p>
-            <a:pPr indent="0" lvl="0" marL="0" rtl="0" algn="l">
+            <a:pPr marL="0" lvl="0" indent="0" algn="l" rtl="0">
               <a:spcBef>
                 <a:spcPts val="0"/>
               </a:spcBef>
@@ -10111,16 +10277,7 @@
                 <a:cs typeface="Roboto"/>
                 <a:sym typeface="Roboto"/>
               </a:rPr>
-              <a:t>Only </a:t>
-            </a:r>
-            <a:r>
-              <a:rPr lang="en" sz="900">
-                <a:latin typeface="Roboto"/>
-                <a:ea typeface="Roboto"/>
-                <a:cs typeface="Roboto"/>
-                <a:sym typeface="Roboto"/>
-              </a:rPr>
-              <a:t>Present in 2021 </a:t>
+              <a:t>Only Present in 2021 </a:t>
             </a:r>
             <a:endParaRPr sz="900">
               <a:latin typeface="Roboto"/>
@@ -10140,11 +10297,11 @@
 </file>
 
 <file path=ppt/slides/slide12.xml><?xml version="1.0" encoding="utf-8"?>
-<p:sld xmlns:a="http://schemas.openxmlformats.org/drawingml/2006/main" xmlns:r="http://schemas.openxmlformats.org/officeDocument/2006/relationships" xmlns:mc="http://schemas.openxmlformats.org/markup-compatibility/2006" xmlns:mv="urn:schemas-microsoft-com:mac:vml" xmlns:p="http://schemas.openxmlformats.org/presentationml/2006/main" xmlns:c="http://schemas.openxmlformats.org/drawingml/2006/chart" xmlns:dgm="http://schemas.openxmlformats.org/drawingml/2006/diagram" xmlns:o="urn:schemas-microsoft-com:office:office" xmlns:v="urn:schemas-microsoft-com:vml" xmlns:pvml="urn:schemas-microsoft-com:office:powerpoint" xmlns:com="http://schemas.openxmlformats.org/drawingml/2006/compatibility" xmlns:p14="http://schemas.microsoft.com/office/powerpoint/2010/main" xmlns:p15="http://schemas.microsoft.com/office/powerpoint/2012/main" xmlns:ahyp="http://schemas.microsoft.com/office/drawing/2018/hyperlinkcolor">
+<p:sld xmlns:a="http://schemas.openxmlformats.org/drawingml/2006/main" xmlns:r="http://schemas.openxmlformats.org/officeDocument/2006/relationships" xmlns:p="http://schemas.openxmlformats.org/presentationml/2006/main">
   <p:cSld>
     <p:spTree>
       <p:nvGrpSpPr>
-        <p:cNvPr id="164" name="Shape 164"/>
+        <p:cNvPr id="1" name="Shape 164"/>
         <p:cNvGrpSpPr/>
         <p:nvPr/>
       </p:nvGrpSpPr>
@@ -10159,7 +10316,9 @@
       <p:sp>
         <p:nvSpPr>
           <p:cNvPr id="165" name="Google Shape;165;p24"/>
-          <p:cNvSpPr txBox="1"/>
+          <p:cNvSpPr txBox="1">
+            <a:spLocks noGrp="1"/>
+          </p:cNvSpPr>
           <p:nvPr>
             <p:ph type="title"/>
           </p:nvPr>
@@ -10174,12 +10333,12 @@
           </a:prstGeom>
         </p:spPr>
         <p:txBody>
-          <a:bodyPr anchorCtr="0" anchor="t" bIns="91425" lIns="91425" spcFirstLastPara="1" rIns="91425" wrap="square" tIns="91425">
+          <a:bodyPr spcFirstLastPara="1" wrap="square" lIns="91425" tIns="91425" rIns="91425" bIns="91425" anchor="t" anchorCtr="0">
             <a:noAutofit/>
           </a:bodyPr>
           <a:lstStyle/>
           <a:p>
-            <a:pPr indent="0" lvl="0" marL="0" rtl="0" algn="l">
+            <a:pPr marL="0" lvl="0" indent="0" algn="l" rtl="0">
               <a:spcBef>
                 <a:spcPts val="0"/>
               </a:spcBef>
@@ -10189,10 +10348,10 @@
               <a:buNone/>
             </a:pPr>
             <a:r>
-              <a:rPr b="1" lang="en" sz="2700"/>
+              <a:rPr lang="en" sz="2700" b="1"/>
               <a:t>How frequently a program is conducted in the top  institutes.</a:t>
             </a:r>
-            <a:endParaRPr b="1" sz="2700"/>
+            <a:endParaRPr sz="2700" b="1"/>
           </a:p>
         </p:txBody>
       </p:sp>
@@ -10244,12 +10403,12 @@
           </a:ln>
         </p:spPr>
         <p:txBody>
-          <a:bodyPr anchorCtr="0" anchor="t" bIns="91425" lIns="91425" spcFirstLastPara="1" rIns="91425" wrap="square" tIns="91425">
+          <a:bodyPr spcFirstLastPara="1" wrap="square" lIns="91425" tIns="91425" rIns="91425" bIns="91425" anchor="t" anchorCtr="0">
             <a:spAutoFit/>
           </a:bodyPr>
           <a:lstStyle/>
           <a:p>
-            <a:pPr indent="0" lvl="0" marL="0" rtl="0" algn="l">
+            <a:pPr marL="0" lvl="0" indent="0" algn="l" rtl="0">
               <a:spcBef>
                 <a:spcPts val="0"/>
               </a:spcBef>
@@ -10265,25 +10424,7 @@
                 <a:cs typeface="Roboto"/>
                 <a:sym typeface="Roboto"/>
               </a:rPr>
-              <a:t>We have counted the unique </a:t>
-            </a:r>
-            <a:r>
-              <a:rPr lang="en" sz="1600">
-                <a:latin typeface="Roboto"/>
-                <a:ea typeface="Roboto"/>
-                <a:cs typeface="Roboto"/>
-                <a:sym typeface="Roboto"/>
-              </a:rPr>
-              <a:t>programs</a:t>
-            </a:r>
-            <a:r>
-              <a:rPr lang="en" sz="1600">
-                <a:latin typeface="Roboto"/>
-                <a:ea typeface="Roboto"/>
-                <a:cs typeface="Roboto"/>
-                <a:sym typeface="Roboto"/>
-              </a:rPr>
-              <a:t> and then found how many institutes conduct each of the courses. </a:t>
+              <a:t>We have counted the unique programs and then found how many institutes conduct each of the courses. </a:t>
             </a:r>
             <a:endParaRPr sz="1600">
               <a:latin typeface="Roboto"/>
@@ -10303,11 +10444,11 @@
 </file>
 
 <file path=ppt/slides/slide13.xml><?xml version="1.0" encoding="utf-8"?>
-<p:sld xmlns:a="http://schemas.openxmlformats.org/drawingml/2006/main" xmlns:r="http://schemas.openxmlformats.org/officeDocument/2006/relationships" xmlns:mc="http://schemas.openxmlformats.org/markup-compatibility/2006" xmlns:mv="urn:schemas-microsoft-com:mac:vml" xmlns:p="http://schemas.openxmlformats.org/presentationml/2006/main" xmlns:c="http://schemas.openxmlformats.org/drawingml/2006/chart" xmlns:dgm="http://schemas.openxmlformats.org/drawingml/2006/diagram" xmlns:o="urn:schemas-microsoft-com:office:office" xmlns:v="urn:schemas-microsoft-com:vml" xmlns:pvml="urn:schemas-microsoft-com:office:powerpoint" xmlns:com="http://schemas.openxmlformats.org/drawingml/2006/compatibility" xmlns:p14="http://schemas.microsoft.com/office/powerpoint/2010/main" xmlns:p15="http://schemas.microsoft.com/office/powerpoint/2012/main" xmlns:ahyp="http://schemas.microsoft.com/office/drawing/2018/hyperlinkcolor">
+<p:sld xmlns:a="http://schemas.openxmlformats.org/drawingml/2006/main" xmlns:r="http://schemas.openxmlformats.org/officeDocument/2006/relationships" xmlns:p="http://schemas.openxmlformats.org/presentationml/2006/main">
   <p:cSld>
     <p:spTree>
       <p:nvGrpSpPr>
-        <p:cNvPr id="171" name="Shape 171"/>
+        <p:cNvPr id="1" name="Shape 171"/>
         <p:cNvGrpSpPr/>
         <p:nvPr/>
       </p:nvGrpSpPr>
@@ -10322,7 +10463,9 @@
       <p:sp>
         <p:nvSpPr>
           <p:cNvPr id="172" name="Google Shape;172;p25"/>
-          <p:cNvSpPr txBox="1"/>
+          <p:cNvSpPr txBox="1">
+            <a:spLocks noGrp="1"/>
+          </p:cNvSpPr>
           <p:nvPr>
             <p:ph type="title"/>
           </p:nvPr>
@@ -10337,12 +10480,12 @@
           </a:prstGeom>
         </p:spPr>
         <p:txBody>
-          <a:bodyPr anchorCtr="0" anchor="t" bIns="91425" lIns="91425" spcFirstLastPara="1" rIns="91425" wrap="square" tIns="91425">
+          <a:bodyPr spcFirstLastPara="1" wrap="square" lIns="91425" tIns="91425" rIns="91425" bIns="91425" anchor="t" anchorCtr="0">
             <a:noAutofit/>
           </a:bodyPr>
           <a:lstStyle/>
           <a:p>
-            <a:pPr indent="0" lvl="0" marL="0" rtl="0" algn="l">
+            <a:pPr marL="0" lvl="0" indent="0" algn="l" rtl="0">
               <a:spcBef>
                 <a:spcPts val="0"/>
               </a:spcBef>
@@ -10352,7 +10495,7 @@
               <a:buNone/>
             </a:pPr>
             <a:r>
-              <a:rPr b="1" lang="en"/>
+              <a:rPr lang="en" b="1"/>
               <a:t>Average number of PhD students over last 3 years.</a:t>
             </a:r>
             <a:endParaRPr b="1"/>
@@ -10407,12 +10550,12 @@
           </a:ln>
         </p:spPr>
         <p:txBody>
-          <a:bodyPr anchorCtr="0" anchor="t" bIns="91425" lIns="91425" spcFirstLastPara="1" rIns="91425" wrap="square" tIns="91425">
+          <a:bodyPr spcFirstLastPara="1" wrap="square" lIns="91425" tIns="91425" rIns="91425" bIns="91425" anchor="t" anchorCtr="0">
             <a:spAutoFit/>
           </a:bodyPr>
           <a:lstStyle/>
           <a:p>
-            <a:pPr indent="0" lvl="0" marL="0" rtl="0" algn="l">
+            <a:pPr marL="0" lvl="0" indent="0" algn="l" rtl="0">
               <a:spcBef>
                 <a:spcPts val="0"/>
               </a:spcBef>
@@ -10448,11 +10591,11 @@
 </file>
 
 <file path=ppt/slides/slide14.xml><?xml version="1.0" encoding="utf-8"?>
-<p:sld xmlns:a="http://schemas.openxmlformats.org/drawingml/2006/main" xmlns:r="http://schemas.openxmlformats.org/officeDocument/2006/relationships" xmlns:mc="http://schemas.openxmlformats.org/markup-compatibility/2006" xmlns:mv="urn:schemas-microsoft-com:mac:vml" xmlns:p="http://schemas.openxmlformats.org/presentationml/2006/main" xmlns:c="http://schemas.openxmlformats.org/drawingml/2006/chart" xmlns:dgm="http://schemas.openxmlformats.org/drawingml/2006/diagram" xmlns:o="urn:schemas-microsoft-com:office:office" xmlns:v="urn:schemas-microsoft-com:vml" xmlns:pvml="urn:schemas-microsoft-com:office:powerpoint" xmlns:com="http://schemas.openxmlformats.org/drawingml/2006/compatibility" xmlns:p14="http://schemas.microsoft.com/office/powerpoint/2010/main" xmlns:p15="http://schemas.microsoft.com/office/powerpoint/2012/main" xmlns:ahyp="http://schemas.microsoft.com/office/drawing/2018/hyperlinkcolor">
+<p:sld xmlns:a="http://schemas.openxmlformats.org/drawingml/2006/main" xmlns:r="http://schemas.openxmlformats.org/officeDocument/2006/relationships" xmlns:p="http://schemas.openxmlformats.org/presentationml/2006/main">
   <p:cSld>
     <p:spTree>
       <p:nvGrpSpPr>
-        <p:cNvPr id="178" name="Shape 178"/>
+        <p:cNvPr id="1" name="Shape 178"/>
         <p:cNvGrpSpPr/>
         <p:nvPr/>
       </p:nvGrpSpPr>
@@ -10481,23 +10624,23 @@
           <a:solidFill>
             <a:schemeClr val="lt1"/>
           </a:solidFill>
-          <a:ln cap="flat" cmpd="sng" w="28575">
+          <a:ln w="28575" cap="flat" cmpd="sng">
             <a:solidFill>
               <a:schemeClr val="dk2"/>
             </a:solidFill>
             <a:prstDash val="solid"/>
             <a:round/>
-            <a:headEnd len="sm" w="sm" type="none"/>
-            <a:tailEnd len="sm" w="sm" type="none"/>
+            <a:headEnd type="none" w="sm" len="sm"/>
+            <a:tailEnd type="none" w="sm" len="sm"/>
           </a:ln>
         </p:spPr>
         <p:txBody>
-          <a:bodyPr anchorCtr="0" anchor="ctr" bIns="91425" lIns="91425" spcFirstLastPara="1" rIns="91425" wrap="square" tIns="91425">
+          <a:bodyPr spcFirstLastPara="1" wrap="square" lIns="91425" tIns="91425" rIns="91425" bIns="91425" anchor="ctr" anchorCtr="0">
             <a:noAutofit/>
           </a:bodyPr>
           <a:lstStyle/>
           <a:p>
-            <a:pPr indent="0" lvl="0" marL="0" rtl="0" algn="l">
+            <a:pPr marL="0" lvl="0" indent="0" algn="l" rtl="0">
               <a:spcBef>
                 <a:spcPts val="0"/>
               </a:spcBef>
@@ -10506,9 +10649,6 @@
               </a:spcAft>
               <a:buNone/>
             </a:pPr>
-            <a:r>
-              <a:t/>
-            </a:r>
             <a:endParaRPr/>
           </a:p>
         </p:txBody>
@@ -10516,7 +10656,9 @@
       <p:sp>
         <p:nvSpPr>
           <p:cNvPr id="180" name="Google Shape;180;p26"/>
-          <p:cNvSpPr txBox="1"/>
+          <p:cNvSpPr txBox="1">
+            <a:spLocks noGrp="1"/>
+          </p:cNvSpPr>
           <p:nvPr>
             <p:ph type="title"/>
           </p:nvPr>
@@ -10531,12 +10673,12 @@
           </a:prstGeom>
         </p:spPr>
         <p:txBody>
-          <a:bodyPr anchorCtr="0" anchor="t" bIns="91425" lIns="91425" spcFirstLastPara="1" rIns="91425" wrap="square" tIns="91425">
+          <a:bodyPr spcFirstLastPara="1" wrap="square" lIns="91425" tIns="91425" rIns="91425" bIns="91425" anchor="t" anchorCtr="0">
             <a:noAutofit/>
           </a:bodyPr>
           <a:lstStyle/>
           <a:p>
-            <a:pPr indent="0" lvl="0" marL="0" rtl="0" algn="l">
+            <a:pPr marL="0" lvl="0" indent="0" algn="l" rtl="0">
               <a:spcBef>
                 <a:spcPts val="0"/>
               </a:spcBef>
@@ -10546,10 +10688,10 @@
               <a:buNone/>
             </a:pPr>
             <a:r>
-              <a:rPr b="1" lang="en" sz="2400"/>
+              <a:rPr lang="en" sz="2400" b="1"/>
               <a:t>Best Program in terms of percentage of students getting placed</a:t>
             </a:r>
-            <a:endParaRPr b="1" sz="2400"/>
+            <a:endParaRPr sz="2400" b="1"/>
           </a:p>
         </p:txBody>
       </p:sp>
@@ -10601,12 +10743,12 @@
           </a:ln>
         </p:spPr>
         <p:txBody>
-          <a:bodyPr anchorCtr="0" anchor="t" bIns="91425" lIns="91425" spcFirstLastPara="1" rIns="91425" wrap="square" tIns="91425">
+          <a:bodyPr spcFirstLastPara="1" wrap="square" lIns="91425" tIns="91425" rIns="91425" bIns="91425" anchor="t" anchorCtr="0">
             <a:spAutoFit/>
           </a:bodyPr>
           <a:lstStyle/>
           <a:p>
-            <a:pPr indent="0" lvl="0" marL="0" rtl="0" algn="l">
+            <a:pPr marL="0" lvl="0" indent="0" algn="l" rtl="0">
               <a:spcBef>
                 <a:spcPts val="0"/>
               </a:spcBef>
@@ -10640,7 +10782,7 @@
           <p:nvPr/>
         </p:nvCxnSpPr>
         <p:spPr>
-          <a:xfrm flipH="1" rot="10800000">
+          <a:xfrm rot="10800000" flipH="1">
             <a:off x="294325" y="2690800"/>
             <a:ext cx="2046000" cy="14100"/>
           </a:xfrm>
@@ -10648,14 +10790,14 @@
             <a:avLst/>
           </a:prstGeom>
           <a:noFill/>
-          <a:ln cap="flat" cmpd="sng" w="9525">
+          <a:ln w="9525" cap="flat" cmpd="sng">
             <a:solidFill>
               <a:schemeClr val="dk2"/>
             </a:solidFill>
             <a:prstDash val="solid"/>
             <a:round/>
-            <a:headEnd len="med" w="med" type="none"/>
-            <a:tailEnd len="med" w="med" type="none"/>
+            <a:headEnd type="none" w="med" len="med"/>
+            <a:tailEnd type="none" w="med" len="med"/>
           </a:ln>
         </p:spPr>
       </p:cxnSp>
@@ -10679,12 +10821,12 @@
           </a:ln>
         </p:spPr>
         <p:txBody>
-          <a:bodyPr anchorCtr="0" anchor="t" bIns="91425" lIns="91425" spcFirstLastPara="1" rIns="91425" wrap="square" tIns="91425">
+          <a:bodyPr spcFirstLastPara="1" wrap="square" lIns="91425" tIns="91425" rIns="91425" bIns="91425" anchor="t" anchorCtr="0">
             <a:spAutoFit/>
           </a:bodyPr>
           <a:lstStyle/>
           <a:p>
-            <a:pPr indent="0" lvl="0" marL="0" rtl="0" algn="l">
+            <a:pPr marL="0" lvl="0" indent="0" algn="l" rtl="0">
               <a:spcBef>
                 <a:spcPts val="0"/>
               </a:spcBef>
@@ -10726,12 +10868,12 @@
           </a:ln>
         </p:spPr>
         <p:txBody>
-          <a:bodyPr anchorCtr="0" anchor="t" bIns="91425" lIns="91425" spcFirstLastPara="1" rIns="91425" wrap="square" tIns="91425">
+          <a:bodyPr spcFirstLastPara="1" wrap="square" lIns="91425" tIns="91425" rIns="91425" bIns="91425" anchor="t" anchorCtr="0">
             <a:spAutoFit/>
           </a:bodyPr>
           <a:lstStyle/>
           <a:p>
-            <a:pPr indent="0" lvl="0" marL="0" rtl="0" algn="l">
+            <a:pPr marL="0" lvl="0" indent="0" algn="l" rtl="0">
               <a:spcBef>
                 <a:spcPts val="0"/>
               </a:spcBef>
@@ -10767,11 +10909,11 @@
 </file>
 
 <file path=ppt/slides/slide15.xml><?xml version="1.0" encoding="utf-8"?>
-<p:sld xmlns:a="http://schemas.openxmlformats.org/drawingml/2006/main" xmlns:r="http://schemas.openxmlformats.org/officeDocument/2006/relationships" xmlns:mc="http://schemas.openxmlformats.org/markup-compatibility/2006" xmlns:mv="urn:schemas-microsoft-com:mac:vml" xmlns:p="http://schemas.openxmlformats.org/presentationml/2006/main" xmlns:c="http://schemas.openxmlformats.org/drawingml/2006/chart" xmlns:dgm="http://schemas.openxmlformats.org/drawingml/2006/diagram" xmlns:o="urn:schemas-microsoft-com:office:office" xmlns:v="urn:schemas-microsoft-com:vml" xmlns:pvml="urn:schemas-microsoft-com:office:powerpoint" xmlns:com="http://schemas.openxmlformats.org/drawingml/2006/compatibility" xmlns:p14="http://schemas.microsoft.com/office/powerpoint/2010/main" xmlns:p15="http://schemas.microsoft.com/office/powerpoint/2012/main" xmlns:ahyp="http://schemas.microsoft.com/office/drawing/2018/hyperlinkcolor">
+<p:sld xmlns:a="http://schemas.openxmlformats.org/drawingml/2006/main" xmlns:r="http://schemas.openxmlformats.org/officeDocument/2006/relationships" xmlns:p="http://schemas.openxmlformats.org/presentationml/2006/main">
   <p:cSld>
     <p:spTree>
       <p:nvGrpSpPr>
-        <p:cNvPr id="189" name="Shape 189"/>
+        <p:cNvPr id="1" name="Shape 189"/>
         <p:cNvGrpSpPr/>
         <p:nvPr/>
       </p:nvGrpSpPr>
@@ -10786,7 +10928,9 @@
       <p:sp>
         <p:nvSpPr>
           <p:cNvPr id="190" name="Google Shape;190;p27"/>
-          <p:cNvSpPr txBox="1"/>
+          <p:cNvSpPr txBox="1">
+            <a:spLocks noGrp="1"/>
+          </p:cNvSpPr>
           <p:nvPr>
             <p:ph type="title"/>
           </p:nvPr>
@@ -10801,12 +10945,12 @@
           </a:prstGeom>
         </p:spPr>
         <p:txBody>
-          <a:bodyPr anchorCtr="0" anchor="t" bIns="91425" lIns="91425" spcFirstLastPara="1" rIns="91425" wrap="square" tIns="91425">
+          <a:bodyPr spcFirstLastPara="1" wrap="square" lIns="91425" tIns="91425" rIns="91425" bIns="91425" anchor="t" anchorCtr="0">
             <a:noAutofit/>
           </a:bodyPr>
           <a:lstStyle/>
           <a:p>
-            <a:pPr indent="0" lvl="0" marL="0" rtl="0" algn="l">
+            <a:pPr marL="0" lvl="0" indent="0" algn="l" rtl="0">
               <a:spcBef>
                 <a:spcPts val="0"/>
               </a:spcBef>
@@ -10846,14 +10990,14 @@
             <a:avLst/>
           </a:prstGeom>
           <a:noFill/>
-          <a:ln cap="flat" cmpd="sng" w="28575">
+          <a:ln w="28575" cap="flat" cmpd="sng">
             <a:solidFill>
               <a:schemeClr val="dk2"/>
             </a:solidFill>
             <a:prstDash val="solid"/>
             <a:round/>
-            <a:headEnd len="sm" w="sm" type="none"/>
-            <a:tailEnd len="sm" w="sm" type="none"/>
+            <a:headEnd type="none" w="sm" len="sm"/>
+            <a:tailEnd type="none" w="sm" len="sm"/>
           </a:ln>
         </p:spPr>
       </p:pic>
@@ -10866,11 +11010,11 @@
 </file>
 
 <file path=ppt/slides/slide16.xml><?xml version="1.0" encoding="utf-8"?>
-<p:sld xmlns:a="http://schemas.openxmlformats.org/drawingml/2006/main" xmlns:r="http://schemas.openxmlformats.org/officeDocument/2006/relationships" xmlns:mc="http://schemas.openxmlformats.org/markup-compatibility/2006" xmlns:mv="urn:schemas-microsoft-com:mac:vml" xmlns:p="http://schemas.openxmlformats.org/presentationml/2006/main" xmlns:c="http://schemas.openxmlformats.org/drawingml/2006/chart" xmlns:dgm="http://schemas.openxmlformats.org/drawingml/2006/diagram" xmlns:o="urn:schemas-microsoft-com:office:office" xmlns:v="urn:schemas-microsoft-com:vml" xmlns:pvml="urn:schemas-microsoft-com:office:powerpoint" xmlns:com="http://schemas.openxmlformats.org/drawingml/2006/compatibility" xmlns:p14="http://schemas.microsoft.com/office/powerpoint/2010/main" xmlns:p15="http://schemas.microsoft.com/office/powerpoint/2012/main" xmlns:ahyp="http://schemas.microsoft.com/office/drawing/2018/hyperlinkcolor">
+<p:sld xmlns:a="http://schemas.openxmlformats.org/drawingml/2006/main" xmlns:r="http://schemas.openxmlformats.org/officeDocument/2006/relationships" xmlns:p="http://schemas.openxmlformats.org/presentationml/2006/main">
   <p:cSld>
     <p:spTree>
       <p:nvGrpSpPr>
-        <p:cNvPr id="195" name="Shape 195"/>
+        <p:cNvPr id="1" name="Shape 195"/>
         <p:cNvGrpSpPr/>
         <p:nvPr/>
       </p:nvGrpSpPr>
@@ -10885,7 +11029,9 @@
       <p:sp>
         <p:nvSpPr>
           <p:cNvPr id="196" name="Google Shape;196;p28"/>
-          <p:cNvSpPr txBox="1"/>
+          <p:cNvSpPr txBox="1">
+            <a:spLocks noGrp="1"/>
+          </p:cNvSpPr>
           <p:nvPr>
             <p:ph type="title"/>
           </p:nvPr>
@@ -10900,12 +11046,12 @@
           </a:prstGeom>
         </p:spPr>
         <p:txBody>
-          <a:bodyPr anchorCtr="0" anchor="t" bIns="91425" lIns="91425" spcFirstLastPara="1" rIns="91425" wrap="square" tIns="91425">
+          <a:bodyPr spcFirstLastPara="1" wrap="square" lIns="91425" tIns="91425" rIns="91425" bIns="91425" anchor="t" anchorCtr="0">
             <a:noAutofit/>
           </a:bodyPr>
           <a:lstStyle/>
           <a:p>
-            <a:pPr indent="0" lvl="0" marL="0" rtl="0" algn="ctr">
+            <a:pPr marL="0" lvl="0" indent="0" algn="ctr" rtl="0">
               <a:spcBef>
                 <a:spcPts val="0"/>
               </a:spcBef>
@@ -10942,12 +11088,12 @@
           </a:ln>
         </p:spPr>
         <p:txBody>
-          <a:bodyPr anchorCtr="0" anchor="t" bIns="91425" lIns="91425" spcFirstLastPara="1" rIns="91425" wrap="square" tIns="91425">
+          <a:bodyPr spcFirstLastPara="1" wrap="square" lIns="91425" tIns="91425" rIns="91425" bIns="91425" anchor="t" anchorCtr="0">
             <a:spAutoFit/>
           </a:bodyPr>
           <a:lstStyle/>
           <a:p>
-            <a:pPr indent="0" lvl="0" marL="0" rtl="0" algn="ctr">
+            <a:pPr marL="0" lvl="0" indent="0" algn="ctr" rtl="0">
               <a:spcBef>
                 <a:spcPts val="0"/>
               </a:spcBef>
@@ -10997,14 +11143,14 @@
             <a:avLst/>
           </a:prstGeom>
           <a:noFill/>
-          <a:ln cap="flat" cmpd="sng" w="28575">
+          <a:ln w="28575" cap="flat" cmpd="sng">
             <a:solidFill>
               <a:schemeClr val="dk2"/>
             </a:solidFill>
             <a:prstDash val="solid"/>
             <a:round/>
-            <a:headEnd len="sm" w="sm" type="none"/>
-            <a:tailEnd len="sm" w="sm" type="none"/>
+            <a:headEnd type="none" w="sm" len="sm"/>
+            <a:tailEnd type="none" w="sm" len="sm"/>
           </a:ln>
         </p:spPr>
       </p:pic>
@@ -11017,11 +11163,11 @@
 </file>
 
 <file path=ppt/slides/slide17.xml><?xml version="1.0" encoding="utf-8"?>
-<p:sld xmlns:a="http://schemas.openxmlformats.org/drawingml/2006/main" xmlns:r="http://schemas.openxmlformats.org/officeDocument/2006/relationships" xmlns:mc="http://schemas.openxmlformats.org/markup-compatibility/2006" xmlns:mv="urn:schemas-microsoft-com:mac:vml" xmlns:p="http://schemas.openxmlformats.org/presentationml/2006/main" xmlns:c="http://schemas.openxmlformats.org/drawingml/2006/chart" xmlns:dgm="http://schemas.openxmlformats.org/drawingml/2006/diagram" xmlns:o="urn:schemas-microsoft-com:office:office" xmlns:v="urn:schemas-microsoft-com:vml" xmlns:pvml="urn:schemas-microsoft-com:office:powerpoint" xmlns:com="http://schemas.openxmlformats.org/drawingml/2006/compatibility" xmlns:p14="http://schemas.microsoft.com/office/powerpoint/2010/main" xmlns:p15="http://schemas.microsoft.com/office/powerpoint/2012/main" xmlns:ahyp="http://schemas.microsoft.com/office/drawing/2018/hyperlinkcolor">
+<p:sld xmlns:a="http://schemas.openxmlformats.org/drawingml/2006/main" xmlns:r="http://schemas.openxmlformats.org/officeDocument/2006/relationships" xmlns:p="http://schemas.openxmlformats.org/presentationml/2006/main">
   <p:cSld>
     <p:spTree>
       <p:nvGrpSpPr>
-        <p:cNvPr id="202" name="Shape 202"/>
+        <p:cNvPr id="1" name="Shape 202"/>
         <p:cNvGrpSpPr/>
         <p:nvPr/>
       </p:nvGrpSpPr>
@@ -11036,7 +11182,9 @@
       <p:sp>
         <p:nvSpPr>
           <p:cNvPr id="203" name="Google Shape;203;p29"/>
-          <p:cNvSpPr txBox="1"/>
+          <p:cNvSpPr txBox="1">
+            <a:spLocks noGrp="1"/>
+          </p:cNvSpPr>
           <p:nvPr>
             <p:ph type="title"/>
           </p:nvPr>
@@ -11051,12 +11199,12 @@
           </a:prstGeom>
         </p:spPr>
         <p:txBody>
-          <a:bodyPr anchorCtr="0" anchor="t" bIns="91425" lIns="91425" spcFirstLastPara="1" rIns="91425" wrap="square" tIns="91425">
+          <a:bodyPr spcFirstLastPara="1" wrap="square" lIns="91425" tIns="91425" rIns="91425" bIns="91425" anchor="t" anchorCtr="0">
             <a:noAutofit/>
           </a:bodyPr>
           <a:lstStyle/>
           <a:p>
-            <a:pPr indent="0" lvl="0" marL="0" rtl="0" algn="l">
+            <a:pPr marL="0" lvl="0" indent="0" algn="l" rtl="0">
               <a:spcBef>
                 <a:spcPts val="0"/>
               </a:spcBef>
@@ -11093,12 +11241,12 @@
           </a:ln>
         </p:spPr>
         <p:txBody>
-          <a:bodyPr anchorCtr="0" anchor="t" bIns="91425" lIns="91425" spcFirstLastPara="1" rIns="91425" wrap="square" tIns="91425">
+          <a:bodyPr spcFirstLastPara="1" wrap="square" lIns="91425" tIns="91425" rIns="91425" bIns="91425" anchor="t" anchorCtr="0">
             <a:spAutoFit/>
           </a:bodyPr>
           <a:lstStyle/>
           <a:p>
-            <a:pPr indent="0" lvl="0" marL="0" rtl="0" algn="l">
+            <a:pPr marL="0" lvl="0" indent="0" algn="l" rtl="0">
               <a:spcBef>
                 <a:spcPts val="0"/>
               </a:spcBef>
@@ -11180,11 +11328,11 @@
 </file>
 
 <file path=ppt/slides/slide18.xml><?xml version="1.0" encoding="utf-8"?>
-<p:sld xmlns:a="http://schemas.openxmlformats.org/drawingml/2006/main" xmlns:r="http://schemas.openxmlformats.org/officeDocument/2006/relationships" xmlns:mc="http://schemas.openxmlformats.org/markup-compatibility/2006" xmlns:mv="urn:schemas-microsoft-com:mac:vml" xmlns:p="http://schemas.openxmlformats.org/presentationml/2006/main" xmlns:c="http://schemas.openxmlformats.org/drawingml/2006/chart" xmlns:dgm="http://schemas.openxmlformats.org/drawingml/2006/diagram" xmlns:o="urn:schemas-microsoft-com:office:office" xmlns:v="urn:schemas-microsoft-com:vml" xmlns:pvml="urn:schemas-microsoft-com:office:powerpoint" xmlns:com="http://schemas.openxmlformats.org/drawingml/2006/compatibility" xmlns:p14="http://schemas.microsoft.com/office/powerpoint/2010/main" xmlns:p15="http://schemas.microsoft.com/office/powerpoint/2012/main" xmlns:ahyp="http://schemas.microsoft.com/office/drawing/2018/hyperlinkcolor">
+<p:sld xmlns:a="http://schemas.openxmlformats.org/drawingml/2006/main" xmlns:r="http://schemas.openxmlformats.org/officeDocument/2006/relationships" xmlns:p="http://schemas.openxmlformats.org/presentationml/2006/main">
   <p:cSld>
     <p:spTree>
       <p:nvGrpSpPr>
-        <p:cNvPr id="210" name="Shape 210"/>
+        <p:cNvPr id="1" name="Shape 210"/>
         <p:cNvGrpSpPr/>
         <p:nvPr/>
       </p:nvGrpSpPr>
@@ -11198,7 +11346,7 @@
       </p:grpSpPr>
       <p:sp>
         <p:nvSpPr>
-          <p:cNvPr descr="Background pointer shape in timeline graphic" id="211" name="Google Shape;211;p30"/>
+          <p:cNvPr id="211" name="Google Shape;211;p30" descr="Background pointer shape in timeline graphic"/>
           <p:cNvSpPr/>
           <p:nvPr/>
         </p:nvSpPr>
@@ -11209,29 +11357,29 @@
           </a:xfrm>
           <a:prstGeom prst="homePlate">
             <a:avLst>
-              <a:gd fmla="val 50000" name="adj"/>
+              <a:gd name="adj" fmla="val 50000"/>
             </a:avLst>
           </a:prstGeom>
           <a:solidFill>
             <a:schemeClr val="dk1"/>
           </a:solidFill>
-          <a:ln cap="flat" cmpd="sng" w="9525">
+          <a:ln w="9525" cap="flat" cmpd="sng">
             <a:solidFill>
               <a:schemeClr val="lt1"/>
             </a:solidFill>
             <a:prstDash val="solid"/>
             <a:round/>
-            <a:headEnd len="sm" w="sm" type="none"/>
-            <a:tailEnd len="sm" w="sm" type="none"/>
+            <a:headEnd type="none" w="sm" len="sm"/>
+            <a:tailEnd type="none" w="sm" len="sm"/>
           </a:ln>
         </p:spPr>
         <p:txBody>
-          <a:bodyPr anchorCtr="0" anchor="ctr" bIns="121875" lIns="121875" spcFirstLastPara="1" rIns="121875" wrap="square" tIns="121875">
+          <a:bodyPr spcFirstLastPara="1" wrap="square" lIns="121875" tIns="121875" rIns="121875" bIns="121875" anchor="ctr" anchorCtr="0">
             <a:noAutofit/>
           </a:bodyPr>
           <a:lstStyle/>
           <a:p>
-            <a:pPr indent="0" lvl="0" marL="0" rtl="0" algn="l">
+            <a:pPr marL="0" lvl="0" indent="0" algn="l" rtl="0">
               <a:spcBef>
                 <a:spcPts val="0"/>
               </a:spcBef>
@@ -11240,9 +11388,6 @@
               </a:spcAft>
               <a:buNone/>
             </a:pPr>
-            <a:r>
-              <a:t/>
-            </a:r>
             <a:endParaRPr/>
           </a:p>
         </p:txBody>
@@ -11276,14 +11421,14 @@
               <a:avLst/>
             </a:prstGeom>
             <a:noFill/>
-            <a:ln cap="flat" cmpd="sng" w="9525">
+            <a:ln w="9525" cap="flat" cmpd="sng">
               <a:solidFill>
                 <a:schemeClr val="dk2"/>
               </a:solidFill>
               <a:prstDash val="solid"/>
               <a:round/>
-              <a:headEnd len="sm" w="sm" type="none"/>
-              <a:tailEnd len="sm" w="sm" type="none"/>
+              <a:headEnd type="none" w="sm" len="sm"/>
+              <a:tailEnd type="none" w="sm" len="sm"/>
             </a:ln>
           </p:spPr>
         </p:cxnSp>
@@ -11309,12 +11454,12 @@
             </a:ln>
           </p:spPr>
           <p:txBody>
-            <a:bodyPr anchorCtr="0" anchor="ctr" bIns="91425" lIns="91425" spcFirstLastPara="1" rIns="91425" wrap="square" tIns="91425">
+            <a:bodyPr spcFirstLastPara="1" wrap="square" lIns="91425" tIns="91425" rIns="91425" bIns="91425" anchor="ctr" anchorCtr="0">
               <a:noAutofit/>
             </a:bodyPr>
             <a:lstStyle/>
             <a:p>
-              <a:pPr indent="0" lvl="0" marL="0" rtl="0" algn="l">
+              <a:pPr marL="0" lvl="0" indent="0" algn="l" rtl="0">
                 <a:spcBef>
                   <a:spcPts val="0"/>
                 </a:spcBef>
@@ -11323,9 +11468,6 @@
                 </a:spcAft>
                 <a:buNone/>
               </a:pPr>
-              <a:r>
-                <a:t/>
-              </a:r>
               <a:endParaRPr/>
             </a:p>
           </p:txBody>
@@ -11334,9 +11476,11 @@
       <p:sp>
         <p:nvSpPr>
           <p:cNvPr id="215" name="Google Shape;215;p30"/>
-          <p:cNvSpPr txBox="1"/>
+          <p:cNvSpPr txBox="1">
+            <a:spLocks noGrp="1"/>
+          </p:cNvSpPr>
           <p:nvPr>
-            <p:ph idx="4294967295" type="body"/>
+            <p:ph type="body" idx="4294967295"/>
           </p:nvPr>
         </p:nvSpPr>
         <p:spPr>
@@ -11349,12 +11493,12 @@
           </a:prstGeom>
         </p:spPr>
         <p:txBody>
-          <a:bodyPr anchorCtr="0" anchor="t" bIns="91425" lIns="91425" spcFirstLastPara="1" rIns="91425" wrap="square" tIns="91425">
+          <a:bodyPr spcFirstLastPara="1" wrap="square" lIns="91425" tIns="91425" rIns="91425" bIns="91425" anchor="t" anchorCtr="0">
             <a:noAutofit/>
           </a:bodyPr>
           <a:lstStyle/>
           <a:p>
-            <a:pPr indent="0" lvl="0" marL="0" rtl="0" algn="l">
+            <a:pPr marL="0" lvl="0" indent="0" algn="l" rtl="0">
               <a:spcBef>
                 <a:spcPts val="0"/>
               </a:spcBef>
@@ -11400,14 +11544,14 @@
               <a:avLst/>
             </a:prstGeom>
             <a:noFill/>
-            <a:ln cap="flat" cmpd="sng" w="9525">
+            <a:ln w="9525" cap="flat" cmpd="sng">
               <a:solidFill>
                 <a:schemeClr val="dk2"/>
               </a:solidFill>
               <a:prstDash val="solid"/>
               <a:round/>
-              <a:headEnd len="sm" w="sm" type="none"/>
-              <a:tailEnd len="sm" w="sm" type="none"/>
+              <a:headEnd type="none" w="sm" len="sm"/>
+              <a:tailEnd type="none" w="sm" len="sm"/>
             </a:ln>
           </p:spPr>
         </p:cxnSp>
@@ -11418,7 +11562,7 @@
             <p:nvPr/>
           </p:nvSpPr>
           <p:spPr>
-            <a:xfrm flipH="1" rot="10800000">
+            <a:xfrm rot="10800000" flipH="1">
               <a:off x="2223534" y="3333714"/>
               <a:ext cx="198900" cy="198900"/>
             </a:xfrm>
@@ -11433,12 +11577,12 @@
             </a:ln>
           </p:spPr>
           <p:txBody>
-            <a:bodyPr anchorCtr="0" anchor="ctr" bIns="91425" lIns="91425" spcFirstLastPara="1" rIns="91425" wrap="square" tIns="91425">
+            <a:bodyPr spcFirstLastPara="1" wrap="square" lIns="91425" tIns="91425" rIns="91425" bIns="91425" anchor="ctr" anchorCtr="0">
               <a:noAutofit/>
             </a:bodyPr>
             <a:lstStyle/>
             <a:p>
-              <a:pPr indent="0" lvl="0" marL="0" rtl="0" algn="l">
+              <a:pPr marL="0" lvl="0" indent="0" algn="l" rtl="0">
                 <a:spcBef>
                   <a:spcPts val="0"/>
                 </a:spcBef>
@@ -11447,9 +11591,6 @@
                 </a:spcAft>
                 <a:buNone/>
               </a:pPr>
-              <a:r>
-                <a:t/>
-              </a:r>
               <a:endParaRPr/>
             </a:p>
           </p:txBody>
@@ -11458,9 +11599,11 @@
       <p:sp>
         <p:nvSpPr>
           <p:cNvPr id="219" name="Google Shape;219;p30"/>
-          <p:cNvSpPr txBox="1"/>
+          <p:cNvSpPr txBox="1">
+            <a:spLocks noGrp="1"/>
+          </p:cNvSpPr>
           <p:nvPr>
-            <p:ph idx="4294967295" type="body"/>
+            <p:ph type="body" idx="4294967295"/>
           </p:nvPr>
         </p:nvSpPr>
         <p:spPr>
@@ -11473,12 +11616,12 @@
           </a:prstGeom>
         </p:spPr>
         <p:txBody>
-          <a:bodyPr anchorCtr="0" anchor="t" bIns="91425" lIns="91425" spcFirstLastPara="1" rIns="91425" wrap="square" tIns="91425">
+          <a:bodyPr spcFirstLastPara="1" wrap="square" lIns="91425" tIns="91425" rIns="91425" bIns="91425" anchor="t" anchorCtr="0">
             <a:noAutofit/>
           </a:bodyPr>
           <a:lstStyle/>
           <a:p>
-            <a:pPr indent="0" lvl="0" marL="0" rtl="0" algn="l">
+            <a:pPr marL="0" lvl="0" indent="0" algn="l" rtl="0">
               <a:spcBef>
                 <a:spcPts val="0"/>
               </a:spcBef>
@@ -11489,15 +11632,7 @@
             </a:pPr>
             <a:r>
               <a:rPr lang="en" sz="1600"/>
-              <a:t>Decided on the project idea and looked for </a:t>
-            </a:r>
-            <a:r>
-              <a:rPr lang="en" sz="1600"/>
-              <a:t>relevant</a:t>
-            </a:r>
-            <a:r>
-              <a:rPr lang="en" sz="1600"/>
-              <a:t> dataset</a:t>
+              <a:t>Decided on the project idea and looked for relevant dataset</a:t>
             </a:r>
             <a:endParaRPr sz="1600"/>
           </a:p>
@@ -11505,7 +11640,7 @@
       </p:sp>
       <p:sp>
         <p:nvSpPr>
-          <p:cNvPr descr="Background pointer shape in timeline graphic" id="220" name="Google Shape;220;p30"/>
+          <p:cNvPr id="220" name="Google Shape;220;p30" descr="Background pointer shape in timeline graphic"/>
           <p:cNvSpPr/>
           <p:nvPr/>
         </p:nvSpPr>
@@ -11516,29 +11651,29 @@
           </a:xfrm>
           <a:prstGeom prst="chevron">
             <a:avLst>
-              <a:gd fmla="val 50000" name="adj"/>
+              <a:gd name="adj" fmla="val 50000"/>
             </a:avLst>
           </a:prstGeom>
           <a:solidFill>
             <a:schemeClr val="dk1"/>
           </a:solidFill>
-          <a:ln cap="flat" cmpd="sng" w="9525">
+          <a:ln w="9525" cap="flat" cmpd="sng">
             <a:solidFill>
               <a:schemeClr val="lt1"/>
             </a:solidFill>
             <a:prstDash val="solid"/>
             <a:round/>
-            <a:headEnd len="sm" w="sm" type="none"/>
-            <a:tailEnd len="sm" w="sm" type="none"/>
+            <a:headEnd type="none" w="sm" len="sm"/>
+            <a:tailEnd type="none" w="sm" len="sm"/>
           </a:ln>
         </p:spPr>
         <p:txBody>
-          <a:bodyPr anchorCtr="0" anchor="ctr" bIns="121875" lIns="121875" spcFirstLastPara="1" rIns="121875" wrap="square" tIns="121875">
+          <a:bodyPr spcFirstLastPara="1" wrap="square" lIns="121875" tIns="121875" rIns="121875" bIns="121875" anchor="ctr" anchorCtr="0">
             <a:noAutofit/>
           </a:bodyPr>
           <a:lstStyle/>
           <a:p>
-            <a:pPr indent="0" lvl="0" marL="0" rtl="0" algn="l">
+            <a:pPr marL="0" lvl="0" indent="0" algn="l" rtl="0">
               <a:spcBef>
                 <a:spcPts val="0"/>
               </a:spcBef>
@@ -11547,9 +11682,6 @@
               </a:spcAft>
               <a:buNone/>
             </a:pPr>
-            <a:r>
-              <a:t/>
-            </a:r>
             <a:endParaRPr/>
           </a:p>
         </p:txBody>
@@ -11583,14 +11715,14 @@
               <a:avLst/>
             </a:prstGeom>
             <a:noFill/>
-            <a:ln cap="flat" cmpd="sng" w="9525">
+            <a:ln w="9525" cap="flat" cmpd="sng">
               <a:solidFill>
                 <a:schemeClr val="dk2"/>
               </a:solidFill>
               <a:prstDash val="solid"/>
               <a:round/>
-              <a:headEnd len="sm" w="sm" type="none"/>
-              <a:tailEnd len="sm" w="sm" type="none"/>
+              <a:headEnd type="none" w="sm" len="sm"/>
+              <a:tailEnd type="none" w="sm" len="sm"/>
             </a:ln>
           </p:spPr>
         </p:cxnSp>
@@ -11616,12 +11748,12 @@
             </a:ln>
           </p:spPr>
           <p:txBody>
-            <a:bodyPr anchorCtr="0" anchor="ctr" bIns="91425" lIns="91425" spcFirstLastPara="1" rIns="91425" wrap="square" tIns="91425">
+            <a:bodyPr spcFirstLastPara="1" wrap="square" lIns="91425" tIns="91425" rIns="91425" bIns="91425" anchor="ctr" anchorCtr="0">
               <a:noAutofit/>
             </a:bodyPr>
             <a:lstStyle/>
             <a:p>
-              <a:pPr indent="0" lvl="0" marL="0" rtl="0" algn="l">
+              <a:pPr marL="0" lvl="0" indent="0" algn="l" rtl="0">
                 <a:spcBef>
                   <a:spcPts val="0"/>
                 </a:spcBef>
@@ -11630,9 +11762,6 @@
                 </a:spcAft>
                 <a:buNone/>
               </a:pPr>
-              <a:r>
-                <a:t/>
-              </a:r>
               <a:endParaRPr/>
             </a:p>
           </p:txBody>
@@ -11641,9 +11770,11 @@
       <p:sp>
         <p:nvSpPr>
           <p:cNvPr id="224" name="Google Shape;224;p30"/>
-          <p:cNvSpPr txBox="1"/>
+          <p:cNvSpPr txBox="1">
+            <a:spLocks noGrp="1"/>
+          </p:cNvSpPr>
           <p:nvPr>
-            <p:ph idx="4294967295" type="body"/>
+            <p:ph type="body" idx="4294967295"/>
           </p:nvPr>
         </p:nvSpPr>
         <p:spPr>
@@ -11656,12 +11787,12 @@
           </a:prstGeom>
         </p:spPr>
         <p:txBody>
-          <a:bodyPr anchorCtr="0" anchor="t" bIns="91425" lIns="91425" spcFirstLastPara="1" rIns="91425" wrap="square" tIns="91425">
+          <a:bodyPr spcFirstLastPara="1" wrap="square" lIns="91425" tIns="91425" rIns="91425" bIns="91425" anchor="t" anchorCtr="0">
             <a:noAutofit/>
           </a:bodyPr>
           <a:lstStyle/>
           <a:p>
-            <a:pPr indent="0" lvl="0" marL="0" rtl="0" algn="l">
+            <a:pPr marL="0" lvl="0" indent="0" algn="l" rtl="0">
               <a:spcBef>
                 <a:spcPts val="0"/>
               </a:spcBef>
@@ -11680,7 +11811,7 @@
       </p:sp>
       <p:sp>
         <p:nvSpPr>
-          <p:cNvPr descr="Background pointer shape in timeline graphic" id="225" name="Google Shape;225;p30"/>
+          <p:cNvPr id="225" name="Google Shape;225;p30" descr="Background pointer shape in timeline graphic"/>
           <p:cNvSpPr/>
           <p:nvPr/>
         </p:nvSpPr>
@@ -11691,29 +11822,29 @@
           </a:xfrm>
           <a:prstGeom prst="chevron">
             <a:avLst>
-              <a:gd fmla="val 50000" name="adj"/>
+              <a:gd name="adj" fmla="val 50000"/>
             </a:avLst>
           </a:prstGeom>
           <a:solidFill>
             <a:schemeClr val="dk1"/>
           </a:solidFill>
-          <a:ln cap="flat" cmpd="sng" w="9525">
+          <a:ln w="9525" cap="flat" cmpd="sng">
             <a:solidFill>
               <a:schemeClr val="lt1"/>
             </a:solidFill>
             <a:prstDash val="solid"/>
             <a:round/>
-            <a:headEnd len="sm" w="sm" type="none"/>
-            <a:tailEnd len="sm" w="sm" type="none"/>
+            <a:headEnd type="none" w="sm" len="sm"/>
+            <a:tailEnd type="none" w="sm" len="sm"/>
           </a:ln>
         </p:spPr>
         <p:txBody>
-          <a:bodyPr anchorCtr="0" anchor="ctr" bIns="121875" lIns="121875" spcFirstLastPara="1" rIns="121875" wrap="square" tIns="121875">
+          <a:bodyPr spcFirstLastPara="1" wrap="square" lIns="121875" tIns="121875" rIns="121875" bIns="121875" anchor="ctr" anchorCtr="0">
             <a:noAutofit/>
           </a:bodyPr>
           <a:lstStyle/>
           <a:p>
-            <a:pPr indent="0" lvl="0" marL="0" rtl="0" algn="l">
+            <a:pPr marL="0" lvl="0" indent="0" algn="l" rtl="0">
               <a:spcBef>
                 <a:spcPts val="0"/>
               </a:spcBef>
@@ -11722,9 +11853,6 @@
               </a:spcAft>
               <a:buNone/>
             </a:pPr>
-            <a:r>
-              <a:t/>
-            </a:r>
             <a:endParaRPr/>
           </a:p>
         </p:txBody>
@@ -11758,14 +11886,14 @@
               <a:avLst/>
             </a:prstGeom>
             <a:noFill/>
-            <a:ln cap="flat" cmpd="sng" w="9525">
+            <a:ln w="9525" cap="flat" cmpd="sng">
               <a:solidFill>
                 <a:schemeClr val="dk2"/>
               </a:solidFill>
               <a:prstDash val="solid"/>
               <a:round/>
-              <a:headEnd len="sm" w="sm" type="none"/>
-              <a:tailEnd len="sm" w="sm" type="none"/>
+              <a:headEnd type="none" w="sm" len="sm"/>
+              <a:tailEnd type="none" w="sm" len="sm"/>
             </a:ln>
           </p:spPr>
         </p:cxnSp>
@@ -11776,7 +11904,7 @@
             <p:nvPr/>
           </p:nvSpPr>
           <p:spPr>
-            <a:xfrm flipH="1" rot="10800000">
+            <a:xfrm rot="10800000" flipH="1">
               <a:off x="5958946" y="3333714"/>
               <a:ext cx="198900" cy="198900"/>
             </a:xfrm>
@@ -11791,12 +11919,12 @@
             </a:ln>
           </p:spPr>
           <p:txBody>
-            <a:bodyPr anchorCtr="0" anchor="ctr" bIns="91425" lIns="91425" spcFirstLastPara="1" rIns="91425" wrap="square" tIns="91425">
+            <a:bodyPr spcFirstLastPara="1" wrap="square" lIns="91425" tIns="91425" rIns="91425" bIns="91425" anchor="ctr" anchorCtr="0">
               <a:noAutofit/>
             </a:bodyPr>
             <a:lstStyle/>
             <a:p>
-              <a:pPr indent="0" lvl="0" marL="0" rtl="0" algn="l">
+              <a:pPr marL="0" lvl="0" indent="0" algn="l" rtl="0">
                 <a:spcBef>
                   <a:spcPts val="0"/>
                 </a:spcBef>
@@ -11805,9 +11933,6 @@
                 </a:spcAft>
                 <a:buNone/>
               </a:pPr>
-              <a:r>
-                <a:t/>
-              </a:r>
               <a:endParaRPr/>
             </a:p>
           </p:txBody>
@@ -11816,9 +11941,11 @@
       <p:sp>
         <p:nvSpPr>
           <p:cNvPr id="229" name="Google Shape;229;p30"/>
-          <p:cNvSpPr txBox="1"/>
+          <p:cNvSpPr txBox="1">
+            <a:spLocks noGrp="1"/>
+          </p:cNvSpPr>
           <p:nvPr>
-            <p:ph idx="4294967295" type="body"/>
+            <p:ph type="body" idx="4294967295"/>
           </p:nvPr>
         </p:nvSpPr>
         <p:spPr>
@@ -11831,12 +11958,12 @@
           </a:prstGeom>
         </p:spPr>
         <p:txBody>
-          <a:bodyPr anchorCtr="0" anchor="t" bIns="91425" lIns="91425" spcFirstLastPara="1" rIns="91425" wrap="square" tIns="91425">
+          <a:bodyPr spcFirstLastPara="1" wrap="square" lIns="91425" tIns="91425" rIns="91425" bIns="91425" anchor="t" anchorCtr="0">
             <a:noAutofit/>
           </a:bodyPr>
           <a:lstStyle/>
           <a:p>
-            <a:pPr indent="0" lvl="0" marL="0" rtl="0" algn="l">
+            <a:pPr marL="0" lvl="0" indent="0" algn="l" rtl="0">
               <a:spcBef>
                 <a:spcPts val="0"/>
               </a:spcBef>
@@ -11882,14 +12009,14 @@
               <a:avLst/>
             </a:prstGeom>
             <a:noFill/>
-            <a:ln cap="flat" cmpd="sng" w="9525">
+            <a:ln w="9525" cap="flat" cmpd="sng">
               <a:solidFill>
                 <a:schemeClr val="dk2"/>
               </a:solidFill>
               <a:prstDash val="solid"/>
               <a:round/>
-              <a:headEnd len="sm" w="sm" type="none"/>
-              <a:tailEnd len="sm" w="sm" type="none"/>
+              <a:headEnd type="none" w="sm" len="sm"/>
+              <a:tailEnd type="none" w="sm" len="sm"/>
             </a:ln>
           </p:spPr>
         </p:cxnSp>
@@ -11915,12 +12042,12 @@
             </a:ln>
           </p:spPr>
           <p:txBody>
-            <a:bodyPr anchorCtr="0" anchor="ctr" bIns="91425" lIns="91425" spcFirstLastPara="1" rIns="91425" wrap="square" tIns="91425">
+            <a:bodyPr spcFirstLastPara="1" wrap="square" lIns="91425" tIns="91425" rIns="91425" bIns="91425" anchor="ctr" anchorCtr="0">
               <a:noAutofit/>
             </a:bodyPr>
             <a:lstStyle/>
             <a:p>
-              <a:pPr indent="0" lvl="0" marL="0" rtl="0" algn="l">
+              <a:pPr marL="0" lvl="0" indent="0" algn="l" rtl="0">
                 <a:spcBef>
                   <a:spcPts val="0"/>
                 </a:spcBef>
@@ -11929,9 +12056,6 @@
                 </a:spcAft>
                 <a:buNone/>
               </a:pPr>
-              <a:r>
-                <a:t/>
-              </a:r>
               <a:endParaRPr/>
             </a:p>
           </p:txBody>
@@ -11940,9 +12064,11 @@
       <p:sp>
         <p:nvSpPr>
           <p:cNvPr id="233" name="Google Shape;233;p30"/>
-          <p:cNvSpPr txBox="1"/>
+          <p:cNvSpPr txBox="1">
+            <a:spLocks noGrp="1"/>
+          </p:cNvSpPr>
           <p:nvPr>
-            <p:ph idx="4294967295" type="body"/>
+            <p:ph type="body" idx="4294967295"/>
           </p:nvPr>
         </p:nvSpPr>
         <p:spPr>
@@ -11955,12 +12081,12 @@
           </a:prstGeom>
         </p:spPr>
         <p:txBody>
-          <a:bodyPr anchorCtr="0" anchor="t" bIns="91425" lIns="91425" spcFirstLastPara="1" rIns="91425" wrap="square" tIns="91425">
+          <a:bodyPr spcFirstLastPara="1" wrap="square" lIns="91425" tIns="91425" rIns="91425" bIns="91425" anchor="t" anchorCtr="0">
             <a:noAutofit/>
           </a:bodyPr>
           <a:lstStyle/>
           <a:p>
-            <a:pPr indent="0" lvl="0" marL="0" rtl="0" algn="l">
+            <a:pPr marL="0" lvl="0" indent="0" algn="l" rtl="0">
               <a:spcBef>
                 <a:spcPts val="0"/>
               </a:spcBef>
@@ -11997,12 +12123,12 @@
           </a:ln>
         </p:spPr>
         <p:txBody>
-          <a:bodyPr anchorCtr="0" anchor="t" bIns="91425" lIns="91425" spcFirstLastPara="1" rIns="91425" wrap="square" tIns="91425">
+          <a:bodyPr spcFirstLastPara="1" wrap="square" lIns="91425" tIns="91425" rIns="91425" bIns="91425" anchor="t" anchorCtr="0">
             <a:spAutoFit/>
           </a:bodyPr>
           <a:lstStyle/>
           <a:p>
-            <a:pPr indent="0" lvl="0" marL="0" rtl="0" algn="l">
+            <a:pPr marL="0" lvl="0" indent="0" algn="l" rtl="0">
               <a:spcBef>
                 <a:spcPts val="0"/>
               </a:spcBef>
@@ -12055,12 +12181,12 @@
           </a:ln>
         </p:spPr>
         <p:txBody>
-          <a:bodyPr anchorCtr="0" anchor="t" bIns="91425" lIns="91425" spcFirstLastPara="1" rIns="91425" wrap="square" tIns="91425">
+          <a:bodyPr spcFirstLastPara="1" wrap="square" lIns="91425" tIns="91425" rIns="91425" bIns="91425" anchor="t" anchorCtr="0">
             <a:spAutoFit/>
           </a:bodyPr>
           <a:lstStyle/>
           <a:p>
-            <a:pPr indent="0" lvl="0" marL="0" rtl="0" algn="l">
+            <a:pPr marL="0" lvl="0" indent="0" algn="l" rtl="0">
               <a:spcBef>
                 <a:spcPts val="0"/>
               </a:spcBef>
@@ -12113,12 +12239,12 @@
           </a:ln>
         </p:spPr>
         <p:txBody>
-          <a:bodyPr anchorCtr="0" anchor="t" bIns="91425" lIns="91425" spcFirstLastPara="1" rIns="91425" wrap="square" tIns="91425">
+          <a:bodyPr spcFirstLastPara="1" wrap="square" lIns="91425" tIns="91425" rIns="91425" bIns="91425" anchor="t" anchorCtr="0">
             <a:spAutoFit/>
           </a:bodyPr>
           <a:lstStyle/>
           <a:p>
-            <a:pPr indent="0" lvl="0" marL="0" rtl="0" algn="l">
+            <a:pPr marL="0" lvl="0" indent="0" algn="l" rtl="0">
               <a:spcBef>
                 <a:spcPts val="0"/>
               </a:spcBef>
@@ -12180,14 +12306,14 @@
               <a:avLst/>
             </a:prstGeom>
             <a:noFill/>
-            <a:ln cap="flat" cmpd="sng" w="9525">
+            <a:ln w="9525" cap="flat" cmpd="sng">
               <a:solidFill>
                 <a:schemeClr val="dk2"/>
               </a:solidFill>
               <a:prstDash val="solid"/>
               <a:round/>
-              <a:headEnd len="sm" w="sm" type="none"/>
-              <a:tailEnd len="sm" w="sm" type="none"/>
+              <a:headEnd type="none" w="sm" len="sm"/>
+              <a:tailEnd type="none" w="sm" len="sm"/>
             </a:ln>
           </p:spPr>
         </p:cxnSp>
@@ -12198,7 +12324,7 @@
             <p:nvPr/>
           </p:nvSpPr>
           <p:spPr>
-            <a:xfrm flipH="1" rot="10800000">
+            <a:xfrm rot="10800000" flipH="1">
               <a:off x="2223534" y="3333714"/>
               <a:ext cx="198900" cy="198900"/>
             </a:xfrm>
@@ -12213,12 +12339,12 @@
             </a:ln>
           </p:spPr>
           <p:txBody>
-            <a:bodyPr anchorCtr="0" anchor="ctr" bIns="91425" lIns="91425" spcFirstLastPara="1" rIns="91425" wrap="square" tIns="91425">
+            <a:bodyPr spcFirstLastPara="1" wrap="square" lIns="91425" tIns="91425" rIns="91425" bIns="91425" anchor="ctr" anchorCtr="0">
               <a:noAutofit/>
             </a:bodyPr>
             <a:lstStyle/>
             <a:p>
-              <a:pPr indent="0" lvl="0" marL="0" rtl="0" algn="l">
+              <a:pPr marL="0" lvl="0" indent="0" algn="l" rtl="0">
                 <a:spcBef>
                   <a:spcPts val="0"/>
                 </a:spcBef>
@@ -12227,9 +12353,6 @@
                 </a:spcAft>
                 <a:buNone/>
               </a:pPr>
-              <a:r>
-                <a:t/>
-              </a:r>
               <a:endParaRPr/>
             </a:p>
           </p:txBody>
@@ -12255,12 +12378,12 @@
           </a:ln>
         </p:spPr>
         <p:txBody>
-          <a:bodyPr anchorCtr="0" anchor="t" bIns="91425" lIns="91425" spcFirstLastPara="1" rIns="91425" wrap="square" tIns="91425">
+          <a:bodyPr spcFirstLastPara="1" wrap="square" lIns="91425" tIns="91425" rIns="91425" bIns="91425" anchor="t" anchorCtr="0">
             <a:spAutoFit/>
           </a:bodyPr>
           <a:lstStyle/>
           <a:p>
-            <a:pPr indent="0" lvl="0" marL="0" rtl="0" algn="l">
+            <a:pPr marL="0" lvl="0" indent="0" algn="l" rtl="0">
               <a:lnSpc>
                 <a:spcPct val="115000"/>
               </a:lnSpc>
@@ -12282,19 +12405,7 @@
                 <a:cs typeface="Roboto"/>
                 <a:sym typeface="Roboto"/>
               </a:rPr>
-              <a:t>W</a:t>
-            </a:r>
-            <a:r>
-              <a:rPr lang="en" sz="1600">
-                <a:solidFill>
-                  <a:schemeClr val="dk2"/>
-                </a:solidFill>
-                <a:latin typeface="Roboto"/>
-                <a:ea typeface="Roboto"/>
-                <a:cs typeface="Roboto"/>
-                <a:sym typeface="Roboto"/>
-              </a:rPr>
-              <a:t>orked on cleaning and preprocessing the PDFs</a:t>
+              <a:t>Worked on cleaning and preprocessing the PDFs</a:t>
             </a:r>
             <a:endParaRPr>
               <a:latin typeface="Roboto"/>
@@ -12325,12 +12436,12 @@
           </a:ln>
         </p:spPr>
         <p:txBody>
-          <a:bodyPr anchorCtr="0" anchor="t" bIns="91425" lIns="91425" spcFirstLastPara="1" rIns="91425" wrap="square" tIns="91425">
+          <a:bodyPr spcFirstLastPara="1" wrap="square" lIns="91425" tIns="91425" rIns="91425" bIns="91425" anchor="t" anchorCtr="0">
             <a:spAutoFit/>
           </a:bodyPr>
           <a:lstStyle/>
           <a:p>
-            <a:pPr indent="0" lvl="0" marL="0" rtl="0" algn="l">
+            <a:pPr marL="0" lvl="0" indent="0" algn="l" rtl="0">
               <a:spcBef>
                 <a:spcPts val="0"/>
               </a:spcBef>
@@ -12340,7 +12451,7 @@
               <a:buNone/>
             </a:pPr>
             <a:r>
-              <a:rPr b="1" lang="en" sz="2700" u="sng">
+              <a:rPr lang="en" sz="2700" b="1" u="sng">
                 <a:solidFill>
                   <a:schemeClr val="accent5"/>
                 </a:solidFill>
@@ -12351,7 +12462,7 @@
               </a:rPr>
               <a:t>MILESTONES ACHIEVED</a:t>
             </a:r>
-            <a:endParaRPr b="1" sz="2700" u="sng">
+            <a:endParaRPr sz="2700" b="1" u="sng">
               <a:solidFill>
                 <a:schemeClr val="accent5"/>
               </a:solidFill>
@@ -12372,11 +12483,11 @@
 </file>
 
 <file path=ppt/slides/slide19.xml><?xml version="1.0" encoding="utf-8"?>
-<p:sld xmlns:a="http://schemas.openxmlformats.org/drawingml/2006/main" xmlns:r="http://schemas.openxmlformats.org/officeDocument/2006/relationships" xmlns:mc="http://schemas.openxmlformats.org/markup-compatibility/2006" xmlns:mv="urn:schemas-microsoft-com:mac:vml" xmlns:p="http://schemas.openxmlformats.org/presentationml/2006/main" xmlns:c="http://schemas.openxmlformats.org/drawingml/2006/chart" xmlns:dgm="http://schemas.openxmlformats.org/drawingml/2006/diagram" xmlns:o="urn:schemas-microsoft-com:office:office" xmlns:v="urn:schemas-microsoft-com:vml" xmlns:pvml="urn:schemas-microsoft-com:office:powerpoint" xmlns:com="http://schemas.openxmlformats.org/drawingml/2006/compatibility" xmlns:p14="http://schemas.microsoft.com/office/powerpoint/2010/main" xmlns:p15="http://schemas.microsoft.com/office/powerpoint/2012/main" xmlns:ahyp="http://schemas.microsoft.com/office/drawing/2018/hyperlinkcolor">
+<p:sld xmlns:a="http://schemas.openxmlformats.org/drawingml/2006/main" xmlns:r="http://schemas.openxmlformats.org/officeDocument/2006/relationships" xmlns:p="http://schemas.openxmlformats.org/presentationml/2006/main">
   <p:cSld>
     <p:spTree>
       <p:nvGrpSpPr>
-        <p:cNvPr id="245" name="Shape 245"/>
+        <p:cNvPr id="1" name="Shape 245"/>
         <p:cNvGrpSpPr/>
         <p:nvPr/>
       </p:nvGrpSpPr>
@@ -12417,14 +12528,14 @@
               <a:avLst/>
             </a:prstGeom>
             <a:noFill/>
-            <a:ln cap="flat" cmpd="sng" w="9525">
+            <a:ln w="9525" cap="flat" cmpd="sng">
               <a:solidFill>
                 <a:schemeClr val="lt1"/>
               </a:solidFill>
               <a:prstDash val="dash"/>
               <a:round/>
-              <a:headEnd len="sm" w="sm" type="none"/>
-              <a:tailEnd len="sm" w="sm" type="none"/>
+              <a:headEnd type="none" w="sm" len="sm"/>
+              <a:tailEnd type="none" w="sm" len="sm"/>
             </a:ln>
           </p:spPr>
         </p:cxnSp>
@@ -12443,14 +12554,14 @@
               <a:avLst/>
             </a:prstGeom>
             <a:noFill/>
-            <a:ln cap="flat" cmpd="sng" w="9525">
+            <a:ln w="9525" cap="flat" cmpd="sng">
               <a:solidFill>
                 <a:schemeClr val="lt1"/>
               </a:solidFill>
               <a:prstDash val="dash"/>
               <a:round/>
-              <a:headEnd len="sm" w="sm" type="none"/>
-              <a:tailEnd len="sm" w="sm" type="none"/>
+              <a:headEnd type="none" w="sm" len="sm"/>
+              <a:tailEnd type="none" w="sm" len="sm"/>
             </a:ln>
           </p:spPr>
         </p:cxnSp>
@@ -12469,14 +12580,14 @@
               <a:avLst/>
             </a:prstGeom>
             <a:noFill/>
-            <a:ln cap="flat" cmpd="sng" w="9525">
+            <a:ln w="9525" cap="flat" cmpd="sng">
               <a:solidFill>
                 <a:schemeClr val="lt1"/>
               </a:solidFill>
               <a:prstDash val="dash"/>
               <a:round/>
-              <a:headEnd len="sm" w="sm" type="none"/>
-              <a:tailEnd len="sm" w="sm" type="none"/>
+              <a:headEnd type="none" w="sm" len="sm"/>
+              <a:tailEnd type="none" w="sm" len="sm"/>
             </a:ln>
           </p:spPr>
         </p:cxnSp>
@@ -12495,14 +12606,14 @@
               <a:avLst/>
             </a:prstGeom>
             <a:noFill/>
-            <a:ln cap="flat" cmpd="sng" w="9525">
+            <a:ln w="9525" cap="flat" cmpd="sng">
               <a:solidFill>
                 <a:schemeClr val="lt1"/>
               </a:solidFill>
               <a:prstDash val="dash"/>
               <a:round/>
-              <a:headEnd len="sm" w="sm" type="none"/>
-              <a:tailEnd len="sm" w="sm" type="none"/>
+              <a:headEnd type="none" w="sm" len="sm"/>
+              <a:tailEnd type="none" w="sm" len="sm"/>
             </a:ln>
           </p:spPr>
         </p:cxnSp>
@@ -12521,14 +12632,14 @@
               <a:avLst/>
             </a:prstGeom>
             <a:noFill/>
-            <a:ln cap="flat" cmpd="sng" w="9525">
+            <a:ln w="9525" cap="flat" cmpd="sng">
               <a:solidFill>
                 <a:schemeClr val="lt1"/>
               </a:solidFill>
               <a:prstDash val="dash"/>
               <a:round/>
-              <a:headEnd len="sm" w="sm" type="none"/>
-              <a:tailEnd len="sm" w="sm" type="none"/>
+              <a:headEnd type="none" w="sm" len="sm"/>
+              <a:tailEnd type="none" w="sm" len="sm"/>
             </a:ln>
           </p:spPr>
         </p:cxnSp>
@@ -12547,14 +12658,14 @@
               <a:avLst/>
             </a:prstGeom>
             <a:noFill/>
-            <a:ln cap="flat" cmpd="sng" w="9525">
+            <a:ln w="9525" cap="flat" cmpd="sng">
               <a:solidFill>
                 <a:schemeClr val="lt1"/>
               </a:solidFill>
               <a:prstDash val="dash"/>
               <a:round/>
-              <a:headEnd len="sm" w="sm" type="none"/>
-              <a:tailEnd len="sm" w="sm" type="none"/>
+              <a:headEnd type="none" w="sm" len="sm"/>
+              <a:tailEnd type="none" w="sm" len="sm"/>
             </a:ln>
           </p:spPr>
         </p:cxnSp>
@@ -12573,14 +12684,14 @@
               <a:avLst/>
             </a:prstGeom>
             <a:noFill/>
-            <a:ln cap="flat" cmpd="sng" w="9525">
+            <a:ln w="9525" cap="flat" cmpd="sng">
               <a:solidFill>
                 <a:schemeClr val="lt1"/>
               </a:solidFill>
               <a:prstDash val="dash"/>
               <a:round/>
-              <a:headEnd len="sm" w="sm" type="none"/>
-              <a:tailEnd len="sm" w="sm" type="none"/>
+              <a:headEnd type="none" w="sm" len="sm"/>
+              <a:tailEnd type="none" w="sm" len="sm"/>
             </a:ln>
           </p:spPr>
         </p:cxnSp>
@@ -12599,14 +12710,14 @@
               <a:avLst/>
             </a:prstGeom>
             <a:noFill/>
-            <a:ln cap="flat" cmpd="sng" w="9525">
+            <a:ln w="9525" cap="flat" cmpd="sng">
               <a:solidFill>
                 <a:schemeClr val="lt1"/>
               </a:solidFill>
               <a:prstDash val="dash"/>
               <a:round/>
-              <a:headEnd len="sm" w="sm" type="none"/>
-              <a:tailEnd len="sm" w="sm" type="none"/>
+              <a:headEnd type="none" w="sm" len="sm"/>
+              <a:tailEnd type="none" w="sm" len="sm"/>
             </a:ln>
           </p:spPr>
         </p:cxnSp>
@@ -12625,14 +12736,14 @@
               <a:avLst/>
             </a:prstGeom>
             <a:noFill/>
-            <a:ln cap="flat" cmpd="sng" w="9525">
+            <a:ln w="9525" cap="flat" cmpd="sng">
               <a:solidFill>
                 <a:schemeClr val="lt1"/>
               </a:solidFill>
               <a:prstDash val="dash"/>
               <a:round/>
-              <a:headEnd len="sm" w="sm" type="none"/>
-              <a:tailEnd len="sm" w="sm" type="none"/>
+              <a:headEnd type="none" w="sm" len="sm"/>
+              <a:tailEnd type="none" w="sm" len="sm"/>
             </a:ln>
           </p:spPr>
         </p:cxnSp>
@@ -12651,14 +12762,14 @@
               <a:avLst/>
             </a:prstGeom>
             <a:noFill/>
-            <a:ln cap="flat" cmpd="sng" w="9525">
+            <a:ln w="9525" cap="flat" cmpd="sng">
               <a:solidFill>
                 <a:schemeClr val="lt1"/>
               </a:solidFill>
               <a:prstDash val="dash"/>
               <a:round/>
-              <a:headEnd len="sm" w="sm" type="none"/>
-              <a:tailEnd len="sm" w="sm" type="none"/>
+              <a:headEnd type="none" w="sm" len="sm"/>
+              <a:tailEnd type="none" w="sm" len="sm"/>
             </a:ln>
           </p:spPr>
         </p:cxnSp>
@@ -12678,23 +12789,23 @@
             <a:avLst/>
           </a:prstGeom>
           <a:noFill/>
-          <a:ln cap="flat" cmpd="sng" w="19050">
+          <a:ln w="19050" cap="flat" cmpd="sng">
             <a:solidFill>
               <a:schemeClr val="accent5"/>
             </a:solidFill>
             <a:prstDash val="solid"/>
             <a:round/>
-            <a:headEnd len="sm" w="sm" type="none"/>
-            <a:tailEnd len="sm" w="sm" type="none"/>
+            <a:headEnd type="none" w="sm" len="sm"/>
+            <a:tailEnd type="none" w="sm" len="sm"/>
           </a:ln>
         </p:spPr>
         <p:txBody>
-          <a:bodyPr anchorCtr="0" anchor="ctr" bIns="91425" lIns="91425" spcFirstLastPara="1" rIns="91425" wrap="square" tIns="91425">
+          <a:bodyPr spcFirstLastPara="1" wrap="square" lIns="91425" tIns="91425" rIns="91425" bIns="91425" anchor="ctr" anchorCtr="0">
             <a:noAutofit/>
           </a:bodyPr>
           <a:lstStyle/>
           <a:p>
-            <a:pPr indent="0" lvl="0" marL="0" rtl="0" algn="l">
+            <a:pPr marL="0" lvl="0" indent="0" algn="l" rtl="0">
               <a:spcBef>
                 <a:spcPts val="0"/>
               </a:spcBef>
@@ -12703,9 +12814,6 @@
               </a:spcAft>
               <a:buNone/>
             </a:pPr>
-            <a:r>
-              <a:t/>
-            </a:r>
             <a:endParaRPr/>
           </a:p>
         </p:txBody>
@@ -12713,7 +12821,9 @@
       <p:sp>
         <p:nvSpPr>
           <p:cNvPr id="258" name="Google Shape;258;p31"/>
-          <p:cNvSpPr txBox="1"/>
+          <p:cNvSpPr txBox="1">
+            <a:spLocks noGrp="1"/>
+          </p:cNvSpPr>
           <p:nvPr>
             <p:ph type="title"/>
           </p:nvPr>
@@ -12728,12 +12838,12 @@
           </a:prstGeom>
         </p:spPr>
         <p:txBody>
-          <a:bodyPr anchorCtr="0" anchor="b" bIns="91425" lIns="91425" spcFirstLastPara="1" rIns="91425" wrap="square" tIns="91425">
+          <a:bodyPr spcFirstLastPara="1" wrap="square" lIns="91425" tIns="91425" rIns="91425" bIns="91425" anchor="b" anchorCtr="0">
             <a:noAutofit/>
           </a:bodyPr>
           <a:lstStyle/>
           <a:p>
-            <a:pPr indent="0" lvl="0" marL="0" rtl="0" algn="ctr">
+            <a:pPr marL="0" lvl="0" indent="0" algn="ctr" rtl="0">
               <a:spcBef>
                 <a:spcPts val="0"/>
               </a:spcBef>
@@ -12743,7 +12853,7 @@
               <a:buNone/>
             </a:pPr>
             <a:r>
-              <a:rPr b="1" lang="en"/>
+              <a:rPr lang="en" b="1"/>
               <a:t>Thank you</a:t>
             </a:r>
             <a:endParaRPr b="1"/>
@@ -12753,9 +12863,11 @@
       <p:sp>
         <p:nvSpPr>
           <p:cNvPr id="259" name="Google Shape;259;p31"/>
-          <p:cNvSpPr txBox="1"/>
+          <p:cNvSpPr txBox="1">
+            <a:spLocks noGrp="1"/>
+          </p:cNvSpPr>
           <p:nvPr>
-            <p:ph idx="1" type="subTitle"/>
+            <p:ph type="subTitle" idx="1"/>
           </p:nvPr>
         </p:nvSpPr>
         <p:spPr>
@@ -12768,12 +12880,12 @@
           </a:prstGeom>
         </p:spPr>
         <p:txBody>
-          <a:bodyPr anchorCtr="0" anchor="t" bIns="91425" lIns="91425" spcFirstLastPara="1" rIns="91425" wrap="square" tIns="91425">
+          <a:bodyPr spcFirstLastPara="1" wrap="square" lIns="91425" tIns="91425" rIns="91425" bIns="91425" anchor="t" anchorCtr="0">
             <a:noAutofit/>
           </a:bodyPr>
           <a:lstStyle/>
           <a:p>
-            <a:pPr indent="0" lvl="0" marL="0" rtl="0" algn="ctr">
+            <a:pPr marL="0" lvl="0" indent="0" algn="ctr" rtl="0">
               <a:spcBef>
                 <a:spcPts val="0"/>
               </a:spcBef>
@@ -12816,9 +12928,13 @@
               <a:ext cx="4144235" cy="1631269"/>
             </a:xfrm>
             <a:custGeom>
-              <a:rect b="b" l="l" r="r" t="t"/>
+              <a:avLst/>
+              <a:gdLst/>
+              <a:ahLst/>
+              <a:cxnLst/>
+              <a:rect l="l" t="t" r="r" b="b"/>
               <a:pathLst>
-                <a:path extrusionOk="0" h="90088" w="165422">
+                <a:path w="165422" h="90088" extrusionOk="0">
                   <a:moveTo>
                     <a:pt x="0" y="65550"/>
                   </a:moveTo>
@@ -12871,14 +12987,14 @@
               </a:pathLst>
             </a:custGeom>
             <a:noFill/>
-            <a:ln cap="flat" cmpd="sng" w="19050">
+            <a:ln w="19050" cap="flat" cmpd="sng">
               <a:solidFill>
                 <a:schemeClr val="lt1"/>
               </a:solidFill>
               <a:prstDash val="solid"/>
               <a:round/>
-              <a:headEnd len="med" w="med" type="oval"/>
-              <a:tailEnd len="med" w="med" type="oval"/>
+              <a:headEnd type="oval" w="med" len="med"/>
+              <a:tailEnd type="oval" w="med" len="med"/>
             </a:ln>
           </p:spPr>
         </p:sp>
@@ -12899,23 +13015,23 @@
             <a:solidFill>
               <a:schemeClr val="lt1"/>
             </a:solidFill>
-            <a:ln cap="flat" cmpd="sng" w="19050">
+            <a:ln w="19050" cap="flat" cmpd="sng">
               <a:solidFill>
                 <a:schemeClr val="lt1"/>
               </a:solidFill>
               <a:prstDash val="solid"/>
               <a:round/>
-              <a:headEnd len="sm" w="sm" type="none"/>
-              <a:tailEnd len="sm" w="sm" type="none"/>
+              <a:headEnd type="none" w="sm" len="sm"/>
+              <a:tailEnd type="none" w="sm" len="sm"/>
             </a:ln>
           </p:spPr>
           <p:txBody>
-            <a:bodyPr anchorCtr="0" anchor="ctr" bIns="91425" lIns="91425" spcFirstLastPara="1" rIns="91425" wrap="square" tIns="91425">
+            <a:bodyPr spcFirstLastPara="1" wrap="square" lIns="91425" tIns="91425" rIns="91425" bIns="91425" anchor="ctr" anchorCtr="0">
               <a:noAutofit/>
             </a:bodyPr>
             <a:lstStyle/>
             <a:p>
-              <a:pPr indent="0" lvl="0" marL="0" rtl="0" algn="l">
+              <a:pPr marL="0" lvl="0" indent="0" algn="l" rtl="0">
                 <a:spcBef>
                   <a:spcPts val="0"/>
                 </a:spcBef>
@@ -12924,9 +13040,6 @@
                 </a:spcAft>
                 <a:buNone/>
               </a:pPr>
-              <a:r>
-                <a:t/>
-              </a:r>
               <a:endParaRPr/>
             </a:p>
           </p:txBody>
@@ -12948,23 +13061,23 @@
             <a:solidFill>
               <a:schemeClr val="lt1"/>
             </a:solidFill>
-            <a:ln cap="flat" cmpd="sng" w="19050">
+            <a:ln w="19050" cap="flat" cmpd="sng">
               <a:solidFill>
                 <a:schemeClr val="lt1"/>
               </a:solidFill>
               <a:prstDash val="solid"/>
               <a:round/>
-              <a:headEnd len="sm" w="sm" type="none"/>
-              <a:tailEnd len="sm" w="sm" type="none"/>
+              <a:headEnd type="none" w="sm" len="sm"/>
+              <a:tailEnd type="none" w="sm" len="sm"/>
             </a:ln>
           </p:spPr>
           <p:txBody>
-            <a:bodyPr anchorCtr="0" anchor="ctr" bIns="91425" lIns="91425" spcFirstLastPara="1" rIns="91425" wrap="square" tIns="91425">
+            <a:bodyPr spcFirstLastPara="1" wrap="square" lIns="91425" tIns="91425" rIns="91425" bIns="91425" anchor="ctr" anchorCtr="0">
               <a:noAutofit/>
             </a:bodyPr>
             <a:lstStyle/>
             <a:p>
-              <a:pPr indent="0" lvl="0" marL="0" rtl="0" algn="l">
+              <a:pPr marL="0" lvl="0" indent="0" algn="l" rtl="0">
                 <a:spcBef>
                   <a:spcPts val="0"/>
                 </a:spcBef>
@@ -12973,9 +13086,6 @@
                 </a:spcAft>
                 <a:buNone/>
               </a:pPr>
-              <a:r>
-                <a:t/>
-              </a:r>
               <a:endParaRPr/>
             </a:p>
           </p:txBody>
@@ -12997,23 +13107,23 @@
             <a:solidFill>
               <a:schemeClr val="lt1"/>
             </a:solidFill>
-            <a:ln cap="flat" cmpd="sng" w="19050">
+            <a:ln w="19050" cap="flat" cmpd="sng">
               <a:solidFill>
                 <a:schemeClr val="lt1"/>
               </a:solidFill>
               <a:prstDash val="solid"/>
               <a:round/>
-              <a:headEnd len="sm" w="sm" type="none"/>
-              <a:tailEnd len="sm" w="sm" type="none"/>
+              <a:headEnd type="none" w="sm" len="sm"/>
+              <a:tailEnd type="none" w="sm" len="sm"/>
             </a:ln>
           </p:spPr>
           <p:txBody>
-            <a:bodyPr anchorCtr="0" anchor="ctr" bIns="91425" lIns="91425" spcFirstLastPara="1" rIns="91425" wrap="square" tIns="91425">
+            <a:bodyPr spcFirstLastPara="1" wrap="square" lIns="91425" tIns="91425" rIns="91425" bIns="91425" anchor="ctr" anchorCtr="0">
               <a:noAutofit/>
             </a:bodyPr>
             <a:lstStyle/>
             <a:p>
-              <a:pPr indent="0" lvl="0" marL="0" rtl="0" algn="l">
+              <a:pPr marL="0" lvl="0" indent="0" algn="l" rtl="0">
                 <a:spcBef>
                   <a:spcPts val="0"/>
                 </a:spcBef>
@@ -13022,9 +13132,6 @@
                 </a:spcAft>
                 <a:buNone/>
               </a:pPr>
-              <a:r>
-                <a:t/>
-              </a:r>
               <a:endParaRPr/>
             </a:p>
           </p:txBody>
@@ -13046,23 +13153,23 @@
             <a:solidFill>
               <a:schemeClr val="lt1"/>
             </a:solidFill>
-            <a:ln cap="flat" cmpd="sng" w="19050">
+            <a:ln w="19050" cap="flat" cmpd="sng">
               <a:solidFill>
                 <a:schemeClr val="lt1"/>
               </a:solidFill>
               <a:prstDash val="solid"/>
               <a:round/>
-              <a:headEnd len="sm" w="sm" type="none"/>
-              <a:tailEnd len="sm" w="sm" type="none"/>
+              <a:headEnd type="none" w="sm" len="sm"/>
+              <a:tailEnd type="none" w="sm" len="sm"/>
             </a:ln>
           </p:spPr>
           <p:txBody>
-            <a:bodyPr anchorCtr="0" anchor="ctr" bIns="91425" lIns="91425" spcFirstLastPara="1" rIns="91425" wrap="square" tIns="91425">
+            <a:bodyPr spcFirstLastPara="1" wrap="square" lIns="91425" tIns="91425" rIns="91425" bIns="91425" anchor="ctr" anchorCtr="0">
               <a:noAutofit/>
             </a:bodyPr>
             <a:lstStyle/>
             <a:p>
-              <a:pPr indent="0" lvl="0" marL="0" rtl="0" algn="l">
+              <a:pPr marL="0" lvl="0" indent="0" algn="l" rtl="0">
                 <a:spcBef>
                   <a:spcPts val="0"/>
                 </a:spcBef>
@@ -13071,9 +13178,6 @@
                 </a:spcAft>
                 <a:buNone/>
               </a:pPr>
-              <a:r>
-                <a:t/>
-              </a:r>
               <a:endParaRPr/>
             </a:p>
           </p:txBody>
@@ -13095,23 +13199,23 @@
             <a:solidFill>
               <a:schemeClr val="lt1"/>
             </a:solidFill>
-            <a:ln cap="flat" cmpd="sng" w="19050">
+            <a:ln w="19050" cap="flat" cmpd="sng">
               <a:solidFill>
                 <a:schemeClr val="lt1"/>
               </a:solidFill>
               <a:prstDash val="solid"/>
               <a:round/>
-              <a:headEnd len="sm" w="sm" type="none"/>
-              <a:tailEnd len="sm" w="sm" type="none"/>
+              <a:headEnd type="none" w="sm" len="sm"/>
+              <a:tailEnd type="none" w="sm" len="sm"/>
             </a:ln>
           </p:spPr>
           <p:txBody>
-            <a:bodyPr anchorCtr="0" anchor="ctr" bIns="91425" lIns="91425" spcFirstLastPara="1" rIns="91425" wrap="square" tIns="91425">
+            <a:bodyPr spcFirstLastPara="1" wrap="square" lIns="91425" tIns="91425" rIns="91425" bIns="91425" anchor="ctr" anchorCtr="0">
               <a:noAutofit/>
             </a:bodyPr>
             <a:lstStyle/>
             <a:p>
-              <a:pPr indent="0" lvl="0" marL="0" rtl="0" algn="l">
+              <a:pPr marL="0" lvl="0" indent="0" algn="l" rtl="0">
                 <a:spcBef>
                   <a:spcPts val="0"/>
                 </a:spcBef>
@@ -13120,9 +13224,6 @@
                 </a:spcAft>
                 <a:buNone/>
               </a:pPr>
-              <a:r>
-                <a:t/>
-              </a:r>
               <a:endParaRPr/>
             </a:p>
           </p:txBody>
@@ -13144,23 +13245,23 @@
             <a:solidFill>
               <a:schemeClr val="lt1"/>
             </a:solidFill>
-            <a:ln cap="flat" cmpd="sng" w="19050">
+            <a:ln w="19050" cap="flat" cmpd="sng">
               <a:solidFill>
                 <a:schemeClr val="lt1"/>
               </a:solidFill>
               <a:prstDash val="solid"/>
               <a:round/>
-              <a:headEnd len="sm" w="sm" type="none"/>
-              <a:tailEnd len="sm" w="sm" type="none"/>
+              <a:headEnd type="none" w="sm" len="sm"/>
+              <a:tailEnd type="none" w="sm" len="sm"/>
             </a:ln>
           </p:spPr>
           <p:txBody>
-            <a:bodyPr anchorCtr="0" anchor="ctr" bIns="91425" lIns="91425" spcFirstLastPara="1" rIns="91425" wrap="square" tIns="91425">
+            <a:bodyPr spcFirstLastPara="1" wrap="square" lIns="91425" tIns="91425" rIns="91425" bIns="91425" anchor="ctr" anchorCtr="0">
               <a:noAutofit/>
             </a:bodyPr>
             <a:lstStyle/>
             <a:p>
-              <a:pPr indent="0" lvl="0" marL="0" rtl="0" algn="l">
+              <a:pPr marL="0" lvl="0" indent="0" algn="l" rtl="0">
                 <a:spcBef>
                   <a:spcPts val="0"/>
                 </a:spcBef>
@@ -13169,9 +13270,6 @@
                 </a:spcAft>
                 <a:buNone/>
               </a:pPr>
-              <a:r>
-                <a:t/>
-              </a:r>
               <a:endParaRPr/>
             </a:p>
           </p:txBody>
@@ -13193,23 +13291,23 @@
             <a:solidFill>
               <a:schemeClr val="lt1"/>
             </a:solidFill>
-            <a:ln cap="flat" cmpd="sng" w="19050">
+            <a:ln w="19050" cap="flat" cmpd="sng">
               <a:solidFill>
                 <a:schemeClr val="lt1"/>
               </a:solidFill>
               <a:prstDash val="solid"/>
               <a:round/>
-              <a:headEnd len="sm" w="sm" type="none"/>
-              <a:tailEnd len="sm" w="sm" type="none"/>
+              <a:headEnd type="none" w="sm" len="sm"/>
+              <a:tailEnd type="none" w="sm" len="sm"/>
             </a:ln>
           </p:spPr>
           <p:txBody>
-            <a:bodyPr anchorCtr="0" anchor="ctr" bIns="91425" lIns="91425" spcFirstLastPara="1" rIns="91425" wrap="square" tIns="91425">
+            <a:bodyPr spcFirstLastPara="1" wrap="square" lIns="91425" tIns="91425" rIns="91425" bIns="91425" anchor="ctr" anchorCtr="0">
               <a:noAutofit/>
             </a:bodyPr>
             <a:lstStyle/>
             <a:p>
-              <a:pPr indent="0" lvl="0" marL="0" rtl="0" algn="l">
+              <a:pPr marL="0" lvl="0" indent="0" algn="l" rtl="0">
                 <a:spcBef>
                   <a:spcPts val="0"/>
                 </a:spcBef>
@@ -13218,9 +13316,6 @@
                 </a:spcAft>
                 <a:buNone/>
               </a:pPr>
-              <a:r>
-                <a:t/>
-              </a:r>
               <a:endParaRPr/>
             </a:p>
           </p:txBody>
@@ -13242,23 +13337,23 @@
             <a:solidFill>
               <a:schemeClr val="lt1"/>
             </a:solidFill>
-            <a:ln cap="flat" cmpd="sng" w="19050">
+            <a:ln w="19050" cap="flat" cmpd="sng">
               <a:solidFill>
                 <a:schemeClr val="lt1"/>
               </a:solidFill>
               <a:prstDash val="solid"/>
               <a:round/>
-              <a:headEnd len="sm" w="sm" type="none"/>
-              <a:tailEnd len="sm" w="sm" type="none"/>
+              <a:headEnd type="none" w="sm" len="sm"/>
+              <a:tailEnd type="none" w="sm" len="sm"/>
             </a:ln>
           </p:spPr>
           <p:txBody>
-            <a:bodyPr anchorCtr="0" anchor="ctr" bIns="91425" lIns="91425" spcFirstLastPara="1" rIns="91425" wrap="square" tIns="91425">
+            <a:bodyPr spcFirstLastPara="1" wrap="square" lIns="91425" tIns="91425" rIns="91425" bIns="91425" anchor="ctr" anchorCtr="0">
               <a:noAutofit/>
             </a:bodyPr>
             <a:lstStyle/>
             <a:p>
-              <a:pPr indent="0" lvl="0" marL="0" rtl="0" algn="l">
+              <a:pPr marL="0" lvl="0" indent="0" algn="l" rtl="0">
                 <a:spcBef>
                   <a:spcPts val="0"/>
                 </a:spcBef>
@@ -13267,9 +13362,6 @@
                 </a:spcAft>
                 <a:buNone/>
               </a:pPr>
-              <a:r>
-                <a:t/>
-              </a:r>
               <a:endParaRPr/>
             </a:p>
           </p:txBody>
@@ -13288,9 +13380,9 @@
           </a:xfrm>
           <a:prstGeom prst="wedgeRoundRectCallout">
             <a:avLst>
-              <a:gd fmla="val -21432" name="adj1"/>
-              <a:gd fmla="val 84969" name="adj2"/>
-              <a:gd fmla="val 0" name="adj3"/>
+              <a:gd name="adj1" fmla="val -21432"/>
+              <a:gd name="adj2" fmla="val 84969"/>
+              <a:gd name="adj3" fmla="val 0"/>
             </a:avLst>
           </a:prstGeom>
           <a:solidFill>
@@ -13301,12 +13393,12 @@
           </a:ln>
         </p:spPr>
         <p:txBody>
-          <a:bodyPr anchorCtr="0" anchor="ctr" bIns="91425" lIns="91425" spcFirstLastPara="1" rIns="91425" wrap="square" tIns="91425">
+          <a:bodyPr spcFirstLastPara="1" wrap="square" lIns="91425" tIns="91425" rIns="91425" bIns="91425" anchor="ctr" anchorCtr="0">
             <a:noAutofit/>
           </a:bodyPr>
           <a:lstStyle/>
           <a:p>
-            <a:pPr indent="0" lvl="0" marL="0" rtl="0" algn="l">
+            <a:pPr marL="0" lvl="0" indent="0" algn="l" rtl="0">
               <a:spcBef>
                 <a:spcPts val="0"/>
               </a:spcBef>
@@ -13315,9 +13407,6 @@
               </a:spcAft>
               <a:buNone/>
             </a:pPr>
-            <a:r>
-              <a:t/>
-            </a:r>
             <a:endParaRPr/>
           </a:p>
         </p:txBody>
@@ -13348,9 +13437,13 @@
               <a:ext cx="4156550" cy="1576975"/>
             </a:xfrm>
             <a:custGeom>
-              <a:rect b="b" l="l" r="r" t="t"/>
+              <a:avLst/>
+              <a:gdLst/>
+              <a:ahLst/>
+              <a:cxnLst/>
+              <a:rect l="l" t="t" r="r" b="b"/>
               <a:pathLst>
-                <a:path extrusionOk="0" h="63079" w="166262">
+                <a:path w="166262" h="63079" extrusionOk="0">
                   <a:moveTo>
                     <a:pt x="0" y="34952"/>
                   </a:moveTo>
@@ -13403,14 +13496,14 @@
               </a:pathLst>
             </a:custGeom>
             <a:noFill/>
-            <a:ln cap="flat" cmpd="sng" w="19050">
+            <a:ln w="19050" cap="flat" cmpd="sng">
               <a:solidFill>
                 <a:schemeClr val="accent4"/>
               </a:solidFill>
               <a:prstDash val="solid"/>
               <a:round/>
-              <a:headEnd len="med" w="med" type="oval"/>
-              <a:tailEnd len="med" w="med" type="oval"/>
+              <a:headEnd type="oval" w="med" len="med"/>
+              <a:tailEnd type="oval" w="med" len="med"/>
             </a:ln>
           </p:spPr>
         </p:sp>
@@ -13431,23 +13524,23 @@
             <a:solidFill>
               <a:schemeClr val="accent4"/>
             </a:solidFill>
-            <a:ln cap="flat" cmpd="sng" w="19050">
+            <a:ln w="19050" cap="flat" cmpd="sng">
               <a:solidFill>
                 <a:schemeClr val="accent4"/>
               </a:solidFill>
               <a:prstDash val="solid"/>
               <a:round/>
-              <a:headEnd len="sm" w="sm" type="none"/>
-              <a:tailEnd len="sm" w="sm" type="none"/>
+              <a:headEnd type="none" w="sm" len="sm"/>
+              <a:tailEnd type="none" w="sm" len="sm"/>
             </a:ln>
           </p:spPr>
           <p:txBody>
-            <a:bodyPr anchorCtr="0" anchor="ctr" bIns="91425" lIns="91425" spcFirstLastPara="1" rIns="91425" wrap="square" tIns="91425">
+            <a:bodyPr spcFirstLastPara="1" wrap="square" lIns="91425" tIns="91425" rIns="91425" bIns="91425" anchor="ctr" anchorCtr="0">
               <a:noAutofit/>
             </a:bodyPr>
             <a:lstStyle/>
             <a:p>
-              <a:pPr indent="0" lvl="0" marL="0" rtl="0" algn="l">
+              <a:pPr marL="0" lvl="0" indent="0" algn="l" rtl="0">
                 <a:spcBef>
                   <a:spcPts val="0"/>
                 </a:spcBef>
@@ -13456,9 +13549,6 @@
                 </a:spcAft>
                 <a:buNone/>
               </a:pPr>
-              <a:r>
-                <a:t/>
-              </a:r>
               <a:endParaRPr/>
             </a:p>
           </p:txBody>
@@ -13480,23 +13570,23 @@
             <a:solidFill>
               <a:schemeClr val="accent4"/>
             </a:solidFill>
-            <a:ln cap="flat" cmpd="sng" w="19050">
+            <a:ln w="19050" cap="flat" cmpd="sng">
               <a:solidFill>
                 <a:schemeClr val="accent4"/>
               </a:solidFill>
               <a:prstDash val="solid"/>
               <a:round/>
-              <a:headEnd len="sm" w="sm" type="none"/>
-              <a:tailEnd len="sm" w="sm" type="none"/>
+              <a:headEnd type="none" w="sm" len="sm"/>
+              <a:tailEnd type="none" w="sm" len="sm"/>
             </a:ln>
           </p:spPr>
           <p:txBody>
-            <a:bodyPr anchorCtr="0" anchor="ctr" bIns="91425" lIns="91425" spcFirstLastPara="1" rIns="91425" wrap="square" tIns="91425">
+            <a:bodyPr spcFirstLastPara="1" wrap="square" lIns="91425" tIns="91425" rIns="91425" bIns="91425" anchor="ctr" anchorCtr="0">
               <a:noAutofit/>
             </a:bodyPr>
             <a:lstStyle/>
             <a:p>
-              <a:pPr indent="0" lvl="0" marL="0" rtl="0" algn="l">
+              <a:pPr marL="0" lvl="0" indent="0" algn="l" rtl="0">
                 <a:spcBef>
                   <a:spcPts val="0"/>
                 </a:spcBef>
@@ -13505,9 +13595,6 @@
                 </a:spcAft>
                 <a:buNone/>
               </a:pPr>
-              <a:r>
-                <a:t/>
-              </a:r>
               <a:endParaRPr/>
             </a:p>
           </p:txBody>
@@ -13529,23 +13616,23 @@
             <a:solidFill>
               <a:schemeClr val="accent4"/>
             </a:solidFill>
-            <a:ln cap="flat" cmpd="sng" w="19050">
+            <a:ln w="19050" cap="flat" cmpd="sng">
               <a:solidFill>
                 <a:schemeClr val="accent4"/>
               </a:solidFill>
               <a:prstDash val="solid"/>
               <a:round/>
-              <a:headEnd len="sm" w="sm" type="none"/>
-              <a:tailEnd len="sm" w="sm" type="none"/>
+              <a:headEnd type="none" w="sm" len="sm"/>
+              <a:tailEnd type="none" w="sm" len="sm"/>
             </a:ln>
           </p:spPr>
           <p:txBody>
-            <a:bodyPr anchorCtr="0" anchor="ctr" bIns="91425" lIns="91425" spcFirstLastPara="1" rIns="91425" wrap="square" tIns="91425">
+            <a:bodyPr spcFirstLastPara="1" wrap="square" lIns="91425" tIns="91425" rIns="91425" bIns="91425" anchor="ctr" anchorCtr="0">
               <a:noAutofit/>
             </a:bodyPr>
             <a:lstStyle/>
             <a:p>
-              <a:pPr indent="0" lvl="0" marL="0" rtl="0" algn="l">
+              <a:pPr marL="0" lvl="0" indent="0" algn="l" rtl="0">
                 <a:spcBef>
                   <a:spcPts val="0"/>
                 </a:spcBef>
@@ -13554,9 +13641,6 @@
                 </a:spcAft>
                 <a:buNone/>
               </a:pPr>
-              <a:r>
-                <a:t/>
-              </a:r>
               <a:endParaRPr/>
             </a:p>
           </p:txBody>
@@ -13578,23 +13662,23 @@
             <a:solidFill>
               <a:schemeClr val="accent4"/>
             </a:solidFill>
-            <a:ln cap="flat" cmpd="sng" w="19050">
+            <a:ln w="19050" cap="flat" cmpd="sng">
               <a:solidFill>
                 <a:schemeClr val="accent4"/>
               </a:solidFill>
               <a:prstDash val="solid"/>
               <a:round/>
-              <a:headEnd len="sm" w="sm" type="none"/>
-              <a:tailEnd len="sm" w="sm" type="none"/>
+              <a:headEnd type="none" w="sm" len="sm"/>
+              <a:tailEnd type="none" w="sm" len="sm"/>
             </a:ln>
           </p:spPr>
           <p:txBody>
-            <a:bodyPr anchorCtr="0" anchor="ctr" bIns="91425" lIns="91425" spcFirstLastPara="1" rIns="91425" wrap="square" tIns="91425">
+            <a:bodyPr spcFirstLastPara="1" wrap="square" lIns="91425" tIns="91425" rIns="91425" bIns="91425" anchor="ctr" anchorCtr="0">
               <a:noAutofit/>
             </a:bodyPr>
             <a:lstStyle/>
             <a:p>
-              <a:pPr indent="0" lvl="0" marL="0" rtl="0" algn="l">
+              <a:pPr marL="0" lvl="0" indent="0" algn="l" rtl="0">
                 <a:spcBef>
                   <a:spcPts val="0"/>
                 </a:spcBef>
@@ -13603,9 +13687,6 @@
                 </a:spcAft>
                 <a:buNone/>
               </a:pPr>
-              <a:r>
-                <a:t/>
-              </a:r>
               <a:endParaRPr/>
             </a:p>
           </p:txBody>
@@ -13627,23 +13708,23 @@
             <a:solidFill>
               <a:schemeClr val="accent4"/>
             </a:solidFill>
-            <a:ln cap="flat" cmpd="sng" w="19050">
+            <a:ln w="19050" cap="flat" cmpd="sng">
               <a:solidFill>
                 <a:schemeClr val="accent4"/>
               </a:solidFill>
               <a:prstDash val="solid"/>
               <a:round/>
-              <a:headEnd len="sm" w="sm" type="none"/>
-              <a:tailEnd len="sm" w="sm" type="none"/>
+              <a:headEnd type="none" w="sm" len="sm"/>
+              <a:tailEnd type="none" w="sm" len="sm"/>
             </a:ln>
           </p:spPr>
           <p:txBody>
-            <a:bodyPr anchorCtr="0" anchor="ctr" bIns="91425" lIns="91425" spcFirstLastPara="1" rIns="91425" wrap="square" tIns="91425">
+            <a:bodyPr spcFirstLastPara="1" wrap="square" lIns="91425" tIns="91425" rIns="91425" bIns="91425" anchor="ctr" anchorCtr="0">
               <a:noAutofit/>
             </a:bodyPr>
             <a:lstStyle/>
             <a:p>
-              <a:pPr indent="0" lvl="0" marL="0" rtl="0" algn="l">
+              <a:pPr marL="0" lvl="0" indent="0" algn="l" rtl="0">
                 <a:spcBef>
                   <a:spcPts val="0"/>
                 </a:spcBef>
@@ -13652,9 +13733,6 @@
                 </a:spcAft>
                 <a:buNone/>
               </a:pPr>
-              <a:r>
-                <a:t/>
-              </a:r>
               <a:endParaRPr/>
             </a:p>
           </p:txBody>
@@ -13676,23 +13754,23 @@
             <a:solidFill>
               <a:schemeClr val="accent4"/>
             </a:solidFill>
-            <a:ln cap="flat" cmpd="sng" w="19050">
+            <a:ln w="19050" cap="flat" cmpd="sng">
               <a:solidFill>
                 <a:schemeClr val="accent4"/>
               </a:solidFill>
               <a:prstDash val="solid"/>
               <a:round/>
-              <a:headEnd len="sm" w="sm" type="none"/>
-              <a:tailEnd len="sm" w="sm" type="none"/>
+              <a:headEnd type="none" w="sm" len="sm"/>
+              <a:tailEnd type="none" w="sm" len="sm"/>
             </a:ln>
           </p:spPr>
           <p:txBody>
-            <a:bodyPr anchorCtr="0" anchor="ctr" bIns="91425" lIns="91425" spcFirstLastPara="1" rIns="91425" wrap="square" tIns="91425">
+            <a:bodyPr spcFirstLastPara="1" wrap="square" lIns="91425" tIns="91425" rIns="91425" bIns="91425" anchor="ctr" anchorCtr="0">
               <a:noAutofit/>
             </a:bodyPr>
             <a:lstStyle/>
             <a:p>
-              <a:pPr indent="0" lvl="0" marL="0" rtl="0" algn="l">
+              <a:pPr marL="0" lvl="0" indent="0" algn="l" rtl="0">
                 <a:spcBef>
                   <a:spcPts val="0"/>
                 </a:spcBef>
@@ -13701,9 +13779,6 @@
                 </a:spcAft>
                 <a:buNone/>
               </a:pPr>
-              <a:r>
-                <a:t/>
-              </a:r>
               <a:endParaRPr/>
             </a:p>
           </p:txBody>
@@ -13725,23 +13800,23 @@
             <a:solidFill>
               <a:schemeClr val="accent4"/>
             </a:solidFill>
-            <a:ln cap="flat" cmpd="sng" w="19050">
+            <a:ln w="19050" cap="flat" cmpd="sng">
               <a:solidFill>
                 <a:schemeClr val="accent4"/>
               </a:solidFill>
               <a:prstDash val="solid"/>
               <a:round/>
-              <a:headEnd len="sm" w="sm" type="none"/>
-              <a:tailEnd len="sm" w="sm" type="none"/>
+              <a:headEnd type="none" w="sm" len="sm"/>
+              <a:tailEnd type="none" w="sm" len="sm"/>
             </a:ln>
           </p:spPr>
           <p:txBody>
-            <a:bodyPr anchorCtr="0" anchor="ctr" bIns="91425" lIns="91425" spcFirstLastPara="1" rIns="91425" wrap="square" tIns="91425">
+            <a:bodyPr spcFirstLastPara="1" wrap="square" lIns="91425" tIns="91425" rIns="91425" bIns="91425" anchor="ctr" anchorCtr="0">
               <a:noAutofit/>
             </a:bodyPr>
             <a:lstStyle/>
             <a:p>
-              <a:pPr indent="0" lvl="0" marL="0" rtl="0" algn="l">
+              <a:pPr marL="0" lvl="0" indent="0" algn="l" rtl="0">
                 <a:spcBef>
                   <a:spcPts val="0"/>
                 </a:spcBef>
@@ -13750,9 +13825,6 @@
                 </a:spcAft>
                 <a:buNone/>
               </a:pPr>
-              <a:r>
-                <a:t/>
-              </a:r>
               <a:endParaRPr/>
             </a:p>
           </p:txBody>
@@ -13774,23 +13846,23 @@
             <a:solidFill>
               <a:schemeClr val="accent4"/>
             </a:solidFill>
-            <a:ln cap="flat" cmpd="sng" w="19050">
+            <a:ln w="19050" cap="flat" cmpd="sng">
               <a:solidFill>
                 <a:schemeClr val="accent4"/>
               </a:solidFill>
               <a:prstDash val="solid"/>
               <a:round/>
-              <a:headEnd len="sm" w="sm" type="none"/>
-              <a:tailEnd len="sm" w="sm" type="none"/>
+              <a:headEnd type="none" w="sm" len="sm"/>
+              <a:tailEnd type="none" w="sm" len="sm"/>
             </a:ln>
           </p:spPr>
           <p:txBody>
-            <a:bodyPr anchorCtr="0" anchor="ctr" bIns="91425" lIns="91425" spcFirstLastPara="1" rIns="91425" wrap="square" tIns="91425">
+            <a:bodyPr spcFirstLastPara="1" wrap="square" lIns="91425" tIns="91425" rIns="91425" bIns="91425" anchor="ctr" anchorCtr="0">
               <a:noAutofit/>
             </a:bodyPr>
             <a:lstStyle/>
             <a:p>
-              <a:pPr indent="0" lvl="0" marL="0" rtl="0" algn="l">
+              <a:pPr marL="0" lvl="0" indent="0" algn="l" rtl="0">
                 <a:spcBef>
                   <a:spcPts val="0"/>
                 </a:spcBef>
@@ -13799,9 +13871,6 @@
                 </a:spcAft>
                 <a:buNone/>
               </a:pPr>
-              <a:r>
-                <a:t/>
-              </a:r>
               <a:endParaRPr/>
             </a:p>
           </p:txBody>
@@ -13810,9 +13879,11 @@
       <p:sp>
         <p:nvSpPr>
           <p:cNvPr id="281" name="Google Shape;281;p31"/>
-          <p:cNvSpPr txBox="1"/>
+          <p:cNvSpPr txBox="1">
+            <a:spLocks noGrp="1"/>
+          </p:cNvSpPr>
           <p:nvPr>
-            <p:ph idx="2" type="body"/>
+            <p:ph type="body" idx="2"/>
           </p:nvPr>
         </p:nvSpPr>
         <p:spPr>
@@ -13825,12 +13896,12 @@
           </a:prstGeom>
         </p:spPr>
         <p:txBody>
-          <a:bodyPr anchorCtr="0" anchor="ctr" bIns="91425" lIns="91425" spcFirstLastPara="1" rIns="91425" wrap="square" tIns="91425">
+          <a:bodyPr spcFirstLastPara="1" wrap="square" lIns="91425" tIns="91425" rIns="91425" bIns="91425" anchor="ctr" anchorCtr="0">
             <a:noAutofit/>
           </a:bodyPr>
           <a:lstStyle/>
           <a:p>
-            <a:pPr indent="0" lvl="0" marL="0" rtl="0" algn="ctr">
+            <a:pPr marL="0" lvl="0" indent="0" algn="ctr" rtl="0">
               <a:spcBef>
                 <a:spcPts val="0"/>
               </a:spcBef>
@@ -13864,11 +13935,11 @@
 </file>
 
 <file path=ppt/slides/slide2.xml><?xml version="1.0" encoding="utf-8"?>
-<p:sld xmlns:a="http://schemas.openxmlformats.org/drawingml/2006/main" xmlns:r="http://schemas.openxmlformats.org/officeDocument/2006/relationships" xmlns:mc="http://schemas.openxmlformats.org/markup-compatibility/2006" xmlns:mv="urn:schemas-microsoft-com:mac:vml" xmlns:p="http://schemas.openxmlformats.org/presentationml/2006/main" xmlns:c="http://schemas.openxmlformats.org/drawingml/2006/chart" xmlns:dgm="http://schemas.openxmlformats.org/drawingml/2006/diagram" xmlns:o="urn:schemas-microsoft-com:office:office" xmlns:v="urn:schemas-microsoft-com:vml" xmlns:pvml="urn:schemas-microsoft-com:office:powerpoint" xmlns:com="http://schemas.openxmlformats.org/drawingml/2006/compatibility" xmlns:p14="http://schemas.microsoft.com/office/powerpoint/2010/main" xmlns:p15="http://schemas.microsoft.com/office/powerpoint/2012/main" xmlns:ahyp="http://schemas.microsoft.com/office/drawing/2018/hyperlinkcolor">
+<p:sld xmlns:a="http://schemas.openxmlformats.org/drawingml/2006/main" xmlns:r="http://schemas.openxmlformats.org/officeDocument/2006/relationships" xmlns:p="http://schemas.openxmlformats.org/presentationml/2006/main">
   <p:cSld>
     <p:spTree>
       <p:nvGrpSpPr>
-        <p:cNvPr id="91" name="Shape 91"/>
+        <p:cNvPr id="1" name="Shape 91"/>
         <p:cNvGrpSpPr/>
         <p:nvPr/>
       </p:nvGrpSpPr>
@@ -13883,7 +13954,9 @@
       <p:sp>
         <p:nvSpPr>
           <p:cNvPr id="92" name="Google Shape;92;p14"/>
-          <p:cNvSpPr txBox="1"/>
+          <p:cNvSpPr txBox="1">
+            <a:spLocks noGrp="1"/>
+          </p:cNvSpPr>
           <p:nvPr>
             <p:ph type="title"/>
           </p:nvPr>
@@ -13898,12 +13971,12 @@
           </a:prstGeom>
         </p:spPr>
         <p:txBody>
-          <a:bodyPr anchorCtr="0" anchor="t" bIns="91425" lIns="91425" spcFirstLastPara="1" rIns="91425" wrap="square" tIns="91425">
+          <a:bodyPr spcFirstLastPara="1" wrap="square" lIns="91425" tIns="91425" rIns="91425" bIns="91425" anchor="t" anchorCtr="0">
             <a:noAutofit/>
           </a:bodyPr>
           <a:lstStyle/>
           <a:p>
-            <a:pPr indent="0" lvl="0" marL="0" rtl="0" algn="ctr">
+            <a:pPr marL="0" lvl="0" indent="0" algn="ctr" rtl="0">
               <a:spcBef>
                 <a:spcPts val="0"/>
               </a:spcBef>
@@ -13923,9 +13996,11 @@
       <p:sp>
         <p:nvSpPr>
           <p:cNvPr id="93" name="Google Shape;93;p14"/>
-          <p:cNvSpPr txBox="1"/>
+          <p:cNvSpPr txBox="1">
+            <a:spLocks noGrp="1"/>
+          </p:cNvSpPr>
           <p:nvPr>
-            <p:ph idx="1" type="body"/>
+            <p:ph type="body" idx="1"/>
           </p:nvPr>
         </p:nvSpPr>
         <p:spPr>
@@ -13938,12 +14013,12 @@
           </a:prstGeom>
         </p:spPr>
         <p:txBody>
-          <a:bodyPr anchorCtr="0" anchor="t" bIns="91425" lIns="91425" spcFirstLastPara="1" rIns="91425" wrap="square" tIns="91425">
+          <a:bodyPr spcFirstLastPara="1" wrap="square" lIns="91425" tIns="91425" rIns="91425" bIns="91425" anchor="t" anchorCtr="0">
             <a:noAutofit/>
           </a:bodyPr>
           <a:lstStyle/>
           <a:p>
-            <a:pPr indent="0" lvl="0" marL="0" rtl="0" algn="l">
+            <a:pPr marL="0" lvl="0" indent="0" algn="l" rtl="0">
               <a:spcBef>
                 <a:spcPts val="0"/>
               </a:spcBef>
@@ -13977,11 +14052,11 @@
 </file>
 
 <file path=ppt/slides/slide3.xml><?xml version="1.0" encoding="utf-8"?>
-<p:sld xmlns:a="http://schemas.openxmlformats.org/drawingml/2006/main" xmlns:r="http://schemas.openxmlformats.org/officeDocument/2006/relationships" xmlns:mc="http://schemas.openxmlformats.org/markup-compatibility/2006" xmlns:mv="urn:schemas-microsoft-com:mac:vml" xmlns:p="http://schemas.openxmlformats.org/presentationml/2006/main" xmlns:c="http://schemas.openxmlformats.org/drawingml/2006/chart" xmlns:dgm="http://schemas.openxmlformats.org/drawingml/2006/diagram" xmlns:o="urn:schemas-microsoft-com:office:office" xmlns:v="urn:schemas-microsoft-com:vml" xmlns:pvml="urn:schemas-microsoft-com:office:powerpoint" xmlns:com="http://schemas.openxmlformats.org/drawingml/2006/compatibility" xmlns:p14="http://schemas.microsoft.com/office/powerpoint/2010/main" xmlns:p15="http://schemas.microsoft.com/office/powerpoint/2012/main" xmlns:ahyp="http://schemas.microsoft.com/office/drawing/2018/hyperlinkcolor">
+<p:sld xmlns:a="http://schemas.openxmlformats.org/drawingml/2006/main" xmlns:r="http://schemas.openxmlformats.org/officeDocument/2006/relationships" xmlns:p="http://schemas.openxmlformats.org/presentationml/2006/main">
   <p:cSld>
     <p:spTree>
       <p:nvGrpSpPr>
-        <p:cNvPr id="97" name="Shape 97"/>
+        <p:cNvPr id="1" name="Shape 97"/>
         <p:cNvGrpSpPr/>
         <p:nvPr/>
       </p:nvGrpSpPr>
@@ -13996,7 +14071,9 @@
       <p:sp>
         <p:nvSpPr>
           <p:cNvPr id="98" name="Google Shape;98;p15"/>
-          <p:cNvSpPr txBox="1"/>
+          <p:cNvSpPr txBox="1">
+            <a:spLocks noGrp="1"/>
+          </p:cNvSpPr>
           <p:nvPr>
             <p:ph type="title"/>
           </p:nvPr>
@@ -14011,12 +14088,12 @@
           </a:prstGeom>
         </p:spPr>
         <p:txBody>
-          <a:bodyPr anchorCtr="0" anchor="t" bIns="91425" lIns="91425" spcFirstLastPara="1" rIns="91425" wrap="square" tIns="91425">
+          <a:bodyPr spcFirstLastPara="1" wrap="square" lIns="91425" tIns="91425" rIns="91425" bIns="91425" anchor="t" anchorCtr="0">
             <a:noAutofit/>
           </a:bodyPr>
           <a:lstStyle/>
           <a:p>
-            <a:pPr indent="0" lvl="0" marL="0" rtl="0" algn="l">
+            <a:pPr marL="0" lvl="0" indent="0" algn="l" rtl="0">
               <a:spcBef>
                 <a:spcPts val="0"/>
               </a:spcBef>
@@ -14036,9 +14113,11 @@
       <p:sp>
         <p:nvSpPr>
           <p:cNvPr id="99" name="Google Shape;99;p15"/>
-          <p:cNvSpPr txBox="1"/>
+          <p:cNvSpPr txBox="1">
+            <a:spLocks noGrp="1"/>
+          </p:cNvSpPr>
           <p:nvPr>
-            <p:ph idx="1" type="body"/>
+            <p:ph type="body" idx="1"/>
           </p:nvPr>
         </p:nvSpPr>
         <p:spPr>
@@ -14051,12 +14130,12 @@
           </a:prstGeom>
         </p:spPr>
         <p:txBody>
-          <a:bodyPr anchorCtr="0" anchor="t" bIns="91425" lIns="91425" spcFirstLastPara="1" rIns="91425" wrap="square" tIns="91425">
+          <a:bodyPr spcFirstLastPara="1" wrap="square" lIns="91425" tIns="91425" rIns="91425" bIns="91425" anchor="t" anchorCtr="0">
             <a:noAutofit/>
           </a:bodyPr>
           <a:lstStyle/>
           <a:p>
-            <a:pPr indent="0" lvl="0" marL="0" rtl="0" algn="l">
+            <a:pPr marL="0" lvl="0" indent="0" algn="l" rtl="0">
               <a:lnSpc>
                 <a:spcPct val="100000"/>
               </a:lnSpc>
@@ -14069,7 +14148,7 @@
               <a:buNone/>
             </a:pPr>
             <a:r>
-              <a:rPr b="1" lang="en" sz="1150">
+              <a:rPr lang="en" sz="1150" b="1">
                 <a:solidFill>
                   <a:srgbClr val="000000"/>
                 </a:solidFill>
@@ -14081,25 +14160,10 @@
                 <a:cs typeface="Arial"/>
                 <a:sym typeface="Arial"/>
               </a:rPr>
-              <a:t>National Institutional Ranking </a:t>
+              <a:t>National Institutional Ranking Framework(</a:t>
             </a:r>
             <a:r>
-              <a:rPr b="1" lang="en" sz="1150">
-                <a:solidFill>
-                  <a:srgbClr val="000000"/>
-                </a:solidFill>
-                <a:highlight>
-                  <a:schemeClr val="lt1"/>
-                </a:highlight>
-                <a:latin typeface="Arial"/>
-                <a:ea typeface="Arial"/>
-                <a:cs typeface="Arial"/>
-                <a:sym typeface="Arial"/>
-              </a:rPr>
-              <a:t>Framework(</a:t>
-            </a:r>
-            <a:r>
-              <a:rPr b="1" lang="en" sz="1150" u="sng">
+              <a:rPr lang="en" sz="1150" b="1" u="sng">
                 <a:solidFill>
                   <a:schemeClr val="hlink"/>
                 </a:solidFill>
@@ -14115,7 +14179,7 @@
               <a:t>NIRF Official Website</a:t>
             </a:r>
             <a:r>
-              <a:rPr b="1" lang="en" sz="1150">
+              <a:rPr lang="en" sz="1150" b="1">
                 <a:solidFill>
                   <a:srgbClr val="000000"/>
                 </a:solidFill>
@@ -14157,7 +14221,7 @@
             </a:endParaRPr>
           </a:p>
           <a:p>
-            <a:pPr indent="0" lvl="0" marL="0" rtl="0" algn="l">
+            <a:pPr marL="0" lvl="0" indent="0" algn="l" rtl="0">
               <a:lnSpc>
                 <a:spcPct val="100000"/>
               </a:lnSpc>
@@ -14198,7 +14262,7 @@
             </a:endParaRPr>
           </a:p>
           <a:p>
-            <a:pPr indent="0" lvl="0" marL="0" rtl="0" algn="l">
+            <a:pPr marL="0" lvl="0" indent="0" algn="l" rtl="0">
               <a:lnSpc>
                 <a:spcPct val="100000"/>
               </a:lnSpc>
@@ -14210,9 +14274,6 @@
               </a:spcAft>
               <a:buNone/>
             </a:pPr>
-            <a:r>
-              <a:t/>
-            </a:r>
             <a:endParaRPr sz="1150">
               <a:solidFill>
                 <a:srgbClr val="000000"/>
@@ -14227,7 +14288,7 @@
             </a:endParaRPr>
           </a:p>
           <a:p>
-            <a:pPr indent="0" lvl="0" marL="0" rtl="0" algn="l">
+            <a:pPr marL="0" lvl="0" indent="0" algn="l" rtl="0">
               <a:lnSpc>
                 <a:spcPct val="100000"/>
               </a:lnSpc>
@@ -14268,7 +14329,7 @@
             </a:endParaRPr>
           </a:p>
           <a:p>
-            <a:pPr indent="0" lvl="0" marL="0" rtl="0" algn="l">
+            <a:pPr marL="0" lvl="0" indent="0" algn="l" rtl="0">
               <a:lnSpc>
                 <a:spcPct val="100000"/>
               </a:lnSpc>
@@ -14280,9 +14341,6 @@
               </a:spcAft>
               <a:buNone/>
             </a:pPr>
-            <a:r>
-              <a:t/>
-            </a:r>
             <a:endParaRPr sz="1150">
               <a:solidFill>
                 <a:srgbClr val="000000"/>
@@ -14297,7 +14355,7 @@
             </a:endParaRPr>
           </a:p>
           <a:p>
-            <a:pPr indent="-301625" lvl="0" marL="457200" rtl="0" algn="l">
+            <a:pPr marL="457200" lvl="0" indent="-301625" algn="l" rtl="0">
               <a:lnSpc>
                 <a:spcPct val="100000"/>
               </a:lnSpc>
@@ -14344,7 +14402,7 @@
             </a:endParaRPr>
           </a:p>
           <a:p>
-            <a:pPr indent="0" lvl="0" marL="457200" rtl="0" algn="l">
+            <a:pPr marL="457200" lvl="0" indent="0" algn="l" rtl="0">
               <a:lnSpc>
                 <a:spcPct val="100000"/>
               </a:lnSpc>
@@ -14356,9 +14414,6 @@
               </a:spcAft>
               <a:buNone/>
             </a:pPr>
-            <a:r>
-              <a:t/>
-            </a:r>
             <a:endParaRPr sz="1150">
               <a:solidFill>
                 <a:srgbClr val="000000"/>
@@ -14373,7 +14428,7 @@
             </a:endParaRPr>
           </a:p>
           <a:p>
-            <a:pPr indent="-301625" lvl="0" marL="457200" rtl="0" algn="l">
+            <a:pPr marL="457200" lvl="0" indent="-301625" algn="l" rtl="0">
               <a:lnSpc>
                 <a:spcPct val="100000"/>
               </a:lnSpc>
@@ -14420,7 +14475,7 @@
             </a:endParaRPr>
           </a:p>
           <a:p>
-            <a:pPr indent="0" lvl="0" marL="457200" rtl="0" algn="l">
+            <a:pPr marL="457200" lvl="0" indent="0" algn="l" rtl="0">
               <a:lnSpc>
                 <a:spcPct val="100000"/>
               </a:lnSpc>
@@ -14432,9 +14487,6 @@
               </a:spcAft>
               <a:buNone/>
             </a:pPr>
-            <a:r>
-              <a:t/>
-            </a:r>
             <a:endParaRPr sz="1150">
               <a:solidFill>
                 <a:srgbClr val="000000"/>
@@ -14449,7 +14501,7 @@
             </a:endParaRPr>
           </a:p>
           <a:p>
-            <a:pPr indent="-301625" lvl="0" marL="457200" rtl="0" algn="l">
+            <a:pPr marL="457200" lvl="0" indent="-301625" algn="l" rtl="0">
               <a:lnSpc>
                 <a:spcPct val="100000"/>
               </a:lnSpc>
@@ -14496,7 +14548,7 @@
             </a:endParaRPr>
           </a:p>
           <a:p>
-            <a:pPr indent="0" lvl="0" marL="457200" rtl="0" algn="l">
+            <a:pPr marL="457200" lvl="0" indent="0" algn="l" rtl="0">
               <a:lnSpc>
                 <a:spcPct val="100000"/>
               </a:lnSpc>
@@ -14508,9 +14560,6 @@
               </a:spcAft>
               <a:buNone/>
             </a:pPr>
-            <a:r>
-              <a:t/>
-            </a:r>
             <a:endParaRPr sz="1150">
               <a:solidFill>
                 <a:srgbClr val="000000"/>
@@ -14525,7 +14574,7 @@
             </a:endParaRPr>
           </a:p>
           <a:p>
-            <a:pPr indent="0" lvl="0" marL="457200" rtl="0" algn="l">
+            <a:pPr marL="457200" lvl="0" indent="0" algn="l" rtl="0">
               <a:lnSpc>
                 <a:spcPct val="100000"/>
               </a:lnSpc>
@@ -14537,9 +14586,6 @@
               </a:spcAft>
               <a:buNone/>
             </a:pPr>
-            <a:r>
-              <a:t/>
-            </a:r>
             <a:endParaRPr sz="1150">
               <a:solidFill>
                 <a:srgbClr val="000000"/>
@@ -14554,7 +14600,7 @@
             </a:endParaRPr>
           </a:p>
           <a:p>
-            <a:pPr indent="0" lvl="0" marL="457200" rtl="0" algn="l">
+            <a:pPr marL="457200" lvl="0" indent="0" algn="l" rtl="0">
               <a:lnSpc>
                 <a:spcPct val="100000"/>
               </a:lnSpc>
@@ -14566,9 +14612,6 @@
               </a:spcAft>
               <a:buNone/>
             </a:pPr>
-            <a:r>
-              <a:t/>
-            </a:r>
             <a:endParaRPr sz="1150">
               <a:solidFill>
                 <a:srgbClr val="000000"/>
@@ -14583,7 +14626,7 @@
             </a:endParaRPr>
           </a:p>
           <a:p>
-            <a:pPr indent="0" lvl="0" marL="0" rtl="0" algn="l">
+            <a:pPr marL="0" lvl="0" indent="0" algn="l" rtl="0">
               <a:lnSpc>
                 <a:spcPct val="100000"/>
               </a:lnSpc>
@@ -14624,7 +14667,7 @@
             </a:endParaRPr>
           </a:p>
           <a:p>
-            <a:pPr indent="0" lvl="0" marL="0" rtl="0" algn="l">
+            <a:pPr marL="0" lvl="0" indent="0" algn="l" rtl="0">
               <a:lnSpc>
                 <a:spcPct val="100000"/>
               </a:lnSpc>
@@ -14693,7 +14736,7 @@
             </a:endParaRPr>
           </a:p>
           <a:p>
-            <a:pPr indent="0" lvl="0" marL="0" rtl="0" algn="l">
+            <a:pPr marL="0" lvl="0" indent="0" algn="l" rtl="0">
               <a:lnSpc>
                 <a:spcPct val="100000"/>
               </a:lnSpc>
@@ -14705,9 +14748,6 @@
               </a:spcAft>
               <a:buNone/>
             </a:pPr>
-            <a:r>
-              <a:t/>
-            </a:r>
             <a:endParaRPr sz="1150">
               <a:solidFill>
                 <a:srgbClr val="000000"/>
@@ -14722,7 +14762,7 @@
             </a:endParaRPr>
           </a:p>
           <a:p>
-            <a:pPr indent="0" lvl="0" marL="0" rtl="0" algn="l">
+            <a:pPr marL="0" lvl="0" indent="0" algn="l" rtl="0">
               <a:spcBef>
                 <a:spcPts val="0"/>
               </a:spcBef>
@@ -14731,9 +14771,6 @@
               </a:spcAft>
               <a:buNone/>
             </a:pPr>
-            <a:r>
-              <a:t/>
-            </a:r>
             <a:endParaRPr/>
           </a:p>
         </p:txBody>
@@ -14747,11 +14784,11 @@
 </file>
 
 <file path=ppt/slides/slide4.xml><?xml version="1.0" encoding="utf-8"?>
-<p:sld xmlns:a="http://schemas.openxmlformats.org/drawingml/2006/main" xmlns:r="http://schemas.openxmlformats.org/officeDocument/2006/relationships" xmlns:mc="http://schemas.openxmlformats.org/markup-compatibility/2006" xmlns:mv="urn:schemas-microsoft-com:mac:vml" xmlns:p="http://schemas.openxmlformats.org/presentationml/2006/main" xmlns:c="http://schemas.openxmlformats.org/drawingml/2006/chart" xmlns:dgm="http://schemas.openxmlformats.org/drawingml/2006/diagram" xmlns:o="urn:schemas-microsoft-com:office:office" xmlns:v="urn:schemas-microsoft-com:vml" xmlns:pvml="urn:schemas-microsoft-com:office:powerpoint" xmlns:com="http://schemas.openxmlformats.org/drawingml/2006/compatibility" xmlns:p14="http://schemas.microsoft.com/office/powerpoint/2010/main" xmlns:p15="http://schemas.microsoft.com/office/powerpoint/2012/main" xmlns:ahyp="http://schemas.microsoft.com/office/drawing/2018/hyperlinkcolor">
+<p:sld xmlns:a="http://schemas.openxmlformats.org/drawingml/2006/main" xmlns:r="http://schemas.openxmlformats.org/officeDocument/2006/relationships" xmlns:p="http://schemas.openxmlformats.org/presentationml/2006/main">
   <p:cSld>
     <p:spTree>
       <p:nvGrpSpPr>
-        <p:cNvPr id="103" name="Shape 103"/>
+        <p:cNvPr id="1" name="Shape 103"/>
         <p:cNvGrpSpPr/>
         <p:nvPr/>
       </p:nvGrpSpPr>
@@ -14766,9 +14803,11 @@
       <p:sp>
         <p:nvSpPr>
           <p:cNvPr id="104" name="Google Shape;104;p16"/>
-          <p:cNvSpPr txBox="1"/>
+          <p:cNvSpPr txBox="1">
+            <a:spLocks noGrp="1"/>
+          </p:cNvSpPr>
           <p:nvPr>
-            <p:ph idx="4294967295" type="ctrTitle"/>
+            <p:ph type="ctrTitle" idx="4294967295"/>
           </p:nvPr>
         </p:nvSpPr>
         <p:spPr>
@@ -14781,12 +14820,12 @@
           </a:prstGeom>
         </p:spPr>
         <p:txBody>
-          <a:bodyPr anchorCtr="0" anchor="t" bIns="91425" lIns="91425" spcFirstLastPara="1" rIns="91425" wrap="square" tIns="91425">
+          <a:bodyPr spcFirstLastPara="1" wrap="square" lIns="91425" tIns="91425" rIns="91425" bIns="91425" anchor="t" anchorCtr="0">
             <a:noAutofit/>
           </a:bodyPr>
           <a:lstStyle/>
           <a:p>
-            <a:pPr indent="0" lvl="0" marL="0" rtl="0" algn="l">
+            <a:pPr marL="0" lvl="0" indent="0" algn="l" rtl="0">
               <a:spcBef>
                 <a:spcPts val="0"/>
               </a:spcBef>
@@ -14806,9 +14845,11 @@
       <p:sp>
         <p:nvSpPr>
           <p:cNvPr id="105" name="Google Shape;105;p16"/>
-          <p:cNvSpPr txBox="1"/>
+          <p:cNvSpPr txBox="1">
+            <a:spLocks noGrp="1"/>
+          </p:cNvSpPr>
           <p:nvPr>
-            <p:ph idx="4294967295" type="subTitle"/>
+            <p:ph type="subTitle" idx="4294967295"/>
           </p:nvPr>
         </p:nvSpPr>
         <p:spPr>
@@ -14821,12 +14862,12 @@
           </a:prstGeom>
         </p:spPr>
         <p:txBody>
-          <a:bodyPr anchorCtr="0" anchor="t" bIns="91425" lIns="91425" spcFirstLastPara="1" rIns="91425" wrap="square" tIns="91425">
+          <a:bodyPr spcFirstLastPara="1" wrap="square" lIns="91425" tIns="91425" rIns="91425" bIns="91425" anchor="t" anchorCtr="0">
             <a:noAutofit/>
           </a:bodyPr>
           <a:lstStyle/>
           <a:p>
-            <a:pPr indent="-342900" lvl="0" marL="457200" rtl="0" algn="l">
+            <a:pPr marL="457200" lvl="0" indent="-342900" algn="l" rtl="0">
               <a:spcBef>
                 <a:spcPts val="0"/>
               </a:spcBef>
@@ -14843,7 +14884,7 @@
             <a:endParaRPr/>
           </a:p>
           <a:p>
-            <a:pPr indent="-342900" lvl="0" marL="457200" rtl="0" algn="l">
+            <a:pPr marL="457200" lvl="0" indent="-342900" algn="l" rtl="0">
               <a:spcBef>
                 <a:spcPts val="0"/>
               </a:spcBef>
@@ -14860,7 +14901,7 @@
             <a:endParaRPr/>
           </a:p>
           <a:p>
-            <a:pPr indent="-342900" lvl="0" marL="457200" rtl="0" algn="l">
+            <a:pPr marL="457200" lvl="0" indent="-342900" algn="l" rtl="0">
               <a:spcBef>
                 <a:spcPts val="0"/>
               </a:spcBef>
@@ -14926,12 +14967,12 @@
           </a:ln>
         </p:spPr>
         <p:txBody>
-          <a:bodyPr anchorCtr="0" anchor="t" bIns="91425" lIns="91425" spcFirstLastPara="1" rIns="91425" wrap="square" tIns="91425">
+          <a:bodyPr spcFirstLastPara="1" wrap="square" lIns="91425" tIns="91425" rIns="91425" bIns="91425" anchor="t" anchorCtr="0">
             <a:spAutoFit/>
           </a:bodyPr>
           <a:lstStyle/>
           <a:p>
-            <a:pPr indent="0" lvl="0" marL="0" rtl="0" algn="ctr">
+            <a:pPr marL="0" lvl="0" indent="0" algn="ctr" rtl="0">
               <a:spcBef>
                 <a:spcPts val="0"/>
               </a:spcBef>
@@ -14967,11 +15008,11 @@
 </file>
 
 <file path=ppt/slides/slide5.xml><?xml version="1.0" encoding="utf-8"?>
-<p:sld xmlns:a="http://schemas.openxmlformats.org/drawingml/2006/main" xmlns:r="http://schemas.openxmlformats.org/officeDocument/2006/relationships" xmlns:mc="http://schemas.openxmlformats.org/markup-compatibility/2006" xmlns:mv="urn:schemas-microsoft-com:mac:vml" xmlns:p="http://schemas.openxmlformats.org/presentationml/2006/main" xmlns:c="http://schemas.openxmlformats.org/drawingml/2006/chart" xmlns:dgm="http://schemas.openxmlformats.org/drawingml/2006/diagram" xmlns:o="urn:schemas-microsoft-com:office:office" xmlns:v="urn:schemas-microsoft-com:vml" xmlns:pvml="urn:schemas-microsoft-com:office:powerpoint" xmlns:com="http://schemas.openxmlformats.org/drawingml/2006/compatibility" xmlns:p14="http://schemas.microsoft.com/office/powerpoint/2010/main" xmlns:p15="http://schemas.microsoft.com/office/powerpoint/2012/main" xmlns:ahyp="http://schemas.microsoft.com/office/drawing/2018/hyperlinkcolor">
+<p:sld xmlns:a="http://schemas.openxmlformats.org/drawingml/2006/main" xmlns:r="http://schemas.openxmlformats.org/officeDocument/2006/relationships" xmlns:p="http://schemas.openxmlformats.org/presentationml/2006/main">
   <p:cSld>
     <p:spTree>
       <p:nvGrpSpPr>
-        <p:cNvPr id="111" name="Shape 111"/>
+        <p:cNvPr id="1" name="Shape 111"/>
         <p:cNvGrpSpPr/>
         <p:nvPr/>
       </p:nvGrpSpPr>
@@ -14986,7 +15027,9 @@
       <p:sp>
         <p:nvSpPr>
           <p:cNvPr id="112" name="Google Shape;112;p17"/>
-          <p:cNvSpPr txBox="1"/>
+          <p:cNvSpPr txBox="1">
+            <a:spLocks noGrp="1"/>
+          </p:cNvSpPr>
           <p:nvPr>
             <p:ph type="title"/>
           </p:nvPr>
@@ -15001,12 +15044,12 @@
           </a:prstGeom>
         </p:spPr>
         <p:txBody>
-          <a:bodyPr anchorCtr="0" anchor="t" bIns="91425" lIns="91425" spcFirstLastPara="1" rIns="91425" wrap="square" tIns="91425">
+          <a:bodyPr spcFirstLastPara="1" wrap="square" lIns="91425" tIns="91425" rIns="91425" bIns="91425" anchor="t" anchorCtr="0">
             <a:noAutofit/>
           </a:bodyPr>
           <a:lstStyle/>
           <a:p>
-            <a:pPr indent="0" lvl="0" marL="0" rtl="0" algn="l">
+            <a:pPr marL="0" lvl="0" indent="0" algn="l" rtl="0">
               <a:spcBef>
                 <a:spcPts val="0"/>
               </a:spcBef>
@@ -15026,9 +15069,11 @@
       <p:sp>
         <p:nvSpPr>
           <p:cNvPr id="113" name="Google Shape;113;p17"/>
-          <p:cNvSpPr txBox="1"/>
+          <p:cNvSpPr txBox="1">
+            <a:spLocks noGrp="1"/>
+          </p:cNvSpPr>
           <p:nvPr>
-            <p:ph idx="1" type="body"/>
+            <p:ph type="body" idx="1"/>
           </p:nvPr>
         </p:nvSpPr>
         <p:spPr>
@@ -15041,12 +15086,12 @@
           </a:prstGeom>
         </p:spPr>
         <p:txBody>
-          <a:bodyPr anchorCtr="0" anchor="t" bIns="91425" lIns="91425" spcFirstLastPara="1" rIns="91425" wrap="square" tIns="91425">
+          <a:bodyPr spcFirstLastPara="1" wrap="square" lIns="91425" tIns="91425" rIns="91425" bIns="91425" anchor="t" anchorCtr="0">
             <a:noAutofit/>
           </a:bodyPr>
           <a:lstStyle/>
           <a:p>
-            <a:pPr indent="-342900" lvl="0" marL="457200" rtl="0" algn="l">
+            <a:pPr marL="457200" lvl="0" indent="-342900" algn="l" rtl="0">
               <a:spcBef>
                 <a:spcPts val="0"/>
               </a:spcBef>
@@ -15057,25 +15102,17 @@
               <a:buChar char="●"/>
             </a:pPr>
             <a:r>
-              <a:rPr b="1" lang="en"/>
+              <a:rPr lang="en" b="1"/>
               <a:t>300 PDF files</a:t>
             </a:r>
             <a:r>
               <a:rPr lang="en"/>
-              <a:t>(each </a:t>
-            </a:r>
-            <a:r>
-              <a:rPr lang="en"/>
-              <a:t>corresponding</a:t>
-            </a:r>
-            <a:r>
-              <a:rPr lang="en"/>
-              <a:t> to top 100 colleges of 2021, 2020, 2019) were processed</a:t>
+              <a:t>(each corresponding to top 100 colleges of 2021, 2020, 2019) were processed</a:t>
             </a:r>
             <a:endParaRPr/>
           </a:p>
           <a:p>
-            <a:pPr indent="-342900" lvl="0" marL="457200" rtl="0" algn="l">
+            <a:pPr marL="457200" lvl="0" indent="-342900" algn="l" rtl="0">
               <a:spcBef>
                 <a:spcPts val="0"/>
               </a:spcBef>
@@ -15086,7 +15123,7 @@
               <a:buChar char="●"/>
             </a:pPr>
             <a:r>
-              <a:rPr b="1" lang="en"/>
+              <a:rPr lang="en" b="1"/>
               <a:t>Common tables</a:t>
             </a:r>
             <a:r>
@@ -15096,7 +15133,7 @@
             <a:endParaRPr/>
           </a:p>
           <a:p>
-            <a:pPr indent="-342900" lvl="0" marL="457200" rtl="0" algn="l">
+            <a:pPr marL="457200" lvl="0" indent="-342900" algn="l" rtl="0">
               <a:spcBef>
                 <a:spcPts val="0"/>
               </a:spcBef>
@@ -15107,7 +15144,7 @@
               <a:buChar char="●"/>
             </a:pPr>
             <a:r>
-              <a:rPr b="1" lang="en"/>
+              <a:rPr lang="en" b="1"/>
               <a:t>Final dataset</a:t>
             </a:r>
             <a:r>
@@ -15127,11 +15164,11 @@
 </file>
 
 <file path=ppt/slides/slide6.xml><?xml version="1.0" encoding="utf-8"?>
-<p:sld xmlns:a="http://schemas.openxmlformats.org/drawingml/2006/main" xmlns:r="http://schemas.openxmlformats.org/officeDocument/2006/relationships" xmlns:mc="http://schemas.openxmlformats.org/markup-compatibility/2006" xmlns:mv="urn:schemas-microsoft-com:mac:vml" xmlns:p="http://schemas.openxmlformats.org/presentationml/2006/main" xmlns:c="http://schemas.openxmlformats.org/drawingml/2006/chart" xmlns:dgm="http://schemas.openxmlformats.org/drawingml/2006/diagram" xmlns:o="urn:schemas-microsoft-com:office:office" xmlns:v="urn:schemas-microsoft-com:vml" xmlns:pvml="urn:schemas-microsoft-com:office:powerpoint" xmlns:com="http://schemas.openxmlformats.org/drawingml/2006/compatibility" xmlns:p14="http://schemas.microsoft.com/office/powerpoint/2010/main" xmlns:p15="http://schemas.microsoft.com/office/powerpoint/2012/main" xmlns:ahyp="http://schemas.microsoft.com/office/drawing/2018/hyperlinkcolor">
+<p:sld xmlns:a="http://schemas.openxmlformats.org/drawingml/2006/main" xmlns:r="http://schemas.openxmlformats.org/officeDocument/2006/relationships" xmlns:p="http://schemas.openxmlformats.org/presentationml/2006/main">
   <p:cSld>
     <p:spTree>
       <p:nvGrpSpPr>
-        <p:cNvPr id="117" name="Shape 117"/>
+        <p:cNvPr id="1" name="Shape 117"/>
         <p:cNvGrpSpPr/>
         <p:nvPr/>
       </p:nvGrpSpPr>
@@ -15146,7 +15183,9 @@
       <p:sp>
         <p:nvSpPr>
           <p:cNvPr id="118" name="Google Shape;118;p18"/>
-          <p:cNvSpPr txBox="1"/>
+          <p:cNvSpPr txBox="1">
+            <a:spLocks noGrp="1"/>
+          </p:cNvSpPr>
           <p:nvPr>
             <p:ph type="title"/>
           </p:nvPr>
@@ -15161,12 +15200,12 @@
           </a:prstGeom>
         </p:spPr>
         <p:txBody>
-          <a:bodyPr anchorCtr="0" anchor="t" bIns="91425" lIns="91425" spcFirstLastPara="1" rIns="91425" wrap="square" tIns="91425">
+          <a:bodyPr spcFirstLastPara="1" wrap="square" lIns="91425" tIns="91425" rIns="91425" bIns="91425" anchor="t" anchorCtr="0">
             <a:noAutofit/>
           </a:bodyPr>
           <a:lstStyle/>
           <a:p>
-            <a:pPr indent="0" lvl="0" marL="0" rtl="0" algn="l">
+            <a:pPr marL="0" lvl="0" indent="0" algn="l" rtl="0">
               <a:spcBef>
                 <a:spcPts val="0"/>
               </a:spcBef>
@@ -15186,9 +15225,11 @@
       <p:sp>
         <p:nvSpPr>
           <p:cNvPr id="119" name="Google Shape;119;p18"/>
-          <p:cNvSpPr txBox="1"/>
+          <p:cNvSpPr txBox="1">
+            <a:spLocks noGrp="1"/>
+          </p:cNvSpPr>
           <p:nvPr>
-            <p:ph idx="1" type="body"/>
+            <p:ph type="body" idx="1"/>
           </p:nvPr>
         </p:nvSpPr>
         <p:spPr>
@@ -15201,12 +15242,12 @@
           </a:prstGeom>
         </p:spPr>
         <p:txBody>
-          <a:bodyPr anchorCtr="0" anchor="t" bIns="91425" lIns="91425" spcFirstLastPara="1" rIns="91425" wrap="square" tIns="91425">
+          <a:bodyPr spcFirstLastPara="1" wrap="square" lIns="91425" tIns="91425" rIns="91425" bIns="91425" anchor="t" anchorCtr="0">
             <a:noAutofit/>
           </a:bodyPr>
           <a:lstStyle/>
           <a:p>
-            <a:pPr indent="-342900" lvl="0" marL="457200" rtl="0" algn="l">
+            <a:pPr marL="457200" lvl="0" indent="-342900" algn="l" rtl="0">
               <a:lnSpc>
                 <a:spcPct val="150000"/>
               </a:lnSpc>
@@ -15226,7 +15267,7 @@
             <a:endParaRPr/>
           </a:p>
           <a:p>
-            <a:pPr indent="-342900" lvl="0" marL="457200" rtl="0" algn="l">
+            <a:pPr marL="457200" lvl="0" indent="-342900" algn="l" rtl="0">
               <a:lnSpc>
                 <a:spcPct val="150000"/>
               </a:lnSpc>
@@ -15246,7 +15287,7 @@
             <a:endParaRPr/>
           </a:p>
           <a:p>
-            <a:pPr indent="-342900" lvl="0" marL="457200" rtl="0" algn="l">
+            <a:pPr marL="457200" lvl="0" indent="-342900" algn="l" rtl="0">
               <a:lnSpc>
                 <a:spcPct val="150000"/>
               </a:lnSpc>
@@ -15266,7 +15307,7 @@
             <a:endParaRPr/>
           </a:p>
           <a:p>
-            <a:pPr indent="-342900" lvl="0" marL="457200" rtl="0" algn="l">
+            <a:pPr marL="457200" lvl="0" indent="-342900" algn="l" rtl="0">
               <a:lnSpc>
                 <a:spcPct val="150000"/>
               </a:lnSpc>
@@ -15286,7 +15327,7 @@
             <a:endParaRPr/>
           </a:p>
           <a:p>
-            <a:pPr indent="-342900" lvl="0" marL="457200" rtl="0" algn="l">
+            <a:pPr marL="457200" lvl="0" indent="-342900" algn="l" rtl="0">
               <a:lnSpc>
                 <a:spcPct val="150000"/>
               </a:lnSpc>
@@ -15301,20 +15342,12 @@
             </a:pPr>
             <a:r>
               <a:rPr lang="en"/>
-              <a:t>Large </a:t>
-            </a:r>
-            <a:r>
-              <a:rPr lang="en"/>
-              <a:t>numbers</a:t>
-            </a:r>
-            <a:r>
-              <a:rPr lang="en"/>
-              <a:t> of NA values and NULL characters</a:t>
+              <a:t>Large numbers of NA values and NULL characters</a:t>
             </a:r>
             <a:endParaRPr/>
           </a:p>
           <a:p>
-            <a:pPr indent="-342900" lvl="0" marL="457200" rtl="0" algn="l">
+            <a:pPr marL="457200" lvl="0" indent="-342900" algn="l" rtl="0">
               <a:lnSpc>
                 <a:spcPct val="150000"/>
               </a:lnSpc>
@@ -15334,7 +15367,7 @@
             <a:endParaRPr/>
           </a:p>
           <a:p>
-            <a:pPr indent="0" lvl="0" marL="457200" rtl="0" algn="l">
+            <a:pPr marL="457200" lvl="0" indent="0" algn="l" rtl="0">
               <a:spcBef>
                 <a:spcPts val="1600"/>
               </a:spcBef>
@@ -15343,9 +15376,6 @@
               </a:spcAft>
               <a:buNone/>
             </a:pPr>
-            <a:r>
-              <a:t/>
-            </a:r>
             <a:endParaRPr/>
           </a:p>
         </p:txBody>
@@ -15359,11 +15389,11 @@
 </file>
 
 <file path=ppt/slides/slide7.xml><?xml version="1.0" encoding="utf-8"?>
-<p:sld xmlns:a="http://schemas.openxmlformats.org/drawingml/2006/main" xmlns:r="http://schemas.openxmlformats.org/officeDocument/2006/relationships" xmlns:mc="http://schemas.openxmlformats.org/markup-compatibility/2006" xmlns:mv="urn:schemas-microsoft-com:mac:vml" xmlns:p="http://schemas.openxmlformats.org/presentationml/2006/main" xmlns:c="http://schemas.openxmlformats.org/drawingml/2006/chart" xmlns:dgm="http://schemas.openxmlformats.org/drawingml/2006/diagram" xmlns:o="urn:schemas-microsoft-com:office:office" xmlns:v="urn:schemas-microsoft-com:vml" xmlns:pvml="urn:schemas-microsoft-com:office:powerpoint" xmlns:com="http://schemas.openxmlformats.org/drawingml/2006/compatibility" xmlns:p14="http://schemas.microsoft.com/office/powerpoint/2010/main" xmlns:p15="http://schemas.microsoft.com/office/powerpoint/2012/main" xmlns:ahyp="http://schemas.microsoft.com/office/drawing/2018/hyperlinkcolor">
+<p:sld xmlns:a="http://schemas.openxmlformats.org/drawingml/2006/main" xmlns:r="http://schemas.openxmlformats.org/officeDocument/2006/relationships" xmlns:p="http://schemas.openxmlformats.org/presentationml/2006/main">
   <p:cSld>
     <p:spTree>
       <p:nvGrpSpPr>
-        <p:cNvPr id="123" name="Shape 123"/>
+        <p:cNvPr id="1" name="Shape 123"/>
         <p:cNvGrpSpPr/>
         <p:nvPr/>
       </p:nvGrpSpPr>
@@ -15378,7 +15408,9 @@
       <p:sp>
         <p:nvSpPr>
           <p:cNvPr id="124" name="Google Shape;124;p19"/>
-          <p:cNvSpPr txBox="1"/>
+          <p:cNvSpPr txBox="1">
+            <a:spLocks noGrp="1"/>
+          </p:cNvSpPr>
           <p:nvPr>
             <p:ph type="title"/>
           </p:nvPr>
@@ -15393,12 +15425,12 @@
           </a:prstGeom>
         </p:spPr>
         <p:txBody>
-          <a:bodyPr anchorCtr="0" anchor="t" bIns="91425" lIns="91425" spcFirstLastPara="1" rIns="91425" wrap="square" tIns="91425">
+          <a:bodyPr spcFirstLastPara="1" wrap="square" lIns="91425" tIns="91425" rIns="91425" bIns="91425" anchor="t" anchorCtr="0">
             <a:noAutofit/>
           </a:bodyPr>
           <a:lstStyle/>
           <a:p>
-            <a:pPr indent="0" lvl="0" marL="0" rtl="0" algn="l">
+            <a:pPr marL="0" lvl="0" indent="0" algn="l" rtl="0">
               <a:spcBef>
                 <a:spcPts val="0"/>
               </a:spcBef>
@@ -15409,11 +15441,7 @@
             </a:pPr>
             <a:r>
               <a:rPr lang="en"/>
-              <a:t>Solutions to</a:t>
-            </a:r>
-            <a:r>
-              <a:rPr lang="en"/>
-              <a:t> Challenges Faced</a:t>
+              <a:t>Solutions to Challenges Faced</a:t>
             </a:r>
             <a:endParaRPr/>
           </a:p>
@@ -15467,12 +15495,12 @@
           </a:ln>
         </p:spPr>
         <p:txBody>
-          <a:bodyPr anchorCtr="0" anchor="t" bIns="91425" lIns="91425" spcFirstLastPara="1" rIns="91425" wrap="square" tIns="91425">
+          <a:bodyPr spcFirstLastPara="1" wrap="square" lIns="91425" tIns="91425" rIns="91425" bIns="91425" anchor="t" anchorCtr="0">
             <a:spAutoFit/>
           </a:bodyPr>
           <a:lstStyle/>
           <a:p>
-            <a:pPr indent="0" lvl="0" marL="0" rtl="0" algn="l">
+            <a:pPr marL="0" lvl="0" indent="0" algn="l" rtl="0">
               <a:spcBef>
                 <a:spcPts val="0"/>
               </a:spcBef>
@@ -15481,9 +15509,6 @@
               </a:spcAft>
               <a:buNone/>
             </a:pPr>
-            <a:r>
-              <a:t/>
-            </a:r>
             <a:endParaRPr>
               <a:latin typeface="Roboto"/>
               <a:ea typeface="Roboto"/>
@@ -15513,12 +15538,12 @@
           </a:ln>
         </p:spPr>
         <p:txBody>
-          <a:bodyPr anchorCtr="0" anchor="t" bIns="91425" lIns="91425" spcFirstLastPara="1" rIns="91425" wrap="square" tIns="91425">
+          <a:bodyPr spcFirstLastPara="1" wrap="square" lIns="91425" tIns="91425" rIns="91425" bIns="91425" anchor="t" anchorCtr="0">
             <a:spAutoFit/>
           </a:bodyPr>
           <a:lstStyle/>
           <a:p>
-            <a:pPr indent="0" lvl="0" marL="0" rtl="0" algn="l">
+            <a:pPr marL="0" lvl="0" indent="0" algn="l" rtl="0">
               <a:spcBef>
                 <a:spcPts val="0"/>
               </a:spcBef>
@@ -15544,7 +15569,7 @@
             </a:endParaRPr>
           </a:p>
           <a:p>
-            <a:pPr indent="0" lvl="0" marL="0" rtl="0" algn="l">
+            <a:pPr marL="0" lvl="0" indent="0" algn="l" rtl="0">
               <a:spcBef>
                 <a:spcPts val="0"/>
               </a:spcBef>
@@ -15553,9 +15578,6 @@
               </a:spcAft>
               <a:buNone/>
             </a:pPr>
-            <a:r>
-              <a:t/>
-            </a:r>
             <a:endParaRPr sz="2100">
               <a:latin typeface="Roboto"/>
               <a:ea typeface="Roboto"/>
@@ -15564,7 +15586,7 @@
             </a:endParaRPr>
           </a:p>
           <a:p>
-            <a:pPr indent="0" lvl="0" marL="0" rtl="0" algn="l">
+            <a:pPr marL="0" lvl="0" indent="0" algn="l" rtl="0">
               <a:spcBef>
                 <a:spcPts val="0"/>
               </a:spcBef>
@@ -15580,16 +15602,7 @@
                 <a:cs typeface="Roboto"/>
                 <a:sym typeface="Roboto"/>
               </a:rPr>
-              <a:t>Solution: Used all possible </a:t>
-            </a:r>
-            <a:r>
-              <a:rPr lang="en" sz="2100">
-                <a:latin typeface="Roboto"/>
-                <a:ea typeface="Roboto"/>
-                <a:cs typeface="Roboto"/>
-                <a:sym typeface="Roboto"/>
-              </a:rPr>
-              <a:t>string combinations which could be occurring in last row of 1st table and first row of 2nd table.</a:t>
+              <a:t>Solution: Used all possible string combinations which could be occurring in last row of 1st table and first row of 2nd table.</a:t>
             </a:r>
             <a:endParaRPr sz="2100">
               <a:latin typeface="Roboto"/>
@@ -15609,11 +15622,11 @@
 </file>
 
 <file path=ppt/slides/slide8.xml><?xml version="1.0" encoding="utf-8"?>
-<p:sld xmlns:a="http://schemas.openxmlformats.org/drawingml/2006/main" xmlns:r="http://schemas.openxmlformats.org/officeDocument/2006/relationships" xmlns:mc="http://schemas.openxmlformats.org/markup-compatibility/2006" xmlns:mv="urn:schemas-microsoft-com:mac:vml" xmlns:p="http://schemas.openxmlformats.org/presentationml/2006/main" xmlns:c="http://schemas.openxmlformats.org/drawingml/2006/chart" xmlns:dgm="http://schemas.openxmlformats.org/drawingml/2006/diagram" xmlns:o="urn:schemas-microsoft-com:office:office" xmlns:v="urn:schemas-microsoft-com:vml" xmlns:pvml="urn:schemas-microsoft-com:office:powerpoint" xmlns:com="http://schemas.openxmlformats.org/drawingml/2006/compatibility" xmlns:p14="http://schemas.microsoft.com/office/powerpoint/2010/main" xmlns:p15="http://schemas.microsoft.com/office/powerpoint/2012/main" xmlns:ahyp="http://schemas.microsoft.com/office/drawing/2018/hyperlinkcolor">
+<p:sld xmlns:a="http://schemas.openxmlformats.org/drawingml/2006/main" xmlns:r="http://schemas.openxmlformats.org/officeDocument/2006/relationships" xmlns:p="http://schemas.openxmlformats.org/presentationml/2006/main">
   <p:cSld>
     <p:spTree>
       <p:nvGrpSpPr>
-        <p:cNvPr id="131" name="Shape 131"/>
+        <p:cNvPr id="1" name="Shape 131"/>
         <p:cNvGrpSpPr/>
         <p:nvPr/>
       </p:nvGrpSpPr>
@@ -15628,7 +15641,9 @@
       <p:sp>
         <p:nvSpPr>
           <p:cNvPr id="132" name="Google Shape;132;p20"/>
-          <p:cNvSpPr txBox="1"/>
+          <p:cNvSpPr txBox="1">
+            <a:spLocks noGrp="1"/>
+          </p:cNvSpPr>
           <p:nvPr>
             <p:ph type="title"/>
           </p:nvPr>
@@ -15643,12 +15658,12 @@
           </a:prstGeom>
         </p:spPr>
         <p:txBody>
-          <a:bodyPr anchorCtr="0" anchor="t" bIns="91425" lIns="91425" spcFirstLastPara="1" rIns="91425" wrap="square" tIns="91425">
+          <a:bodyPr spcFirstLastPara="1" wrap="square" lIns="91425" tIns="91425" rIns="91425" bIns="91425" anchor="t" anchorCtr="0">
             <a:noAutofit/>
           </a:bodyPr>
           <a:lstStyle/>
           <a:p>
-            <a:pPr indent="0" lvl="0" marL="0" rtl="0" algn="l">
+            <a:pPr marL="0" lvl="0" indent="0" algn="l" rtl="0">
               <a:spcBef>
                 <a:spcPts val="0"/>
               </a:spcBef>
@@ -15685,12 +15700,12 @@
           </a:ln>
         </p:spPr>
         <p:txBody>
-          <a:bodyPr anchorCtr="0" anchor="t" bIns="91425" lIns="91425" spcFirstLastPara="1" rIns="91425" wrap="square" tIns="91425">
+          <a:bodyPr spcFirstLastPara="1" wrap="square" lIns="91425" tIns="91425" rIns="91425" bIns="91425" anchor="t" anchorCtr="0">
             <a:spAutoFit/>
           </a:bodyPr>
           <a:lstStyle/>
           <a:p>
-            <a:pPr indent="0" lvl="0" marL="0" rtl="0" algn="l">
+            <a:pPr marL="0" lvl="0" indent="0" algn="l" rtl="0">
               <a:spcBef>
                 <a:spcPts val="0"/>
               </a:spcBef>
@@ -15699,9 +15714,6 @@
               </a:spcAft>
               <a:buNone/>
             </a:pPr>
-            <a:r>
-              <a:t/>
-            </a:r>
             <a:endParaRPr>
               <a:latin typeface="Roboto"/>
               <a:ea typeface="Roboto"/>
@@ -15731,12 +15743,12 @@
           </a:ln>
         </p:spPr>
         <p:txBody>
-          <a:bodyPr anchorCtr="0" anchor="t" bIns="91425" lIns="91425" spcFirstLastPara="1" rIns="91425" wrap="square" tIns="91425">
+          <a:bodyPr spcFirstLastPara="1" wrap="square" lIns="91425" tIns="91425" rIns="91425" bIns="91425" anchor="t" anchorCtr="0">
             <a:spAutoFit/>
           </a:bodyPr>
           <a:lstStyle/>
           <a:p>
-            <a:pPr indent="0" lvl="0" marL="0" rtl="0" algn="l">
+            <a:pPr marL="0" lvl="0" indent="0" algn="l" rtl="0">
               <a:spcBef>
                 <a:spcPts val="0"/>
               </a:spcBef>
@@ -15762,7 +15774,7 @@
             </a:endParaRPr>
           </a:p>
           <a:p>
-            <a:pPr indent="0" lvl="0" marL="0" rtl="0" algn="l">
+            <a:pPr marL="0" lvl="0" indent="0" algn="l" rtl="0">
               <a:spcBef>
                 <a:spcPts val="0"/>
               </a:spcBef>
@@ -15771,9 +15783,6 @@
               </a:spcAft>
               <a:buNone/>
             </a:pPr>
-            <a:r>
-              <a:t/>
-            </a:r>
             <a:endParaRPr sz="1900">
               <a:latin typeface="Roboto"/>
               <a:ea typeface="Roboto"/>
@@ -15782,7 +15791,7 @@
             </a:endParaRPr>
           </a:p>
           <a:p>
-            <a:pPr indent="0" lvl="0" marL="0" rtl="0" algn="l">
+            <a:pPr marL="0" lvl="0" indent="0" algn="l" rtl="0">
               <a:spcBef>
                 <a:spcPts val="0"/>
               </a:spcBef>
@@ -15846,11 +15855,11 @@
 </file>
 
 <file path=ppt/slides/slide9.xml><?xml version="1.0" encoding="utf-8"?>
-<p:sld xmlns:a="http://schemas.openxmlformats.org/drawingml/2006/main" xmlns:r="http://schemas.openxmlformats.org/officeDocument/2006/relationships" xmlns:mc="http://schemas.openxmlformats.org/markup-compatibility/2006" xmlns:mv="urn:schemas-microsoft-com:mac:vml" xmlns:p="http://schemas.openxmlformats.org/presentationml/2006/main" xmlns:c="http://schemas.openxmlformats.org/drawingml/2006/chart" xmlns:dgm="http://schemas.openxmlformats.org/drawingml/2006/diagram" xmlns:o="urn:schemas-microsoft-com:office:office" xmlns:v="urn:schemas-microsoft-com:vml" xmlns:pvml="urn:schemas-microsoft-com:office:powerpoint" xmlns:com="http://schemas.openxmlformats.org/drawingml/2006/compatibility" xmlns:p14="http://schemas.microsoft.com/office/powerpoint/2010/main" xmlns:p15="http://schemas.microsoft.com/office/powerpoint/2012/main" xmlns:ahyp="http://schemas.microsoft.com/office/drawing/2018/hyperlinkcolor">
+<p:sld xmlns:a="http://schemas.openxmlformats.org/drawingml/2006/main" xmlns:r="http://schemas.openxmlformats.org/officeDocument/2006/relationships" xmlns:p="http://schemas.openxmlformats.org/presentationml/2006/main">
   <p:cSld>
     <p:spTree>
       <p:nvGrpSpPr>
-        <p:cNvPr id="139" name="Shape 139"/>
+        <p:cNvPr id="1" name="Shape 139"/>
         <p:cNvGrpSpPr/>
         <p:nvPr/>
       </p:nvGrpSpPr>
@@ -15865,7 +15874,9 @@
       <p:sp>
         <p:nvSpPr>
           <p:cNvPr id="140" name="Google Shape;140;p21"/>
-          <p:cNvSpPr txBox="1"/>
+          <p:cNvSpPr txBox="1">
+            <a:spLocks noGrp="1"/>
+          </p:cNvSpPr>
           <p:nvPr>
             <p:ph type="title"/>
           </p:nvPr>
@@ -15880,12 +15891,12 @@
           </a:prstGeom>
         </p:spPr>
         <p:txBody>
-          <a:bodyPr anchorCtr="0" anchor="t" bIns="91425" lIns="91425" spcFirstLastPara="1" rIns="91425" wrap="square" tIns="91425">
+          <a:bodyPr spcFirstLastPara="1" wrap="square" lIns="91425" tIns="91425" rIns="91425" bIns="91425" anchor="t" anchorCtr="0">
             <a:noAutofit/>
           </a:bodyPr>
           <a:lstStyle/>
           <a:p>
-            <a:pPr indent="0" lvl="0" marL="0" rtl="0" algn="l">
+            <a:pPr marL="0" lvl="0" indent="0" algn="l" rtl="0">
               <a:spcBef>
                 <a:spcPts val="0"/>
               </a:spcBef>
@@ -15922,12 +15933,12 @@
           </a:ln>
         </p:spPr>
         <p:txBody>
-          <a:bodyPr anchorCtr="0" anchor="t" bIns="91425" lIns="91425" spcFirstLastPara="1" rIns="91425" wrap="square" tIns="91425">
+          <a:bodyPr spcFirstLastPara="1" wrap="square" lIns="91425" tIns="91425" rIns="91425" bIns="91425" anchor="t" anchorCtr="0">
             <a:spAutoFit/>
           </a:bodyPr>
           <a:lstStyle/>
           <a:p>
-            <a:pPr indent="0" lvl="0" marL="0" rtl="0" algn="l">
+            <a:pPr marL="0" lvl="0" indent="0" algn="l" rtl="0">
               <a:spcBef>
                 <a:spcPts val="0"/>
               </a:spcBef>
@@ -15936,9 +15947,6 @@
               </a:spcAft>
               <a:buNone/>
             </a:pPr>
-            <a:r>
-              <a:t/>
-            </a:r>
             <a:endParaRPr>
               <a:latin typeface="Roboto"/>
               <a:ea typeface="Roboto"/>
@@ -15968,12 +15976,12 @@
           </a:ln>
         </p:spPr>
         <p:txBody>
-          <a:bodyPr anchorCtr="0" anchor="t" bIns="91425" lIns="91425" spcFirstLastPara="1" rIns="91425" wrap="square" tIns="91425">
+          <a:bodyPr spcFirstLastPara="1" wrap="square" lIns="91425" tIns="91425" rIns="91425" bIns="91425" anchor="t" anchorCtr="0">
             <a:spAutoFit/>
           </a:bodyPr>
           <a:lstStyle/>
           <a:p>
-            <a:pPr indent="0" lvl="0" marL="0" rtl="0" algn="l">
+            <a:pPr marL="0" lvl="0" indent="0" algn="l" rtl="0">
               <a:spcBef>
                 <a:spcPts val="0"/>
               </a:spcBef>
@@ -15999,7 +16007,7 @@
             </a:endParaRPr>
           </a:p>
           <a:p>
-            <a:pPr indent="0" lvl="0" marL="0" rtl="0" algn="l">
+            <a:pPr marL="0" lvl="0" indent="0" algn="l" rtl="0">
               <a:spcBef>
                 <a:spcPts val="0"/>
               </a:spcBef>
@@ -16008,9 +16016,6 @@
               </a:spcAft>
               <a:buNone/>
             </a:pPr>
-            <a:r>
-              <a:t/>
-            </a:r>
             <a:endParaRPr sz="2100">
               <a:latin typeface="Roboto"/>
               <a:ea typeface="Roboto"/>
@@ -16019,7 +16024,7 @@
             </a:endParaRPr>
           </a:p>
           <a:p>
-            <a:pPr indent="0" lvl="0" marL="0" rtl="0" algn="l">
+            <a:pPr marL="0" lvl="0" indent="0" algn="l" rtl="0">
               <a:spcBef>
                 <a:spcPts val="0"/>
               </a:spcBef>
@@ -16083,7 +16088,7 @@
 </file>
 
 <file path=ppt/theme/theme1.xml><?xml version="1.0" encoding="utf-8"?>
-<a:theme xmlns:a="http://schemas.openxmlformats.org/drawingml/2006/main" xmlns:r="http://schemas.openxmlformats.org/officeDocument/2006/relationships" name="Geometric">
+<a:theme xmlns:a="http://schemas.openxmlformats.org/drawingml/2006/main" name="Geometric">
   <a:themeElements>
     <a:clrScheme name="Geometric">
       <a:dk1>
@@ -16358,11 +16363,13 @@
       </a:bgFillStyleLst>
     </a:fmtScheme>
   </a:themeElements>
+  <a:objectDefaults/>
+  <a:extraClrSchemeLst/>
 </a:theme>
 </file>
 
 <file path=ppt/theme/theme2.xml><?xml version="1.0" encoding="utf-8"?>
-<a:theme xmlns:a="http://schemas.openxmlformats.org/drawingml/2006/main" xmlns:r="http://schemas.openxmlformats.org/officeDocument/2006/relationships">
+<a:theme xmlns:a="http://schemas.openxmlformats.org/drawingml/2006/main">
   <a:themeElements>
     <a:clrScheme name="Default">
       <a:dk1>
@@ -16637,5 +16644,7 @@
       </a:bgFillStyleLst>
     </a:fmtScheme>
   </a:themeElements>
+  <a:objectDefaults/>
+  <a:extraClrSchemeLst/>
 </a:theme>
 </file>